--- a/りざっと案件_詳細設計書.pptx
+++ b/りざっと案件_詳細設計書.pptx
@@ -5,8 +5,9 @@
     <p:sldMasterId id="2147483648" r:id="rId1"/>
   </p:sldMasterIdLst>
   <p:sldIdLst>
-    <p:sldId id="256" r:id="rId2"/>
-    <p:sldId id="257" r:id="rId3"/>
+    <p:sldId id="258" r:id="rId2"/>
+    <p:sldId id="259" r:id="rId3"/>
+    <p:sldId id="261" r:id="rId4"/>
   </p:sldIdLst>
   <p:sldSz cx="12192000" cy="6858000"/>
   <p:notesSz cx="6858000" cy="9144000"/>
@@ -260,7 +261,7 @@
           <a:p>
             <a:fld id="{68C45014-0F33-4EC0-A353-D831A2E212C9}" type="datetimeFigureOut">
               <a:rPr kumimoji="1" lang="ja-JP" altLang="en-US" smtClean="0"/>
-              <a:t>2025/3/17</a:t>
+              <a:t>2025/4/3</a:t>
             </a:fld>
             <a:endParaRPr kumimoji="1" lang="ja-JP" altLang="en-US"/>
           </a:p>
@@ -490,7 +491,7 @@
           <a:p>
             <a:fld id="{68C45014-0F33-4EC0-A353-D831A2E212C9}" type="datetimeFigureOut">
               <a:rPr kumimoji="1" lang="ja-JP" altLang="en-US" smtClean="0"/>
-              <a:t>2025/3/17</a:t>
+              <a:t>2025/4/3</a:t>
             </a:fld>
             <a:endParaRPr kumimoji="1" lang="ja-JP" altLang="en-US"/>
           </a:p>
@@ -730,7 +731,7 @@
           <a:p>
             <a:fld id="{68C45014-0F33-4EC0-A353-D831A2E212C9}" type="datetimeFigureOut">
               <a:rPr kumimoji="1" lang="ja-JP" altLang="en-US" smtClean="0"/>
-              <a:t>2025/3/17</a:t>
+              <a:t>2025/4/3</a:t>
             </a:fld>
             <a:endParaRPr kumimoji="1" lang="ja-JP" altLang="en-US"/>
           </a:p>
@@ -960,7 +961,7 @@
           <a:p>
             <a:fld id="{68C45014-0F33-4EC0-A353-D831A2E212C9}" type="datetimeFigureOut">
               <a:rPr kumimoji="1" lang="ja-JP" altLang="en-US" smtClean="0"/>
-              <a:t>2025/3/17</a:t>
+              <a:t>2025/4/3</a:t>
             </a:fld>
             <a:endParaRPr kumimoji="1" lang="ja-JP" altLang="en-US"/>
           </a:p>
@@ -1235,7 +1236,7 @@
           <a:p>
             <a:fld id="{68C45014-0F33-4EC0-A353-D831A2E212C9}" type="datetimeFigureOut">
               <a:rPr kumimoji="1" lang="ja-JP" altLang="en-US" smtClean="0"/>
-              <a:t>2025/3/17</a:t>
+              <a:t>2025/4/3</a:t>
             </a:fld>
             <a:endParaRPr kumimoji="1" lang="ja-JP" altLang="en-US"/>
           </a:p>
@@ -1564,7 +1565,7 @@
           <a:p>
             <a:fld id="{68C45014-0F33-4EC0-A353-D831A2E212C9}" type="datetimeFigureOut">
               <a:rPr kumimoji="1" lang="ja-JP" altLang="en-US" smtClean="0"/>
-              <a:t>2025/3/17</a:t>
+              <a:t>2025/4/3</a:t>
             </a:fld>
             <a:endParaRPr kumimoji="1" lang="ja-JP" altLang="en-US"/>
           </a:p>
@@ -2040,7 +2041,7 @@
           <a:p>
             <a:fld id="{68C45014-0F33-4EC0-A353-D831A2E212C9}" type="datetimeFigureOut">
               <a:rPr kumimoji="1" lang="ja-JP" altLang="en-US" smtClean="0"/>
-              <a:t>2025/3/17</a:t>
+              <a:t>2025/4/3</a:t>
             </a:fld>
             <a:endParaRPr kumimoji="1" lang="ja-JP" altLang="en-US"/>
           </a:p>
@@ -2181,7 +2182,7 @@
           <a:p>
             <a:fld id="{68C45014-0F33-4EC0-A353-D831A2E212C9}" type="datetimeFigureOut">
               <a:rPr kumimoji="1" lang="ja-JP" altLang="en-US" smtClean="0"/>
-              <a:t>2025/3/17</a:t>
+              <a:t>2025/4/3</a:t>
             </a:fld>
             <a:endParaRPr kumimoji="1" lang="ja-JP" altLang="en-US"/>
           </a:p>
@@ -2294,7 +2295,7 @@
           <a:p>
             <a:fld id="{68C45014-0F33-4EC0-A353-D831A2E212C9}" type="datetimeFigureOut">
               <a:rPr kumimoji="1" lang="ja-JP" altLang="en-US" smtClean="0"/>
-              <a:t>2025/3/17</a:t>
+              <a:t>2025/4/3</a:t>
             </a:fld>
             <a:endParaRPr kumimoji="1" lang="ja-JP" altLang="en-US"/>
           </a:p>
@@ -2637,7 +2638,7 @@
           <a:p>
             <a:fld id="{68C45014-0F33-4EC0-A353-D831A2E212C9}" type="datetimeFigureOut">
               <a:rPr kumimoji="1" lang="ja-JP" altLang="en-US" smtClean="0"/>
-              <a:t>2025/3/17</a:t>
+              <a:t>2025/4/3</a:t>
             </a:fld>
             <a:endParaRPr kumimoji="1" lang="ja-JP" altLang="en-US"/>
           </a:p>
@@ -2925,7 +2926,7 @@
           <a:p>
             <a:fld id="{68C45014-0F33-4EC0-A353-D831A2E212C9}" type="datetimeFigureOut">
               <a:rPr kumimoji="1" lang="ja-JP" altLang="en-US" smtClean="0"/>
-              <a:t>2025/3/17</a:t>
+              <a:t>2025/4/3</a:t>
             </a:fld>
             <a:endParaRPr kumimoji="1" lang="ja-JP" altLang="en-US"/>
           </a:p>
@@ -3198,7 +3199,7 @@
           <a:p>
             <a:fld id="{68C45014-0F33-4EC0-A353-D831A2E212C9}" type="datetimeFigureOut">
               <a:rPr kumimoji="1" lang="ja-JP" altLang="en-US" smtClean="0"/>
-              <a:t>2025/3/17</a:t>
+              <a:t>2025/4/3</a:t>
             </a:fld>
             <a:endParaRPr kumimoji="1" lang="ja-JP" altLang="en-US"/>
           </a:p>
@@ -3620,7 +3621,7 @@
           <p:cNvPr id="2" name="タイトル 1">
             <a:extLst>
               <a:ext uri="{FF2B5EF4-FFF2-40B4-BE49-F238E27FC236}">
-                <a16:creationId xmlns:a16="http://schemas.microsoft.com/office/drawing/2014/main" id="{070121CE-D400-4552-5314-5D14386ED7A1}"/>
+                <a16:creationId xmlns:a16="http://schemas.microsoft.com/office/drawing/2014/main" id="{1A3A4300-5D5E-0CD6-8969-C515A67E5C39}"/>
               </a:ext>
             </a:extLst>
           </p:cNvPr>
@@ -3637,9 +3638,16 @@
           <a:lstStyle/>
           <a:p>
             <a:r>
-              <a:rPr kumimoji="1" lang="ja-JP" altLang="en-US" dirty="0"/>
-              <a:t>りざっと</a:t>
-            </a:r>
+              <a:rPr kumimoji="1" lang="en-US" altLang="ja-JP" dirty="0" err="1">
+                <a:latin typeface="HGS明朝E" panose="02020900000000000000" pitchFamily="18" charset="-128"/>
+                <a:ea typeface="HGS明朝E" panose="02020900000000000000" pitchFamily="18" charset="-128"/>
+              </a:rPr>
+              <a:t>Resat</a:t>
+            </a:r>
+            <a:endParaRPr kumimoji="1" lang="ja-JP" altLang="en-US" dirty="0">
+              <a:latin typeface="HGS明朝E" panose="02020900000000000000" pitchFamily="18" charset="-128"/>
+              <a:ea typeface="HGS明朝E" panose="02020900000000000000" pitchFamily="18" charset="-128"/>
+            </a:endParaRPr>
           </a:p>
         </p:txBody>
       </p:sp>
@@ -3648,7 +3656,7 @@
           <p:cNvPr id="3" name="字幕 2">
             <a:extLst>
               <a:ext uri="{FF2B5EF4-FFF2-40B4-BE49-F238E27FC236}">
-                <a16:creationId xmlns:a16="http://schemas.microsoft.com/office/drawing/2014/main" id="{EFA2E9B4-A2AC-B70F-A3BA-BAAD4130B86C}"/>
+                <a16:creationId xmlns:a16="http://schemas.microsoft.com/office/drawing/2014/main" id="{048C7CE2-72B8-5655-18DA-2AA0DB52102A}"/>
               </a:ext>
             </a:extLst>
           </p:cNvPr>
@@ -3665,87 +3673,25 @@
           <a:lstStyle/>
           <a:p>
             <a:r>
-              <a:rPr kumimoji="1" lang="ja-JP" altLang="en-US" dirty="0"/>
-              <a:t>基本設計書</a:t>
-            </a:r>
-          </a:p>
-        </p:txBody>
-      </p:sp>
-    </p:spTree>
-    <p:extLst>
-      <p:ext uri="{BB962C8B-B14F-4D97-AF65-F5344CB8AC3E}">
-        <p14:creationId xmlns:p14="http://schemas.microsoft.com/office/powerpoint/2010/main" val="1200282621"/>
-      </p:ext>
-    </p:extLst>
-  </p:cSld>
-  <p:clrMapOvr>
-    <a:masterClrMapping/>
-  </p:clrMapOvr>
-</p:sld>
-</file>
-
-<file path=ppt/slides/slide2.xml><?xml version="1.0" encoding="utf-8"?>
-<p:sld xmlns:a="http://schemas.openxmlformats.org/drawingml/2006/main" xmlns:r="http://schemas.openxmlformats.org/officeDocument/2006/relationships" xmlns:p="http://schemas.openxmlformats.org/presentationml/2006/main">
-  <p:cSld>
-    <p:spTree>
-      <p:nvGrpSpPr>
-        <p:cNvPr id="1" name=""/>
-        <p:cNvGrpSpPr/>
-        <p:nvPr/>
-      </p:nvGrpSpPr>
-      <p:grpSpPr>
-        <a:xfrm>
-          <a:off x="0" y="0"/>
-          <a:ext cx="0" cy="0"/>
-          <a:chOff x="0" y="0"/>
-          <a:chExt cx="0" cy="0"/>
-        </a:xfrm>
-      </p:grpSpPr>
-      <p:sp>
-        <p:nvSpPr>
-          <p:cNvPr id="2" name="タイトル 1">
-            <a:extLst>
-              <a:ext uri="{FF2B5EF4-FFF2-40B4-BE49-F238E27FC236}">
-                <a16:creationId xmlns:a16="http://schemas.microsoft.com/office/drawing/2014/main" id="{02619B0D-BDD8-C243-814A-07318C78A56E}"/>
-              </a:ext>
-            </a:extLst>
-          </p:cNvPr>
-          <p:cNvSpPr>
-            <a:spLocks noGrp="1"/>
-          </p:cNvSpPr>
-          <p:nvPr>
-            <p:ph type="title"/>
-          </p:nvPr>
-        </p:nvSpPr>
-        <p:spPr>
-          <a:xfrm>
-            <a:off x="0" y="0"/>
-            <a:ext cx="12192000" cy="885825"/>
-          </a:xfrm>
-          <a:solidFill>
-            <a:schemeClr val="accent5">
-              <a:lumMod val="20000"/>
-              <a:lumOff val="80000"/>
-            </a:schemeClr>
-          </a:solidFill>
-        </p:spPr>
-        <p:txBody>
-          <a:bodyPr/>
-          <a:lstStyle/>
-          <a:p>
-            <a:r>
-              <a:rPr kumimoji="1" lang="ja-JP" altLang="en-US" dirty="0"/>
-              <a:t>シーケンス図（ログイン）</a:t>
-            </a:r>
+              <a:rPr lang="ja-JP" altLang="en-US" dirty="0">
+                <a:latin typeface="HGS明朝E" panose="02020900000000000000" pitchFamily="18" charset="-128"/>
+                <a:ea typeface="HGS明朝E" panose="02020900000000000000" pitchFamily="18" charset="-128"/>
+              </a:rPr>
+              <a:t>劇団抜きにくい釘 チケット予約システム</a:t>
+            </a:r>
+            <a:endParaRPr kumimoji="1" lang="ja-JP" altLang="en-US" dirty="0">
+              <a:latin typeface="HGS明朝E" panose="02020900000000000000" pitchFamily="18" charset="-128"/>
+              <a:ea typeface="HGS明朝E" panose="02020900000000000000" pitchFamily="18" charset="-128"/>
+            </a:endParaRPr>
           </a:p>
         </p:txBody>
       </p:sp>
       <p:pic>
         <p:nvPicPr>
-          <p:cNvPr id="6" name="グラフィックス 5">
-            <a:extLst>
-              <a:ext uri="{FF2B5EF4-FFF2-40B4-BE49-F238E27FC236}">
-                <a16:creationId xmlns:a16="http://schemas.microsoft.com/office/drawing/2014/main" id="{E74771FA-7B58-D1A7-FA54-20157A4CD078}"/>
+          <p:cNvPr id="4" name="図 3" descr="黒い背景に白い文字がある&#10;&#10;低い精度で自動的に生成された説明">
+            <a:extLst>
+              <a:ext uri="{FF2B5EF4-FFF2-40B4-BE49-F238E27FC236}">
+                <a16:creationId xmlns:a16="http://schemas.microsoft.com/office/drawing/2014/main" id="{136ED0E3-7068-0FAA-4CFF-2E237C39F028}"/>
               </a:ext>
             </a:extLst>
           </p:cNvPr>
@@ -3757,11 +3703,8 @@
         <p:blipFill>
           <a:blip r:embed="rId2">
             <a:extLst>
-              <a:ext uri="{96DAC541-7B7A-43D3-8B79-37D633B846F1}">
-                <asvg:svgBlip xmlns:asvg="http://schemas.microsoft.com/office/drawing/2016/SVG/main" r:embed="rId3"/>
-              </a:ext>
-              <a:ext uri="{837473B0-CC2E-450A-ABE3-18F120FF3D39}">
-                <a1611:picAttrSrcUrl xmlns:a1611="http://schemas.microsoft.com/office/drawing/2016/11/main" r:id="rId4"/>
+              <a:ext uri="{28A0092B-C50C-407E-A947-70E740481C1C}">
+                <a14:useLocalDpi xmlns:a14="http://schemas.microsoft.com/office/drawing/2010/main" val="0"/>
               </a:ext>
             </a:extLst>
           </a:blip>
@@ -3770,279 +3713,40 @@
           </a:stretch>
         </p:blipFill>
         <p:spPr>
-          <a:xfrm flipH="1">
-            <a:off x="462524" y="1907542"/>
-            <a:ext cx="900874" cy="1033463"/>
+          <a:xfrm>
+            <a:off x="9982230" y="121271"/>
+            <a:ext cx="2001068" cy="636703"/>
           </a:xfrm>
           <a:prstGeom prst="rect">
             <a:avLst/>
           </a:prstGeom>
         </p:spPr>
       </p:pic>
-      <p:cxnSp>
-        <p:nvCxnSpPr>
-          <p:cNvPr id="8" name="直線コネクタ 7">
-            <a:extLst>
-              <a:ext uri="{FF2B5EF4-FFF2-40B4-BE49-F238E27FC236}">
-                <a16:creationId xmlns:a16="http://schemas.microsoft.com/office/drawing/2014/main" id="{3A913B63-C2E2-6E8F-2E77-62A819204D75}"/>
-              </a:ext>
-            </a:extLst>
-          </p:cNvPr>
-          <p:cNvCxnSpPr/>
+      <p:sp>
+        <p:nvSpPr>
+          <p:cNvPr id="5" name="フローチャート: 記憶データ 4">
+            <a:extLst>
+              <a:ext uri="{FF2B5EF4-FFF2-40B4-BE49-F238E27FC236}">
+                <a16:creationId xmlns:a16="http://schemas.microsoft.com/office/drawing/2014/main" id="{F08829E5-1D92-5BB9-7073-09FDC11CCA45}"/>
+              </a:ext>
+            </a:extLst>
+          </p:cNvPr>
+          <p:cNvSpPr/>
           <p:nvPr/>
-        </p:nvCxnSpPr>
+        </p:nvSpPr>
         <p:spPr>
           <a:xfrm>
-            <a:off x="1363398" y="2424273"/>
-            <a:ext cx="1427427" cy="0"/>
+            <a:off x="-3560323" y="0"/>
+            <a:ext cx="6517532" cy="6858000"/>
           </a:xfrm>
-          <a:prstGeom prst="line">
+          <a:prstGeom prst="flowChartOnlineStorage">
             <a:avLst/>
           </a:prstGeom>
-        </p:spPr>
-        <p:style>
-          <a:lnRef idx="1">
-            <a:schemeClr val="accent1"/>
-          </a:lnRef>
-          <a:fillRef idx="0">
-            <a:schemeClr val="accent1"/>
-          </a:fillRef>
-          <a:effectRef idx="0">
-            <a:schemeClr val="accent1"/>
-          </a:effectRef>
-          <a:fontRef idx="minor">
-            <a:schemeClr val="tx1"/>
-          </a:fontRef>
-        </p:style>
-      </p:cxnSp>
-      <p:sp>
-        <p:nvSpPr>
-          <p:cNvPr id="9" name="テキスト ボックス 8">
-            <a:extLst>
-              <a:ext uri="{FF2B5EF4-FFF2-40B4-BE49-F238E27FC236}">
-                <a16:creationId xmlns:a16="http://schemas.microsoft.com/office/drawing/2014/main" id="{247F43EB-7196-DBBB-BAB1-30B566EF83E8}"/>
-              </a:ext>
-            </a:extLst>
-          </p:cNvPr>
-          <p:cNvSpPr txBox="1"/>
-          <p:nvPr/>
-        </p:nvSpPr>
-        <p:spPr>
-          <a:xfrm>
-            <a:off x="1590674" y="2560003"/>
-            <a:ext cx="900875" cy="380997"/>
-          </a:xfrm>
-          <a:prstGeom prst="rect">
-            <a:avLst/>
-          </a:prstGeom>
-          <a:noFill/>
-        </p:spPr>
-        <p:txBody>
-          <a:bodyPr wrap="square" rtlCol="0">
-            <a:spAutoFit/>
-          </a:bodyPr>
-          <a:lstStyle/>
-          <a:p>
-            <a:pPr algn="ctr"/>
-            <a:r>
-              <a:rPr kumimoji="1" lang="ja-JP" altLang="en-US" sz="900" dirty="0"/>
-              <a:t>りざっと</a:t>
-            </a:r>
-            <a:r>
-              <a:rPr kumimoji="1" lang="en-US" altLang="ja-JP" sz="900" dirty="0"/>
-              <a:t>URL</a:t>
-            </a:r>
-            <a:endParaRPr lang="en-US" altLang="ja-JP" sz="900" dirty="0"/>
-          </a:p>
-          <a:p>
-            <a:pPr algn="ctr"/>
-            <a:r>
-              <a:rPr kumimoji="1" lang="ja-JP" altLang="en-US" sz="900" dirty="0"/>
-              <a:t>アクセス</a:t>
-            </a:r>
-          </a:p>
-        </p:txBody>
-      </p:sp>
-      <p:cxnSp>
-        <p:nvCxnSpPr>
-          <p:cNvPr id="11" name="直線矢印コネクタ 10">
-            <a:extLst>
-              <a:ext uri="{FF2B5EF4-FFF2-40B4-BE49-F238E27FC236}">
-                <a16:creationId xmlns:a16="http://schemas.microsoft.com/office/drawing/2014/main" id="{857DBB98-D469-EBE0-59AF-BBE86A99012B}"/>
-              </a:ext>
-            </a:extLst>
-          </p:cNvPr>
-          <p:cNvCxnSpPr/>
-          <p:nvPr/>
-        </p:nvCxnSpPr>
-        <p:spPr>
-          <a:xfrm>
-            <a:off x="2790825" y="2424273"/>
-            <a:ext cx="1581150" cy="0"/>
-          </a:xfrm>
-          <a:prstGeom prst="straightConnector1">
-            <a:avLst/>
-          </a:prstGeom>
-          <a:ln>
-            <a:tailEnd type="triangle"/>
-          </a:ln>
-        </p:spPr>
-        <p:style>
-          <a:lnRef idx="1">
-            <a:schemeClr val="accent1"/>
-          </a:lnRef>
-          <a:fillRef idx="0">
-            <a:schemeClr val="accent1"/>
-          </a:fillRef>
-          <a:effectRef idx="0">
-            <a:schemeClr val="accent1"/>
-          </a:effectRef>
-          <a:fontRef idx="minor">
-            <a:schemeClr val="tx1"/>
-          </a:fontRef>
-        </p:style>
-      </p:cxnSp>
-      <p:cxnSp>
-        <p:nvCxnSpPr>
-          <p:cNvPr id="13" name="コネクタ: カギ線 12">
-            <a:extLst>
-              <a:ext uri="{FF2B5EF4-FFF2-40B4-BE49-F238E27FC236}">
-                <a16:creationId xmlns:a16="http://schemas.microsoft.com/office/drawing/2014/main" id="{0F64F1BB-0F64-B1C4-3561-B8FD81023ABC}"/>
-              </a:ext>
-            </a:extLst>
-          </p:cNvPr>
-          <p:cNvCxnSpPr/>
-          <p:nvPr/>
-        </p:nvCxnSpPr>
-        <p:spPr>
-          <a:xfrm>
-            <a:off x="2790825" y="2424273"/>
-            <a:ext cx="1581150" cy="1178717"/>
-          </a:xfrm>
-          <a:prstGeom prst="bentConnector3">
-            <a:avLst>
-              <a:gd name="adj1" fmla="val 602"/>
-            </a:avLst>
-          </a:prstGeom>
-          <a:ln>
-            <a:tailEnd type="triangle"/>
-          </a:ln>
-        </p:spPr>
-        <p:style>
-          <a:lnRef idx="1">
-            <a:schemeClr val="accent1"/>
-          </a:lnRef>
-          <a:fillRef idx="0">
-            <a:schemeClr val="accent1"/>
-          </a:fillRef>
-          <a:effectRef idx="0">
-            <a:schemeClr val="accent1"/>
-          </a:effectRef>
-          <a:fontRef idx="minor">
-            <a:schemeClr val="tx1"/>
-          </a:fontRef>
-        </p:style>
-      </p:cxnSp>
-      <p:sp>
-        <p:nvSpPr>
-          <p:cNvPr id="19" name="テキスト ボックス 18">
-            <a:extLst>
-              <a:ext uri="{FF2B5EF4-FFF2-40B4-BE49-F238E27FC236}">
-                <a16:creationId xmlns:a16="http://schemas.microsoft.com/office/drawing/2014/main" id="{FEACCAC1-3C5B-85AB-D647-90373E212209}"/>
-              </a:ext>
-            </a:extLst>
-          </p:cNvPr>
-          <p:cNvSpPr txBox="1"/>
-          <p:nvPr/>
-        </p:nvSpPr>
-        <p:spPr>
-          <a:xfrm>
-            <a:off x="2852044" y="2560003"/>
-            <a:ext cx="1458707" cy="369332"/>
-          </a:xfrm>
-          <a:prstGeom prst="rect">
-            <a:avLst/>
-          </a:prstGeom>
-          <a:noFill/>
-        </p:spPr>
-        <p:txBody>
-          <a:bodyPr wrap="square" rtlCol="0">
-            <a:spAutoFit/>
-          </a:bodyPr>
-          <a:lstStyle/>
-          <a:p>
-            <a:pPr algn="ctr"/>
-            <a:r>
-              <a:rPr kumimoji="1" lang="ja-JP" altLang="en-US" sz="900" dirty="0"/>
-              <a:t>セッションにログイン</a:t>
-            </a:r>
-            <a:endParaRPr kumimoji="1" lang="en-US" altLang="ja-JP" sz="900" dirty="0"/>
-          </a:p>
-          <a:p>
-            <a:pPr algn="ctr"/>
-            <a:r>
-              <a:rPr kumimoji="1" lang="ja-JP" altLang="en-US" sz="900" dirty="0"/>
-              <a:t>情報が保持されていない</a:t>
-            </a:r>
-          </a:p>
-        </p:txBody>
-      </p:sp>
-      <p:sp>
-        <p:nvSpPr>
-          <p:cNvPr id="20" name="テキスト ボックス 19">
-            <a:extLst>
-              <a:ext uri="{FF2B5EF4-FFF2-40B4-BE49-F238E27FC236}">
-                <a16:creationId xmlns:a16="http://schemas.microsoft.com/office/drawing/2014/main" id="{010A4ADC-0816-140B-8A27-D900AB8A94FA}"/>
-              </a:ext>
-            </a:extLst>
-          </p:cNvPr>
-          <p:cNvSpPr txBox="1"/>
-          <p:nvPr/>
-        </p:nvSpPr>
-        <p:spPr>
-          <a:xfrm>
-            <a:off x="2913267" y="3620851"/>
-            <a:ext cx="1336263" cy="380998"/>
-          </a:xfrm>
-          <a:prstGeom prst="rect">
-            <a:avLst/>
-          </a:prstGeom>
-          <a:noFill/>
-        </p:spPr>
-        <p:txBody>
-          <a:bodyPr wrap="square" rtlCol="0">
-            <a:spAutoFit/>
-          </a:bodyPr>
-          <a:lstStyle/>
-          <a:p>
-            <a:pPr algn="ctr"/>
-            <a:r>
-              <a:rPr kumimoji="1" lang="ja-JP" altLang="en-US" sz="900" dirty="0"/>
-              <a:t>セッションにログイン情報が保持されている</a:t>
-            </a:r>
-          </a:p>
-        </p:txBody>
-      </p:sp>
-      <p:sp>
-        <p:nvSpPr>
-          <p:cNvPr id="21" name="正方形/長方形 20">
-            <a:extLst>
-              <a:ext uri="{FF2B5EF4-FFF2-40B4-BE49-F238E27FC236}">
-                <a16:creationId xmlns:a16="http://schemas.microsoft.com/office/drawing/2014/main" id="{43DC8CAE-0D38-48D3-35A7-458399454D39}"/>
-              </a:ext>
-            </a:extLst>
-          </p:cNvPr>
-          <p:cNvSpPr/>
-          <p:nvPr/>
-        </p:nvSpPr>
-        <p:spPr>
-          <a:xfrm>
-            <a:off x="4371970" y="2174838"/>
-            <a:ext cx="900874" cy="498868"/>
-          </a:xfrm>
-          <a:prstGeom prst="rect">
-            <a:avLst/>
-          </a:prstGeom>
+          <a:solidFill>
+            <a:schemeClr val="accent1">
+              <a:lumMod val="50000"/>
+            </a:schemeClr>
+          </a:solidFill>
         </p:spPr>
         <p:style>
           <a:lnRef idx="2">
@@ -4065,41 +3769,501 @@
           <a:lstStyle/>
           <a:p>
             <a:pPr algn="ctr"/>
-            <a:r>
-              <a:rPr kumimoji="1" lang="ja-JP" altLang="en-US" sz="900" dirty="0"/>
-              <a:t>ログイン</a:t>
-            </a:r>
-            <a:endParaRPr kumimoji="1" lang="en-US" altLang="ja-JP" sz="900" dirty="0"/>
-          </a:p>
-          <a:p>
-            <a:pPr algn="ctr"/>
-            <a:r>
-              <a:rPr kumimoji="1" lang="ja-JP" altLang="en-US" sz="900" dirty="0"/>
-              <a:t>ページ</a:t>
-            </a:r>
-          </a:p>
-        </p:txBody>
-      </p:sp>
-      <p:sp>
-        <p:nvSpPr>
-          <p:cNvPr id="22" name="正方形/長方形 21">
-            <a:extLst>
-              <a:ext uri="{FF2B5EF4-FFF2-40B4-BE49-F238E27FC236}">
-                <a16:creationId xmlns:a16="http://schemas.microsoft.com/office/drawing/2014/main" id="{3FD0E006-9336-771E-5695-C3CCDA1E7FA9}"/>
-              </a:ext>
-            </a:extLst>
-          </p:cNvPr>
-          <p:cNvSpPr/>
-          <p:nvPr/>
+            <a:endParaRPr kumimoji="1" lang="ja-JP" altLang="en-US"/>
+          </a:p>
+        </p:txBody>
+      </p:sp>
+    </p:spTree>
+    <p:extLst>
+      <p:ext uri="{BB962C8B-B14F-4D97-AF65-F5344CB8AC3E}">
+        <p14:creationId xmlns:p14="http://schemas.microsoft.com/office/powerpoint/2010/main" val="716095379"/>
+      </p:ext>
+    </p:extLst>
+  </p:cSld>
+  <p:clrMapOvr>
+    <a:masterClrMapping/>
+  </p:clrMapOvr>
+</p:sld>
+</file>
+
+<file path=ppt/slides/slide2.xml><?xml version="1.0" encoding="utf-8"?>
+<p:sld xmlns:a="http://schemas.openxmlformats.org/drawingml/2006/main" xmlns:r="http://schemas.openxmlformats.org/officeDocument/2006/relationships" xmlns:p="http://schemas.openxmlformats.org/presentationml/2006/main">
+  <p:cSld>
+    <p:spTree>
+      <p:nvGrpSpPr>
+        <p:cNvPr id="1" name="">
+          <a:extLst>
+            <a:ext uri="{FF2B5EF4-FFF2-40B4-BE49-F238E27FC236}">
+              <a16:creationId xmlns:a16="http://schemas.microsoft.com/office/drawing/2014/main" id="{7C04CF6B-1902-38B5-C8F5-C3B91D888B0A}"/>
+            </a:ext>
+          </a:extLst>
+        </p:cNvPr>
+        <p:cNvGrpSpPr/>
+        <p:nvPr/>
+      </p:nvGrpSpPr>
+      <p:grpSpPr>
+        <a:xfrm>
+          <a:off x="0" y="0"/>
+          <a:ext cx="0" cy="0"/>
+          <a:chOff x="0" y="0"/>
+          <a:chExt cx="0" cy="0"/>
+        </a:xfrm>
+      </p:grpSpPr>
+      <p:sp>
+        <p:nvSpPr>
+          <p:cNvPr id="3" name="字幕 2">
+            <a:extLst>
+              <a:ext uri="{FF2B5EF4-FFF2-40B4-BE49-F238E27FC236}">
+                <a16:creationId xmlns:a16="http://schemas.microsoft.com/office/drawing/2014/main" id="{1FC57F5B-A40F-0707-9EBC-5FEF7BB53362}"/>
+              </a:ext>
+            </a:extLst>
+          </p:cNvPr>
+          <p:cNvSpPr>
+            <a:spLocks noGrp="1"/>
+          </p:cNvSpPr>
+          <p:nvPr>
+            <p:ph type="subTitle" idx="1"/>
+          </p:nvPr>
         </p:nvSpPr>
         <p:spPr>
           <a:xfrm>
-            <a:off x="4371970" y="3353556"/>
-            <a:ext cx="900874" cy="498868"/>
+            <a:off x="0" y="0"/>
+            <a:ext cx="2001068" cy="318986"/>
+          </a:xfrm>
+        </p:spPr>
+        <p:txBody>
+          <a:bodyPr>
+            <a:normAutofit/>
+          </a:bodyPr>
+          <a:lstStyle/>
+          <a:p>
+            <a:pPr algn="l"/>
+            <a:r>
+              <a:rPr lang="ja-JP" altLang="en-US" sz="1400" dirty="0">
+                <a:latin typeface="HGS明朝E" panose="02020900000000000000" pitchFamily="18" charset="-128"/>
+                <a:ea typeface="HGS明朝E" panose="02020900000000000000" pitchFamily="18" charset="-128"/>
+              </a:rPr>
+              <a:t>チケット予約システム</a:t>
+            </a:r>
+            <a:endParaRPr kumimoji="1" lang="ja-JP" altLang="en-US" sz="1400" dirty="0">
+              <a:latin typeface="HGS明朝E" panose="02020900000000000000" pitchFamily="18" charset="-128"/>
+              <a:ea typeface="HGS明朝E" panose="02020900000000000000" pitchFamily="18" charset="-128"/>
+            </a:endParaRPr>
+          </a:p>
+        </p:txBody>
+      </p:sp>
+      <p:pic>
+        <p:nvPicPr>
+          <p:cNvPr id="4" name="図 3" descr="黒い背景に白い文字がある&#10;&#10;低い精度で自動的に生成された説明">
+            <a:extLst>
+              <a:ext uri="{FF2B5EF4-FFF2-40B4-BE49-F238E27FC236}">
+                <a16:creationId xmlns:a16="http://schemas.microsoft.com/office/drawing/2014/main" id="{CBED2DDD-F65E-EEC2-8B1E-EC4D84851F2E}"/>
+              </a:ext>
+            </a:extLst>
+          </p:cNvPr>
+          <p:cNvPicPr>
+            <a:picLocks noChangeAspect="1"/>
+          </p:cNvPicPr>
+          <p:nvPr/>
+        </p:nvPicPr>
+        <p:blipFill>
+          <a:blip r:embed="rId2">
+            <a:extLst>
+              <a:ext uri="{28A0092B-C50C-407E-A947-70E740481C1C}">
+                <a14:useLocalDpi xmlns:a14="http://schemas.microsoft.com/office/drawing/2010/main" val="0"/>
+              </a:ext>
+            </a:extLst>
+          </a:blip>
+          <a:stretch>
+            <a:fillRect/>
+          </a:stretch>
+        </p:blipFill>
+        <p:spPr>
+          <a:xfrm>
+            <a:off x="9982230" y="121271"/>
+            <a:ext cx="2001068" cy="636703"/>
           </a:xfrm>
           <a:prstGeom prst="rect">
             <a:avLst/>
           </a:prstGeom>
+        </p:spPr>
+      </p:pic>
+      <p:cxnSp>
+        <p:nvCxnSpPr>
+          <p:cNvPr id="9" name="直線コネクタ 8">
+            <a:extLst>
+              <a:ext uri="{FF2B5EF4-FFF2-40B4-BE49-F238E27FC236}">
+                <a16:creationId xmlns:a16="http://schemas.microsoft.com/office/drawing/2014/main" id="{5698917B-F937-D09F-8D64-FDB7420B7158}"/>
+              </a:ext>
+            </a:extLst>
+          </p:cNvPr>
+          <p:cNvCxnSpPr>
+            <a:cxnSpLocks/>
+          </p:cNvCxnSpPr>
+          <p:nvPr/>
+        </p:nvCxnSpPr>
+        <p:spPr>
+          <a:xfrm>
+            <a:off x="0" y="757974"/>
+            <a:ext cx="9513651" cy="0"/>
+          </a:xfrm>
+          <a:prstGeom prst="line">
+            <a:avLst/>
+          </a:prstGeom>
+          <a:ln>
+            <a:solidFill>
+              <a:schemeClr val="accent1">
+                <a:lumMod val="50000"/>
+              </a:schemeClr>
+            </a:solidFill>
+          </a:ln>
+        </p:spPr>
+        <p:style>
+          <a:lnRef idx="2">
+            <a:schemeClr val="accent1"/>
+          </a:lnRef>
+          <a:fillRef idx="0">
+            <a:schemeClr val="accent1"/>
+          </a:fillRef>
+          <a:effectRef idx="1">
+            <a:schemeClr val="accent1"/>
+          </a:effectRef>
+          <a:fontRef idx="minor">
+            <a:schemeClr val="tx1"/>
+          </a:fontRef>
+        </p:style>
+      </p:cxnSp>
+      <p:sp>
+        <p:nvSpPr>
+          <p:cNvPr id="15" name="テキスト ボックス 14">
+            <a:extLst>
+              <a:ext uri="{FF2B5EF4-FFF2-40B4-BE49-F238E27FC236}">
+                <a16:creationId xmlns:a16="http://schemas.microsoft.com/office/drawing/2014/main" id="{2A8E35D0-C026-BF07-91B0-149A023CF873}"/>
+              </a:ext>
+            </a:extLst>
+          </p:cNvPr>
+          <p:cNvSpPr txBox="1"/>
+          <p:nvPr/>
+        </p:nvSpPr>
+        <p:spPr>
+          <a:xfrm>
+            <a:off x="1050587" y="233464"/>
+            <a:ext cx="8463063" cy="523220"/>
+          </a:xfrm>
+          <a:prstGeom prst="rect">
+            <a:avLst/>
+          </a:prstGeom>
+          <a:noFill/>
+        </p:spPr>
+        <p:txBody>
+          <a:bodyPr wrap="square" rtlCol="0">
+            <a:spAutoFit/>
+          </a:bodyPr>
+          <a:lstStyle/>
+          <a:p>
+            <a:r>
+              <a:rPr kumimoji="1" lang="en-US" altLang="ja-JP" sz="2800" dirty="0">
+                <a:latin typeface="HGS明朝E" panose="02020900000000000000" pitchFamily="18" charset="-128"/>
+                <a:ea typeface="HGS明朝E" panose="02020900000000000000" pitchFamily="18" charset="-128"/>
+              </a:rPr>
+              <a:t>Chapter 1 : </a:t>
+            </a:r>
+            <a:r>
+              <a:rPr kumimoji="1" lang="ja-JP" altLang="en-US" sz="2800" dirty="0">
+                <a:latin typeface="HGS明朝E" panose="02020900000000000000" pitchFamily="18" charset="-128"/>
+                <a:ea typeface="HGS明朝E" panose="02020900000000000000" pitchFamily="18" charset="-128"/>
+              </a:rPr>
+              <a:t>フロー概要</a:t>
+            </a:r>
+          </a:p>
+        </p:txBody>
+      </p:sp>
+      <p:sp>
+        <p:nvSpPr>
+          <p:cNvPr id="17" name="テキスト ボックス 16">
+            <a:extLst>
+              <a:ext uri="{FF2B5EF4-FFF2-40B4-BE49-F238E27FC236}">
+                <a16:creationId xmlns:a16="http://schemas.microsoft.com/office/drawing/2014/main" id="{1ACE4E19-390A-C57D-24A9-DBE64BF6B732}"/>
+              </a:ext>
+            </a:extLst>
+          </p:cNvPr>
+          <p:cNvSpPr txBox="1"/>
+          <p:nvPr/>
+        </p:nvSpPr>
+        <p:spPr>
+          <a:xfrm>
+            <a:off x="1000534" y="3075057"/>
+            <a:ext cx="10560266" cy="707886"/>
+          </a:xfrm>
+          <a:prstGeom prst="rect">
+            <a:avLst/>
+          </a:prstGeom>
+          <a:noFill/>
+        </p:spPr>
+        <p:txBody>
+          <a:bodyPr wrap="square" rtlCol="0">
+            <a:spAutoFit/>
+          </a:bodyPr>
+          <a:lstStyle/>
+          <a:p>
+            <a:r>
+              <a:rPr lang="en-US" altLang="ja-JP" sz="4000" dirty="0">
+                <a:latin typeface="HGS明朝E" panose="02020900000000000000" pitchFamily="18" charset="-128"/>
+                <a:ea typeface="HGS明朝E" panose="02020900000000000000" pitchFamily="18" charset="-128"/>
+              </a:rPr>
+              <a:t>Chapter 1 : </a:t>
+            </a:r>
+            <a:r>
+              <a:rPr kumimoji="1" lang="ja-JP" altLang="en-US" sz="4000" dirty="0">
+                <a:latin typeface="HGS明朝E" panose="02020900000000000000" pitchFamily="18" charset="-128"/>
+                <a:ea typeface="HGS明朝E" panose="02020900000000000000" pitchFamily="18" charset="-128"/>
+              </a:rPr>
+              <a:t>フロー概要</a:t>
+            </a:r>
+            <a:endParaRPr lang="en-US" altLang="ja-JP" sz="4000" dirty="0">
+              <a:latin typeface="HGS明朝E" panose="02020900000000000000" pitchFamily="18" charset="-128"/>
+              <a:ea typeface="HGS明朝E" panose="02020900000000000000" pitchFamily="18" charset="-128"/>
+            </a:endParaRPr>
+          </a:p>
+        </p:txBody>
+      </p:sp>
+    </p:spTree>
+    <p:extLst>
+      <p:ext uri="{BB962C8B-B14F-4D97-AF65-F5344CB8AC3E}">
+        <p14:creationId xmlns:p14="http://schemas.microsoft.com/office/powerpoint/2010/main" val="666806366"/>
+      </p:ext>
+    </p:extLst>
+  </p:cSld>
+  <p:clrMapOvr>
+    <a:masterClrMapping/>
+  </p:clrMapOvr>
+</p:sld>
+</file>
+
+<file path=ppt/slides/slide3.xml><?xml version="1.0" encoding="utf-8"?>
+<p:sld xmlns:a="http://schemas.openxmlformats.org/drawingml/2006/main" xmlns:r="http://schemas.openxmlformats.org/officeDocument/2006/relationships" xmlns:p="http://schemas.openxmlformats.org/presentationml/2006/main">
+  <p:cSld>
+    <p:spTree>
+      <p:nvGrpSpPr>
+        <p:cNvPr id="1" name="">
+          <a:extLst>
+            <a:ext uri="{FF2B5EF4-FFF2-40B4-BE49-F238E27FC236}">
+              <a16:creationId xmlns:a16="http://schemas.microsoft.com/office/drawing/2014/main" id="{5A886D71-F137-82DD-F19D-2C6378F910C4}"/>
+            </a:ext>
+          </a:extLst>
+        </p:cNvPr>
+        <p:cNvGrpSpPr/>
+        <p:nvPr/>
+      </p:nvGrpSpPr>
+      <p:grpSpPr>
+        <a:xfrm>
+          <a:off x="0" y="0"/>
+          <a:ext cx="0" cy="0"/>
+          <a:chOff x="0" y="0"/>
+          <a:chExt cx="0" cy="0"/>
+        </a:xfrm>
+      </p:grpSpPr>
+      <p:sp>
+        <p:nvSpPr>
+          <p:cNvPr id="3" name="字幕 2">
+            <a:extLst>
+              <a:ext uri="{FF2B5EF4-FFF2-40B4-BE49-F238E27FC236}">
+                <a16:creationId xmlns:a16="http://schemas.microsoft.com/office/drawing/2014/main" id="{DDF78DAF-C56C-1222-FA80-2A85322DD34A}"/>
+              </a:ext>
+            </a:extLst>
+          </p:cNvPr>
+          <p:cNvSpPr>
+            <a:spLocks noGrp="1"/>
+          </p:cNvSpPr>
+          <p:nvPr>
+            <p:ph type="subTitle" idx="1"/>
+          </p:nvPr>
+        </p:nvSpPr>
+        <p:spPr>
+          <a:xfrm>
+            <a:off x="0" y="0"/>
+            <a:ext cx="2001068" cy="318986"/>
+          </a:xfrm>
+        </p:spPr>
+        <p:txBody>
+          <a:bodyPr>
+            <a:normAutofit/>
+          </a:bodyPr>
+          <a:lstStyle/>
+          <a:p>
+            <a:pPr algn="l"/>
+            <a:r>
+              <a:rPr lang="ja-JP" altLang="en-US" sz="1400" dirty="0">
+                <a:latin typeface="HGS明朝E" panose="02020900000000000000" pitchFamily="18" charset="-128"/>
+                <a:ea typeface="HGS明朝E" panose="02020900000000000000" pitchFamily="18" charset="-128"/>
+              </a:rPr>
+              <a:t>チケット予約システム</a:t>
+            </a:r>
+            <a:endParaRPr kumimoji="1" lang="ja-JP" altLang="en-US" sz="1400" dirty="0">
+              <a:latin typeface="HGS明朝E" panose="02020900000000000000" pitchFamily="18" charset="-128"/>
+              <a:ea typeface="HGS明朝E" panose="02020900000000000000" pitchFamily="18" charset="-128"/>
+            </a:endParaRPr>
+          </a:p>
+        </p:txBody>
+      </p:sp>
+      <p:pic>
+        <p:nvPicPr>
+          <p:cNvPr id="4" name="図 3" descr="黒い背景に白い文字がある&#10;&#10;低い精度で自動的に生成された説明">
+            <a:extLst>
+              <a:ext uri="{FF2B5EF4-FFF2-40B4-BE49-F238E27FC236}">
+                <a16:creationId xmlns:a16="http://schemas.microsoft.com/office/drawing/2014/main" id="{9AE285BF-2CF1-6245-53AF-C9FF43D2C913}"/>
+              </a:ext>
+            </a:extLst>
+          </p:cNvPr>
+          <p:cNvPicPr>
+            <a:picLocks noChangeAspect="1"/>
+          </p:cNvPicPr>
+          <p:nvPr/>
+        </p:nvPicPr>
+        <p:blipFill>
+          <a:blip r:embed="rId2">
+            <a:extLst>
+              <a:ext uri="{28A0092B-C50C-407E-A947-70E740481C1C}">
+                <a14:useLocalDpi xmlns:a14="http://schemas.microsoft.com/office/drawing/2010/main" val="0"/>
+              </a:ext>
+            </a:extLst>
+          </a:blip>
+          <a:stretch>
+            <a:fillRect/>
+          </a:stretch>
+        </p:blipFill>
+        <p:spPr>
+          <a:xfrm>
+            <a:off x="9982230" y="121271"/>
+            <a:ext cx="2001068" cy="636703"/>
+          </a:xfrm>
+          <a:prstGeom prst="rect">
+            <a:avLst/>
+          </a:prstGeom>
+        </p:spPr>
+      </p:pic>
+      <p:cxnSp>
+        <p:nvCxnSpPr>
+          <p:cNvPr id="9" name="直線コネクタ 8">
+            <a:extLst>
+              <a:ext uri="{FF2B5EF4-FFF2-40B4-BE49-F238E27FC236}">
+                <a16:creationId xmlns:a16="http://schemas.microsoft.com/office/drawing/2014/main" id="{5AF86267-98D8-C577-F08C-6B8A3B6C57EB}"/>
+              </a:ext>
+            </a:extLst>
+          </p:cNvPr>
+          <p:cNvCxnSpPr>
+            <a:cxnSpLocks/>
+          </p:cNvCxnSpPr>
+          <p:nvPr/>
+        </p:nvCxnSpPr>
+        <p:spPr>
+          <a:xfrm>
+            <a:off x="0" y="757974"/>
+            <a:ext cx="9513651" cy="0"/>
+          </a:xfrm>
+          <a:prstGeom prst="line">
+            <a:avLst/>
+          </a:prstGeom>
+          <a:ln>
+            <a:solidFill>
+              <a:schemeClr val="accent1">
+                <a:lumMod val="50000"/>
+              </a:schemeClr>
+            </a:solidFill>
+          </a:ln>
+        </p:spPr>
+        <p:style>
+          <a:lnRef idx="2">
+            <a:schemeClr val="accent1"/>
+          </a:lnRef>
+          <a:fillRef idx="0">
+            <a:schemeClr val="accent1"/>
+          </a:fillRef>
+          <a:effectRef idx="1">
+            <a:schemeClr val="accent1"/>
+          </a:effectRef>
+          <a:fontRef idx="minor">
+            <a:schemeClr val="tx1"/>
+          </a:fontRef>
+        </p:style>
+      </p:cxnSp>
+      <p:sp>
+        <p:nvSpPr>
+          <p:cNvPr id="15" name="テキスト ボックス 14">
+            <a:extLst>
+              <a:ext uri="{FF2B5EF4-FFF2-40B4-BE49-F238E27FC236}">
+                <a16:creationId xmlns:a16="http://schemas.microsoft.com/office/drawing/2014/main" id="{4130D39D-6AB3-011F-C2F2-994D65D7B71F}"/>
+              </a:ext>
+            </a:extLst>
+          </p:cNvPr>
+          <p:cNvSpPr txBox="1"/>
+          <p:nvPr/>
+        </p:nvSpPr>
+        <p:spPr>
+          <a:xfrm>
+            <a:off x="1050587" y="233464"/>
+            <a:ext cx="8463063" cy="523220"/>
+          </a:xfrm>
+          <a:prstGeom prst="rect">
+            <a:avLst/>
+          </a:prstGeom>
+          <a:noFill/>
+        </p:spPr>
+        <p:txBody>
+          <a:bodyPr wrap="square" rtlCol="0">
+            <a:spAutoFit/>
+          </a:bodyPr>
+          <a:lstStyle/>
+          <a:p>
+            <a:r>
+              <a:rPr kumimoji="1" lang="en-US" altLang="ja-JP" sz="2800" dirty="0">
+                <a:latin typeface="HGS明朝E" panose="02020900000000000000" pitchFamily="18" charset="-128"/>
+                <a:ea typeface="HGS明朝E" panose="02020900000000000000" pitchFamily="18" charset="-128"/>
+              </a:rPr>
+              <a:t>Chapter 1 : </a:t>
+            </a:r>
+            <a:r>
+              <a:rPr kumimoji="1" lang="ja-JP" altLang="en-US" sz="2800" dirty="0">
+                <a:latin typeface="HGS明朝E" panose="02020900000000000000" pitchFamily="18" charset="-128"/>
+                <a:ea typeface="HGS明朝E" panose="02020900000000000000" pitchFamily="18" charset="-128"/>
+              </a:rPr>
+              <a:t>フロー概要</a:t>
+            </a:r>
+          </a:p>
+        </p:txBody>
+      </p:sp>
+      <p:sp>
+        <p:nvSpPr>
+          <p:cNvPr id="16" name="正方形/長方形 15">
+            <a:extLst>
+              <a:ext uri="{FF2B5EF4-FFF2-40B4-BE49-F238E27FC236}">
+                <a16:creationId xmlns:a16="http://schemas.microsoft.com/office/drawing/2014/main" id="{09D16F8D-D455-4C0D-3C00-7850787A2EB6}"/>
+              </a:ext>
+            </a:extLst>
+          </p:cNvPr>
+          <p:cNvSpPr/>
+          <p:nvPr/>
+        </p:nvSpPr>
+        <p:spPr>
+          <a:xfrm>
+            <a:off x="126460" y="904672"/>
+            <a:ext cx="11955293" cy="5832053"/>
+          </a:xfrm>
+          <a:prstGeom prst="rect">
+            <a:avLst/>
+          </a:prstGeom>
+          <a:solidFill>
+            <a:schemeClr val="bg1">
+              <a:lumMod val="95000"/>
+            </a:schemeClr>
+          </a:solidFill>
+          <a:ln>
+            <a:solidFill>
+              <a:schemeClr val="accent1">
+                <a:lumMod val="50000"/>
+              </a:schemeClr>
+            </a:solidFill>
+          </a:ln>
         </p:spPr>
         <p:style>
           <a:lnRef idx="2">
@@ -4122,251 +4286,26 @@
           <a:lstStyle/>
           <a:p>
             <a:pPr algn="ctr"/>
-            <a:r>
-              <a:rPr lang="ja-JP" altLang="en-US" sz="900" dirty="0"/>
-              <a:t>各種メニュー</a:t>
-            </a:r>
-            <a:endParaRPr kumimoji="1" lang="en-US" altLang="ja-JP" sz="900" dirty="0"/>
-          </a:p>
-          <a:p>
-            <a:pPr algn="ctr"/>
-            <a:r>
-              <a:rPr kumimoji="1" lang="ja-JP" altLang="en-US" sz="900" dirty="0"/>
-              <a:t>ページ</a:t>
-            </a:r>
-          </a:p>
-        </p:txBody>
-      </p:sp>
-      <p:cxnSp>
-        <p:nvCxnSpPr>
-          <p:cNvPr id="23" name="直線コネクタ 22">
-            <a:extLst>
-              <a:ext uri="{FF2B5EF4-FFF2-40B4-BE49-F238E27FC236}">
-                <a16:creationId xmlns:a16="http://schemas.microsoft.com/office/drawing/2014/main" id="{61AC8881-5CB1-F321-0A47-856D3E45E302}"/>
-              </a:ext>
-            </a:extLst>
-          </p:cNvPr>
-          <p:cNvCxnSpPr/>
+            <a:endParaRPr kumimoji="1" lang="ja-JP" altLang="en-US"/>
+          </a:p>
+        </p:txBody>
+      </p:sp>
+      <p:sp>
+        <p:nvSpPr>
+          <p:cNvPr id="6" name="テキスト ボックス 5">
+            <a:extLst>
+              <a:ext uri="{FF2B5EF4-FFF2-40B4-BE49-F238E27FC236}">
+                <a16:creationId xmlns:a16="http://schemas.microsoft.com/office/drawing/2014/main" id="{B2917B31-84D5-D779-4CC0-D793937D37D8}"/>
+              </a:ext>
+            </a:extLst>
+          </p:cNvPr>
+          <p:cNvSpPr txBox="1"/>
           <p:nvPr/>
-        </p:nvCxnSpPr>
+        </p:nvSpPr>
         <p:spPr>
           <a:xfrm>
-            <a:off x="5272844" y="2424272"/>
-            <a:ext cx="1427427" cy="0"/>
-          </a:xfrm>
-          <a:prstGeom prst="line">
-            <a:avLst/>
-          </a:prstGeom>
-        </p:spPr>
-        <p:style>
-          <a:lnRef idx="1">
-            <a:schemeClr val="accent1"/>
-          </a:lnRef>
-          <a:fillRef idx="0">
-            <a:schemeClr val="accent1"/>
-          </a:fillRef>
-          <a:effectRef idx="0">
-            <a:schemeClr val="accent1"/>
-          </a:effectRef>
-          <a:fontRef idx="minor">
-            <a:schemeClr val="tx1"/>
-          </a:fontRef>
-        </p:style>
-      </p:cxnSp>
-      <p:cxnSp>
-        <p:nvCxnSpPr>
-          <p:cNvPr id="24" name="直線矢印コネクタ 23">
-            <a:extLst>
-              <a:ext uri="{FF2B5EF4-FFF2-40B4-BE49-F238E27FC236}">
-                <a16:creationId xmlns:a16="http://schemas.microsoft.com/office/drawing/2014/main" id="{4DB78D06-8DC0-191D-ABAE-66BBEE03D25B}"/>
-              </a:ext>
-            </a:extLst>
-          </p:cNvPr>
-          <p:cNvCxnSpPr/>
-          <p:nvPr/>
-        </p:nvCxnSpPr>
-        <p:spPr>
-          <a:xfrm>
-            <a:off x="6700271" y="2424272"/>
-            <a:ext cx="1581150" cy="0"/>
-          </a:xfrm>
-          <a:prstGeom prst="straightConnector1">
-            <a:avLst/>
-          </a:prstGeom>
-          <a:ln>
-            <a:tailEnd type="triangle"/>
-          </a:ln>
-        </p:spPr>
-        <p:style>
-          <a:lnRef idx="1">
-            <a:schemeClr val="accent1"/>
-          </a:lnRef>
-          <a:fillRef idx="0">
-            <a:schemeClr val="accent1"/>
-          </a:fillRef>
-          <a:effectRef idx="0">
-            <a:schemeClr val="accent1"/>
-          </a:effectRef>
-          <a:fontRef idx="minor">
-            <a:schemeClr val="tx1"/>
-          </a:fontRef>
-        </p:style>
-      </p:cxnSp>
-      <p:sp>
-        <p:nvSpPr>
-          <p:cNvPr id="25" name="正方形/長方形 24">
-            <a:extLst>
-              <a:ext uri="{FF2B5EF4-FFF2-40B4-BE49-F238E27FC236}">
-                <a16:creationId xmlns:a16="http://schemas.microsoft.com/office/drawing/2014/main" id="{AAA3C006-A828-50A3-06B7-36C81A68CCF1}"/>
-              </a:ext>
-            </a:extLst>
-          </p:cNvPr>
-          <p:cNvSpPr/>
-          <p:nvPr/>
-        </p:nvSpPr>
-        <p:spPr>
-          <a:xfrm>
-            <a:off x="8281416" y="2174838"/>
-            <a:ext cx="900874" cy="498868"/>
-          </a:xfrm>
-          <a:prstGeom prst="rect">
-            <a:avLst/>
-          </a:prstGeom>
-        </p:spPr>
-        <p:style>
-          <a:lnRef idx="2">
-            <a:schemeClr val="accent1">
-              <a:shade val="15000"/>
-            </a:schemeClr>
-          </a:lnRef>
-          <a:fillRef idx="1">
-            <a:schemeClr val="accent1"/>
-          </a:fillRef>
-          <a:effectRef idx="0">
-            <a:schemeClr val="accent1"/>
-          </a:effectRef>
-          <a:fontRef idx="minor">
-            <a:schemeClr val="lt1"/>
-          </a:fontRef>
-        </p:style>
-        <p:txBody>
-          <a:bodyPr rtlCol="0" anchor="ctr"/>
-          <a:lstStyle/>
-          <a:p>
-            <a:pPr algn="ctr"/>
-            <a:r>
-              <a:rPr lang="ja-JP" altLang="en-US" sz="900" dirty="0"/>
-              <a:t>管理者</a:t>
-            </a:r>
-            <a:endParaRPr kumimoji="1" lang="en-US" altLang="ja-JP" sz="900" dirty="0"/>
-          </a:p>
-          <a:p>
-            <a:pPr algn="ctr"/>
-            <a:r>
-              <a:rPr kumimoji="1" lang="ja-JP" altLang="en-US" sz="900" dirty="0"/>
-              <a:t>ページ</a:t>
-            </a:r>
-          </a:p>
-        </p:txBody>
-      </p:sp>
-      <p:cxnSp>
-        <p:nvCxnSpPr>
-          <p:cNvPr id="26" name="コネクタ: カギ線 25">
-            <a:extLst>
-              <a:ext uri="{FF2B5EF4-FFF2-40B4-BE49-F238E27FC236}">
-                <a16:creationId xmlns:a16="http://schemas.microsoft.com/office/drawing/2014/main" id="{7D0DCCD8-8608-6811-F248-737E12B7E10C}"/>
-              </a:ext>
-            </a:extLst>
-          </p:cNvPr>
-          <p:cNvCxnSpPr/>
-          <p:nvPr/>
-        </p:nvCxnSpPr>
-        <p:spPr>
-          <a:xfrm>
-            <a:off x="6700271" y="2424273"/>
-            <a:ext cx="1581150" cy="1178717"/>
-          </a:xfrm>
-          <a:prstGeom prst="bentConnector3">
-            <a:avLst>
-              <a:gd name="adj1" fmla="val 602"/>
-            </a:avLst>
-          </a:prstGeom>
-          <a:ln>
-            <a:tailEnd type="triangle"/>
-          </a:ln>
-        </p:spPr>
-        <p:style>
-          <a:lnRef idx="1">
-            <a:schemeClr val="accent1"/>
-          </a:lnRef>
-          <a:fillRef idx="0">
-            <a:schemeClr val="accent1"/>
-          </a:fillRef>
-          <a:effectRef idx="0">
-            <a:schemeClr val="accent1"/>
-          </a:effectRef>
-          <a:fontRef idx="minor">
-            <a:schemeClr val="tx1"/>
-          </a:fontRef>
-        </p:style>
-      </p:cxnSp>
-      <p:cxnSp>
-        <p:nvCxnSpPr>
-          <p:cNvPr id="27" name="コネクタ: カギ線 26">
-            <a:extLst>
-              <a:ext uri="{FF2B5EF4-FFF2-40B4-BE49-F238E27FC236}">
-                <a16:creationId xmlns:a16="http://schemas.microsoft.com/office/drawing/2014/main" id="{34597095-036B-2FEB-709B-2CB995F25F77}"/>
-              </a:ext>
-            </a:extLst>
-          </p:cNvPr>
-          <p:cNvCxnSpPr/>
-          <p:nvPr/>
-        </p:nvCxnSpPr>
-        <p:spPr>
-          <a:xfrm>
-            <a:off x="6700271" y="3602990"/>
-            <a:ext cx="1581150" cy="1178717"/>
-          </a:xfrm>
-          <a:prstGeom prst="bentConnector3">
-            <a:avLst>
-              <a:gd name="adj1" fmla="val 602"/>
-            </a:avLst>
-          </a:prstGeom>
-          <a:ln>
-            <a:tailEnd type="triangle"/>
-          </a:ln>
-        </p:spPr>
-        <p:style>
-          <a:lnRef idx="1">
-            <a:schemeClr val="accent1"/>
-          </a:lnRef>
-          <a:fillRef idx="0">
-            <a:schemeClr val="accent1"/>
-          </a:fillRef>
-          <a:effectRef idx="0">
-            <a:schemeClr val="accent1"/>
-          </a:effectRef>
-          <a:fontRef idx="minor">
-            <a:schemeClr val="tx1"/>
-          </a:fontRef>
-        </p:style>
-      </p:cxnSp>
-      <p:sp>
-        <p:nvSpPr>
-          <p:cNvPr id="28" name="テキスト ボックス 27">
-            <a:extLst>
-              <a:ext uri="{FF2B5EF4-FFF2-40B4-BE49-F238E27FC236}">
-                <a16:creationId xmlns:a16="http://schemas.microsoft.com/office/drawing/2014/main" id="{6CD27E72-4861-FCB7-709A-7CDAD2BF668E}"/>
-              </a:ext>
-            </a:extLst>
-          </p:cNvPr>
-          <p:cNvSpPr txBox="1"/>
-          <p:nvPr/>
-        </p:nvSpPr>
-        <p:spPr>
-          <a:xfrm>
-            <a:off x="5656259" y="2571668"/>
-            <a:ext cx="650337" cy="369332"/>
+            <a:off x="126460" y="903381"/>
+            <a:ext cx="8463063" cy="523220"/>
           </a:xfrm>
           <a:prstGeom prst="rect">
             <a:avLst/>
@@ -4379,407 +4318,69 @@
           </a:bodyPr>
           <a:lstStyle/>
           <a:p>
-            <a:pPr algn="ctr"/>
-            <a:r>
-              <a:rPr kumimoji="1" lang="ja-JP" altLang="en-US" sz="900" dirty="0"/>
-              <a:t>ログイン</a:t>
-            </a:r>
-            <a:endParaRPr kumimoji="1" lang="en-US" altLang="ja-JP" sz="900" dirty="0"/>
-          </a:p>
-          <a:p>
-            <a:pPr algn="ctr"/>
-            <a:r>
-              <a:rPr lang="ja-JP" altLang="en-US" sz="900" dirty="0"/>
-              <a:t>実行</a:t>
-            </a:r>
-            <a:endParaRPr kumimoji="1" lang="ja-JP" altLang="en-US" sz="900" dirty="0"/>
-          </a:p>
-        </p:txBody>
-      </p:sp>
-      <p:sp>
-        <p:nvSpPr>
-          <p:cNvPr id="29" name="テキスト ボックス 28">
-            <a:extLst>
-              <a:ext uri="{FF2B5EF4-FFF2-40B4-BE49-F238E27FC236}">
-                <a16:creationId xmlns:a16="http://schemas.microsoft.com/office/drawing/2014/main" id="{7FC87C0D-8615-9221-21C8-A85478C1AA62}"/>
-              </a:ext>
-            </a:extLst>
-          </p:cNvPr>
-          <p:cNvSpPr txBox="1"/>
+            <a:r>
+              <a:rPr lang="ja-JP" altLang="en-US" sz="2800" dirty="0">
+                <a:latin typeface="HGS明朝E" panose="02020900000000000000" pitchFamily="18" charset="-128"/>
+                <a:ea typeface="HGS明朝E" panose="02020900000000000000" pitchFamily="18" charset="-128"/>
+              </a:rPr>
+              <a:t>ログインフロー</a:t>
+            </a:r>
+            <a:endParaRPr kumimoji="1" lang="ja-JP" altLang="en-US" sz="2800" dirty="0">
+              <a:latin typeface="HGS明朝E" panose="02020900000000000000" pitchFamily="18" charset="-128"/>
+              <a:ea typeface="HGS明朝E" panose="02020900000000000000" pitchFamily="18" charset="-128"/>
+            </a:endParaRPr>
+          </a:p>
+        </p:txBody>
+      </p:sp>
+      <p:pic>
+        <p:nvPicPr>
+          <p:cNvPr id="11" name="図 10" descr="ダイアグラム, レーダー チャート">
+            <a:extLst>
+              <a:ext uri="{FF2B5EF4-FFF2-40B4-BE49-F238E27FC236}">
+                <a16:creationId xmlns:a16="http://schemas.microsoft.com/office/drawing/2014/main" id="{AB3FF28A-5EFC-32FC-68B6-45AB536DE951}"/>
+              </a:ext>
+            </a:extLst>
+          </p:cNvPr>
+          <p:cNvPicPr>
+            <a:picLocks noChangeAspect="1"/>
+          </p:cNvPicPr>
           <p:nvPr/>
-        </p:nvSpPr>
+        </p:nvPicPr>
+        <p:blipFill>
+          <a:blip r:embed="rId3">
+            <a:extLst>
+              <a:ext uri="{28A0092B-C50C-407E-A947-70E740481C1C}">
+                <a14:useLocalDpi xmlns:a14="http://schemas.microsoft.com/office/drawing/2010/main" val="0"/>
+              </a:ext>
+            </a:extLst>
+          </a:blip>
+          <a:stretch>
+            <a:fillRect/>
+          </a:stretch>
+        </p:blipFill>
         <p:spPr>
           <a:xfrm>
-            <a:off x="7097169" y="2629253"/>
-            <a:ext cx="795701" cy="380139"/>
+            <a:off x="2152834" y="1426601"/>
+            <a:ext cx="9801281" cy="5202799"/>
           </a:xfrm>
           <a:prstGeom prst="rect">
             <a:avLst/>
           </a:prstGeom>
-          <a:noFill/>
-        </p:spPr>
-        <p:txBody>
-          <a:bodyPr wrap="square" rtlCol="0">
-            <a:spAutoFit/>
-          </a:bodyPr>
-          <a:lstStyle/>
-          <a:p>
-            <a:pPr algn="ctr"/>
-            <a:r>
-              <a:rPr kumimoji="1" lang="ja-JP" altLang="en-US" sz="900" dirty="0"/>
-              <a:t>管理者登録</a:t>
-            </a:r>
-            <a:endParaRPr kumimoji="1" lang="en-US" altLang="ja-JP" sz="900" dirty="0"/>
-          </a:p>
-          <a:p>
-            <a:pPr algn="ctr"/>
-            <a:r>
-              <a:rPr kumimoji="1" lang="ja-JP" altLang="en-US" sz="900" dirty="0"/>
-              <a:t>のみ</a:t>
-            </a:r>
-          </a:p>
-        </p:txBody>
-      </p:sp>
-      <p:sp>
-        <p:nvSpPr>
-          <p:cNvPr id="30" name="テキスト ボックス 29">
-            <a:extLst>
-              <a:ext uri="{FF2B5EF4-FFF2-40B4-BE49-F238E27FC236}">
-                <a16:creationId xmlns:a16="http://schemas.microsoft.com/office/drawing/2014/main" id="{C5DAED2E-BD97-F221-E84C-DE5902813D71}"/>
-              </a:ext>
-            </a:extLst>
-          </p:cNvPr>
-          <p:cNvSpPr txBox="1"/>
-          <p:nvPr/>
-        </p:nvSpPr>
-        <p:spPr>
-          <a:xfrm>
-            <a:off x="7097169" y="3617900"/>
-            <a:ext cx="795701" cy="369332"/>
-          </a:xfrm>
-          <a:prstGeom prst="rect">
-            <a:avLst/>
-          </a:prstGeom>
-          <a:noFill/>
-        </p:spPr>
-        <p:txBody>
-          <a:bodyPr wrap="square" rtlCol="0">
-            <a:spAutoFit/>
-          </a:bodyPr>
-          <a:lstStyle/>
-          <a:p>
-            <a:pPr algn="ctr"/>
-            <a:r>
-              <a:rPr lang="ja-JP" altLang="en-US" sz="900" dirty="0"/>
-              <a:t>予約者</a:t>
-            </a:r>
-            <a:r>
-              <a:rPr kumimoji="1" lang="ja-JP" altLang="en-US" sz="900" dirty="0"/>
-              <a:t>登録</a:t>
-            </a:r>
-            <a:endParaRPr kumimoji="1" lang="en-US" altLang="ja-JP" sz="900" dirty="0"/>
-          </a:p>
-          <a:p>
-            <a:pPr algn="ctr"/>
-            <a:r>
-              <a:rPr kumimoji="1" lang="ja-JP" altLang="en-US" sz="900" dirty="0"/>
-              <a:t>のみ</a:t>
-            </a:r>
-          </a:p>
-        </p:txBody>
-      </p:sp>
-      <p:sp>
-        <p:nvSpPr>
-          <p:cNvPr id="31" name="テキスト ボックス 30">
-            <a:extLst>
-              <a:ext uri="{FF2B5EF4-FFF2-40B4-BE49-F238E27FC236}">
-                <a16:creationId xmlns:a16="http://schemas.microsoft.com/office/drawing/2014/main" id="{24663AAC-AC5F-EE28-C579-1F6FCC47A686}"/>
-              </a:ext>
-            </a:extLst>
-          </p:cNvPr>
-          <p:cNvSpPr txBox="1"/>
-          <p:nvPr/>
-        </p:nvSpPr>
-        <p:spPr>
-          <a:xfrm>
-            <a:off x="7092995" y="4796617"/>
-            <a:ext cx="795701" cy="369332"/>
-          </a:xfrm>
-          <a:prstGeom prst="rect">
-            <a:avLst/>
-          </a:prstGeom>
-          <a:noFill/>
-        </p:spPr>
-        <p:txBody>
-          <a:bodyPr wrap="square" rtlCol="0">
-            <a:spAutoFit/>
-          </a:bodyPr>
-          <a:lstStyle/>
-          <a:p>
-            <a:pPr algn="ctr"/>
-            <a:r>
-              <a:rPr lang="ja-JP" altLang="en-US" sz="900" dirty="0"/>
-              <a:t>管理者登録</a:t>
-            </a:r>
-            <a:endParaRPr lang="en-US" altLang="ja-JP" sz="900" dirty="0"/>
-          </a:p>
-          <a:p>
-            <a:pPr algn="ctr"/>
-            <a:r>
-              <a:rPr lang="ja-JP" altLang="en-US" sz="900" dirty="0"/>
-              <a:t>予約者</a:t>
-            </a:r>
-            <a:r>
-              <a:rPr kumimoji="1" lang="ja-JP" altLang="en-US" sz="900" dirty="0"/>
-              <a:t>登録</a:t>
-            </a:r>
-            <a:endParaRPr kumimoji="1" lang="en-US" altLang="ja-JP" sz="900" dirty="0"/>
-          </a:p>
-        </p:txBody>
-      </p:sp>
-      <p:sp>
-        <p:nvSpPr>
-          <p:cNvPr id="32" name="正方形/長方形 31">
-            <a:extLst>
-              <a:ext uri="{FF2B5EF4-FFF2-40B4-BE49-F238E27FC236}">
-                <a16:creationId xmlns:a16="http://schemas.microsoft.com/office/drawing/2014/main" id="{FB87B52C-2D04-F285-7E7C-990D2A156BC7}"/>
-              </a:ext>
-            </a:extLst>
-          </p:cNvPr>
-          <p:cNvSpPr/>
-          <p:nvPr/>
-        </p:nvSpPr>
-        <p:spPr>
-          <a:xfrm>
-            <a:off x="8281416" y="3353555"/>
-            <a:ext cx="900874" cy="498868"/>
-          </a:xfrm>
-          <a:prstGeom prst="rect">
-            <a:avLst/>
-          </a:prstGeom>
-        </p:spPr>
-        <p:style>
-          <a:lnRef idx="2">
-            <a:schemeClr val="accent1">
-              <a:shade val="15000"/>
-            </a:schemeClr>
-          </a:lnRef>
-          <a:fillRef idx="1">
-            <a:schemeClr val="accent1"/>
-          </a:fillRef>
-          <a:effectRef idx="0">
-            <a:schemeClr val="accent1"/>
-          </a:effectRef>
-          <a:fontRef idx="minor">
-            <a:schemeClr val="lt1"/>
-          </a:fontRef>
-        </p:style>
-        <p:txBody>
-          <a:bodyPr rtlCol="0" anchor="ctr"/>
-          <a:lstStyle/>
-          <a:p>
-            <a:pPr algn="ctr"/>
-            <a:r>
-              <a:rPr lang="ja-JP" altLang="en-US" sz="900" dirty="0"/>
-              <a:t>予約者</a:t>
-            </a:r>
-            <a:endParaRPr kumimoji="1" lang="en-US" altLang="ja-JP" sz="900" dirty="0"/>
-          </a:p>
-          <a:p>
-            <a:pPr algn="ctr"/>
-            <a:r>
-              <a:rPr kumimoji="1" lang="ja-JP" altLang="en-US" sz="900" dirty="0"/>
-              <a:t>ページ</a:t>
-            </a:r>
-          </a:p>
-        </p:txBody>
-      </p:sp>
-      <p:sp>
-        <p:nvSpPr>
-          <p:cNvPr id="33" name="正方形/長方形 32">
-            <a:extLst>
-              <a:ext uri="{FF2B5EF4-FFF2-40B4-BE49-F238E27FC236}">
-                <a16:creationId xmlns:a16="http://schemas.microsoft.com/office/drawing/2014/main" id="{15120A90-890B-43CD-5F1A-7C9456DC09B8}"/>
-              </a:ext>
-            </a:extLst>
-          </p:cNvPr>
-          <p:cNvSpPr/>
-          <p:nvPr/>
-        </p:nvSpPr>
-        <p:spPr>
-          <a:xfrm>
-            <a:off x="8281416" y="4532272"/>
-            <a:ext cx="900874" cy="498868"/>
-          </a:xfrm>
-          <a:prstGeom prst="rect">
-            <a:avLst/>
-          </a:prstGeom>
-        </p:spPr>
-        <p:style>
-          <a:lnRef idx="2">
-            <a:schemeClr val="accent1">
-              <a:shade val="15000"/>
-            </a:schemeClr>
-          </a:lnRef>
-          <a:fillRef idx="1">
-            <a:schemeClr val="accent1"/>
-          </a:fillRef>
-          <a:effectRef idx="0">
-            <a:schemeClr val="accent1"/>
-          </a:effectRef>
-          <a:fontRef idx="minor">
-            <a:schemeClr val="lt1"/>
-          </a:fontRef>
-        </p:style>
-        <p:txBody>
-          <a:bodyPr rtlCol="0" anchor="ctr"/>
-          <a:lstStyle/>
-          <a:p>
-            <a:pPr algn="ctr"/>
-            <a:r>
-              <a:rPr kumimoji="1" lang="ja-JP" altLang="en-US" sz="900" dirty="0"/>
-              <a:t>モード選択</a:t>
-            </a:r>
-            <a:endParaRPr kumimoji="1" lang="en-US" altLang="ja-JP" sz="900" dirty="0"/>
-          </a:p>
-          <a:p>
-            <a:pPr algn="ctr"/>
-            <a:r>
-              <a:rPr kumimoji="1" lang="ja-JP" altLang="en-US" sz="900" dirty="0"/>
-              <a:t>ページ</a:t>
-            </a:r>
-          </a:p>
-        </p:txBody>
-      </p:sp>
-      <p:cxnSp>
-        <p:nvCxnSpPr>
-          <p:cNvPr id="34" name="直線コネクタ 33">
-            <a:extLst>
-              <a:ext uri="{FF2B5EF4-FFF2-40B4-BE49-F238E27FC236}">
-                <a16:creationId xmlns:a16="http://schemas.microsoft.com/office/drawing/2014/main" id="{6C27C2D0-5734-5958-9A1F-E62A718B664E}"/>
-              </a:ext>
-            </a:extLst>
-          </p:cNvPr>
-          <p:cNvCxnSpPr/>
-          <p:nvPr/>
-        </p:nvCxnSpPr>
-        <p:spPr>
-          <a:xfrm>
-            <a:off x="9182290" y="4796617"/>
-            <a:ext cx="1427427" cy="0"/>
-          </a:xfrm>
-          <a:prstGeom prst="line">
-            <a:avLst/>
-          </a:prstGeom>
-        </p:spPr>
-        <p:style>
-          <a:lnRef idx="1">
-            <a:schemeClr val="accent1"/>
-          </a:lnRef>
-          <a:fillRef idx="0">
-            <a:schemeClr val="accent1"/>
-          </a:fillRef>
-          <a:effectRef idx="0">
-            <a:schemeClr val="accent1"/>
-          </a:effectRef>
-          <a:fontRef idx="minor">
-            <a:schemeClr val="tx1"/>
-          </a:fontRef>
-        </p:style>
-      </p:cxnSp>
-      <p:cxnSp>
-        <p:nvCxnSpPr>
-          <p:cNvPr id="35" name="コネクタ: カギ線 34">
-            <a:extLst>
-              <a:ext uri="{FF2B5EF4-FFF2-40B4-BE49-F238E27FC236}">
-                <a16:creationId xmlns:a16="http://schemas.microsoft.com/office/drawing/2014/main" id="{EFE261BF-4952-3EB9-81B4-3B45B7DEC0EE}"/>
-              </a:ext>
-            </a:extLst>
-          </p:cNvPr>
-          <p:cNvCxnSpPr>
-            <a:cxnSpLocks/>
-            <a:endCxn id="32" idx="3"/>
-          </p:cNvCxnSpPr>
-          <p:nvPr/>
-        </p:nvCxnSpPr>
-        <p:spPr>
-          <a:xfrm rot="10800000">
-            <a:off x="9182290" y="3602990"/>
-            <a:ext cx="1427426" cy="1193631"/>
-          </a:xfrm>
-          <a:prstGeom prst="bentConnector3">
-            <a:avLst>
-              <a:gd name="adj1" fmla="val 176"/>
-            </a:avLst>
-          </a:prstGeom>
-          <a:ln>
-            <a:tailEnd type="triangle"/>
+          <a:ln w="28575">
+            <a:solidFill>
+              <a:schemeClr val="accent1">
+                <a:lumMod val="50000"/>
+              </a:schemeClr>
+            </a:solidFill>
           </a:ln>
         </p:spPr>
-        <p:style>
-          <a:lnRef idx="1">
-            <a:schemeClr val="accent1"/>
-          </a:lnRef>
-          <a:fillRef idx="0">
-            <a:schemeClr val="accent1"/>
-          </a:fillRef>
-          <a:effectRef idx="0">
-            <a:schemeClr val="accent1"/>
-          </a:effectRef>
-          <a:fontRef idx="minor">
-            <a:schemeClr val="tx1"/>
-          </a:fontRef>
-        </p:style>
-      </p:cxnSp>
-      <p:cxnSp>
-        <p:nvCxnSpPr>
-          <p:cNvPr id="39" name="コネクタ: カギ線 38">
-            <a:extLst>
-              <a:ext uri="{FF2B5EF4-FFF2-40B4-BE49-F238E27FC236}">
-                <a16:creationId xmlns:a16="http://schemas.microsoft.com/office/drawing/2014/main" id="{883C3F0A-6F2C-18B3-BB55-CD907B53D649}"/>
-              </a:ext>
-            </a:extLst>
-          </p:cNvPr>
-          <p:cNvCxnSpPr>
-            <a:cxnSpLocks/>
-          </p:cNvCxnSpPr>
-          <p:nvPr/>
-        </p:nvCxnSpPr>
-        <p:spPr>
-          <a:xfrm rot="10800000">
-            <a:off x="9173900" y="2424272"/>
-            <a:ext cx="1427426" cy="1193631"/>
-          </a:xfrm>
-          <a:prstGeom prst="bentConnector3">
-            <a:avLst>
-              <a:gd name="adj1" fmla="val 176"/>
-            </a:avLst>
-          </a:prstGeom>
-          <a:ln>
-            <a:tailEnd type="triangle"/>
-          </a:ln>
-        </p:spPr>
-        <p:style>
-          <a:lnRef idx="1">
-            <a:schemeClr val="accent1"/>
-          </a:lnRef>
-          <a:fillRef idx="0">
-            <a:schemeClr val="accent1"/>
-          </a:fillRef>
-          <a:effectRef idx="0">
-            <a:schemeClr val="accent1"/>
-          </a:effectRef>
-          <a:fontRef idx="minor">
-            <a:schemeClr val="tx1"/>
-          </a:fontRef>
-        </p:style>
-      </p:cxnSp>
-      <p:sp>
-        <p:nvSpPr>
-          <p:cNvPr id="3" name="正方形/長方形 2">
-            <a:extLst>
-              <a:ext uri="{FF2B5EF4-FFF2-40B4-BE49-F238E27FC236}">
-                <a16:creationId xmlns:a16="http://schemas.microsoft.com/office/drawing/2014/main" id="{C98638BF-6052-D561-F353-E15B34705DC0}"/>
+      </p:pic>
+      <p:sp>
+        <p:nvSpPr>
+          <p:cNvPr id="5" name="正方形/長方形 4">
+            <a:extLst>
+              <a:ext uri="{FF2B5EF4-FFF2-40B4-BE49-F238E27FC236}">
+                <a16:creationId xmlns:a16="http://schemas.microsoft.com/office/drawing/2014/main" id="{F39C5E51-B114-F547-6C1C-83EFB9C31439}"/>
               </a:ext>
             </a:extLst>
           </p:cNvPr>
@@ -4826,14 +4427,14 @@
           <a:lstStyle/>
           <a:p>
             <a:r>
-              <a:rPr lang="ja-JP" altLang="en-US" sz="900" dirty="0">
+              <a:rPr lang="ja-JP" altLang="en-US" sz="1100" dirty="0">
                 <a:solidFill>
                   <a:schemeClr val="tx1"/>
                 </a:solidFill>
               </a:rPr>
               <a:t>セッション変数</a:t>
             </a:r>
-            <a:endParaRPr lang="en-US" altLang="ja-JP" sz="900" dirty="0">
+            <a:endParaRPr lang="en-US" altLang="ja-JP" sz="1100" dirty="0">
               <a:solidFill>
                 <a:schemeClr val="tx1"/>
               </a:solidFill>
@@ -4845,14 +4446,14 @@
               <a:buChar char="-"/>
             </a:pPr>
             <a:r>
-              <a:rPr lang="en-US" altLang="ja-JP" sz="900" dirty="0" err="1">
+              <a:rPr lang="en-US" altLang="ja-JP" sz="1100" dirty="0" err="1">
                 <a:solidFill>
                   <a:schemeClr val="tx1"/>
                 </a:solidFill>
               </a:rPr>
               <a:t>userSession</a:t>
             </a:r>
-            <a:endParaRPr lang="en-US" altLang="ja-JP" sz="900" dirty="0">
+            <a:endParaRPr lang="en-US" altLang="ja-JP" sz="1100" dirty="0">
               <a:solidFill>
                 <a:schemeClr val="tx1"/>
               </a:solidFill>
@@ -4864,14 +4465,14 @@
               <a:buChar char="-"/>
             </a:pPr>
             <a:r>
-              <a:rPr lang="en-US" altLang="ja-JP" sz="900" dirty="0" err="1">
+              <a:rPr lang="en-US" altLang="ja-JP" sz="1100" dirty="0" err="1">
                 <a:solidFill>
                   <a:schemeClr val="tx1"/>
                 </a:solidFill>
               </a:rPr>
               <a:t>defStSession</a:t>
             </a:r>
-            <a:endParaRPr lang="en-US" altLang="ja-JP" sz="900" dirty="0">
+            <a:endParaRPr lang="en-US" altLang="ja-JP" sz="1100" dirty="0">
               <a:solidFill>
                 <a:schemeClr val="tx1"/>
               </a:solidFill>
@@ -4882,7 +4483,7 @@
               <a:buFontTx/>
               <a:buChar char="-"/>
             </a:pPr>
-            <a:endParaRPr lang="en-US" altLang="ja-JP" sz="900" dirty="0">
+            <a:endParaRPr lang="en-US" altLang="ja-JP" sz="1100" dirty="0">
               <a:solidFill>
                 <a:schemeClr val="tx1"/>
               </a:solidFill>
@@ -4890,14 +4491,14 @@
           </a:p>
           <a:p>
             <a:r>
-              <a:rPr lang="ja-JP" altLang="en-US" sz="900" dirty="0">
+              <a:rPr lang="ja-JP" altLang="en-US" sz="1100" dirty="0">
                 <a:solidFill>
                   <a:schemeClr val="tx1"/>
                 </a:solidFill>
               </a:rPr>
               <a:t>モード</a:t>
             </a:r>
-            <a:endParaRPr lang="en-US" altLang="ja-JP" sz="900" dirty="0">
+            <a:endParaRPr lang="en-US" altLang="ja-JP" sz="1100" dirty="0">
               <a:solidFill>
                 <a:schemeClr val="tx1"/>
               </a:solidFill>
@@ -4909,7 +4510,7 @@
               <a:buChar char="-"/>
             </a:pPr>
             <a:r>
-              <a:rPr lang="en-US" altLang="ja-JP" sz="900" dirty="0" err="1">
+              <a:rPr lang="en-US" altLang="ja-JP" sz="1100" dirty="0" err="1">
                 <a:solidFill>
                   <a:schemeClr val="tx1"/>
                 </a:solidFill>
@@ -4917,14 +4518,14 @@
               <a:t>sysUser</a:t>
             </a:r>
             <a:r>
-              <a:rPr lang="ja-JP" altLang="en-US" sz="900" dirty="0">
+              <a:rPr lang="ja-JP" altLang="en-US" sz="1100" dirty="0">
                 <a:solidFill>
                   <a:schemeClr val="tx1"/>
                 </a:solidFill>
               </a:rPr>
               <a:t>（管理者）</a:t>
             </a:r>
-            <a:endParaRPr lang="en-US" altLang="ja-JP" sz="900" dirty="0">
+            <a:endParaRPr lang="en-US" altLang="ja-JP" sz="1100" dirty="0">
               <a:solidFill>
                 <a:schemeClr val="tx1"/>
               </a:solidFill>
@@ -4936,7 +4537,7 @@
               <a:buChar char="-"/>
             </a:pPr>
             <a:r>
-              <a:rPr lang="en-US" altLang="ja-JP" sz="900" dirty="0" err="1">
+              <a:rPr lang="en-US" altLang="ja-JP" sz="1100" dirty="0" err="1">
                 <a:solidFill>
                   <a:schemeClr val="tx1"/>
                 </a:solidFill>
@@ -4944,14 +4545,14 @@
               <a:t>custUser</a:t>
             </a:r>
             <a:r>
-              <a:rPr lang="ja-JP" altLang="en-US" sz="900" dirty="0">
+              <a:rPr lang="ja-JP" altLang="en-US" sz="1100" dirty="0">
                 <a:solidFill>
                   <a:schemeClr val="tx1"/>
                 </a:solidFill>
               </a:rPr>
               <a:t>（予約者）</a:t>
             </a:r>
-            <a:endParaRPr lang="en-US" altLang="ja-JP" sz="900" dirty="0">
+            <a:endParaRPr lang="en-US" altLang="ja-JP" sz="1100" dirty="0">
               <a:solidFill>
                 <a:schemeClr val="tx1"/>
               </a:solidFill>
@@ -4963,7 +4564,7 @@
               <a:buChar char="-"/>
             </a:pPr>
             <a:r>
-              <a:rPr lang="en-US" altLang="ja-JP" sz="900" dirty="0" err="1">
+              <a:rPr lang="en-US" altLang="ja-JP" sz="1100" dirty="0" err="1">
                 <a:solidFill>
                   <a:schemeClr val="tx1"/>
                 </a:solidFill>
@@ -4971,21 +4572,21 @@
               <a:t>doubleUser</a:t>
             </a:r>
             <a:r>
-              <a:rPr lang="ja-JP" altLang="en-US" sz="900" dirty="0">
+              <a:rPr lang="ja-JP" altLang="en-US" sz="1100" dirty="0">
                 <a:solidFill>
                   <a:schemeClr val="tx1"/>
                 </a:solidFill>
               </a:rPr>
               <a:t>（管理者・予約者）</a:t>
             </a:r>
-            <a:endParaRPr lang="en-US" altLang="ja-JP" sz="900" dirty="0">
+            <a:endParaRPr lang="en-US" altLang="ja-JP" sz="1100" dirty="0">
               <a:solidFill>
                 <a:schemeClr val="tx1"/>
               </a:solidFill>
             </a:endParaRPr>
           </a:p>
           <a:p>
-            <a:endParaRPr kumimoji="1" lang="ja-JP" altLang="en-US" sz="900" dirty="0">
+            <a:endParaRPr kumimoji="1" lang="ja-JP" altLang="en-US" sz="1100" dirty="0">
               <a:solidFill>
                 <a:schemeClr val="tx1"/>
               </a:solidFill>
@@ -4996,7 +4597,7 @@
     </p:spTree>
     <p:extLst>
       <p:ext uri="{BB962C8B-B14F-4D97-AF65-F5344CB8AC3E}">
-        <p14:creationId xmlns:p14="http://schemas.microsoft.com/office/powerpoint/2010/main" val="2489026526"/>
+        <p14:creationId xmlns:p14="http://schemas.microsoft.com/office/powerpoint/2010/main" val="1576229452"/>
       </p:ext>
     </p:extLst>
   </p:cSld>

--- a/りざっと案件_詳細設計書.pptx
+++ b/りざっと案件_詳細設計書.pptx
@@ -4290,48 +4290,6 @@
           </a:p>
         </p:txBody>
       </p:sp>
-      <p:sp>
-        <p:nvSpPr>
-          <p:cNvPr id="6" name="テキスト ボックス 5">
-            <a:extLst>
-              <a:ext uri="{FF2B5EF4-FFF2-40B4-BE49-F238E27FC236}">
-                <a16:creationId xmlns:a16="http://schemas.microsoft.com/office/drawing/2014/main" id="{B2917B31-84D5-D779-4CC0-D793937D37D8}"/>
-              </a:ext>
-            </a:extLst>
-          </p:cNvPr>
-          <p:cNvSpPr txBox="1"/>
-          <p:nvPr/>
-        </p:nvSpPr>
-        <p:spPr>
-          <a:xfrm>
-            <a:off x="126460" y="903381"/>
-            <a:ext cx="8463063" cy="523220"/>
-          </a:xfrm>
-          <a:prstGeom prst="rect">
-            <a:avLst/>
-          </a:prstGeom>
-          <a:noFill/>
-        </p:spPr>
-        <p:txBody>
-          <a:bodyPr wrap="square" rtlCol="0">
-            <a:spAutoFit/>
-          </a:bodyPr>
-          <a:lstStyle/>
-          <a:p>
-            <a:r>
-              <a:rPr lang="ja-JP" altLang="en-US" sz="2800" dirty="0">
-                <a:latin typeface="HGS明朝E" panose="02020900000000000000" pitchFamily="18" charset="-128"/>
-                <a:ea typeface="HGS明朝E" panose="02020900000000000000" pitchFamily="18" charset="-128"/>
-              </a:rPr>
-              <a:t>ログインフロー</a:t>
-            </a:r>
-            <a:endParaRPr kumimoji="1" lang="ja-JP" altLang="en-US" sz="2800" dirty="0">
-              <a:latin typeface="HGS明朝E" panose="02020900000000000000" pitchFamily="18" charset="-128"/>
-              <a:ea typeface="HGS明朝E" panose="02020900000000000000" pitchFamily="18" charset="-128"/>
-            </a:endParaRPr>
-          </a:p>
-        </p:txBody>
-      </p:sp>
       <p:pic>
         <p:nvPicPr>
           <p:cNvPr id="11" name="図 10" descr="ダイアグラム, レーダー チャート">
@@ -4360,8 +4318,8 @@
         </p:blipFill>
         <p:spPr>
           <a:xfrm>
-            <a:off x="2152834" y="1426601"/>
-            <a:ext cx="9801281" cy="5202799"/>
+            <a:off x="1164736" y="902091"/>
+            <a:ext cx="10789380" cy="5727310"/>
           </a:xfrm>
           <a:prstGeom prst="rect">
             <a:avLst/>
@@ -4591,6 +4549,94 @@
                 <a:schemeClr val="tx1"/>
               </a:solidFill>
             </a:endParaRPr>
+          </a:p>
+        </p:txBody>
+      </p:sp>
+      <p:sp>
+        <p:nvSpPr>
+          <p:cNvPr id="6" name="テキスト ボックス 5">
+            <a:extLst>
+              <a:ext uri="{FF2B5EF4-FFF2-40B4-BE49-F238E27FC236}">
+                <a16:creationId xmlns:a16="http://schemas.microsoft.com/office/drawing/2014/main" id="{B2917B31-84D5-D779-4CC0-D793937D37D8}"/>
+              </a:ext>
+            </a:extLst>
+          </p:cNvPr>
+          <p:cNvSpPr txBox="1"/>
+          <p:nvPr/>
+        </p:nvSpPr>
+        <p:spPr>
+          <a:xfrm>
+            <a:off x="126460" y="903381"/>
+            <a:ext cx="8463063" cy="523220"/>
+          </a:xfrm>
+          <a:prstGeom prst="rect">
+            <a:avLst/>
+          </a:prstGeom>
+          <a:noFill/>
+        </p:spPr>
+        <p:txBody>
+          <a:bodyPr wrap="square" rtlCol="0">
+            <a:spAutoFit/>
+          </a:bodyPr>
+          <a:lstStyle/>
+          <a:p>
+            <a:r>
+              <a:rPr lang="ja-JP" altLang="en-US" sz="2800" dirty="0">
+                <a:latin typeface="HGS明朝E" panose="02020900000000000000" pitchFamily="18" charset="-128"/>
+                <a:ea typeface="HGS明朝E" panose="02020900000000000000" pitchFamily="18" charset="-128"/>
+              </a:rPr>
+              <a:t>ログインフロー</a:t>
+            </a:r>
+            <a:endParaRPr kumimoji="1" lang="ja-JP" altLang="en-US" sz="2800" dirty="0">
+              <a:latin typeface="HGS明朝E" panose="02020900000000000000" pitchFamily="18" charset="-128"/>
+              <a:ea typeface="HGS明朝E" panose="02020900000000000000" pitchFamily="18" charset="-128"/>
+            </a:endParaRPr>
+          </a:p>
+        </p:txBody>
+      </p:sp>
+      <p:sp>
+        <p:nvSpPr>
+          <p:cNvPr id="2" name="正方形/長方形 1">
+            <a:extLst>
+              <a:ext uri="{FF2B5EF4-FFF2-40B4-BE49-F238E27FC236}">
+                <a16:creationId xmlns:a16="http://schemas.microsoft.com/office/drawing/2014/main" id="{278EF35B-6EB5-DF67-0F55-949936B254B9}"/>
+              </a:ext>
+            </a:extLst>
+          </p:cNvPr>
+          <p:cNvSpPr/>
+          <p:nvPr/>
+        </p:nvSpPr>
+        <p:spPr>
+          <a:xfrm>
+            <a:off x="636103" y="1736626"/>
+            <a:ext cx="2415209" cy="824948"/>
+          </a:xfrm>
+          <a:prstGeom prst="rect">
+            <a:avLst/>
+          </a:prstGeom>
+        </p:spPr>
+        <p:style>
+          <a:lnRef idx="2">
+            <a:schemeClr val="accent1">
+              <a:shade val="15000"/>
+            </a:schemeClr>
+          </a:lnRef>
+          <a:fillRef idx="1">
+            <a:schemeClr val="accent1"/>
+          </a:fillRef>
+          <a:effectRef idx="0">
+            <a:schemeClr val="accent1"/>
+          </a:effectRef>
+          <a:fontRef idx="minor">
+            <a:schemeClr val="lt1"/>
+          </a:fontRef>
+        </p:style>
+        <p:txBody>
+          <a:bodyPr rtlCol="0" anchor="ctr"/>
+          <a:lstStyle/>
+          <a:p>
+            <a:pPr algn="ctr"/>
+            <a:endParaRPr kumimoji="1" lang="ja-JP" altLang="en-US"/>
           </a:p>
         </p:txBody>
       </p:sp>

--- a/りざっと案件_詳細設計書.pptx
+++ b/りざっと案件_詳細設計書.pptx
@@ -8,6 +8,7 @@
     <p:sldId id="258" r:id="rId2"/>
     <p:sldId id="259" r:id="rId3"/>
     <p:sldId id="261" r:id="rId4"/>
+    <p:sldId id="262" r:id="rId5"/>
   </p:sldIdLst>
   <p:sldSz cx="12192000" cy="6858000"/>
   <p:notesSz cx="6858000" cy="9144000"/>
@@ -4227,7 +4228,7 @@
                 <a:latin typeface="HGS明朝E" panose="02020900000000000000" pitchFamily="18" charset="-128"/>
                 <a:ea typeface="HGS明朝E" panose="02020900000000000000" pitchFamily="18" charset="-128"/>
               </a:rPr>
-              <a:t>フロー概要</a:t>
+              <a:t>フロー概要（ログイン）</a:t>
             </a:r>
           </a:p>
         </p:txBody>
@@ -4290,49 +4291,6 @@
           </a:p>
         </p:txBody>
       </p:sp>
-      <p:pic>
-        <p:nvPicPr>
-          <p:cNvPr id="11" name="図 10" descr="ダイアグラム, レーダー チャート">
-            <a:extLst>
-              <a:ext uri="{FF2B5EF4-FFF2-40B4-BE49-F238E27FC236}">
-                <a16:creationId xmlns:a16="http://schemas.microsoft.com/office/drawing/2014/main" id="{AB3FF28A-5EFC-32FC-68B6-45AB536DE951}"/>
-              </a:ext>
-            </a:extLst>
-          </p:cNvPr>
-          <p:cNvPicPr>
-            <a:picLocks noChangeAspect="1"/>
-          </p:cNvPicPr>
-          <p:nvPr/>
-        </p:nvPicPr>
-        <p:blipFill>
-          <a:blip r:embed="rId3">
-            <a:extLst>
-              <a:ext uri="{28A0092B-C50C-407E-A947-70E740481C1C}">
-                <a14:useLocalDpi xmlns:a14="http://schemas.microsoft.com/office/drawing/2010/main" val="0"/>
-              </a:ext>
-            </a:extLst>
-          </a:blip>
-          <a:stretch>
-            <a:fillRect/>
-          </a:stretch>
-        </p:blipFill>
-        <p:spPr>
-          <a:xfrm>
-            <a:off x="1164736" y="902091"/>
-            <a:ext cx="10789380" cy="5727310"/>
-          </a:xfrm>
-          <a:prstGeom prst="rect">
-            <a:avLst/>
-          </a:prstGeom>
-          <a:ln w="28575">
-            <a:solidFill>
-              <a:schemeClr val="accent1">
-                <a:lumMod val="50000"/>
-              </a:schemeClr>
-            </a:solidFill>
-          </a:ln>
-        </p:spPr>
-      </p:pic>
       <p:sp>
         <p:nvSpPr>
           <p:cNvPr id="5" name="正方形/長方形 4">
@@ -4348,7 +4306,7 @@
         <p:spPr>
           <a:xfrm>
             <a:off x="431828" y="4900559"/>
-            <a:ext cx="3533770" cy="1689907"/>
+            <a:ext cx="2444486" cy="1689907"/>
           </a:xfrm>
           <a:prstGeom prst="rect">
             <a:avLst/>
@@ -4554,66 +4512,30 @@
       </p:sp>
       <p:sp>
         <p:nvSpPr>
-          <p:cNvPr id="6" name="テキスト ボックス 5">
-            <a:extLst>
-              <a:ext uri="{FF2B5EF4-FFF2-40B4-BE49-F238E27FC236}">
-                <a16:creationId xmlns:a16="http://schemas.microsoft.com/office/drawing/2014/main" id="{B2917B31-84D5-D779-4CC0-D793937D37D8}"/>
-              </a:ext>
-            </a:extLst>
-          </p:cNvPr>
-          <p:cNvSpPr txBox="1"/>
+          <p:cNvPr id="2" name="正方形/長方形 1">
+            <a:extLst>
+              <a:ext uri="{FF2B5EF4-FFF2-40B4-BE49-F238E27FC236}">
+                <a16:creationId xmlns:a16="http://schemas.microsoft.com/office/drawing/2014/main" id="{278EF35B-6EB5-DF67-0F55-949936B254B9}"/>
+              </a:ext>
+            </a:extLst>
+          </p:cNvPr>
+          <p:cNvSpPr/>
           <p:nvPr/>
         </p:nvSpPr>
         <p:spPr>
           <a:xfrm>
-            <a:off x="126460" y="903381"/>
-            <a:ext cx="8463063" cy="523220"/>
+            <a:off x="1050587" y="1838500"/>
+            <a:ext cx="1798984" cy="523220"/>
           </a:xfrm>
           <a:prstGeom prst="rect">
             <a:avLst/>
           </a:prstGeom>
-          <a:noFill/>
-        </p:spPr>
-        <p:txBody>
-          <a:bodyPr wrap="square" rtlCol="0">
-            <a:spAutoFit/>
-          </a:bodyPr>
-          <a:lstStyle/>
-          <a:p>
-            <a:r>
-              <a:rPr lang="ja-JP" altLang="en-US" sz="2800" dirty="0">
-                <a:latin typeface="HGS明朝E" panose="02020900000000000000" pitchFamily="18" charset="-128"/>
-                <a:ea typeface="HGS明朝E" panose="02020900000000000000" pitchFamily="18" charset="-128"/>
-              </a:rPr>
-              <a:t>ログインフロー</a:t>
-            </a:r>
-            <a:endParaRPr kumimoji="1" lang="ja-JP" altLang="en-US" sz="2800" dirty="0">
-              <a:latin typeface="HGS明朝E" panose="02020900000000000000" pitchFamily="18" charset="-128"/>
-              <a:ea typeface="HGS明朝E" panose="02020900000000000000" pitchFamily="18" charset="-128"/>
-            </a:endParaRPr>
-          </a:p>
-        </p:txBody>
-      </p:sp>
-      <p:sp>
-        <p:nvSpPr>
-          <p:cNvPr id="2" name="正方形/長方形 1">
-            <a:extLst>
-              <a:ext uri="{FF2B5EF4-FFF2-40B4-BE49-F238E27FC236}">
-                <a16:creationId xmlns:a16="http://schemas.microsoft.com/office/drawing/2014/main" id="{278EF35B-6EB5-DF67-0F55-949936B254B9}"/>
-              </a:ext>
-            </a:extLst>
-          </p:cNvPr>
-          <p:cNvSpPr/>
-          <p:nvPr/>
-        </p:nvSpPr>
-        <p:spPr>
-          <a:xfrm>
-            <a:off x="636103" y="1736626"/>
-            <a:ext cx="2415209" cy="824948"/>
-          </a:xfrm>
-          <a:prstGeom prst="rect">
-            <a:avLst/>
-          </a:prstGeom>
+          <a:solidFill>
+            <a:schemeClr val="accent1">
+              <a:lumMod val="20000"/>
+              <a:lumOff val="80000"/>
+            </a:schemeClr>
+          </a:solidFill>
         </p:spPr>
         <p:style>
           <a:lnRef idx="2">
@@ -4636,14 +4558,2627 @@
           <a:lstStyle/>
           <a:p>
             <a:pPr algn="ctr"/>
-            <a:endParaRPr kumimoji="1" lang="ja-JP" altLang="en-US"/>
-          </a:p>
-        </p:txBody>
-      </p:sp>
+            <a:r>
+              <a:rPr kumimoji="1" lang="ja-JP" altLang="en-US" sz="900" dirty="0">
+                <a:solidFill>
+                  <a:schemeClr val="tx1"/>
+                </a:solidFill>
+              </a:rPr>
+              <a:t>①システム</a:t>
+            </a:r>
+            <a:r>
+              <a:rPr kumimoji="1" lang="en-US" altLang="ja-JP" sz="900" dirty="0">
+                <a:solidFill>
+                  <a:schemeClr val="tx1"/>
+                </a:solidFill>
+              </a:rPr>
+              <a:t>URL</a:t>
+            </a:r>
+            <a:r>
+              <a:rPr kumimoji="1" lang="ja-JP" altLang="en-US" sz="900" dirty="0">
+                <a:solidFill>
+                  <a:schemeClr val="tx1"/>
+                </a:solidFill>
+              </a:rPr>
+              <a:t>にアクセス</a:t>
+            </a:r>
+          </a:p>
+        </p:txBody>
+      </p:sp>
+      <p:sp>
+        <p:nvSpPr>
+          <p:cNvPr id="7" name="フローチャート: 判断 6">
+            <a:extLst>
+              <a:ext uri="{FF2B5EF4-FFF2-40B4-BE49-F238E27FC236}">
+                <a16:creationId xmlns:a16="http://schemas.microsoft.com/office/drawing/2014/main" id="{7BD7A8AF-C611-4CB2-23EF-F19C25C2084A}"/>
+              </a:ext>
+            </a:extLst>
+          </p:cNvPr>
+          <p:cNvSpPr/>
+          <p:nvPr/>
+        </p:nvSpPr>
+        <p:spPr>
+          <a:xfrm>
+            <a:off x="3744298" y="1714998"/>
+            <a:ext cx="2464904" cy="770224"/>
+          </a:xfrm>
+          <a:prstGeom prst="flowChartDecision">
+            <a:avLst/>
+          </a:prstGeom>
+          <a:solidFill>
+            <a:schemeClr val="accent1">
+              <a:lumMod val="20000"/>
+              <a:lumOff val="80000"/>
+            </a:schemeClr>
+          </a:solidFill>
+        </p:spPr>
+        <p:style>
+          <a:lnRef idx="2">
+            <a:schemeClr val="accent1">
+              <a:shade val="15000"/>
+            </a:schemeClr>
+          </a:lnRef>
+          <a:fillRef idx="1">
+            <a:schemeClr val="accent1"/>
+          </a:fillRef>
+          <a:effectRef idx="0">
+            <a:schemeClr val="accent1"/>
+          </a:effectRef>
+          <a:fontRef idx="minor">
+            <a:schemeClr val="lt1"/>
+          </a:fontRef>
+        </p:style>
+        <p:txBody>
+          <a:bodyPr rtlCol="0" anchor="ctr"/>
+          <a:lstStyle/>
+          <a:p>
+            <a:pPr algn="ctr"/>
+            <a:r>
+              <a:rPr kumimoji="1" lang="ja-JP" altLang="en-US" sz="900" dirty="0">
+                <a:solidFill>
+                  <a:schemeClr val="tx1"/>
+                </a:solidFill>
+              </a:rPr>
+              <a:t>②セッションにログイン情報はあるか？</a:t>
+            </a:r>
+          </a:p>
+        </p:txBody>
+      </p:sp>
+      <p:cxnSp>
+        <p:nvCxnSpPr>
+          <p:cNvPr id="10" name="直線矢印コネクタ 9">
+            <a:extLst>
+              <a:ext uri="{FF2B5EF4-FFF2-40B4-BE49-F238E27FC236}">
+                <a16:creationId xmlns:a16="http://schemas.microsoft.com/office/drawing/2014/main" id="{94CAEF98-0646-C6F4-A04E-CF3D9846E48B}"/>
+              </a:ext>
+            </a:extLst>
+          </p:cNvPr>
+          <p:cNvCxnSpPr>
+            <a:stCxn id="2" idx="3"/>
+            <a:endCxn id="7" idx="1"/>
+          </p:cNvCxnSpPr>
+          <p:nvPr/>
+        </p:nvCxnSpPr>
+        <p:spPr>
+          <a:xfrm>
+            <a:off x="2849571" y="2100110"/>
+            <a:ext cx="894727" cy="0"/>
+          </a:xfrm>
+          <a:prstGeom prst="straightConnector1">
+            <a:avLst/>
+          </a:prstGeom>
+          <a:ln w="28575">
+            <a:tailEnd type="triangle"/>
+          </a:ln>
+        </p:spPr>
+        <p:style>
+          <a:lnRef idx="1">
+            <a:schemeClr val="accent1"/>
+          </a:lnRef>
+          <a:fillRef idx="0">
+            <a:schemeClr val="accent1"/>
+          </a:fillRef>
+          <a:effectRef idx="0">
+            <a:schemeClr val="accent1"/>
+          </a:effectRef>
+          <a:fontRef idx="minor">
+            <a:schemeClr val="tx1"/>
+          </a:fontRef>
+        </p:style>
+      </p:cxnSp>
+      <p:sp>
+        <p:nvSpPr>
+          <p:cNvPr id="12" name="正方形/長方形 11">
+            <a:extLst>
+              <a:ext uri="{FF2B5EF4-FFF2-40B4-BE49-F238E27FC236}">
+                <a16:creationId xmlns:a16="http://schemas.microsoft.com/office/drawing/2014/main" id="{FE180CCF-CDEA-746C-BB8D-0D235784FF52}"/>
+              </a:ext>
+            </a:extLst>
+          </p:cNvPr>
+          <p:cNvSpPr/>
+          <p:nvPr/>
+        </p:nvSpPr>
+        <p:spPr>
+          <a:xfrm>
+            <a:off x="7247478" y="1843913"/>
+            <a:ext cx="1798984" cy="523220"/>
+          </a:xfrm>
+          <a:prstGeom prst="rect">
+            <a:avLst/>
+          </a:prstGeom>
+          <a:solidFill>
+            <a:schemeClr val="accent6">
+              <a:lumMod val="20000"/>
+              <a:lumOff val="80000"/>
+            </a:schemeClr>
+          </a:solidFill>
+        </p:spPr>
+        <p:style>
+          <a:lnRef idx="2">
+            <a:schemeClr val="accent1">
+              <a:shade val="15000"/>
+            </a:schemeClr>
+          </a:lnRef>
+          <a:fillRef idx="1">
+            <a:schemeClr val="accent1"/>
+          </a:fillRef>
+          <a:effectRef idx="0">
+            <a:schemeClr val="accent1"/>
+          </a:effectRef>
+          <a:fontRef idx="minor">
+            <a:schemeClr val="lt1"/>
+          </a:fontRef>
+        </p:style>
+        <p:txBody>
+          <a:bodyPr rtlCol="0" anchor="ctr"/>
+          <a:lstStyle/>
+          <a:p>
+            <a:pPr algn="ctr"/>
+            <a:r>
+              <a:rPr kumimoji="1" lang="ja-JP" altLang="en-US" sz="900" dirty="0">
+                <a:solidFill>
+                  <a:schemeClr val="tx1"/>
+                </a:solidFill>
+              </a:rPr>
+              <a:t>各種ページ</a:t>
+            </a:r>
+          </a:p>
+        </p:txBody>
+      </p:sp>
+      <p:cxnSp>
+        <p:nvCxnSpPr>
+          <p:cNvPr id="13" name="直線矢印コネクタ 12">
+            <a:extLst>
+              <a:ext uri="{FF2B5EF4-FFF2-40B4-BE49-F238E27FC236}">
+                <a16:creationId xmlns:a16="http://schemas.microsoft.com/office/drawing/2014/main" id="{083FEFF5-D458-E8F4-EC04-7687A45D478D}"/>
+              </a:ext>
+            </a:extLst>
+          </p:cNvPr>
+          <p:cNvCxnSpPr>
+            <a:cxnSpLocks/>
+            <a:stCxn id="7" idx="3"/>
+            <a:endCxn id="12" idx="1"/>
+          </p:cNvCxnSpPr>
+          <p:nvPr/>
+        </p:nvCxnSpPr>
+        <p:spPr>
+          <a:xfrm>
+            <a:off x="6209202" y="2100110"/>
+            <a:ext cx="1038276" cy="5413"/>
+          </a:xfrm>
+          <a:prstGeom prst="straightConnector1">
+            <a:avLst/>
+          </a:prstGeom>
+          <a:ln w="28575">
+            <a:tailEnd type="triangle"/>
+          </a:ln>
+        </p:spPr>
+        <p:style>
+          <a:lnRef idx="1">
+            <a:schemeClr val="accent1"/>
+          </a:lnRef>
+          <a:fillRef idx="0">
+            <a:schemeClr val="accent1"/>
+          </a:fillRef>
+          <a:effectRef idx="0">
+            <a:schemeClr val="accent1"/>
+          </a:effectRef>
+          <a:fontRef idx="minor">
+            <a:schemeClr val="tx1"/>
+          </a:fontRef>
+        </p:style>
+      </p:cxnSp>
+      <p:sp>
+        <p:nvSpPr>
+          <p:cNvPr id="18" name="正方形/長方形 17">
+            <a:extLst>
+              <a:ext uri="{FF2B5EF4-FFF2-40B4-BE49-F238E27FC236}">
+                <a16:creationId xmlns:a16="http://schemas.microsoft.com/office/drawing/2014/main" id="{9C2F66DB-6395-7FCB-9D3A-89B06AA62F5B}"/>
+              </a:ext>
+            </a:extLst>
+          </p:cNvPr>
+          <p:cNvSpPr/>
+          <p:nvPr/>
+        </p:nvSpPr>
+        <p:spPr>
+          <a:xfrm>
+            <a:off x="4077258" y="3235010"/>
+            <a:ext cx="1798984" cy="523220"/>
+          </a:xfrm>
+          <a:prstGeom prst="rect">
+            <a:avLst/>
+          </a:prstGeom>
+          <a:solidFill>
+            <a:schemeClr val="accent1">
+              <a:lumMod val="20000"/>
+              <a:lumOff val="80000"/>
+            </a:schemeClr>
+          </a:solidFill>
+        </p:spPr>
+        <p:style>
+          <a:lnRef idx="2">
+            <a:schemeClr val="accent1">
+              <a:shade val="15000"/>
+            </a:schemeClr>
+          </a:lnRef>
+          <a:fillRef idx="1">
+            <a:schemeClr val="accent1"/>
+          </a:fillRef>
+          <a:effectRef idx="0">
+            <a:schemeClr val="accent1"/>
+          </a:effectRef>
+          <a:fontRef idx="minor">
+            <a:schemeClr val="lt1"/>
+          </a:fontRef>
+        </p:style>
+        <p:txBody>
+          <a:bodyPr rtlCol="0" anchor="ctr"/>
+          <a:lstStyle/>
+          <a:p>
+            <a:pPr algn="ctr"/>
+            <a:r>
+              <a:rPr kumimoji="1" lang="ja-JP" altLang="en-US" sz="900" dirty="0">
+                <a:solidFill>
+                  <a:schemeClr val="tx1"/>
+                </a:solidFill>
+              </a:rPr>
+              <a:t>ログインページ</a:t>
+            </a:r>
+          </a:p>
+        </p:txBody>
+      </p:sp>
+      <p:cxnSp>
+        <p:nvCxnSpPr>
+          <p:cNvPr id="19" name="直線矢印コネクタ 18">
+            <a:extLst>
+              <a:ext uri="{FF2B5EF4-FFF2-40B4-BE49-F238E27FC236}">
+                <a16:creationId xmlns:a16="http://schemas.microsoft.com/office/drawing/2014/main" id="{ADED4697-C91B-5EFD-56FD-CF01AD45C874}"/>
+              </a:ext>
+            </a:extLst>
+          </p:cNvPr>
+          <p:cNvCxnSpPr>
+            <a:cxnSpLocks/>
+            <a:stCxn id="7" idx="2"/>
+            <a:endCxn id="18" idx="0"/>
+          </p:cNvCxnSpPr>
+          <p:nvPr/>
+        </p:nvCxnSpPr>
+        <p:spPr>
+          <a:xfrm>
+            <a:off x="4976750" y="2485222"/>
+            <a:ext cx="0" cy="749788"/>
+          </a:xfrm>
+          <a:prstGeom prst="straightConnector1">
+            <a:avLst/>
+          </a:prstGeom>
+          <a:ln w="28575">
+            <a:tailEnd type="triangle"/>
+          </a:ln>
+        </p:spPr>
+        <p:style>
+          <a:lnRef idx="1">
+            <a:schemeClr val="accent1"/>
+          </a:lnRef>
+          <a:fillRef idx="0">
+            <a:schemeClr val="accent1"/>
+          </a:fillRef>
+          <a:effectRef idx="0">
+            <a:schemeClr val="accent1"/>
+          </a:effectRef>
+          <a:fontRef idx="minor">
+            <a:schemeClr val="tx1"/>
+          </a:fontRef>
+        </p:style>
+      </p:cxnSp>
+      <p:cxnSp>
+        <p:nvCxnSpPr>
+          <p:cNvPr id="34" name="コネクタ: 曲線 33">
+            <a:extLst>
+              <a:ext uri="{FF2B5EF4-FFF2-40B4-BE49-F238E27FC236}">
+                <a16:creationId xmlns:a16="http://schemas.microsoft.com/office/drawing/2014/main" id="{9C8C4CAB-84EE-0D7E-180A-0627D795C327}"/>
+              </a:ext>
+            </a:extLst>
+          </p:cNvPr>
+          <p:cNvCxnSpPr>
+            <a:stCxn id="18" idx="1"/>
+            <a:endCxn id="7" idx="1"/>
+          </p:cNvCxnSpPr>
+          <p:nvPr/>
+        </p:nvCxnSpPr>
+        <p:spPr>
+          <a:xfrm rot="10800000">
+            <a:off x="3744298" y="2100110"/>
+            <a:ext cx="332960" cy="1396510"/>
+          </a:xfrm>
+          <a:prstGeom prst="curvedConnector3">
+            <a:avLst>
+              <a:gd name="adj1" fmla="val 168657"/>
+            </a:avLst>
+          </a:prstGeom>
+          <a:ln w="28575">
+            <a:tailEnd type="triangle"/>
+          </a:ln>
+        </p:spPr>
+        <p:style>
+          <a:lnRef idx="1">
+            <a:schemeClr val="accent1"/>
+          </a:lnRef>
+          <a:fillRef idx="0">
+            <a:schemeClr val="accent1"/>
+          </a:fillRef>
+          <a:effectRef idx="0">
+            <a:schemeClr val="accent1"/>
+          </a:effectRef>
+          <a:fontRef idx="minor">
+            <a:schemeClr val="tx1"/>
+          </a:fontRef>
+        </p:style>
+      </p:cxnSp>
+      <p:sp>
+        <p:nvSpPr>
+          <p:cNvPr id="35" name="テキスト ボックス 34">
+            <a:extLst>
+              <a:ext uri="{FF2B5EF4-FFF2-40B4-BE49-F238E27FC236}">
+                <a16:creationId xmlns:a16="http://schemas.microsoft.com/office/drawing/2014/main" id="{5F8D3B2B-53D4-C641-4AEF-56916BCA8D21}"/>
+              </a:ext>
+            </a:extLst>
+          </p:cNvPr>
+          <p:cNvSpPr txBox="1"/>
+          <p:nvPr/>
+        </p:nvSpPr>
+        <p:spPr>
+          <a:xfrm>
+            <a:off x="4362688" y="2686949"/>
+            <a:ext cx="536713" cy="230832"/>
+          </a:xfrm>
+          <a:prstGeom prst="rect">
+            <a:avLst/>
+          </a:prstGeom>
+          <a:solidFill>
+            <a:schemeClr val="accent4">
+              <a:lumMod val="20000"/>
+              <a:lumOff val="80000"/>
+            </a:schemeClr>
+          </a:solidFill>
+        </p:spPr>
+        <p:txBody>
+          <a:bodyPr wrap="square" rtlCol="0">
+            <a:spAutoFit/>
+          </a:bodyPr>
+          <a:lstStyle/>
+          <a:p>
+            <a:pPr algn="ctr"/>
+            <a:r>
+              <a:rPr kumimoji="1" lang="ja-JP" altLang="en-US" sz="900" dirty="0"/>
+              <a:t>ない</a:t>
+            </a:r>
+          </a:p>
+        </p:txBody>
+      </p:sp>
+      <p:sp>
+        <p:nvSpPr>
+          <p:cNvPr id="36" name="テキスト ボックス 35">
+            <a:extLst>
+              <a:ext uri="{FF2B5EF4-FFF2-40B4-BE49-F238E27FC236}">
+                <a16:creationId xmlns:a16="http://schemas.microsoft.com/office/drawing/2014/main" id="{37899597-3B75-CC62-E493-E32FE90BB516}"/>
+              </a:ext>
+            </a:extLst>
+          </p:cNvPr>
+          <p:cNvSpPr txBox="1"/>
+          <p:nvPr/>
+        </p:nvSpPr>
+        <p:spPr>
+          <a:xfrm>
+            <a:off x="6436982" y="1838500"/>
+            <a:ext cx="536713" cy="230832"/>
+          </a:xfrm>
+          <a:prstGeom prst="rect">
+            <a:avLst/>
+          </a:prstGeom>
+          <a:solidFill>
+            <a:schemeClr val="accent4">
+              <a:lumMod val="20000"/>
+              <a:lumOff val="80000"/>
+            </a:schemeClr>
+          </a:solidFill>
+        </p:spPr>
+        <p:txBody>
+          <a:bodyPr wrap="square" rtlCol="0">
+            <a:spAutoFit/>
+          </a:bodyPr>
+          <a:lstStyle/>
+          <a:p>
+            <a:pPr algn="ctr"/>
+            <a:r>
+              <a:rPr kumimoji="1" lang="ja-JP" altLang="en-US" sz="900" dirty="0"/>
+              <a:t>ある</a:t>
+            </a:r>
+          </a:p>
+        </p:txBody>
+      </p:sp>
+      <p:sp>
+        <p:nvSpPr>
+          <p:cNvPr id="37" name="テキスト ボックス 36">
+            <a:extLst>
+              <a:ext uri="{FF2B5EF4-FFF2-40B4-BE49-F238E27FC236}">
+                <a16:creationId xmlns:a16="http://schemas.microsoft.com/office/drawing/2014/main" id="{62A3BD73-2281-985F-88D6-3D647F4AD262}"/>
+              </a:ext>
+            </a:extLst>
+          </p:cNvPr>
+          <p:cNvSpPr txBox="1"/>
+          <p:nvPr/>
+        </p:nvSpPr>
+        <p:spPr>
+          <a:xfrm>
+            <a:off x="2600347" y="2942588"/>
+            <a:ext cx="894726" cy="230832"/>
+          </a:xfrm>
+          <a:prstGeom prst="rect">
+            <a:avLst/>
+          </a:prstGeom>
+          <a:solidFill>
+            <a:schemeClr val="accent4">
+              <a:lumMod val="20000"/>
+              <a:lumOff val="80000"/>
+            </a:schemeClr>
+          </a:solidFill>
+        </p:spPr>
+        <p:txBody>
+          <a:bodyPr wrap="square" rtlCol="0">
+            <a:spAutoFit/>
+          </a:bodyPr>
+          <a:lstStyle/>
+          <a:p>
+            <a:pPr algn="ctr"/>
+            <a:r>
+              <a:rPr kumimoji="1" lang="ja-JP" altLang="en-US" sz="900" dirty="0"/>
+              <a:t>ログイン失敗</a:t>
+            </a:r>
+          </a:p>
+        </p:txBody>
+      </p:sp>
+      <p:sp>
+        <p:nvSpPr>
+          <p:cNvPr id="38" name="フローチャート: 判断 37">
+            <a:extLst>
+              <a:ext uri="{FF2B5EF4-FFF2-40B4-BE49-F238E27FC236}">
+                <a16:creationId xmlns:a16="http://schemas.microsoft.com/office/drawing/2014/main" id="{1A1B37D3-C47E-BC09-4334-CCF8FE5A72CF}"/>
+              </a:ext>
+            </a:extLst>
+          </p:cNvPr>
+          <p:cNvSpPr/>
+          <p:nvPr/>
+        </p:nvSpPr>
+        <p:spPr>
+          <a:xfrm>
+            <a:off x="3744298" y="4508016"/>
+            <a:ext cx="2464904" cy="770224"/>
+          </a:xfrm>
+          <a:prstGeom prst="flowChartDecision">
+            <a:avLst/>
+          </a:prstGeom>
+          <a:solidFill>
+            <a:schemeClr val="accent1">
+              <a:lumMod val="20000"/>
+              <a:lumOff val="80000"/>
+            </a:schemeClr>
+          </a:solidFill>
+        </p:spPr>
+        <p:style>
+          <a:lnRef idx="2">
+            <a:schemeClr val="accent1">
+              <a:shade val="15000"/>
+            </a:schemeClr>
+          </a:lnRef>
+          <a:fillRef idx="1">
+            <a:schemeClr val="accent1"/>
+          </a:fillRef>
+          <a:effectRef idx="0">
+            <a:schemeClr val="accent1"/>
+          </a:effectRef>
+          <a:fontRef idx="minor">
+            <a:schemeClr val="lt1"/>
+          </a:fontRef>
+        </p:style>
+        <p:txBody>
+          <a:bodyPr rtlCol="0" anchor="ctr"/>
+          <a:lstStyle/>
+          <a:p>
+            <a:pPr algn="ctr"/>
+            <a:r>
+              <a:rPr lang="ja-JP" altLang="en-US" sz="900" dirty="0">
+                <a:solidFill>
+                  <a:schemeClr val="tx1"/>
+                </a:solidFill>
+              </a:rPr>
+              <a:t>③ユーザー登録情報</a:t>
+            </a:r>
+            <a:endParaRPr kumimoji="1" lang="ja-JP" altLang="en-US" sz="900" dirty="0">
+              <a:solidFill>
+                <a:schemeClr val="tx1"/>
+              </a:solidFill>
+            </a:endParaRPr>
+          </a:p>
+        </p:txBody>
+      </p:sp>
+      <p:cxnSp>
+        <p:nvCxnSpPr>
+          <p:cNvPr id="39" name="直線矢印コネクタ 38">
+            <a:extLst>
+              <a:ext uri="{FF2B5EF4-FFF2-40B4-BE49-F238E27FC236}">
+                <a16:creationId xmlns:a16="http://schemas.microsoft.com/office/drawing/2014/main" id="{0A01CB4A-A3ED-3EB5-B0AA-139E80C8A4AE}"/>
+              </a:ext>
+            </a:extLst>
+          </p:cNvPr>
+          <p:cNvCxnSpPr>
+            <a:cxnSpLocks/>
+            <a:stCxn id="18" idx="2"/>
+            <a:endCxn id="38" idx="0"/>
+          </p:cNvCxnSpPr>
+          <p:nvPr/>
+        </p:nvCxnSpPr>
+        <p:spPr>
+          <a:xfrm>
+            <a:off x="4976750" y="3758230"/>
+            <a:ext cx="0" cy="749786"/>
+          </a:xfrm>
+          <a:prstGeom prst="straightConnector1">
+            <a:avLst/>
+          </a:prstGeom>
+          <a:ln w="28575">
+            <a:tailEnd type="triangle"/>
+          </a:ln>
+        </p:spPr>
+        <p:style>
+          <a:lnRef idx="1">
+            <a:schemeClr val="accent1"/>
+          </a:lnRef>
+          <a:fillRef idx="0">
+            <a:schemeClr val="accent1"/>
+          </a:fillRef>
+          <a:effectRef idx="0">
+            <a:schemeClr val="accent1"/>
+          </a:effectRef>
+          <a:fontRef idx="minor">
+            <a:schemeClr val="tx1"/>
+          </a:fontRef>
+        </p:style>
+      </p:cxnSp>
+      <p:sp>
+        <p:nvSpPr>
+          <p:cNvPr id="42" name="テキスト ボックス 41">
+            <a:extLst>
+              <a:ext uri="{FF2B5EF4-FFF2-40B4-BE49-F238E27FC236}">
+                <a16:creationId xmlns:a16="http://schemas.microsoft.com/office/drawing/2014/main" id="{9EF15407-2F21-4B4A-03FE-68F528B24D7B}"/>
+              </a:ext>
+            </a:extLst>
+          </p:cNvPr>
+          <p:cNvSpPr txBox="1"/>
+          <p:nvPr/>
+        </p:nvSpPr>
+        <p:spPr>
+          <a:xfrm>
+            <a:off x="4003463" y="4074878"/>
+            <a:ext cx="874526" cy="230832"/>
+          </a:xfrm>
+          <a:prstGeom prst="rect">
+            <a:avLst/>
+          </a:prstGeom>
+          <a:solidFill>
+            <a:schemeClr val="accent4">
+              <a:lumMod val="20000"/>
+              <a:lumOff val="80000"/>
+            </a:schemeClr>
+          </a:solidFill>
+        </p:spPr>
+        <p:txBody>
+          <a:bodyPr wrap="square" rtlCol="0">
+            <a:spAutoFit/>
+          </a:bodyPr>
+          <a:lstStyle/>
+          <a:p>
+            <a:pPr algn="ctr"/>
+            <a:r>
+              <a:rPr kumimoji="1" lang="ja-JP" altLang="en-US" sz="900" dirty="0"/>
+              <a:t>ログイン成功</a:t>
+            </a:r>
+          </a:p>
+        </p:txBody>
+      </p:sp>
+      <p:sp>
+        <p:nvSpPr>
+          <p:cNvPr id="43" name="正方形/長方形 42">
+            <a:extLst>
+              <a:ext uri="{FF2B5EF4-FFF2-40B4-BE49-F238E27FC236}">
+                <a16:creationId xmlns:a16="http://schemas.microsoft.com/office/drawing/2014/main" id="{A6F28F59-29E7-79F9-C880-F157109BCB0B}"/>
+              </a:ext>
+            </a:extLst>
+          </p:cNvPr>
+          <p:cNvSpPr/>
+          <p:nvPr/>
+        </p:nvSpPr>
+        <p:spPr>
+          <a:xfrm>
+            <a:off x="9046462" y="3679900"/>
+            <a:ext cx="1798984" cy="523220"/>
+          </a:xfrm>
+          <a:prstGeom prst="rect">
+            <a:avLst/>
+          </a:prstGeom>
+          <a:solidFill>
+            <a:schemeClr val="accent6">
+              <a:lumMod val="20000"/>
+              <a:lumOff val="80000"/>
+            </a:schemeClr>
+          </a:solidFill>
+        </p:spPr>
+        <p:style>
+          <a:lnRef idx="2">
+            <a:schemeClr val="accent1">
+              <a:shade val="15000"/>
+            </a:schemeClr>
+          </a:lnRef>
+          <a:fillRef idx="1">
+            <a:schemeClr val="accent1"/>
+          </a:fillRef>
+          <a:effectRef idx="0">
+            <a:schemeClr val="accent1"/>
+          </a:effectRef>
+          <a:fontRef idx="minor">
+            <a:schemeClr val="lt1"/>
+          </a:fontRef>
+        </p:style>
+        <p:txBody>
+          <a:bodyPr rtlCol="0" anchor="ctr"/>
+          <a:lstStyle/>
+          <a:p>
+            <a:pPr algn="ctr"/>
+            <a:r>
+              <a:rPr lang="ja-JP" altLang="en-US" sz="900" dirty="0">
+                <a:solidFill>
+                  <a:schemeClr val="tx1"/>
+                </a:solidFill>
+              </a:rPr>
+              <a:t>予約者ページ</a:t>
+            </a:r>
+            <a:endParaRPr kumimoji="1" lang="ja-JP" altLang="en-US" sz="900" dirty="0">
+              <a:solidFill>
+                <a:schemeClr val="tx1"/>
+              </a:solidFill>
+            </a:endParaRPr>
+          </a:p>
+        </p:txBody>
+      </p:sp>
+      <p:sp>
+        <p:nvSpPr>
+          <p:cNvPr id="44" name="正方形/長方形 43">
+            <a:extLst>
+              <a:ext uri="{FF2B5EF4-FFF2-40B4-BE49-F238E27FC236}">
+                <a16:creationId xmlns:a16="http://schemas.microsoft.com/office/drawing/2014/main" id="{D9015A57-A5BE-A2BE-E39D-B7EEBD1BA827}"/>
+              </a:ext>
+            </a:extLst>
+          </p:cNvPr>
+          <p:cNvSpPr/>
+          <p:nvPr/>
+        </p:nvSpPr>
+        <p:spPr>
+          <a:xfrm>
+            <a:off x="7247478" y="4635923"/>
+            <a:ext cx="1798984" cy="523220"/>
+          </a:xfrm>
+          <a:prstGeom prst="rect">
+            <a:avLst/>
+          </a:prstGeom>
+          <a:solidFill>
+            <a:schemeClr val="accent1">
+              <a:lumMod val="20000"/>
+              <a:lumOff val="80000"/>
+            </a:schemeClr>
+          </a:solidFill>
+        </p:spPr>
+        <p:style>
+          <a:lnRef idx="2">
+            <a:schemeClr val="accent1">
+              <a:shade val="15000"/>
+            </a:schemeClr>
+          </a:lnRef>
+          <a:fillRef idx="1">
+            <a:schemeClr val="accent1"/>
+          </a:fillRef>
+          <a:effectRef idx="0">
+            <a:schemeClr val="accent1"/>
+          </a:effectRef>
+          <a:fontRef idx="minor">
+            <a:schemeClr val="lt1"/>
+          </a:fontRef>
+        </p:style>
+        <p:txBody>
+          <a:bodyPr rtlCol="0" anchor="ctr"/>
+          <a:lstStyle/>
+          <a:p>
+            <a:pPr algn="ctr"/>
+            <a:r>
+              <a:rPr kumimoji="1" lang="ja-JP" altLang="en-US" sz="900" dirty="0">
+                <a:solidFill>
+                  <a:schemeClr val="tx1"/>
+                </a:solidFill>
+              </a:rPr>
+              <a:t>モード選択ページ</a:t>
+            </a:r>
+          </a:p>
+        </p:txBody>
+      </p:sp>
+      <p:sp>
+        <p:nvSpPr>
+          <p:cNvPr id="45" name="フローチャート: 端子 44">
+            <a:extLst>
+              <a:ext uri="{FF2B5EF4-FFF2-40B4-BE49-F238E27FC236}">
+                <a16:creationId xmlns:a16="http://schemas.microsoft.com/office/drawing/2014/main" id="{52917BD1-1AD4-5D36-6C21-87CEA9CA21D9}"/>
+              </a:ext>
+            </a:extLst>
+          </p:cNvPr>
+          <p:cNvSpPr/>
+          <p:nvPr/>
+        </p:nvSpPr>
+        <p:spPr>
+          <a:xfrm>
+            <a:off x="9046462" y="5502434"/>
+            <a:ext cx="1798984" cy="523220"/>
+          </a:xfrm>
+          <a:prstGeom prst="flowChartTerminator">
+            <a:avLst/>
+          </a:prstGeom>
+          <a:solidFill>
+            <a:schemeClr val="accent6">
+              <a:lumMod val="20000"/>
+              <a:lumOff val="80000"/>
+            </a:schemeClr>
+          </a:solidFill>
+        </p:spPr>
+        <p:style>
+          <a:lnRef idx="2">
+            <a:schemeClr val="accent1">
+              <a:shade val="15000"/>
+            </a:schemeClr>
+          </a:lnRef>
+          <a:fillRef idx="1">
+            <a:schemeClr val="accent1"/>
+          </a:fillRef>
+          <a:effectRef idx="0">
+            <a:schemeClr val="accent1"/>
+          </a:effectRef>
+          <a:fontRef idx="minor">
+            <a:schemeClr val="lt1"/>
+          </a:fontRef>
+        </p:style>
+        <p:txBody>
+          <a:bodyPr rtlCol="0" anchor="ctr"/>
+          <a:lstStyle/>
+          <a:p>
+            <a:pPr algn="ctr"/>
+            <a:r>
+              <a:rPr kumimoji="1" lang="ja-JP" altLang="en-US" sz="900" dirty="0">
+                <a:solidFill>
+                  <a:schemeClr val="tx1"/>
+                </a:solidFill>
+              </a:rPr>
+              <a:t>公演参加状況確認フローへ</a:t>
+            </a:r>
+          </a:p>
+        </p:txBody>
+      </p:sp>
+      <p:cxnSp>
+        <p:nvCxnSpPr>
+          <p:cNvPr id="46" name="直線矢印コネクタ 45">
+            <a:extLst>
+              <a:ext uri="{FF2B5EF4-FFF2-40B4-BE49-F238E27FC236}">
+                <a16:creationId xmlns:a16="http://schemas.microsoft.com/office/drawing/2014/main" id="{AED93185-6162-367F-E515-1BA9B18657D8}"/>
+              </a:ext>
+            </a:extLst>
+          </p:cNvPr>
+          <p:cNvCxnSpPr>
+            <a:cxnSpLocks/>
+            <a:stCxn id="38" idx="3"/>
+            <a:endCxn id="44" idx="1"/>
+          </p:cNvCxnSpPr>
+          <p:nvPr/>
+        </p:nvCxnSpPr>
+        <p:spPr>
+          <a:xfrm>
+            <a:off x="6209202" y="4893128"/>
+            <a:ext cx="1038276" cy="4405"/>
+          </a:xfrm>
+          <a:prstGeom prst="straightConnector1">
+            <a:avLst/>
+          </a:prstGeom>
+          <a:ln w="28575">
+            <a:tailEnd type="triangle"/>
+          </a:ln>
+        </p:spPr>
+        <p:style>
+          <a:lnRef idx="1">
+            <a:schemeClr val="accent1"/>
+          </a:lnRef>
+          <a:fillRef idx="0">
+            <a:schemeClr val="accent1"/>
+          </a:fillRef>
+          <a:effectRef idx="0">
+            <a:schemeClr val="accent1"/>
+          </a:effectRef>
+          <a:fontRef idx="minor">
+            <a:schemeClr val="tx1"/>
+          </a:fontRef>
+        </p:style>
+      </p:cxnSp>
+      <p:sp>
+        <p:nvSpPr>
+          <p:cNvPr id="50" name="テキスト ボックス 49">
+            <a:extLst>
+              <a:ext uri="{FF2B5EF4-FFF2-40B4-BE49-F238E27FC236}">
+                <a16:creationId xmlns:a16="http://schemas.microsoft.com/office/drawing/2014/main" id="{F510573A-0638-401B-F9BC-AC5791533494}"/>
+              </a:ext>
+            </a:extLst>
+          </p:cNvPr>
+          <p:cNvSpPr txBox="1"/>
+          <p:nvPr/>
+        </p:nvSpPr>
+        <p:spPr>
+          <a:xfrm>
+            <a:off x="6291077" y="4602554"/>
+            <a:ext cx="874526" cy="230832"/>
+          </a:xfrm>
+          <a:prstGeom prst="rect">
+            <a:avLst/>
+          </a:prstGeom>
+          <a:solidFill>
+            <a:schemeClr val="accent4">
+              <a:lumMod val="20000"/>
+              <a:lumOff val="80000"/>
+            </a:schemeClr>
+          </a:solidFill>
+        </p:spPr>
+        <p:txBody>
+          <a:bodyPr wrap="square" rtlCol="0">
+            <a:spAutoFit/>
+          </a:bodyPr>
+          <a:lstStyle/>
+          <a:p>
+            <a:pPr algn="ctr"/>
+            <a:r>
+              <a:rPr kumimoji="1" lang="ja-JP" altLang="en-US" sz="900" dirty="0"/>
+              <a:t>両方登録済み</a:t>
+            </a:r>
+          </a:p>
+        </p:txBody>
+      </p:sp>
+      <p:cxnSp>
+        <p:nvCxnSpPr>
+          <p:cNvPr id="52" name="コネクタ: カギ線 51">
+            <a:extLst>
+              <a:ext uri="{FF2B5EF4-FFF2-40B4-BE49-F238E27FC236}">
+                <a16:creationId xmlns:a16="http://schemas.microsoft.com/office/drawing/2014/main" id="{04A53F1C-0131-482D-1279-C6E06958A041}"/>
+              </a:ext>
+            </a:extLst>
+          </p:cNvPr>
+          <p:cNvCxnSpPr>
+            <a:stCxn id="38" idx="3"/>
+            <a:endCxn id="43" idx="1"/>
+          </p:cNvCxnSpPr>
+          <p:nvPr/>
+        </p:nvCxnSpPr>
+        <p:spPr>
+          <a:xfrm flipV="1">
+            <a:off x="6209202" y="3941510"/>
+            <a:ext cx="2837260" cy="951618"/>
+          </a:xfrm>
+          <a:prstGeom prst="bentConnector3">
+            <a:avLst>
+              <a:gd name="adj1" fmla="val 315"/>
+            </a:avLst>
+          </a:prstGeom>
+          <a:ln w="28575">
+            <a:tailEnd type="triangle"/>
+          </a:ln>
+        </p:spPr>
+        <p:style>
+          <a:lnRef idx="1">
+            <a:schemeClr val="accent1"/>
+          </a:lnRef>
+          <a:fillRef idx="0">
+            <a:schemeClr val="accent1"/>
+          </a:fillRef>
+          <a:effectRef idx="0">
+            <a:schemeClr val="accent1"/>
+          </a:effectRef>
+          <a:fontRef idx="minor">
+            <a:schemeClr val="tx1"/>
+          </a:fontRef>
+        </p:style>
+      </p:cxnSp>
+      <p:sp>
+        <p:nvSpPr>
+          <p:cNvPr id="54" name="テキスト ボックス 53">
+            <a:extLst>
+              <a:ext uri="{FF2B5EF4-FFF2-40B4-BE49-F238E27FC236}">
+                <a16:creationId xmlns:a16="http://schemas.microsoft.com/office/drawing/2014/main" id="{8A2254EA-62E2-0973-C1D3-6D693943E586}"/>
+              </a:ext>
+            </a:extLst>
+          </p:cNvPr>
+          <p:cNvSpPr txBox="1"/>
+          <p:nvPr/>
+        </p:nvSpPr>
+        <p:spPr>
+          <a:xfrm>
+            <a:off x="7190569" y="3689879"/>
+            <a:ext cx="874526" cy="230832"/>
+          </a:xfrm>
+          <a:prstGeom prst="rect">
+            <a:avLst/>
+          </a:prstGeom>
+          <a:solidFill>
+            <a:schemeClr val="accent4">
+              <a:lumMod val="20000"/>
+              <a:lumOff val="80000"/>
+            </a:schemeClr>
+          </a:solidFill>
+        </p:spPr>
+        <p:txBody>
+          <a:bodyPr wrap="square" rtlCol="0">
+            <a:spAutoFit/>
+          </a:bodyPr>
+          <a:lstStyle/>
+          <a:p>
+            <a:pPr algn="ctr"/>
+            <a:r>
+              <a:rPr kumimoji="1" lang="ja-JP" altLang="en-US" sz="900" dirty="0"/>
+              <a:t>予約者のみ</a:t>
+            </a:r>
+          </a:p>
+        </p:txBody>
+      </p:sp>
+      <p:cxnSp>
+        <p:nvCxnSpPr>
+          <p:cNvPr id="55" name="コネクタ: カギ線 54">
+            <a:extLst>
+              <a:ext uri="{FF2B5EF4-FFF2-40B4-BE49-F238E27FC236}">
+                <a16:creationId xmlns:a16="http://schemas.microsoft.com/office/drawing/2014/main" id="{3E6F2C65-9D33-857A-86E6-4A8CE43B6770}"/>
+              </a:ext>
+            </a:extLst>
+          </p:cNvPr>
+          <p:cNvCxnSpPr>
+            <a:cxnSpLocks/>
+            <a:stCxn id="38" idx="3"/>
+            <a:endCxn id="45" idx="1"/>
+          </p:cNvCxnSpPr>
+          <p:nvPr/>
+        </p:nvCxnSpPr>
+        <p:spPr>
+          <a:xfrm>
+            <a:off x="6209202" y="4893128"/>
+            <a:ext cx="2837260" cy="870916"/>
+          </a:xfrm>
+          <a:prstGeom prst="bentConnector3">
+            <a:avLst>
+              <a:gd name="adj1" fmla="val 286"/>
+            </a:avLst>
+          </a:prstGeom>
+          <a:ln w="28575">
+            <a:tailEnd type="triangle"/>
+          </a:ln>
+        </p:spPr>
+        <p:style>
+          <a:lnRef idx="1">
+            <a:schemeClr val="accent1"/>
+          </a:lnRef>
+          <a:fillRef idx="0">
+            <a:schemeClr val="accent1"/>
+          </a:fillRef>
+          <a:effectRef idx="0">
+            <a:schemeClr val="accent1"/>
+          </a:effectRef>
+          <a:fontRef idx="minor">
+            <a:schemeClr val="tx1"/>
+          </a:fontRef>
+        </p:style>
+      </p:cxnSp>
+      <p:sp>
+        <p:nvSpPr>
+          <p:cNvPr id="60" name="テキスト ボックス 59">
+            <a:extLst>
+              <a:ext uri="{FF2B5EF4-FFF2-40B4-BE49-F238E27FC236}">
+                <a16:creationId xmlns:a16="http://schemas.microsoft.com/office/drawing/2014/main" id="{2C792B41-6102-55CC-E67F-3DEB6F26265E}"/>
+              </a:ext>
+            </a:extLst>
+          </p:cNvPr>
+          <p:cNvSpPr txBox="1"/>
+          <p:nvPr/>
+        </p:nvSpPr>
+        <p:spPr>
+          <a:xfrm>
+            <a:off x="7190569" y="5795325"/>
+            <a:ext cx="874526" cy="230832"/>
+          </a:xfrm>
+          <a:prstGeom prst="rect">
+            <a:avLst/>
+          </a:prstGeom>
+          <a:solidFill>
+            <a:schemeClr val="accent4">
+              <a:lumMod val="20000"/>
+              <a:lumOff val="80000"/>
+            </a:schemeClr>
+          </a:solidFill>
+        </p:spPr>
+        <p:txBody>
+          <a:bodyPr wrap="square" rtlCol="0">
+            <a:spAutoFit/>
+          </a:bodyPr>
+          <a:lstStyle/>
+          <a:p>
+            <a:pPr algn="ctr"/>
+            <a:r>
+              <a:rPr lang="ja-JP" altLang="en-US" sz="900" dirty="0"/>
+              <a:t>管理者</a:t>
+            </a:r>
+            <a:r>
+              <a:rPr kumimoji="1" lang="ja-JP" altLang="en-US" sz="900" dirty="0"/>
+              <a:t>のみ</a:t>
+            </a:r>
+          </a:p>
+        </p:txBody>
+      </p:sp>
+      <p:cxnSp>
+        <p:nvCxnSpPr>
+          <p:cNvPr id="61" name="コネクタ: カギ線 60">
+            <a:extLst>
+              <a:ext uri="{FF2B5EF4-FFF2-40B4-BE49-F238E27FC236}">
+                <a16:creationId xmlns:a16="http://schemas.microsoft.com/office/drawing/2014/main" id="{72E31723-D736-D429-5CE6-C2CF311FD22A}"/>
+              </a:ext>
+            </a:extLst>
+          </p:cNvPr>
+          <p:cNvCxnSpPr>
+            <a:cxnSpLocks/>
+            <a:stCxn id="44" idx="3"/>
+            <a:endCxn id="43" idx="2"/>
+          </p:cNvCxnSpPr>
+          <p:nvPr/>
+        </p:nvCxnSpPr>
+        <p:spPr>
+          <a:xfrm flipV="1">
+            <a:off x="9046462" y="4203120"/>
+            <a:ext cx="899492" cy="694413"/>
+          </a:xfrm>
+          <a:prstGeom prst="bentConnector2">
+            <a:avLst/>
+          </a:prstGeom>
+          <a:ln w="28575">
+            <a:tailEnd type="triangle"/>
+          </a:ln>
+        </p:spPr>
+        <p:style>
+          <a:lnRef idx="1">
+            <a:schemeClr val="accent1"/>
+          </a:lnRef>
+          <a:fillRef idx="0">
+            <a:schemeClr val="accent1"/>
+          </a:fillRef>
+          <a:effectRef idx="0">
+            <a:schemeClr val="accent1"/>
+          </a:effectRef>
+          <a:fontRef idx="minor">
+            <a:schemeClr val="tx1"/>
+          </a:fontRef>
+        </p:style>
+      </p:cxnSp>
+      <p:cxnSp>
+        <p:nvCxnSpPr>
+          <p:cNvPr id="64" name="コネクタ: カギ線 63">
+            <a:extLst>
+              <a:ext uri="{FF2B5EF4-FFF2-40B4-BE49-F238E27FC236}">
+                <a16:creationId xmlns:a16="http://schemas.microsoft.com/office/drawing/2014/main" id="{F7A1D7C3-0BFF-1122-3145-7E8CEE6AF687}"/>
+              </a:ext>
+            </a:extLst>
+          </p:cNvPr>
+          <p:cNvCxnSpPr>
+            <a:cxnSpLocks/>
+            <a:stCxn id="44" idx="3"/>
+            <a:endCxn id="45" idx="0"/>
+          </p:cNvCxnSpPr>
+          <p:nvPr/>
+        </p:nvCxnSpPr>
+        <p:spPr>
+          <a:xfrm>
+            <a:off x="9046462" y="4897533"/>
+            <a:ext cx="899492" cy="604901"/>
+          </a:xfrm>
+          <a:prstGeom prst="bentConnector2">
+            <a:avLst/>
+          </a:prstGeom>
+          <a:ln w="28575">
+            <a:tailEnd type="triangle"/>
+          </a:ln>
+        </p:spPr>
+        <p:style>
+          <a:lnRef idx="1">
+            <a:schemeClr val="accent1"/>
+          </a:lnRef>
+          <a:fillRef idx="0">
+            <a:schemeClr val="accent1"/>
+          </a:fillRef>
+          <a:effectRef idx="0">
+            <a:schemeClr val="accent1"/>
+          </a:effectRef>
+          <a:fontRef idx="minor">
+            <a:schemeClr val="tx1"/>
+          </a:fontRef>
+        </p:style>
+      </p:cxnSp>
     </p:spTree>
     <p:extLst>
       <p:ext uri="{BB962C8B-B14F-4D97-AF65-F5344CB8AC3E}">
         <p14:creationId xmlns:p14="http://schemas.microsoft.com/office/powerpoint/2010/main" val="1576229452"/>
+      </p:ext>
+    </p:extLst>
+  </p:cSld>
+  <p:clrMapOvr>
+    <a:masterClrMapping/>
+  </p:clrMapOvr>
+</p:sld>
+</file>
+
+<file path=ppt/slides/slide4.xml><?xml version="1.0" encoding="utf-8"?>
+<p:sld xmlns:a="http://schemas.openxmlformats.org/drawingml/2006/main" xmlns:r="http://schemas.openxmlformats.org/officeDocument/2006/relationships" xmlns:p="http://schemas.openxmlformats.org/presentationml/2006/main">
+  <p:cSld>
+    <p:spTree>
+      <p:nvGrpSpPr>
+        <p:cNvPr id="1" name="">
+          <a:extLst>
+            <a:ext uri="{FF2B5EF4-FFF2-40B4-BE49-F238E27FC236}">
+              <a16:creationId xmlns:a16="http://schemas.microsoft.com/office/drawing/2014/main" id="{B3046342-613E-2630-9DF0-B8E157CB226B}"/>
+            </a:ext>
+          </a:extLst>
+        </p:cNvPr>
+        <p:cNvGrpSpPr/>
+        <p:nvPr/>
+      </p:nvGrpSpPr>
+      <p:grpSpPr>
+        <a:xfrm>
+          <a:off x="0" y="0"/>
+          <a:ext cx="0" cy="0"/>
+          <a:chOff x="0" y="0"/>
+          <a:chExt cx="0" cy="0"/>
+        </a:xfrm>
+      </p:grpSpPr>
+      <p:sp>
+        <p:nvSpPr>
+          <p:cNvPr id="3" name="字幕 2">
+            <a:extLst>
+              <a:ext uri="{FF2B5EF4-FFF2-40B4-BE49-F238E27FC236}">
+                <a16:creationId xmlns:a16="http://schemas.microsoft.com/office/drawing/2014/main" id="{061E9197-91B3-08AC-DB7C-41C16477506B}"/>
+              </a:ext>
+            </a:extLst>
+          </p:cNvPr>
+          <p:cNvSpPr>
+            <a:spLocks noGrp="1"/>
+          </p:cNvSpPr>
+          <p:nvPr>
+            <p:ph type="subTitle" idx="1"/>
+          </p:nvPr>
+        </p:nvSpPr>
+        <p:spPr>
+          <a:xfrm>
+            <a:off x="0" y="0"/>
+            <a:ext cx="2001068" cy="318986"/>
+          </a:xfrm>
+        </p:spPr>
+        <p:txBody>
+          <a:bodyPr>
+            <a:normAutofit/>
+          </a:bodyPr>
+          <a:lstStyle/>
+          <a:p>
+            <a:pPr algn="l"/>
+            <a:r>
+              <a:rPr lang="ja-JP" altLang="en-US" sz="1400" dirty="0">
+                <a:latin typeface="HGS明朝E" panose="02020900000000000000" pitchFamily="18" charset="-128"/>
+                <a:ea typeface="HGS明朝E" panose="02020900000000000000" pitchFamily="18" charset="-128"/>
+              </a:rPr>
+              <a:t>チケット予約システム</a:t>
+            </a:r>
+            <a:endParaRPr kumimoji="1" lang="ja-JP" altLang="en-US" sz="1400" dirty="0">
+              <a:latin typeface="HGS明朝E" panose="02020900000000000000" pitchFamily="18" charset="-128"/>
+              <a:ea typeface="HGS明朝E" panose="02020900000000000000" pitchFamily="18" charset="-128"/>
+            </a:endParaRPr>
+          </a:p>
+        </p:txBody>
+      </p:sp>
+      <p:pic>
+        <p:nvPicPr>
+          <p:cNvPr id="4" name="図 3" descr="黒い背景に白い文字がある&#10;&#10;低い精度で自動的に生成された説明">
+            <a:extLst>
+              <a:ext uri="{FF2B5EF4-FFF2-40B4-BE49-F238E27FC236}">
+                <a16:creationId xmlns:a16="http://schemas.microsoft.com/office/drawing/2014/main" id="{31EDCC08-6F3A-6D0E-F704-16BB9ACF12C3}"/>
+              </a:ext>
+            </a:extLst>
+          </p:cNvPr>
+          <p:cNvPicPr>
+            <a:picLocks noChangeAspect="1"/>
+          </p:cNvPicPr>
+          <p:nvPr/>
+        </p:nvPicPr>
+        <p:blipFill>
+          <a:blip r:embed="rId2">
+            <a:extLst>
+              <a:ext uri="{28A0092B-C50C-407E-A947-70E740481C1C}">
+                <a14:useLocalDpi xmlns:a14="http://schemas.microsoft.com/office/drawing/2010/main" val="0"/>
+              </a:ext>
+            </a:extLst>
+          </a:blip>
+          <a:stretch>
+            <a:fillRect/>
+          </a:stretch>
+        </p:blipFill>
+        <p:spPr>
+          <a:xfrm>
+            <a:off x="9982230" y="121271"/>
+            <a:ext cx="2001068" cy="636703"/>
+          </a:xfrm>
+          <a:prstGeom prst="rect">
+            <a:avLst/>
+          </a:prstGeom>
+        </p:spPr>
+      </p:pic>
+      <p:cxnSp>
+        <p:nvCxnSpPr>
+          <p:cNvPr id="9" name="直線コネクタ 8">
+            <a:extLst>
+              <a:ext uri="{FF2B5EF4-FFF2-40B4-BE49-F238E27FC236}">
+                <a16:creationId xmlns:a16="http://schemas.microsoft.com/office/drawing/2014/main" id="{38A96EF8-5115-07C4-7CDE-0D31F44E04BE}"/>
+              </a:ext>
+            </a:extLst>
+          </p:cNvPr>
+          <p:cNvCxnSpPr>
+            <a:cxnSpLocks/>
+          </p:cNvCxnSpPr>
+          <p:nvPr/>
+        </p:nvCxnSpPr>
+        <p:spPr>
+          <a:xfrm>
+            <a:off x="0" y="757974"/>
+            <a:ext cx="9513651" cy="0"/>
+          </a:xfrm>
+          <a:prstGeom prst="line">
+            <a:avLst/>
+          </a:prstGeom>
+          <a:ln>
+            <a:solidFill>
+              <a:schemeClr val="accent1">
+                <a:lumMod val="50000"/>
+              </a:schemeClr>
+            </a:solidFill>
+          </a:ln>
+        </p:spPr>
+        <p:style>
+          <a:lnRef idx="2">
+            <a:schemeClr val="accent1"/>
+          </a:lnRef>
+          <a:fillRef idx="0">
+            <a:schemeClr val="accent1"/>
+          </a:fillRef>
+          <a:effectRef idx="1">
+            <a:schemeClr val="accent1"/>
+          </a:effectRef>
+          <a:fontRef idx="minor">
+            <a:schemeClr val="tx1"/>
+          </a:fontRef>
+        </p:style>
+      </p:cxnSp>
+      <p:sp>
+        <p:nvSpPr>
+          <p:cNvPr id="15" name="テキスト ボックス 14">
+            <a:extLst>
+              <a:ext uri="{FF2B5EF4-FFF2-40B4-BE49-F238E27FC236}">
+                <a16:creationId xmlns:a16="http://schemas.microsoft.com/office/drawing/2014/main" id="{678267DC-4534-4A0F-0B85-AD0A349FB992}"/>
+              </a:ext>
+            </a:extLst>
+          </p:cNvPr>
+          <p:cNvSpPr txBox="1"/>
+          <p:nvPr/>
+        </p:nvSpPr>
+        <p:spPr>
+          <a:xfrm>
+            <a:off x="1050587" y="233464"/>
+            <a:ext cx="8463063" cy="523220"/>
+          </a:xfrm>
+          <a:prstGeom prst="rect">
+            <a:avLst/>
+          </a:prstGeom>
+          <a:noFill/>
+        </p:spPr>
+        <p:txBody>
+          <a:bodyPr wrap="square" rtlCol="0">
+            <a:spAutoFit/>
+          </a:bodyPr>
+          <a:lstStyle/>
+          <a:p>
+            <a:r>
+              <a:rPr kumimoji="1" lang="en-US" altLang="ja-JP" sz="2800" dirty="0">
+                <a:latin typeface="HGS明朝E" panose="02020900000000000000" pitchFamily="18" charset="-128"/>
+                <a:ea typeface="HGS明朝E" panose="02020900000000000000" pitchFamily="18" charset="-128"/>
+              </a:rPr>
+              <a:t>Chapter 1 : </a:t>
+            </a:r>
+            <a:r>
+              <a:rPr kumimoji="1" lang="ja-JP" altLang="en-US" sz="2800" dirty="0">
+                <a:latin typeface="HGS明朝E" panose="02020900000000000000" pitchFamily="18" charset="-128"/>
+                <a:ea typeface="HGS明朝E" panose="02020900000000000000" pitchFamily="18" charset="-128"/>
+              </a:rPr>
+              <a:t>フロー概要（公演参加状況確認）</a:t>
+            </a:r>
+          </a:p>
+        </p:txBody>
+      </p:sp>
+      <p:sp>
+        <p:nvSpPr>
+          <p:cNvPr id="16" name="正方形/長方形 15">
+            <a:extLst>
+              <a:ext uri="{FF2B5EF4-FFF2-40B4-BE49-F238E27FC236}">
+                <a16:creationId xmlns:a16="http://schemas.microsoft.com/office/drawing/2014/main" id="{40AE4FA9-7032-CE35-F094-141A4C7E5146}"/>
+              </a:ext>
+            </a:extLst>
+          </p:cNvPr>
+          <p:cNvSpPr/>
+          <p:nvPr/>
+        </p:nvSpPr>
+        <p:spPr>
+          <a:xfrm>
+            <a:off x="126460" y="904672"/>
+            <a:ext cx="11955293" cy="5832053"/>
+          </a:xfrm>
+          <a:prstGeom prst="rect">
+            <a:avLst/>
+          </a:prstGeom>
+          <a:solidFill>
+            <a:schemeClr val="bg1">
+              <a:lumMod val="95000"/>
+            </a:schemeClr>
+          </a:solidFill>
+          <a:ln>
+            <a:solidFill>
+              <a:schemeClr val="accent1">
+                <a:lumMod val="50000"/>
+              </a:schemeClr>
+            </a:solidFill>
+          </a:ln>
+        </p:spPr>
+        <p:style>
+          <a:lnRef idx="2">
+            <a:schemeClr val="accent1">
+              <a:shade val="15000"/>
+            </a:schemeClr>
+          </a:lnRef>
+          <a:fillRef idx="1">
+            <a:schemeClr val="accent1"/>
+          </a:fillRef>
+          <a:effectRef idx="0">
+            <a:schemeClr val="accent1"/>
+          </a:effectRef>
+          <a:fontRef idx="minor">
+            <a:schemeClr val="lt1"/>
+          </a:fontRef>
+        </p:style>
+        <p:txBody>
+          <a:bodyPr rtlCol="0" anchor="ctr"/>
+          <a:lstStyle/>
+          <a:p>
+            <a:pPr algn="ctr"/>
+            <a:endParaRPr kumimoji="1" lang="ja-JP" altLang="en-US"/>
+          </a:p>
+        </p:txBody>
+      </p:sp>
+      <p:sp>
+        <p:nvSpPr>
+          <p:cNvPr id="5" name="正方形/長方形 4">
+            <a:extLst>
+              <a:ext uri="{FF2B5EF4-FFF2-40B4-BE49-F238E27FC236}">
+                <a16:creationId xmlns:a16="http://schemas.microsoft.com/office/drawing/2014/main" id="{B645EABD-D1D9-4385-E92E-BE18D179186C}"/>
+              </a:ext>
+            </a:extLst>
+          </p:cNvPr>
+          <p:cNvSpPr/>
+          <p:nvPr/>
+        </p:nvSpPr>
+        <p:spPr>
+          <a:xfrm>
+            <a:off x="431828" y="4900559"/>
+            <a:ext cx="2444486" cy="1199467"/>
+          </a:xfrm>
+          <a:prstGeom prst="rect">
+            <a:avLst/>
+          </a:prstGeom>
+          <a:solidFill>
+            <a:srgbClr val="FFFF00"/>
+          </a:solidFill>
+          <a:ln w="28575">
+            <a:solidFill>
+              <a:schemeClr val="accent2">
+                <a:lumMod val="75000"/>
+              </a:schemeClr>
+            </a:solidFill>
+          </a:ln>
+        </p:spPr>
+        <p:style>
+          <a:lnRef idx="2">
+            <a:schemeClr val="accent1">
+              <a:shade val="15000"/>
+            </a:schemeClr>
+          </a:lnRef>
+          <a:fillRef idx="1">
+            <a:schemeClr val="accent1"/>
+          </a:fillRef>
+          <a:effectRef idx="0">
+            <a:schemeClr val="accent1"/>
+          </a:effectRef>
+          <a:fontRef idx="minor">
+            <a:schemeClr val="lt1"/>
+          </a:fontRef>
+        </p:style>
+        <p:txBody>
+          <a:bodyPr rtlCol="0" anchor="t"/>
+          <a:lstStyle/>
+          <a:p>
+            <a:r>
+              <a:rPr lang="ja-JP" altLang="en-US" sz="1100" dirty="0">
+                <a:solidFill>
+                  <a:schemeClr val="tx1"/>
+                </a:solidFill>
+              </a:rPr>
+              <a:t>セッション変数</a:t>
+            </a:r>
+            <a:endParaRPr lang="en-US" altLang="ja-JP" sz="1100" dirty="0">
+              <a:solidFill>
+                <a:schemeClr val="tx1"/>
+              </a:solidFill>
+            </a:endParaRPr>
+          </a:p>
+          <a:p>
+            <a:pPr marL="171450" indent="-171450">
+              <a:buFontTx/>
+              <a:buChar char="-"/>
+            </a:pPr>
+            <a:r>
+              <a:rPr lang="en-US" altLang="ja-JP" sz="1100" dirty="0" err="1">
+                <a:solidFill>
+                  <a:schemeClr val="tx1"/>
+                </a:solidFill>
+              </a:rPr>
+              <a:t>defStSession</a:t>
+            </a:r>
+            <a:endParaRPr lang="en-US" altLang="ja-JP" sz="1100" dirty="0">
+              <a:solidFill>
+                <a:schemeClr val="tx1"/>
+              </a:solidFill>
+            </a:endParaRPr>
+          </a:p>
+          <a:p>
+            <a:pPr marL="171450" indent="-171450">
+              <a:buFontTx/>
+              <a:buChar char="-"/>
+            </a:pPr>
+            <a:endParaRPr lang="en-US" altLang="ja-JP" sz="1100" dirty="0">
+              <a:solidFill>
+                <a:schemeClr val="tx1"/>
+              </a:solidFill>
+            </a:endParaRPr>
+          </a:p>
+          <a:p>
+            <a:r>
+              <a:rPr lang="ja-JP" altLang="en-US" sz="1100" dirty="0">
+                <a:solidFill>
+                  <a:schemeClr val="tx1"/>
+                </a:solidFill>
+              </a:rPr>
+              <a:t>モード</a:t>
+            </a:r>
+            <a:endParaRPr lang="en-US" altLang="ja-JP" sz="1100" dirty="0">
+              <a:solidFill>
+                <a:schemeClr val="tx1"/>
+              </a:solidFill>
+            </a:endParaRPr>
+          </a:p>
+          <a:p>
+            <a:pPr marL="171450" indent="-171450">
+              <a:buFontTx/>
+              <a:buChar char="-"/>
+            </a:pPr>
+            <a:r>
+              <a:rPr lang="en-US" altLang="ja-JP" sz="1100" dirty="0" err="1">
+                <a:solidFill>
+                  <a:schemeClr val="tx1"/>
+                </a:solidFill>
+              </a:rPr>
+              <a:t>sysUser</a:t>
+            </a:r>
+            <a:r>
+              <a:rPr lang="ja-JP" altLang="en-US" sz="1100" dirty="0">
+                <a:solidFill>
+                  <a:schemeClr val="tx1"/>
+                </a:solidFill>
+              </a:rPr>
+              <a:t>（管理者）</a:t>
+            </a:r>
+            <a:endParaRPr lang="en-US" altLang="ja-JP" sz="1100" dirty="0">
+              <a:solidFill>
+                <a:schemeClr val="tx1"/>
+              </a:solidFill>
+            </a:endParaRPr>
+          </a:p>
+          <a:p>
+            <a:pPr marL="171450" indent="-171450">
+              <a:buFontTx/>
+              <a:buChar char="-"/>
+            </a:pPr>
+            <a:r>
+              <a:rPr lang="en-US" altLang="ja-JP" sz="1100" dirty="0" err="1">
+                <a:solidFill>
+                  <a:schemeClr val="tx1"/>
+                </a:solidFill>
+              </a:rPr>
+              <a:t>doubleUser</a:t>
+            </a:r>
+            <a:r>
+              <a:rPr lang="ja-JP" altLang="en-US" sz="1100" dirty="0">
+                <a:solidFill>
+                  <a:schemeClr val="tx1"/>
+                </a:solidFill>
+              </a:rPr>
+              <a:t>（管理者・予約者）</a:t>
+            </a:r>
+            <a:endParaRPr lang="en-US" altLang="ja-JP" sz="1100" dirty="0">
+              <a:solidFill>
+                <a:schemeClr val="tx1"/>
+              </a:solidFill>
+            </a:endParaRPr>
+          </a:p>
+          <a:p>
+            <a:endParaRPr kumimoji="1" lang="ja-JP" altLang="en-US" sz="1100" dirty="0">
+              <a:solidFill>
+                <a:schemeClr val="tx1"/>
+              </a:solidFill>
+            </a:endParaRPr>
+          </a:p>
+        </p:txBody>
+      </p:sp>
+      <p:sp>
+        <p:nvSpPr>
+          <p:cNvPr id="18" name="正方形/長方形 17">
+            <a:extLst>
+              <a:ext uri="{FF2B5EF4-FFF2-40B4-BE49-F238E27FC236}">
+                <a16:creationId xmlns:a16="http://schemas.microsoft.com/office/drawing/2014/main" id="{BBC0AF4C-9530-6AFE-14AA-0AEE9827A421}"/>
+              </a:ext>
+            </a:extLst>
+          </p:cNvPr>
+          <p:cNvSpPr/>
+          <p:nvPr/>
+        </p:nvSpPr>
+        <p:spPr>
+          <a:xfrm>
+            <a:off x="1188144" y="1434221"/>
+            <a:ext cx="1798984" cy="523220"/>
+          </a:xfrm>
+          <a:prstGeom prst="rect">
+            <a:avLst/>
+          </a:prstGeom>
+          <a:solidFill>
+            <a:schemeClr val="accent1">
+              <a:lumMod val="20000"/>
+              <a:lumOff val="80000"/>
+            </a:schemeClr>
+          </a:solidFill>
+        </p:spPr>
+        <p:style>
+          <a:lnRef idx="2">
+            <a:schemeClr val="accent1">
+              <a:shade val="15000"/>
+            </a:schemeClr>
+          </a:lnRef>
+          <a:fillRef idx="1">
+            <a:schemeClr val="accent1"/>
+          </a:fillRef>
+          <a:effectRef idx="0">
+            <a:schemeClr val="accent1"/>
+          </a:effectRef>
+          <a:fontRef idx="minor">
+            <a:schemeClr val="lt1"/>
+          </a:fontRef>
+        </p:style>
+        <p:txBody>
+          <a:bodyPr rtlCol="0" anchor="ctr"/>
+          <a:lstStyle/>
+          <a:p>
+            <a:pPr algn="ctr"/>
+            <a:r>
+              <a:rPr kumimoji="1" lang="ja-JP" altLang="en-US" sz="900" dirty="0">
+                <a:solidFill>
+                  <a:schemeClr val="tx1"/>
+                </a:solidFill>
+              </a:rPr>
+              <a:t>ログインページ</a:t>
+            </a:r>
+          </a:p>
+        </p:txBody>
+      </p:sp>
+      <p:sp>
+        <p:nvSpPr>
+          <p:cNvPr id="38" name="フローチャート: 判断 37">
+            <a:extLst>
+              <a:ext uri="{FF2B5EF4-FFF2-40B4-BE49-F238E27FC236}">
+                <a16:creationId xmlns:a16="http://schemas.microsoft.com/office/drawing/2014/main" id="{000FD64F-5B19-765F-95B4-C76F55F56D98}"/>
+              </a:ext>
+            </a:extLst>
+          </p:cNvPr>
+          <p:cNvSpPr/>
+          <p:nvPr/>
+        </p:nvSpPr>
+        <p:spPr>
+          <a:xfrm>
+            <a:off x="855184" y="2707227"/>
+            <a:ext cx="2464904" cy="770224"/>
+          </a:xfrm>
+          <a:prstGeom prst="flowChartDecision">
+            <a:avLst/>
+          </a:prstGeom>
+          <a:solidFill>
+            <a:schemeClr val="accent1">
+              <a:lumMod val="20000"/>
+              <a:lumOff val="80000"/>
+            </a:schemeClr>
+          </a:solidFill>
+        </p:spPr>
+        <p:style>
+          <a:lnRef idx="2">
+            <a:schemeClr val="accent1">
+              <a:shade val="15000"/>
+            </a:schemeClr>
+          </a:lnRef>
+          <a:fillRef idx="1">
+            <a:schemeClr val="accent1"/>
+          </a:fillRef>
+          <a:effectRef idx="0">
+            <a:schemeClr val="accent1"/>
+          </a:effectRef>
+          <a:fontRef idx="minor">
+            <a:schemeClr val="lt1"/>
+          </a:fontRef>
+        </p:style>
+        <p:txBody>
+          <a:bodyPr rtlCol="0" anchor="ctr"/>
+          <a:lstStyle/>
+          <a:p>
+            <a:pPr algn="ctr"/>
+            <a:r>
+              <a:rPr lang="ja-JP" altLang="en-US" sz="900" dirty="0">
+                <a:solidFill>
+                  <a:schemeClr val="tx1"/>
+                </a:solidFill>
+              </a:rPr>
+              <a:t>①ユーザー登録情報</a:t>
+            </a:r>
+            <a:endParaRPr kumimoji="1" lang="ja-JP" altLang="en-US" sz="900" dirty="0">
+              <a:solidFill>
+                <a:schemeClr val="tx1"/>
+              </a:solidFill>
+            </a:endParaRPr>
+          </a:p>
+        </p:txBody>
+      </p:sp>
+      <p:cxnSp>
+        <p:nvCxnSpPr>
+          <p:cNvPr id="39" name="直線矢印コネクタ 38">
+            <a:extLst>
+              <a:ext uri="{FF2B5EF4-FFF2-40B4-BE49-F238E27FC236}">
+                <a16:creationId xmlns:a16="http://schemas.microsoft.com/office/drawing/2014/main" id="{D367148D-1C7E-1E23-A2C5-F500D7E4A50C}"/>
+              </a:ext>
+            </a:extLst>
+          </p:cNvPr>
+          <p:cNvCxnSpPr>
+            <a:cxnSpLocks/>
+            <a:stCxn id="18" idx="2"/>
+            <a:endCxn id="38" idx="0"/>
+          </p:cNvCxnSpPr>
+          <p:nvPr/>
+        </p:nvCxnSpPr>
+        <p:spPr>
+          <a:xfrm>
+            <a:off x="2087636" y="1957441"/>
+            <a:ext cx="0" cy="749786"/>
+          </a:xfrm>
+          <a:prstGeom prst="straightConnector1">
+            <a:avLst/>
+          </a:prstGeom>
+          <a:ln w="28575">
+            <a:tailEnd type="triangle"/>
+          </a:ln>
+        </p:spPr>
+        <p:style>
+          <a:lnRef idx="1">
+            <a:schemeClr val="accent1"/>
+          </a:lnRef>
+          <a:fillRef idx="0">
+            <a:schemeClr val="accent1"/>
+          </a:fillRef>
+          <a:effectRef idx="0">
+            <a:schemeClr val="accent1"/>
+          </a:effectRef>
+          <a:fontRef idx="minor">
+            <a:schemeClr val="tx1"/>
+          </a:fontRef>
+        </p:style>
+      </p:cxnSp>
+      <p:sp>
+        <p:nvSpPr>
+          <p:cNvPr id="42" name="テキスト ボックス 41">
+            <a:extLst>
+              <a:ext uri="{FF2B5EF4-FFF2-40B4-BE49-F238E27FC236}">
+                <a16:creationId xmlns:a16="http://schemas.microsoft.com/office/drawing/2014/main" id="{DFF73CB9-CAA9-AF07-9A52-81ACAEA080D9}"/>
+              </a:ext>
+            </a:extLst>
+          </p:cNvPr>
+          <p:cNvSpPr txBox="1"/>
+          <p:nvPr/>
+        </p:nvSpPr>
+        <p:spPr>
+          <a:xfrm>
+            <a:off x="1114349" y="2274089"/>
+            <a:ext cx="874526" cy="230832"/>
+          </a:xfrm>
+          <a:prstGeom prst="rect">
+            <a:avLst/>
+          </a:prstGeom>
+          <a:solidFill>
+            <a:schemeClr val="accent4">
+              <a:lumMod val="20000"/>
+              <a:lumOff val="80000"/>
+            </a:schemeClr>
+          </a:solidFill>
+        </p:spPr>
+        <p:txBody>
+          <a:bodyPr wrap="square" rtlCol="0">
+            <a:spAutoFit/>
+          </a:bodyPr>
+          <a:lstStyle/>
+          <a:p>
+            <a:pPr algn="ctr"/>
+            <a:r>
+              <a:rPr kumimoji="1" lang="ja-JP" altLang="en-US" sz="900" dirty="0"/>
+              <a:t>ログイン成功</a:t>
+            </a:r>
+          </a:p>
+        </p:txBody>
+      </p:sp>
+      <p:sp>
+        <p:nvSpPr>
+          <p:cNvPr id="44" name="正方形/長方形 43">
+            <a:extLst>
+              <a:ext uri="{FF2B5EF4-FFF2-40B4-BE49-F238E27FC236}">
+                <a16:creationId xmlns:a16="http://schemas.microsoft.com/office/drawing/2014/main" id="{0CB47AD1-58BA-EF55-7B48-FAD42FB17741}"/>
+              </a:ext>
+            </a:extLst>
+          </p:cNvPr>
+          <p:cNvSpPr/>
+          <p:nvPr/>
+        </p:nvSpPr>
+        <p:spPr>
+          <a:xfrm>
+            <a:off x="4358364" y="2835134"/>
+            <a:ext cx="1798984" cy="523220"/>
+          </a:xfrm>
+          <a:prstGeom prst="rect">
+            <a:avLst/>
+          </a:prstGeom>
+          <a:solidFill>
+            <a:schemeClr val="accent1">
+              <a:lumMod val="20000"/>
+              <a:lumOff val="80000"/>
+            </a:schemeClr>
+          </a:solidFill>
+        </p:spPr>
+        <p:style>
+          <a:lnRef idx="2">
+            <a:schemeClr val="accent1">
+              <a:shade val="15000"/>
+            </a:schemeClr>
+          </a:lnRef>
+          <a:fillRef idx="1">
+            <a:schemeClr val="accent1"/>
+          </a:fillRef>
+          <a:effectRef idx="0">
+            <a:schemeClr val="accent1"/>
+          </a:effectRef>
+          <a:fontRef idx="minor">
+            <a:schemeClr val="lt1"/>
+          </a:fontRef>
+        </p:style>
+        <p:txBody>
+          <a:bodyPr rtlCol="0" anchor="ctr"/>
+          <a:lstStyle/>
+          <a:p>
+            <a:pPr algn="ctr"/>
+            <a:r>
+              <a:rPr kumimoji="1" lang="ja-JP" altLang="en-US" sz="900" dirty="0">
+                <a:solidFill>
+                  <a:schemeClr val="tx1"/>
+                </a:solidFill>
+              </a:rPr>
+              <a:t>モード選択ページ</a:t>
+            </a:r>
+          </a:p>
+        </p:txBody>
+      </p:sp>
+      <p:cxnSp>
+        <p:nvCxnSpPr>
+          <p:cNvPr id="46" name="直線矢印コネクタ 45">
+            <a:extLst>
+              <a:ext uri="{FF2B5EF4-FFF2-40B4-BE49-F238E27FC236}">
+                <a16:creationId xmlns:a16="http://schemas.microsoft.com/office/drawing/2014/main" id="{A11D8E31-756A-17F6-6C94-8B7584984B52}"/>
+              </a:ext>
+            </a:extLst>
+          </p:cNvPr>
+          <p:cNvCxnSpPr>
+            <a:cxnSpLocks/>
+            <a:stCxn id="38" idx="3"/>
+            <a:endCxn id="44" idx="1"/>
+          </p:cNvCxnSpPr>
+          <p:nvPr/>
+        </p:nvCxnSpPr>
+        <p:spPr>
+          <a:xfrm>
+            <a:off x="3320088" y="3092339"/>
+            <a:ext cx="1038276" cy="4405"/>
+          </a:xfrm>
+          <a:prstGeom prst="straightConnector1">
+            <a:avLst/>
+          </a:prstGeom>
+          <a:ln w="28575">
+            <a:tailEnd type="triangle"/>
+          </a:ln>
+        </p:spPr>
+        <p:style>
+          <a:lnRef idx="1">
+            <a:schemeClr val="accent1"/>
+          </a:lnRef>
+          <a:fillRef idx="0">
+            <a:schemeClr val="accent1"/>
+          </a:fillRef>
+          <a:effectRef idx="0">
+            <a:schemeClr val="accent1"/>
+          </a:effectRef>
+          <a:fontRef idx="minor">
+            <a:schemeClr val="tx1"/>
+          </a:fontRef>
+        </p:style>
+      </p:cxnSp>
+      <p:sp>
+        <p:nvSpPr>
+          <p:cNvPr id="50" name="テキスト ボックス 49">
+            <a:extLst>
+              <a:ext uri="{FF2B5EF4-FFF2-40B4-BE49-F238E27FC236}">
+                <a16:creationId xmlns:a16="http://schemas.microsoft.com/office/drawing/2014/main" id="{B0C74E5A-A6AA-EDE1-90CF-27A054A7ABAB}"/>
+              </a:ext>
+            </a:extLst>
+          </p:cNvPr>
+          <p:cNvSpPr txBox="1"/>
+          <p:nvPr/>
+        </p:nvSpPr>
+        <p:spPr>
+          <a:xfrm>
+            <a:off x="3401963" y="2801765"/>
+            <a:ext cx="874526" cy="230832"/>
+          </a:xfrm>
+          <a:prstGeom prst="rect">
+            <a:avLst/>
+          </a:prstGeom>
+          <a:solidFill>
+            <a:schemeClr val="accent4">
+              <a:lumMod val="20000"/>
+              <a:lumOff val="80000"/>
+            </a:schemeClr>
+          </a:solidFill>
+        </p:spPr>
+        <p:txBody>
+          <a:bodyPr wrap="square" rtlCol="0">
+            <a:spAutoFit/>
+          </a:bodyPr>
+          <a:lstStyle/>
+          <a:p>
+            <a:pPr algn="ctr"/>
+            <a:r>
+              <a:rPr kumimoji="1" lang="ja-JP" altLang="en-US" sz="900" dirty="0"/>
+              <a:t>両方登録済み</a:t>
+            </a:r>
+          </a:p>
+        </p:txBody>
+      </p:sp>
+      <p:cxnSp>
+        <p:nvCxnSpPr>
+          <p:cNvPr id="55" name="コネクタ: カギ線 54">
+            <a:extLst>
+              <a:ext uri="{FF2B5EF4-FFF2-40B4-BE49-F238E27FC236}">
+                <a16:creationId xmlns:a16="http://schemas.microsoft.com/office/drawing/2014/main" id="{86F818AB-7EF1-911B-AE2D-91F98DB2769C}"/>
+              </a:ext>
+            </a:extLst>
+          </p:cNvPr>
+          <p:cNvCxnSpPr>
+            <a:cxnSpLocks/>
+            <a:stCxn id="38" idx="3"/>
+            <a:endCxn id="17" idx="1"/>
+          </p:cNvCxnSpPr>
+          <p:nvPr/>
+        </p:nvCxnSpPr>
+        <p:spPr>
+          <a:xfrm>
+            <a:off x="3320088" y="3092339"/>
+            <a:ext cx="2504300" cy="866368"/>
+          </a:xfrm>
+          <a:prstGeom prst="bentConnector3">
+            <a:avLst>
+              <a:gd name="adj1" fmla="val -497"/>
+            </a:avLst>
+          </a:prstGeom>
+          <a:ln w="28575">
+            <a:tailEnd type="triangle"/>
+          </a:ln>
+        </p:spPr>
+        <p:style>
+          <a:lnRef idx="1">
+            <a:schemeClr val="accent1"/>
+          </a:lnRef>
+          <a:fillRef idx="0">
+            <a:schemeClr val="accent1"/>
+          </a:fillRef>
+          <a:effectRef idx="0">
+            <a:schemeClr val="accent1"/>
+          </a:effectRef>
+          <a:fontRef idx="minor">
+            <a:schemeClr val="tx1"/>
+          </a:fontRef>
+        </p:style>
+      </p:cxnSp>
+      <p:sp>
+        <p:nvSpPr>
+          <p:cNvPr id="60" name="テキスト ボックス 59">
+            <a:extLst>
+              <a:ext uri="{FF2B5EF4-FFF2-40B4-BE49-F238E27FC236}">
+                <a16:creationId xmlns:a16="http://schemas.microsoft.com/office/drawing/2014/main" id="{B61EB367-83E0-D815-A279-E1BA7BC47258}"/>
+              </a:ext>
+            </a:extLst>
+          </p:cNvPr>
+          <p:cNvSpPr txBox="1"/>
+          <p:nvPr/>
+        </p:nvSpPr>
+        <p:spPr>
+          <a:xfrm>
+            <a:off x="4301455" y="3994536"/>
+            <a:ext cx="874526" cy="230832"/>
+          </a:xfrm>
+          <a:prstGeom prst="rect">
+            <a:avLst/>
+          </a:prstGeom>
+          <a:solidFill>
+            <a:schemeClr val="accent4">
+              <a:lumMod val="20000"/>
+              <a:lumOff val="80000"/>
+            </a:schemeClr>
+          </a:solidFill>
+        </p:spPr>
+        <p:txBody>
+          <a:bodyPr wrap="square" rtlCol="0">
+            <a:spAutoFit/>
+          </a:bodyPr>
+          <a:lstStyle/>
+          <a:p>
+            <a:pPr algn="ctr"/>
+            <a:r>
+              <a:rPr lang="ja-JP" altLang="en-US" sz="900" dirty="0"/>
+              <a:t>管理者</a:t>
+            </a:r>
+            <a:r>
+              <a:rPr kumimoji="1" lang="ja-JP" altLang="en-US" sz="900" dirty="0"/>
+              <a:t>のみ</a:t>
+            </a:r>
+          </a:p>
+        </p:txBody>
+      </p:sp>
+      <p:cxnSp>
+        <p:nvCxnSpPr>
+          <p:cNvPr id="64" name="コネクタ: カギ線 63">
+            <a:extLst>
+              <a:ext uri="{FF2B5EF4-FFF2-40B4-BE49-F238E27FC236}">
+                <a16:creationId xmlns:a16="http://schemas.microsoft.com/office/drawing/2014/main" id="{769287F6-2DA5-A497-60DE-FD1E4B710C98}"/>
+              </a:ext>
+            </a:extLst>
+          </p:cNvPr>
+          <p:cNvCxnSpPr>
+            <a:cxnSpLocks/>
+            <a:stCxn id="44" idx="3"/>
+            <a:endCxn id="17" idx="0"/>
+          </p:cNvCxnSpPr>
+          <p:nvPr/>
+        </p:nvCxnSpPr>
+        <p:spPr>
+          <a:xfrm>
+            <a:off x="6157348" y="3096744"/>
+            <a:ext cx="899492" cy="476851"/>
+          </a:xfrm>
+          <a:prstGeom prst="bentConnector2">
+            <a:avLst/>
+          </a:prstGeom>
+          <a:ln w="28575">
+            <a:tailEnd type="triangle"/>
+          </a:ln>
+        </p:spPr>
+        <p:style>
+          <a:lnRef idx="1">
+            <a:schemeClr val="accent1"/>
+          </a:lnRef>
+          <a:fillRef idx="0">
+            <a:schemeClr val="accent1"/>
+          </a:fillRef>
+          <a:effectRef idx="0">
+            <a:schemeClr val="accent1"/>
+          </a:effectRef>
+          <a:fontRef idx="minor">
+            <a:schemeClr val="tx1"/>
+          </a:fontRef>
+        </p:style>
+      </p:cxnSp>
+      <p:sp>
+        <p:nvSpPr>
+          <p:cNvPr id="17" name="フローチャート: 判断 16">
+            <a:extLst>
+              <a:ext uri="{FF2B5EF4-FFF2-40B4-BE49-F238E27FC236}">
+                <a16:creationId xmlns:a16="http://schemas.microsoft.com/office/drawing/2014/main" id="{530B9AA6-A1FB-6CE1-EBC3-9B2D12F63A76}"/>
+              </a:ext>
+            </a:extLst>
+          </p:cNvPr>
+          <p:cNvSpPr/>
+          <p:nvPr/>
+        </p:nvSpPr>
+        <p:spPr>
+          <a:xfrm>
+            <a:off x="5824388" y="3573595"/>
+            <a:ext cx="2464904" cy="770224"/>
+          </a:xfrm>
+          <a:prstGeom prst="flowChartDecision">
+            <a:avLst/>
+          </a:prstGeom>
+          <a:solidFill>
+            <a:schemeClr val="accent1">
+              <a:lumMod val="20000"/>
+              <a:lumOff val="80000"/>
+            </a:schemeClr>
+          </a:solidFill>
+        </p:spPr>
+        <p:style>
+          <a:lnRef idx="2">
+            <a:schemeClr val="accent1">
+              <a:shade val="15000"/>
+            </a:schemeClr>
+          </a:lnRef>
+          <a:fillRef idx="1">
+            <a:schemeClr val="accent1"/>
+          </a:fillRef>
+          <a:effectRef idx="0">
+            <a:schemeClr val="accent1"/>
+          </a:effectRef>
+          <a:fontRef idx="minor">
+            <a:schemeClr val="lt1"/>
+          </a:fontRef>
+        </p:style>
+        <p:txBody>
+          <a:bodyPr rtlCol="0" anchor="ctr"/>
+          <a:lstStyle/>
+          <a:p>
+            <a:pPr algn="ctr"/>
+            <a:r>
+              <a:rPr lang="ja-JP" altLang="en-US" sz="900" dirty="0">
+                <a:solidFill>
+                  <a:schemeClr val="tx1"/>
+                </a:solidFill>
+              </a:rPr>
+              <a:t>②参加している公演はあるか？</a:t>
+            </a:r>
+            <a:endParaRPr kumimoji="1" lang="ja-JP" altLang="en-US" sz="900" dirty="0">
+              <a:solidFill>
+                <a:schemeClr val="tx1"/>
+              </a:solidFill>
+            </a:endParaRPr>
+          </a:p>
+        </p:txBody>
+      </p:sp>
+      <p:sp>
+        <p:nvSpPr>
+          <p:cNvPr id="28" name="正方形/長方形 27">
+            <a:extLst>
+              <a:ext uri="{FF2B5EF4-FFF2-40B4-BE49-F238E27FC236}">
+                <a16:creationId xmlns:a16="http://schemas.microsoft.com/office/drawing/2014/main" id="{DB00525E-686E-7859-6F29-A0803F902C13}"/>
+              </a:ext>
+            </a:extLst>
+          </p:cNvPr>
+          <p:cNvSpPr/>
+          <p:nvPr/>
+        </p:nvSpPr>
+        <p:spPr>
+          <a:xfrm>
+            <a:off x="9286030" y="3702148"/>
+            <a:ext cx="1798984" cy="523220"/>
+          </a:xfrm>
+          <a:prstGeom prst="rect">
+            <a:avLst/>
+          </a:prstGeom>
+          <a:solidFill>
+            <a:schemeClr val="accent6">
+              <a:lumMod val="20000"/>
+              <a:lumOff val="80000"/>
+            </a:schemeClr>
+          </a:solidFill>
+        </p:spPr>
+        <p:style>
+          <a:lnRef idx="2">
+            <a:schemeClr val="accent1">
+              <a:shade val="15000"/>
+            </a:schemeClr>
+          </a:lnRef>
+          <a:fillRef idx="1">
+            <a:schemeClr val="accent1"/>
+          </a:fillRef>
+          <a:effectRef idx="0">
+            <a:schemeClr val="accent1"/>
+          </a:effectRef>
+          <a:fontRef idx="minor">
+            <a:schemeClr val="lt1"/>
+          </a:fontRef>
+        </p:style>
+        <p:txBody>
+          <a:bodyPr rtlCol="0" anchor="ctr"/>
+          <a:lstStyle/>
+          <a:p>
+            <a:pPr algn="ctr"/>
+            <a:r>
+              <a:rPr kumimoji="1" lang="ja-JP" altLang="en-US" sz="900" dirty="0">
+                <a:solidFill>
+                  <a:schemeClr val="tx1"/>
+                </a:solidFill>
+              </a:rPr>
+              <a:t>各種メニューページ</a:t>
+            </a:r>
+          </a:p>
+        </p:txBody>
+      </p:sp>
+      <p:cxnSp>
+        <p:nvCxnSpPr>
+          <p:cNvPr id="29" name="直線矢印コネクタ 28">
+            <a:extLst>
+              <a:ext uri="{FF2B5EF4-FFF2-40B4-BE49-F238E27FC236}">
+                <a16:creationId xmlns:a16="http://schemas.microsoft.com/office/drawing/2014/main" id="{DA81334F-5778-49DB-B710-0EF4A697E99A}"/>
+              </a:ext>
+            </a:extLst>
+          </p:cNvPr>
+          <p:cNvCxnSpPr>
+            <a:cxnSpLocks/>
+            <a:stCxn id="17" idx="3"/>
+            <a:endCxn id="28" idx="1"/>
+          </p:cNvCxnSpPr>
+          <p:nvPr/>
+        </p:nvCxnSpPr>
+        <p:spPr>
+          <a:xfrm>
+            <a:off x="8289292" y="3958707"/>
+            <a:ext cx="996738" cy="5051"/>
+          </a:xfrm>
+          <a:prstGeom prst="straightConnector1">
+            <a:avLst/>
+          </a:prstGeom>
+          <a:ln w="28575">
+            <a:tailEnd type="triangle"/>
+          </a:ln>
+        </p:spPr>
+        <p:style>
+          <a:lnRef idx="1">
+            <a:schemeClr val="accent1"/>
+          </a:lnRef>
+          <a:fillRef idx="0">
+            <a:schemeClr val="accent1"/>
+          </a:fillRef>
+          <a:effectRef idx="0">
+            <a:schemeClr val="accent1"/>
+          </a:effectRef>
+          <a:fontRef idx="minor">
+            <a:schemeClr val="tx1"/>
+          </a:fontRef>
+        </p:style>
+      </p:cxnSp>
+      <p:sp>
+        <p:nvSpPr>
+          <p:cNvPr id="33" name="正方形/長方形 32">
+            <a:extLst>
+              <a:ext uri="{FF2B5EF4-FFF2-40B4-BE49-F238E27FC236}">
+                <a16:creationId xmlns:a16="http://schemas.microsoft.com/office/drawing/2014/main" id="{0403F59F-27CC-5E76-6E69-21818DCB30F8}"/>
+              </a:ext>
+            </a:extLst>
+          </p:cNvPr>
+          <p:cNvSpPr/>
+          <p:nvPr/>
+        </p:nvSpPr>
+        <p:spPr>
+          <a:xfrm>
+            <a:off x="6157348" y="5009479"/>
+            <a:ext cx="1798984" cy="523220"/>
+          </a:xfrm>
+          <a:prstGeom prst="rect">
+            <a:avLst/>
+          </a:prstGeom>
+          <a:solidFill>
+            <a:schemeClr val="accent1">
+              <a:lumMod val="20000"/>
+              <a:lumOff val="80000"/>
+            </a:schemeClr>
+          </a:solidFill>
+        </p:spPr>
+        <p:style>
+          <a:lnRef idx="2">
+            <a:schemeClr val="accent1">
+              <a:shade val="15000"/>
+            </a:schemeClr>
+          </a:lnRef>
+          <a:fillRef idx="1">
+            <a:schemeClr val="accent1"/>
+          </a:fillRef>
+          <a:effectRef idx="0">
+            <a:schemeClr val="accent1"/>
+          </a:effectRef>
+          <a:fontRef idx="minor">
+            <a:schemeClr val="lt1"/>
+          </a:fontRef>
+        </p:style>
+        <p:txBody>
+          <a:bodyPr rtlCol="0" anchor="ctr"/>
+          <a:lstStyle/>
+          <a:p>
+            <a:pPr algn="ctr"/>
+            <a:r>
+              <a:rPr kumimoji="1" lang="ja-JP" altLang="en-US" sz="900" dirty="0">
+                <a:solidFill>
+                  <a:schemeClr val="tx1"/>
+                </a:solidFill>
+              </a:rPr>
+              <a:t>公演ログインページ</a:t>
+            </a:r>
+          </a:p>
+        </p:txBody>
+      </p:sp>
+      <p:cxnSp>
+        <p:nvCxnSpPr>
+          <p:cNvPr id="40" name="直線矢印コネクタ 39">
+            <a:extLst>
+              <a:ext uri="{FF2B5EF4-FFF2-40B4-BE49-F238E27FC236}">
+                <a16:creationId xmlns:a16="http://schemas.microsoft.com/office/drawing/2014/main" id="{E3F034EA-71DB-A600-3DBA-E392EE3CDB59}"/>
+              </a:ext>
+            </a:extLst>
+          </p:cNvPr>
+          <p:cNvCxnSpPr>
+            <a:cxnSpLocks/>
+            <a:stCxn id="17" idx="2"/>
+            <a:endCxn id="33" idx="0"/>
+          </p:cNvCxnSpPr>
+          <p:nvPr/>
+        </p:nvCxnSpPr>
+        <p:spPr>
+          <a:xfrm>
+            <a:off x="7056840" y="4343819"/>
+            <a:ext cx="0" cy="665660"/>
+          </a:xfrm>
+          <a:prstGeom prst="straightConnector1">
+            <a:avLst/>
+          </a:prstGeom>
+          <a:ln w="28575">
+            <a:tailEnd type="triangle"/>
+          </a:ln>
+        </p:spPr>
+        <p:style>
+          <a:lnRef idx="1">
+            <a:schemeClr val="accent1"/>
+          </a:lnRef>
+          <a:fillRef idx="0">
+            <a:schemeClr val="accent1"/>
+          </a:fillRef>
+          <a:effectRef idx="0">
+            <a:schemeClr val="accent1"/>
+          </a:effectRef>
+          <a:fontRef idx="minor">
+            <a:schemeClr val="tx1"/>
+          </a:fontRef>
+        </p:style>
+      </p:cxnSp>
+      <p:sp>
+        <p:nvSpPr>
+          <p:cNvPr id="48" name="テキスト ボックス 47">
+            <a:extLst>
+              <a:ext uri="{FF2B5EF4-FFF2-40B4-BE49-F238E27FC236}">
+                <a16:creationId xmlns:a16="http://schemas.microsoft.com/office/drawing/2014/main" id="{82C42B66-B852-BD19-651D-CB90092947B9}"/>
+              </a:ext>
+            </a:extLst>
+          </p:cNvPr>
+          <p:cNvSpPr txBox="1"/>
+          <p:nvPr/>
+        </p:nvSpPr>
+        <p:spPr>
+          <a:xfrm>
+            <a:off x="8289291" y="3653881"/>
+            <a:ext cx="874526" cy="230832"/>
+          </a:xfrm>
+          <a:prstGeom prst="rect">
+            <a:avLst/>
+          </a:prstGeom>
+          <a:solidFill>
+            <a:schemeClr val="accent4">
+              <a:lumMod val="20000"/>
+              <a:lumOff val="80000"/>
+            </a:schemeClr>
+          </a:solidFill>
+        </p:spPr>
+        <p:txBody>
+          <a:bodyPr wrap="square" rtlCol="0">
+            <a:spAutoFit/>
+          </a:bodyPr>
+          <a:lstStyle/>
+          <a:p>
+            <a:pPr algn="ctr"/>
+            <a:r>
+              <a:rPr lang="ja-JP" altLang="en-US" sz="900" dirty="0"/>
+              <a:t>ある</a:t>
+            </a:r>
+            <a:endParaRPr kumimoji="1" lang="ja-JP" altLang="en-US" sz="900" dirty="0"/>
+          </a:p>
+        </p:txBody>
+      </p:sp>
+      <p:sp>
+        <p:nvSpPr>
+          <p:cNvPr id="51" name="テキスト ボックス 50">
+            <a:extLst>
+              <a:ext uri="{FF2B5EF4-FFF2-40B4-BE49-F238E27FC236}">
+                <a16:creationId xmlns:a16="http://schemas.microsoft.com/office/drawing/2014/main" id="{08E434F9-48E7-38BC-E1DF-B47FC551E9AB}"/>
+              </a:ext>
+            </a:extLst>
+          </p:cNvPr>
+          <p:cNvSpPr txBox="1"/>
+          <p:nvPr/>
+        </p:nvSpPr>
+        <p:spPr>
+          <a:xfrm>
+            <a:off x="6096000" y="4439391"/>
+            <a:ext cx="874526" cy="230832"/>
+          </a:xfrm>
+          <a:prstGeom prst="rect">
+            <a:avLst/>
+          </a:prstGeom>
+          <a:solidFill>
+            <a:schemeClr val="accent4">
+              <a:lumMod val="20000"/>
+              <a:lumOff val="80000"/>
+            </a:schemeClr>
+          </a:solidFill>
+        </p:spPr>
+        <p:txBody>
+          <a:bodyPr wrap="square" rtlCol="0">
+            <a:spAutoFit/>
+          </a:bodyPr>
+          <a:lstStyle/>
+          <a:p>
+            <a:pPr algn="ctr"/>
+            <a:r>
+              <a:rPr lang="ja-JP" altLang="en-US" sz="900" dirty="0"/>
+              <a:t>ない</a:t>
+            </a:r>
+            <a:endParaRPr kumimoji="1" lang="ja-JP" altLang="en-US" sz="900" dirty="0"/>
+          </a:p>
+        </p:txBody>
+      </p:sp>
+      <p:cxnSp>
+        <p:nvCxnSpPr>
+          <p:cNvPr id="53" name="コネクタ: 曲線 52">
+            <a:extLst>
+              <a:ext uri="{FF2B5EF4-FFF2-40B4-BE49-F238E27FC236}">
+                <a16:creationId xmlns:a16="http://schemas.microsoft.com/office/drawing/2014/main" id="{11F8576D-2C50-AF35-9B62-6B298B39C2EE}"/>
+              </a:ext>
+            </a:extLst>
+          </p:cNvPr>
+          <p:cNvCxnSpPr>
+            <a:cxnSpLocks/>
+            <a:stCxn id="33" idx="1"/>
+            <a:endCxn id="17" idx="1"/>
+          </p:cNvCxnSpPr>
+          <p:nvPr/>
+        </p:nvCxnSpPr>
+        <p:spPr>
+          <a:xfrm rot="10800000">
+            <a:off x="5824388" y="3958707"/>
+            <a:ext cx="332960" cy="1312382"/>
+          </a:xfrm>
+          <a:prstGeom prst="curvedConnector3">
+            <a:avLst>
+              <a:gd name="adj1" fmla="val 168657"/>
+            </a:avLst>
+          </a:prstGeom>
+          <a:ln w="28575">
+            <a:tailEnd type="triangle"/>
+          </a:ln>
+        </p:spPr>
+        <p:style>
+          <a:lnRef idx="1">
+            <a:schemeClr val="accent1"/>
+          </a:lnRef>
+          <a:fillRef idx="0">
+            <a:schemeClr val="accent1"/>
+          </a:fillRef>
+          <a:effectRef idx="0">
+            <a:schemeClr val="accent1"/>
+          </a:effectRef>
+          <a:fontRef idx="minor">
+            <a:schemeClr val="tx1"/>
+          </a:fontRef>
+        </p:style>
+      </p:cxnSp>
+      <p:sp>
+        <p:nvSpPr>
+          <p:cNvPr id="56" name="テキスト ボックス 55">
+            <a:extLst>
+              <a:ext uri="{FF2B5EF4-FFF2-40B4-BE49-F238E27FC236}">
+                <a16:creationId xmlns:a16="http://schemas.microsoft.com/office/drawing/2014/main" id="{E41F4A2B-8ADE-16B4-E38E-FB925CDC6D56}"/>
+              </a:ext>
+            </a:extLst>
+          </p:cNvPr>
+          <p:cNvSpPr txBox="1"/>
+          <p:nvPr/>
+        </p:nvSpPr>
+        <p:spPr>
+          <a:xfrm>
+            <a:off x="4598365" y="4856228"/>
+            <a:ext cx="894726" cy="230832"/>
+          </a:xfrm>
+          <a:prstGeom prst="rect">
+            <a:avLst/>
+          </a:prstGeom>
+          <a:solidFill>
+            <a:schemeClr val="accent4">
+              <a:lumMod val="20000"/>
+              <a:lumOff val="80000"/>
+            </a:schemeClr>
+          </a:solidFill>
+        </p:spPr>
+        <p:txBody>
+          <a:bodyPr wrap="square" rtlCol="0">
+            <a:spAutoFit/>
+          </a:bodyPr>
+          <a:lstStyle/>
+          <a:p>
+            <a:pPr algn="ctr"/>
+            <a:r>
+              <a:rPr kumimoji="1" lang="ja-JP" altLang="en-US" sz="900" dirty="0"/>
+              <a:t>ログイン失敗</a:t>
+            </a:r>
+          </a:p>
+        </p:txBody>
+      </p:sp>
+      <p:cxnSp>
+        <p:nvCxnSpPr>
+          <p:cNvPr id="59" name="コネクタ: 曲線 58">
+            <a:extLst>
+              <a:ext uri="{FF2B5EF4-FFF2-40B4-BE49-F238E27FC236}">
+                <a16:creationId xmlns:a16="http://schemas.microsoft.com/office/drawing/2014/main" id="{646B25C9-69E3-7071-A7EF-9D3C74E18497}"/>
+              </a:ext>
+            </a:extLst>
+          </p:cNvPr>
+          <p:cNvCxnSpPr>
+            <a:cxnSpLocks/>
+            <a:stCxn id="33" idx="3"/>
+            <a:endCxn id="28" idx="1"/>
+          </p:cNvCxnSpPr>
+          <p:nvPr/>
+        </p:nvCxnSpPr>
+        <p:spPr>
+          <a:xfrm flipV="1">
+            <a:off x="7956332" y="3963758"/>
+            <a:ext cx="1329698" cy="1307331"/>
+          </a:xfrm>
+          <a:prstGeom prst="curvedConnector3">
+            <a:avLst>
+              <a:gd name="adj1" fmla="val 50000"/>
+            </a:avLst>
+          </a:prstGeom>
+          <a:ln w="28575">
+            <a:tailEnd type="triangle"/>
+          </a:ln>
+        </p:spPr>
+        <p:style>
+          <a:lnRef idx="1">
+            <a:schemeClr val="accent1"/>
+          </a:lnRef>
+          <a:fillRef idx="0">
+            <a:schemeClr val="accent1"/>
+          </a:fillRef>
+          <a:effectRef idx="0">
+            <a:schemeClr val="accent1"/>
+          </a:effectRef>
+          <a:fontRef idx="minor">
+            <a:schemeClr val="tx1"/>
+          </a:fontRef>
+        </p:style>
+      </p:cxnSp>
+      <p:sp>
+        <p:nvSpPr>
+          <p:cNvPr id="65" name="テキスト ボックス 64">
+            <a:extLst>
+              <a:ext uri="{FF2B5EF4-FFF2-40B4-BE49-F238E27FC236}">
+                <a16:creationId xmlns:a16="http://schemas.microsoft.com/office/drawing/2014/main" id="{87BD93C5-533B-8380-5116-ED18A15ED7C4}"/>
+              </a:ext>
+            </a:extLst>
+          </p:cNvPr>
+          <p:cNvSpPr txBox="1"/>
+          <p:nvPr/>
+        </p:nvSpPr>
+        <p:spPr>
+          <a:xfrm>
+            <a:off x="8725848" y="4856228"/>
+            <a:ext cx="894726" cy="230832"/>
+          </a:xfrm>
+          <a:prstGeom prst="rect">
+            <a:avLst/>
+          </a:prstGeom>
+          <a:solidFill>
+            <a:schemeClr val="accent4">
+              <a:lumMod val="20000"/>
+              <a:lumOff val="80000"/>
+            </a:schemeClr>
+          </a:solidFill>
+        </p:spPr>
+        <p:txBody>
+          <a:bodyPr wrap="square" rtlCol="0">
+            <a:spAutoFit/>
+          </a:bodyPr>
+          <a:lstStyle/>
+          <a:p>
+            <a:pPr algn="ctr"/>
+            <a:r>
+              <a:rPr kumimoji="1" lang="ja-JP" altLang="en-US" sz="900" dirty="0"/>
+              <a:t>ログイン成功</a:t>
+            </a:r>
+          </a:p>
+        </p:txBody>
+      </p:sp>
+    </p:spTree>
+    <p:extLst>
+      <p:ext uri="{BB962C8B-B14F-4D97-AF65-F5344CB8AC3E}">
+        <p14:creationId xmlns:p14="http://schemas.microsoft.com/office/powerpoint/2010/main" val="4029591087"/>
       </p:ext>
     </p:extLst>
   </p:cSld>

--- a/りざっと案件_詳細設計書.pptx
+++ b/りざっと案件_詳細設計書.pptx
@@ -8,7 +8,9 @@
     <p:sldId id="258" r:id="rId2"/>
     <p:sldId id="259" r:id="rId3"/>
     <p:sldId id="261" r:id="rId4"/>
-    <p:sldId id="262" r:id="rId5"/>
+    <p:sldId id="263" r:id="rId5"/>
+    <p:sldId id="262" r:id="rId6"/>
+    <p:sldId id="264" r:id="rId7"/>
   </p:sldIdLst>
   <p:sldSz cx="12192000" cy="6858000"/>
   <p:notesSz cx="6858000" cy="9144000"/>
@@ -262,7 +264,7 @@
           <a:p>
             <a:fld id="{68C45014-0F33-4EC0-A353-D831A2E212C9}" type="datetimeFigureOut">
               <a:rPr kumimoji="1" lang="ja-JP" altLang="en-US" smtClean="0"/>
-              <a:t>2025/4/3</a:t>
+              <a:t>2025/4/4</a:t>
             </a:fld>
             <a:endParaRPr kumimoji="1" lang="ja-JP" altLang="en-US"/>
           </a:p>
@@ -492,7 +494,7 @@
           <a:p>
             <a:fld id="{68C45014-0F33-4EC0-A353-D831A2E212C9}" type="datetimeFigureOut">
               <a:rPr kumimoji="1" lang="ja-JP" altLang="en-US" smtClean="0"/>
-              <a:t>2025/4/3</a:t>
+              <a:t>2025/4/4</a:t>
             </a:fld>
             <a:endParaRPr kumimoji="1" lang="ja-JP" altLang="en-US"/>
           </a:p>
@@ -732,7 +734,7 @@
           <a:p>
             <a:fld id="{68C45014-0F33-4EC0-A353-D831A2E212C9}" type="datetimeFigureOut">
               <a:rPr kumimoji="1" lang="ja-JP" altLang="en-US" smtClean="0"/>
-              <a:t>2025/4/3</a:t>
+              <a:t>2025/4/4</a:t>
             </a:fld>
             <a:endParaRPr kumimoji="1" lang="ja-JP" altLang="en-US"/>
           </a:p>
@@ -962,7 +964,7 @@
           <a:p>
             <a:fld id="{68C45014-0F33-4EC0-A353-D831A2E212C9}" type="datetimeFigureOut">
               <a:rPr kumimoji="1" lang="ja-JP" altLang="en-US" smtClean="0"/>
-              <a:t>2025/4/3</a:t>
+              <a:t>2025/4/4</a:t>
             </a:fld>
             <a:endParaRPr kumimoji="1" lang="ja-JP" altLang="en-US"/>
           </a:p>
@@ -1237,7 +1239,7 @@
           <a:p>
             <a:fld id="{68C45014-0F33-4EC0-A353-D831A2E212C9}" type="datetimeFigureOut">
               <a:rPr kumimoji="1" lang="ja-JP" altLang="en-US" smtClean="0"/>
-              <a:t>2025/4/3</a:t>
+              <a:t>2025/4/4</a:t>
             </a:fld>
             <a:endParaRPr kumimoji="1" lang="ja-JP" altLang="en-US"/>
           </a:p>
@@ -1566,7 +1568,7 @@
           <a:p>
             <a:fld id="{68C45014-0F33-4EC0-A353-D831A2E212C9}" type="datetimeFigureOut">
               <a:rPr kumimoji="1" lang="ja-JP" altLang="en-US" smtClean="0"/>
-              <a:t>2025/4/3</a:t>
+              <a:t>2025/4/4</a:t>
             </a:fld>
             <a:endParaRPr kumimoji="1" lang="ja-JP" altLang="en-US"/>
           </a:p>
@@ -2042,7 +2044,7 @@
           <a:p>
             <a:fld id="{68C45014-0F33-4EC0-A353-D831A2E212C9}" type="datetimeFigureOut">
               <a:rPr kumimoji="1" lang="ja-JP" altLang="en-US" smtClean="0"/>
-              <a:t>2025/4/3</a:t>
+              <a:t>2025/4/4</a:t>
             </a:fld>
             <a:endParaRPr kumimoji="1" lang="ja-JP" altLang="en-US"/>
           </a:p>
@@ -2183,7 +2185,7 @@
           <a:p>
             <a:fld id="{68C45014-0F33-4EC0-A353-D831A2E212C9}" type="datetimeFigureOut">
               <a:rPr kumimoji="1" lang="ja-JP" altLang="en-US" smtClean="0"/>
-              <a:t>2025/4/3</a:t>
+              <a:t>2025/4/4</a:t>
             </a:fld>
             <a:endParaRPr kumimoji="1" lang="ja-JP" altLang="en-US"/>
           </a:p>
@@ -2296,7 +2298,7 @@
           <a:p>
             <a:fld id="{68C45014-0F33-4EC0-A353-D831A2E212C9}" type="datetimeFigureOut">
               <a:rPr kumimoji="1" lang="ja-JP" altLang="en-US" smtClean="0"/>
-              <a:t>2025/4/3</a:t>
+              <a:t>2025/4/4</a:t>
             </a:fld>
             <a:endParaRPr kumimoji="1" lang="ja-JP" altLang="en-US"/>
           </a:p>
@@ -2639,7 +2641,7 @@
           <a:p>
             <a:fld id="{68C45014-0F33-4EC0-A353-D831A2E212C9}" type="datetimeFigureOut">
               <a:rPr kumimoji="1" lang="ja-JP" altLang="en-US" smtClean="0"/>
-              <a:t>2025/4/3</a:t>
+              <a:t>2025/4/4</a:t>
             </a:fld>
             <a:endParaRPr kumimoji="1" lang="ja-JP" altLang="en-US"/>
           </a:p>
@@ -2927,7 +2929,7 @@
           <a:p>
             <a:fld id="{68C45014-0F33-4EC0-A353-D831A2E212C9}" type="datetimeFigureOut">
               <a:rPr kumimoji="1" lang="ja-JP" altLang="en-US" smtClean="0"/>
-              <a:t>2025/4/3</a:t>
+              <a:t>2025/4/4</a:t>
             </a:fld>
             <a:endParaRPr kumimoji="1" lang="ja-JP" altLang="en-US"/>
           </a:p>
@@ -3200,7 +3202,7 @@
           <a:p>
             <a:fld id="{68C45014-0F33-4EC0-A353-D831A2E212C9}" type="datetimeFigureOut">
               <a:rPr kumimoji="1" lang="ja-JP" altLang="en-US" smtClean="0"/>
-              <a:t>2025/4/3</a:t>
+              <a:t>2025/4/4</a:t>
             </a:fld>
             <a:endParaRPr kumimoji="1" lang="ja-JP" altLang="en-US"/>
           </a:p>
@@ -4228,7 +4230,21 @@
                 <a:latin typeface="HGS明朝E" panose="02020900000000000000" pitchFamily="18" charset="-128"/>
                 <a:ea typeface="HGS明朝E" panose="02020900000000000000" pitchFamily="18" charset="-128"/>
               </a:rPr>
-              <a:t>フロー概要（ログイン）</a:t>
+              <a:t>フロー概要（</a:t>
+            </a:r>
+            <a:r>
+              <a:rPr lang="ja-JP" altLang="en-US" sz="2800" dirty="0">
+                <a:latin typeface="HGS明朝E" panose="02020900000000000000" pitchFamily="18" charset="-128"/>
+                <a:ea typeface="HGS明朝E" panose="02020900000000000000" pitchFamily="18" charset="-128"/>
+              </a:rPr>
+              <a:t>ファーストアクセス</a:t>
+            </a:r>
+            <a:r>
+              <a:rPr kumimoji="1" lang="ja-JP" altLang="en-US" sz="2800" dirty="0">
+                <a:latin typeface="HGS明朝E" panose="02020900000000000000" pitchFamily="18" charset="-128"/>
+                <a:ea typeface="HGS明朝E" panose="02020900000000000000" pitchFamily="18" charset="-128"/>
+              </a:rPr>
+              <a:t>）</a:t>
             </a:r>
           </a:p>
         </p:txBody>
@@ -4564,7 +4580,7 @@
                   <a:schemeClr val="tx1"/>
                 </a:solidFill>
               </a:rPr>
-              <a:t>①システム</a:t>
+              <a:t>ベース</a:t>
             </a:r>
             <a:r>
               <a:rPr kumimoji="1" lang="en-US" altLang="ja-JP" sz="900" dirty="0">
@@ -4582,65 +4598,11 @@
               </a:rPr>
               <a:t>にアクセス</a:t>
             </a:r>
-          </a:p>
-        </p:txBody>
-      </p:sp>
-      <p:sp>
-        <p:nvSpPr>
-          <p:cNvPr id="7" name="フローチャート: 判断 6">
-            <a:extLst>
-              <a:ext uri="{FF2B5EF4-FFF2-40B4-BE49-F238E27FC236}">
-                <a16:creationId xmlns:a16="http://schemas.microsoft.com/office/drawing/2014/main" id="{7BD7A8AF-C611-4CB2-23EF-F19C25C2084A}"/>
-              </a:ext>
-            </a:extLst>
-          </p:cNvPr>
-          <p:cNvSpPr/>
-          <p:nvPr/>
-        </p:nvSpPr>
-        <p:spPr>
-          <a:xfrm>
-            <a:off x="3744298" y="1714998"/>
-            <a:ext cx="2464904" cy="770224"/>
-          </a:xfrm>
-          <a:prstGeom prst="flowChartDecision">
-            <a:avLst/>
-          </a:prstGeom>
-          <a:solidFill>
-            <a:schemeClr val="accent1">
-              <a:lumMod val="20000"/>
-              <a:lumOff val="80000"/>
-            </a:schemeClr>
-          </a:solidFill>
-        </p:spPr>
-        <p:style>
-          <a:lnRef idx="2">
-            <a:schemeClr val="accent1">
-              <a:shade val="15000"/>
-            </a:schemeClr>
-          </a:lnRef>
-          <a:fillRef idx="1">
-            <a:schemeClr val="accent1"/>
-          </a:fillRef>
-          <a:effectRef idx="0">
-            <a:schemeClr val="accent1"/>
-          </a:effectRef>
-          <a:fontRef idx="minor">
-            <a:schemeClr val="lt1"/>
-          </a:fontRef>
-        </p:style>
-        <p:txBody>
-          <a:bodyPr rtlCol="0" anchor="ctr"/>
-          <a:lstStyle/>
-          <a:p>
-            <a:pPr algn="ctr"/>
-            <a:r>
-              <a:rPr kumimoji="1" lang="ja-JP" altLang="en-US" sz="900" dirty="0">
-                <a:solidFill>
-                  <a:schemeClr val="tx1"/>
-                </a:solidFill>
-              </a:rPr>
-              <a:t>②セッションにログイン情報はあるか？</a:t>
-            </a:r>
+            <a:endParaRPr kumimoji="1" lang="en-US" altLang="ja-JP" sz="900" dirty="0">
+              <a:solidFill>
+                <a:schemeClr val="tx1"/>
+              </a:solidFill>
+            </a:endParaRPr>
           </a:p>
         </p:txBody>
       </p:sp>
@@ -4654,219 +4616,16 @@
             </a:extLst>
           </p:cNvPr>
           <p:cNvCxnSpPr>
+            <a:cxnSpLocks/>
             <a:stCxn id="2" idx="3"/>
-            <a:endCxn id="7" idx="1"/>
+            <a:endCxn id="18" idx="1"/>
           </p:cNvCxnSpPr>
           <p:nvPr/>
         </p:nvCxnSpPr>
         <p:spPr>
           <a:xfrm>
             <a:off x="2849571" y="2100110"/>
-            <a:ext cx="894727" cy="0"/>
-          </a:xfrm>
-          <a:prstGeom prst="straightConnector1">
-            <a:avLst/>
-          </a:prstGeom>
-          <a:ln w="28575">
-            <a:tailEnd type="triangle"/>
-          </a:ln>
-        </p:spPr>
-        <p:style>
-          <a:lnRef idx="1">
-            <a:schemeClr val="accent1"/>
-          </a:lnRef>
-          <a:fillRef idx="0">
-            <a:schemeClr val="accent1"/>
-          </a:fillRef>
-          <a:effectRef idx="0">
-            <a:schemeClr val="accent1"/>
-          </a:effectRef>
-          <a:fontRef idx="minor">
-            <a:schemeClr val="tx1"/>
-          </a:fontRef>
-        </p:style>
-      </p:cxnSp>
-      <p:sp>
-        <p:nvSpPr>
-          <p:cNvPr id="12" name="正方形/長方形 11">
-            <a:extLst>
-              <a:ext uri="{FF2B5EF4-FFF2-40B4-BE49-F238E27FC236}">
-                <a16:creationId xmlns:a16="http://schemas.microsoft.com/office/drawing/2014/main" id="{FE180CCF-CDEA-746C-BB8D-0D235784FF52}"/>
-              </a:ext>
-            </a:extLst>
-          </p:cNvPr>
-          <p:cNvSpPr/>
-          <p:nvPr/>
-        </p:nvSpPr>
-        <p:spPr>
-          <a:xfrm>
-            <a:off x="7247478" y="1843913"/>
-            <a:ext cx="1798984" cy="523220"/>
-          </a:xfrm>
-          <a:prstGeom prst="rect">
-            <a:avLst/>
-          </a:prstGeom>
-          <a:solidFill>
-            <a:schemeClr val="accent6">
-              <a:lumMod val="20000"/>
-              <a:lumOff val="80000"/>
-            </a:schemeClr>
-          </a:solidFill>
-        </p:spPr>
-        <p:style>
-          <a:lnRef idx="2">
-            <a:schemeClr val="accent1">
-              <a:shade val="15000"/>
-            </a:schemeClr>
-          </a:lnRef>
-          <a:fillRef idx="1">
-            <a:schemeClr val="accent1"/>
-          </a:fillRef>
-          <a:effectRef idx="0">
-            <a:schemeClr val="accent1"/>
-          </a:effectRef>
-          <a:fontRef idx="minor">
-            <a:schemeClr val="lt1"/>
-          </a:fontRef>
-        </p:style>
-        <p:txBody>
-          <a:bodyPr rtlCol="0" anchor="ctr"/>
-          <a:lstStyle/>
-          <a:p>
-            <a:pPr algn="ctr"/>
-            <a:r>
-              <a:rPr kumimoji="1" lang="ja-JP" altLang="en-US" sz="900" dirty="0">
-                <a:solidFill>
-                  <a:schemeClr val="tx1"/>
-                </a:solidFill>
-              </a:rPr>
-              <a:t>各種ページ</a:t>
-            </a:r>
-          </a:p>
-        </p:txBody>
-      </p:sp>
-      <p:cxnSp>
-        <p:nvCxnSpPr>
-          <p:cNvPr id="13" name="直線矢印コネクタ 12">
-            <a:extLst>
-              <a:ext uri="{FF2B5EF4-FFF2-40B4-BE49-F238E27FC236}">
-                <a16:creationId xmlns:a16="http://schemas.microsoft.com/office/drawing/2014/main" id="{083FEFF5-D458-E8F4-EC04-7687A45D478D}"/>
-              </a:ext>
-            </a:extLst>
-          </p:cNvPr>
-          <p:cNvCxnSpPr>
-            <a:cxnSpLocks/>
-            <a:stCxn id="7" idx="3"/>
-            <a:endCxn id="12" idx="1"/>
-          </p:cNvCxnSpPr>
-          <p:nvPr/>
-        </p:nvCxnSpPr>
-        <p:spPr>
-          <a:xfrm>
-            <a:off x="6209202" y="2100110"/>
-            <a:ext cx="1038276" cy="5413"/>
-          </a:xfrm>
-          <a:prstGeom prst="straightConnector1">
-            <a:avLst/>
-          </a:prstGeom>
-          <a:ln w="28575">
-            <a:tailEnd type="triangle"/>
-          </a:ln>
-        </p:spPr>
-        <p:style>
-          <a:lnRef idx="1">
-            <a:schemeClr val="accent1"/>
-          </a:lnRef>
-          <a:fillRef idx="0">
-            <a:schemeClr val="accent1"/>
-          </a:fillRef>
-          <a:effectRef idx="0">
-            <a:schemeClr val="accent1"/>
-          </a:effectRef>
-          <a:fontRef idx="minor">
-            <a:schemeClr val="tx1"/>
-          </a:fontRef>
-        </p:style>
-      </p:cxnSp>
-      <p:sp>
-        <p:nvSpPr>
-          <p:cNvPr id="18" name="正方形/長方形 17">
-            <a:extLst>
-              <a:ext uri="{FF2B5EF4-FFF2-40B4-BE49-F238E27FC236}">
-                <a16:creationId xmlns:a16="http://schemas.microsoft.com/office/drawing/2014/main" id="{9C2F66DB-6395-7FCB-9D3A-89B06AA62F5B}"/>
-              </a:ext>
-            </a:extLst>
-          </p:cNvPr>
-          <p:cNvSpPr/>
-          <p:nvPr/>
-        </p:nvSpPr>
-        <p:spPr>
-          <a:xfrm>
-            <a:off x="4077258" y="3235010"/>
-            <a:ext cx="1798984" cy="523220"/>
-          </a:xfrm>
-          <a:prstGeom prst="rect">
-            <a:avLst/>
-          </a:prstGeom>
-          <a:solidFill>
-            <a:schemeClr val="accent1">
-              <a:lumMod val="20000"/>
-              <a:lumOff val="80000"/>
-            </a:schemeClr>
-          </a:solidFill>
-        </p:spPr>
-        <p:style>
-          <a:lnRef idx="2">
-            <a:schemeClr val="accent1">
-              <a:shade val="15000"/>
-            </a:schemeClr>
-          </a:lnRef>
-          <a:fillRef idx="1">
-            <a:schemeClr val="accent1"/>
-          </a:fillRef>
-          <a:effectRef idx="0">
-            <a:schemeClr val="accent1"/>
-          </a:effectRef>
-          <a:fontRef idx="minor">
-            <a:schemeClr val="lt1"/>
-          </a:fontRef>
-        </p:style>
-        <p:txBody>
-          <a:bodyPr rtlCol="0" anchor="ctr"/>
-          <a:lstStyle/>
-          <a:p>
-            <a:pPr algn="ctr"/>
-            <a:r>
-              <a:rPr kumimoji="1" lang="ja-JP" altLang="en-US" sz="900" dirty="0">
-                <a:solidFill>
-                  <a:schemeClr val="tx1"/>
-                </a:solidFill>
-              </a:rPr>
-              <a:t>ログインページ</a:t>
-            </a:r>
-          </a:p>
-        </p:txBody>
-      </p:sp>
-      <p:cxnSp>
-        <p:nvCxnSpPr>
-          <p:cNvPr id="19" name="直線矢印コネクタ 18">
-            <a:extLst>
-              <a:ext uri="{FF2B5EF4-FFF2-40B4-BE49-F238E27FC236}">
-                <a16:creationId xmlns:a16="http://schemas.microsoft.com/office/drawing/2014/main" id="{ADED4697-C91B-5EFD-56FD-CF01AD45C874}"/>
-              </a:ext>
-            </a:extLst>
-          </p:cNvPr>
-          <p:cNvCxnSpPr>
-            <a:cxnSpLocks/>
-            <a:stCxn id="7" idx="2"/>
-            <a:endCxn id="18" idx="0"/>
-          </p:cNvCxnSpPr>
-          <p:nvPr/>
-        </p:nvCxnSpPr>
-        <p:spPr>
-          <a:xfrm>
-            <a:off x="4976750" y="2485222"/>
-            <a:ext cx="0" cy="749788"/>
+            <a:ext cx="661155" cy="0"/>
           </a:xfrm>
           <a:prstGeom prst="straightConnector1">
             <a:avLst/>
@@ -4892,28 +4651,27 @@
       </p:cxnSp>
       <p:cxnSp>
         <p:nvCxnSpPr>
-          <p:cNvPr id="34" name="コネクタ: 曲線 33">
-            <a:extLst>
-              <a:ext uri="{FF2B5EF4-FFF2-40B4-BE49-F238E27FC236}">
-                <a16:creationId xmlns:a16="http://schemas.microsoft.com/office/drawing/2014/main" id="{9C8C4CAB-84EE-0D7E-180A-0627D795C327}"/>
+          <p:cNvPr id="13" name="直線矢印コネクタ 12">
+            <a:extLst>
+              <a:ext uri="{FF2B5EF4-FFF2-40B4-BE49-F238E27FC236}">
+                <a16:creationId xmlns:a16="http://schemas.microsoft.com/office/drawing/2014/main" id="{083FEFF5-D458-E8F4-EC04-7687A45D478D}"/>
               </a:ext>
             </a:extLst>
           </p:cNvPr>
           <p:cNvCxnSpPr>
-            <a:stCxn id="18" idx="1"/>
-            <a:endCxn id="7" idx="1"/>
+            <a:cxnSpLocks/>
+            <a:stCxn id="38" idx="3"/>
+            <a:endCxn id="65" idx="1"/>
           </p:cNvCxnSpPr>
           <p:nvPr/>
         </p:nvCxnSpPr>
         <p:spPr>
-          <a:xfrm rot="10800000">
-            <a:off x="3744298" y="2100110"/>
-            <a:ext cx="332960" cy="1396510"/>
-          </a:xfrm>
-          <a:prstGeom prst="curvedConnector3">
-            <a:avLst>
-              <a:gd name="adj1" fmla="val 168657"/>
-            </a:avLst>
+          <a:xfrm flipV="1">
+            <a:off x="5651161" y="3419407"/>
+            <a:ext cx="3907337" cy="799"/>
+          </a:xfrm>
+          <a:prstGeom prst="straightConnector1">
+            <a:avLst/>
           </a:prstGeom>
           <a:ln w="28575">
             <a:tailEnd type="triangle"/>
@@ -4936,133 +4694,10 @@
       </p:cxnSp>
       <p:sp>
         <p:nvSpPr>
-          <p:cNvPr id="35" name="テキスト ボックス 34">
-            <a:extLst>
-              <a:ext uri="{FF2B5EF4-FFF2-40B4-BE49-F238E27FC236}">
-                <a16:creationId xmlns:a16="http://schemas.microsoft.com/office/drawing/2014/main" id="{5F8D3B2B-53D4-C641-4AEF-56916BCA8D21}"/>
-              </a:ext>
-            </a:extLst>
-          </p:cNvPr>
-          <p:cNvSpPr txBox="1"/>
-          <p:nvPr/>
-        </p:nvSpPr>
-        <p:spPr>
-          <a:xfrm>
-            <a:off x="4362688" y="2686949"/>
-            <a:ext cx="536713" cy="230832"/>
-          </a:xfrm>
-          <a:prstGeom prst="rect">
-            <a:avLst/>
-          </a:prstGeom>
-          <a:solidFill>
-            <a:schemeClr val="accent4">
-              <a:lumMod val="20000"/>
-              <a:lumOff val="80000"/>
-            </a:schemeClr>
-          </a:solidFill>
-        </p:spPr>
-        <p:txBody>
-          <a:bodyPr wrap="square" rtlCol="0">
-            <a:spAutoFit/>
-          </a:bodyPr>
-          <a:lstStyle/>
-          <a:p>
-            <a:pPr algn="ctr"/>
-            <a:r>
-              <a:rPr kumimoji="1" lang="ja-JP" altLang="en-US" sz="900" dirty="0"/>
-              <a:t>ない</a:t>
-            </a:r>
-          </a:p>
-        </p:txBody>
-      </p:sp>
-      <p:sp>
-        <p:nvSpPr>
-          <p:cNvPr id="36" name="テキスト ボックス 35">
-            <a:extLst>
-              <a:ext uri="{FF2B5EF4-FFF2-40B4-BE49-F238E27FC236}">
-                <a16:creationId xmlns:a16="http://schemas.microsoft.com/office/drawing/2014/main" id="{37899597-3B75-CC62-E493-E32FE90BB516}"/>
-              </a:ext>
-            </a:extLst>
-          </p:cNvPr>
-          <p:cNvSpPr txBox="1"/>
-          <p:nvPr/>
-        </p:nvSpPr>
-        <p:spPr>
-          <a:xfrm>
-            <a:off x="6436982" y="1838500"/>
-            <a:ext cx="536713" cy="230832"/>
-          </a:xfrm>
-          <a:prstGeom prst="rect">
-            <a:avLst/>
-          </a:prstGeom>
-          <a:solidFill>
-            <a:schemeClr val="accent4">
-              <a:lumMod val="20000"/>
-              <a:lumOff val="80000"/>
-            </a:schemeClr>
-          </a:solidFill>
-        </p:spPr>
-        <p:txBody>
-          <a:bodyPr wrap="square" rtlCol="0">
-            <a:spAutoFit/>
-          </a:bodyPr>
-          <a:lstStyle/>
-          <a:p>
-            <a:pPr algn="ctr"/>
-            <a:r>
-              <a:rPr kumimoji="1" lang="ja-JP" altLang="en-US" sz="900" dirty="0"/>
-              <a:t>ある</a:t>
-            </a:r>
-          </a:p>
-        </p:txBody>
-      </p:sp>
-      <p:sp>
-        <p:nvSpPr>
-          <p:cNvPr id="37" name="テキスト ボックス 36">
-            <a:extLst>
-              <a:ext uri="{FF2B5EF4-FFF2-40B4-BE49-F238E27FC236}">
-                <a16:creationId xmlns:a16="http://schemas.microsoft.com/office/drawing/2014/main" id="{62A3BD73-2281-985F-88D6-3D647F4AD262}"/>
-              </a:ext>
-            </a:extLst>
-          </p:cNvPr>
-          <p:cNvSpPr txBox="1"/>
-          <p:nvPr/>
-        </p:nvSpPr>
-        <p:spPr>
-          <a:xfrm>
-            <a:off x="2600347" y="2942588"/>
-            <a:ext cx="894726" cy="230832"/>
-          </a:xfrm>
-          <a:prstGeom prst="rect">
-            <a:avLst/>
-          </a:prstGeom>
-          <a:solidFill>
-            <a:schemeClr val="accent4">
-              <a:lumMod val="20000"/>
-              <a:lumOff val="80000"/>
-            </a:schemeClr>
-          </a:solidFill>
-        </p:spPr>
-        <p:txBody>
-          <a:bodyPr wrap="square" rtlCol="0">
-            <a:spAutoFit/>
-          </a:bodyPr>
-          <a:lstStyle/>
-          <a:p>
-            <a:pPr algn="ctr"/>
-            <a:r>
-              <a:rPr kumimoji="1" lang="ja-JP" altLang="en-US" sz="900" dirty="0"/>
-              <a:t>ログイン失敗</a:t>
-            </a:r>
-          </a:p>
-        </p:txBody>
-      </p:sp>
-      <p:sp>
-        <p:nvSpPr>
-          <p:cNvPr id="38" name="フローチャート: 判断 37">
-            <a:extLst>
-              <a:ext uri="{FF2B5EF4-FFF2-40B4-BE49-F238E27FC236}">
-                <a16:creationId xmlns:a16="http://schemas.microsoft.com/office/drawing/2014/main" id="{1A1B37D3-C47E-BC09-4334-CCF8FE5A72CF}"/>
+          <p:cNvPr id="18" name="正方形/長方形 17">
+            <a:extLst>
+              <a:ext uri="{FF2B5EF4-FFF2-40B4-BE49-F238E27FC236}">
+                <a16:creationId xmlns:a16="http://schemas.microsoft.com/office/drawing/2014/main" id="{9C2F66DB-6395-7FCB-9D3A-89B06AA62F5B}"/>
               </a:ext>
             </a:extLst>
           </p:cNvPr>
@@ -5071,10 +4706,10 @@
         </p:nvSpPr>
         <p:spPr>
           <a:xfrm>
-            <a:off x="3744298" y="4508016"/>
-            <a:ext cx="2464904" cy="770224"/>
-          </a:xfrm>
-          <a:prstGeom prst="flowChartDecision">
+            <a:off x="3510726" y="1838500"/>
+            <a:ext cx="1798984" cy="523220"/>
+          </a:xfrm>
+          <a:prstGeom prst="rect">
             <a:avLst/>
           </a:prstGeom>
           <a:solidFill>
@@ -5106,18 +4741,195 @@
           <a:p>
             <a:pPr algn="ctr"/>
             <a:r>
+              <a:rPr kumimoji="1" lang="ja-JP" altLang="en-US" sz="900" dirty="0">
+                <a:solidFill>
+                  <a:schemeClr val="tx1"/>
+                </a:solidFill>
+              </a:rPr>
+              <a:t>ウェルカムページ</a:t>
+            </a:r>
+            <a:endParaRPr kumimoji="1" lang="en-US" altLang="ja-JP" sz="900" dirty="0">
+              <a:solidFill>
+                <a:schemeClr val="tx1"/>
+              </a:solidFill>
+            </a:endParaRPr>
+          </a:p>
+          <a:p>
+            <a:pPr algn="ctr"/>
+            <a:r>
               <a:rPr lang="ja-JP" altLang="en-US" sz="900" dirty="0">
                 <a:solidFill>
                   <a:schemeClr val="tx1"/>
                 </a:solidFill>
               </a:rPr>
-              <a:t>③ユーザー登録情報</a:t>
+              <a:t>（予約者向け）</a:t>
             </a:r>
             <a:endParaRPr kumimoji="1" lang="ja-JP" altLang="en-US" sz="900" dirty="0">
               <a:solidFill>
                 <a:schemeClr val="tx1"/>
               </a:solidFill>
             </a:endParaRPr>
+          </a:p>
+        </p:txBody>
+      </p:sp>
+      <p:cxnSp>
+        <p:nvCxnSpPr>
+          <p:cNvPr id="34" name="コネクタ: 曲線 33">
+            <a:extLst>
+              <a:ext uri="{FF2B5EF4-FFF2-40B4-BE49-F238E27FC236}">
+                <a16:creationId xmlns:a16="http://schemas.microsoft.com/office/drawing/2014/main" id="{9C8C4CAB-84EE-0D7E-180A-0627D795C327}"/>
+              </a:ext>
+            </a:extLst>
+          </p:cNvPr>
+          <p:cNvCxnSpPr>
+            <a:cxnSpLocks/>
+            <a:stCxn id="92" idx="0"/>
+            <a:endCxn id="85" idx="0"/>
+          </p:cNvCxnSpPr>
+          <p:nvPr/>
+        </p:nvCxnSpPr>
+        <p:spPr>
+          <a:xfrm rot="16200000" flipV="1">
+            <a:off x="5954059" y="3020439"/>
+            <a:ext cx="115422" cy="3186121"/>
+          </a:xfrm>
+          <a:prstGeom prst="curvedConnector3">
+            <a:avLst>
+              <a:gd name="adj1" fmla="val 298056"/>
+            </a:avLst>
+          </a:prstGeom>
+          <a:ln w="28575">
+            <a:tailEnd type="triangle"/>
+          </a:ln>
+        </p:spPr>
+        <p:style>
+          <a:lnRef idx="1">
+            <a:schemeClr val="accent1"/>
+          </a:lnRef>
+          <a:fillRef idx="0">
+            <a:schemeClr val="accent1"/>
+          </a:fillRef>
+          <a:effectRef idx="0">
+            <a:schemeClr val="accent1"/>
+          </a:effectRef>
+          <a:fontRef idx="minor">
+            <a:schemeClr val="tx1"/>
+          </a:fontRef>
+        </p:style>
+      </p:cxnSp>
+      <p:sp>
+        <p:nvSpPr>
+          <p:cNvPr id="36" name="テキスト ボックス 35">
+            <a:extLst>
+              <a:ext uri="{FF2B5EF4-FFF2-40B4-BE49-F238E27FC236}">
+                <a16:creationId xmlns:a16="http://schemas.microsoft.com/office/drawing/2014/main" id="{37899597-3B75-CC62-E493-E32FE90BB516}"/>
+              </a:ext>
+            </a:extLst>
+          </p:cNvPr>
+          <p:cNvSpPr txBox="1"/>
+          <p:nvPr/>
+        </p:nvSpPr>
+        <p:spPr>
+          <a:xfrm>
+            <a:off x="7201399" y="3135415"/>
+            <a:ext cx="959942" cy="230832"/>
+          </a:xfrm>
+          <a:prstGeom prst="rect">
+            <a:avLst/>
+          </a:prstGeom>
+          <a:solidFill>
+            <a:schemeClr val="accent4">
+              <a:lumMod val="20000"/>
+              <a:lumOff val="80000"/>
+            </a:schemeClr>
+          </a:solidFill>
+        </p:spPr>
+        <p:txBody>
+          <a:bodyPr wrap="square" rtlCol="0">
+            <a:spAutoFit/>
+          </a:bodyPr>
+          <a:lstStyle/>
+          <a:p>
+            <a:pPr algn="ctr"/>
+            <a:r>
+              <a:rPr kumimoji="1" lang="ja-JP" altLang="en-US" sz="900" dirty="0"/>
+              <a:t>ログイン実行</a:t>
+            </a:r>
+          </a:p>
+        </p:txBody>
+      </p:sp>
+      <p:sp>
+        <p:nvSpPr>
+          <p:cNvPr id="38" name="フローチャート: 判断 37">
+            <a:extLst>
+              <a:ext uri="{FF2B5EF4-FFF2-40B4-BE49-F238E27FC236}">
+                <a16:creationId xmlns:a16="http://schemas.microsoft.com/office/drawing/2014/main" id="{1A1B37D3-C47E-BC09-4334-CCF8FE5A72CF}"/>
+              </a:ext>
+            </a:extLst>
+          </p:cNvPr>
+          <p:cNvSpPr/>
+          <p:nvPr/>
+        </p:nvSpPr>
+        <p:spPr>
+          <a:xfrm>
+            <a:off x="3186257" y="3035094"/>
+            <a:ext cx="2464904" cy="770224"/>
+          </a:xfrm>
+          <a:prstGeom prst="flowChartDecision">
+            <a:avLst/>
+          </a:prstGeom>
+          <a:solidFill>
+            <a:schemeClr val="accent1">
+              <a:lumMod val="20000"/>
+              <a:lumOff val="80000"/>
+            </a:schemeClr>
+          </a:solidFill>
+        </p:spPr>
+        <p:style>
+          <a:lnRef idx="2">
+            <a:schemeClr val="accent1">
+              <a:shade val="15000"/>
+            </a:schemeClr>
+          </a:lnRef>
+          <a:fillRef idx="1">
+            <a:schemeClr val="accent1"/>
+          </a:fillRef>
+          <a:effectRef idx="0">
+            <a:schemeClr val="accent1"/>
+          </a:effectRef>
+          <a:fontRef idx="minor">
+            <a:schemeClr val="lt1"/>
+          </a:fontRef>
+        </p:style>
+        <p:txBody>
+          <a:bodyPr rtlCol="0" anchor="ctr"/>
+          <a:lstStyle/>
+          <a:p>
+            <a:pPr algn="ctr"/>
+            <a:r>
+              <a:rPr kumimoji="1" lang="ja-JP" altLang="en-US" sz="900" dirty="0">
+                <a:solidFill>
+                  <a:schemeClr val="tx1"/>
+                </a:solidFill>
+              </a:rPr>
+              <a:t>管理者ログインを</a:t>
+            </a:r>
+            <a:endParaRPr kumimoji="1" lang="en-US" altLang="ja-JP" sz="900" dirty="0">
+              <a:solidFill>
+                <a:schemeClr val="tx1"/>
+              </a:solidFill>
+            </a:endParaRPr>
+          </a:p>
+          <a:p>
+            <a:pPr algn="ctr"/>
+            <a:r>
+              <a:rPr kumimoji="1" lang="ja-JP" altLang="en-US" sz="900" dirty="0">
+                <a:solidFill>
+                  <a:schemeClr val="tx1"/>
+                </a:solidFill>
+              </a:rPr>
+              <a:t>実行するか？</a:t>
+            </a:r>
           </a:p>
         </p:txBody>
       </p:sp>
@@ -5139,8 +4951,8 @@
         </p:nvCxnSpPr>
         <p:spPr>
           <a:xfrm>
-            <a:off x="4976750" y="3758230"/>
-            <a:ext cx="0" cy="749786"/>
+            <a:off x="4410218" y="2361720"/>
+            <a:ext cx="8491" cy="673374"/>
           </a:xfrm>
           <a:prstGeom prst="straightConnector1">
             <a:avLst/>
@@ -5178,7 +4990,7 @@
         </p:nvSpPr>
         <p:spPr>
           <a:xfrm>
-            <a:off x="4003463" y="4074878"/>
+            <a:off x="3510726" y="4065137"/>
             <a:ext cx="874526" cy="230832"/>
           </a:xfrm>
           <a:prstGeom prst="rect">
@@ -5200,17 +5012,101 @@
             <a:pPr algn="ctr"/>
             <a:r>
               <a:rPr kumimoji="1" lang="ja-JP" altLang="en-US" sz="900" dirty="0"/>
-              <a:t>ログイン成功</a:t>
-            </a:r>
-          </a:p>
-        </p:txBody>
-      </p:sp>
-      <p:sp>
-        <p:nvSpPr>
-          <p:cNvPr id="43" name="正方形/長方形 42">
-            <a:extLst>
-              <a:ext uri="{FF2B5EF4-FFF2-40B4-BE49-F238E27FC236}">
-                <a16:creationId xmlns:a16="http://schemas.microsoft.com/office/drawing/2014/main" id="{A6F28F59-29E7-79F9-C880-F157109BCB0B}"/>
+              <a:t>各種メニュー</a:t>
+            </a:r>
+          </a:p>
+        </p:txBody>
+      </p:sp>
+      <p:cxnSp>
+        <p:nvCxnSpPr>
+          <p:cNvPr id="46" name="直線矢印コネクタ 45">
+            <a:extLst>
+              <a:ext uri="{FF2B5EF4-FFF2-40B4-BE49-F238E27FC236}">
+                <a16:creationId xmlns:a16="http://schemas.microsoft.com/office/drawing/2014/main" id="{AED93185-6162-367F-E515-1BA9B18657D8}"/>
+              </a:ext>
+            </a:extLst>
+          </p:cNvPr>
+          <p:cNvCxnSpPr>
+            <a:cxnSpLocks/>
+            <a:stCxn id="38" idx="2"/>
+            <a:endCxn id="85" idx="0"/>
+          </p:cNvCxnSpPr>
+          <p:nvPr/>
+        </p:nvCxnSpPr>
+        <p:spPr>
+          <a:xfrm>
+            <a:off x="4418709" y="3805318"/>
+            <a:ext cx="0" cy="750471"/>
+          </a:xfrm>
+          <a:prstGeom prst="straightConnector1">
+            <a:avLst/>
+          </a:prstGeom>
+          <a:ln w="28575">
+            <a:tailEnd type="triangle"/>
+          </a:ln>
+        </p:spPr>
+        <p:style>
+          <a:lnRef idx="1">
+            <a:schemeClr val="accent1"/>
+          </a:lnRef>
+          <a:fillRef idx="0">
+            <a:schemeClr val="accent1"/>
+          </a:fillRef>
+          <a:effectRef idx="0">
+            <a:schemeClr val="accent1"/>
+          </a:effectRef>
+          <a:fontRef idx="minor">
+            <a:schemeClr val="tx1"/>
+          </a:fontRef>
+        </p:style>
+      </p:cxnSp>
+      <p:sp>
+        <p:nvSpPr>
+          <p:cNvPr id="50" name="テキスト ボックス 49">
+            <a:extLst>
+              <a:ext uri="{FF2B5EF4-FFF2-40B4-BE49-F238E27FC236}">
+                <a16:creationId xmlns:a16="http://schemas.microsoft.com/office/drawing/2014/main" id="{F510573A-0638-401B-F9BC-AC5791533494}"/>
+              </a:ext>
+            </a:extLst>
+          </p:cNvPr>
+          <p:cNvSpPr txBox="1"/>
+          <p:nvPr/>
+        </p:nvSpPr>
+        <p:spPr>
+          <a:xfrm>
+            <a:off x="5692539" y="4648030"/>
+            <a:ext cx="874526" cy="230832"/>
+          </a:xfrm>
+          <a:prstGeom prst="rect">
+            <a:avLst/>
+          </a:prstGeom>
+          <a:solidFill>
+            <a:schemeClr val="accent4">
+              <a:lumMod val="20000"/>
+              <a:lumOff val="80000"/>
+            </a:schemeClr>
+          </a:solidFill>
+        </p:spPr>
+        <p:txBody>
+          <a:bodyPr wrap="square" rtlCol="0">
+            <a:spAutoFit/>
+          </a:bodyPr>
+          <a:lstStyle/>
+          <a:p>
+            <a:pPr algn="ctr"/>
+            <a:r>
+              <a:rPr kumimoji="1" lang="ja-JP" altLang="en-US" sz="900" dirty="0"/>
+              <a:t>ログイン実行</a:t>
+            </a:r>
+          </a:p>
+        </p:txBody>
+      </p:sp>
+      <p:sp>
+        <p:nvSpPr>
+          <p:cNvPr id="65" name="正方形/長方形 64">
+            <a:extLst>
+              <a:ext uri="{FF2B5EF4-FFF2-40B4-BE49-F238E27FC236}">
+                <a16:creationId xmlns:a16="http://schemas.microsoft.com/office/drawing/2014/main" id="{960C6243-E284-FB16-9BCD-AC58912DA6CF}"/>
               </a:ext>
             </a:extLst>
           </p:cNvPr>
@@ -5219,7 +5115,7 @@
         </p:nvSpPr>
         <p:spPr>
           <a:xfrm>
-            <a:off x="9046462" y="3679900"/>
+            <a:off x="9558498" y="3157797"/>
             <a:ext cx="1798984" cy="523220"/>
           </a:xfrm>
           <a:prstGeom prst="rect">
@@ -5254,12 +5150,28 @@
           <a:p>
             <a:pPr algn="ctr"/>
             <a:r>
+              <a:rPr kumimoji="1" lang="ja-JP" altLang="en-US" sz="900" dirty="0">
+                <a:solidFill>
+                  <a:schemeClr val="tx1"/>
+                </a:solidFill>
+              </a:rPr>
+              <a:t>ログインページ</a:t>
+            </a:r>
+            <a:endParaRPr kumimoji="1" lang="en-US" altLang="ja-JP" sz="900" dirty="0">
+              <a:solidFill>
+                <a:schemeClr val="tx1"/>
+              </a:solidFill>
+            </a:endParaRPr>
+          </a:p>
+          <a:p>
+            <a:pPr algn="ctr"/>
+            <a:r>
               <a:rPr lang="ja-JP" altLang="en-US" sz="900" dirty="0">
                 <a:solidFill>
                   <a:schemeClr val="tx1"/>
                 </a:solidFill>
               </a:rPr>
-              <a:t>予約者ページ</a:t>
+              <a:t>（管理者）</a:t>
             </a:r>
             <a:endParaRPr kumimoji="1" lang="ja-JP" altLang="en-US" sz="900" dirty="0">
               <a:solidFill>
@@ -5271,10 +5183,10 @@
       </p:sp>
       <p:sp>
         <p:nvSpPr>
-          <p:cNvPr id="44" name="正方形/長方形 43">
-            <a:extLst>
-              <a:ext uri="{FF2B5EF4-FFF2-40B4-BE49-F238E27FC236}">
-                <a16:creationId xmlns:a16="http://schemas.microsoft.com/office/drawing/2014/main" id="{D9015A57-A5BE-A2BE-E39D-B7EEBD1BA827}"/>
+          <p:cNvPr id="85" name="フローチャート: 判断 84">
+            <a:extLst>
+              <a:ext uri="{FF2B5EF4-FFF2-40B4-BE49-F238E27FC236}">
+                <a16:creationId xmlns:a16="http://schemas.microsoft.com/office/drawing/2014/main" id="{9298EA8D-D06C-A730-219C-61F1C0A929B1}"/>
               </a:ext>
             </a:extLst>
           </p:cNvPr>
@@ -5283,10 +5195,10 @@
         </p:nvSpPr>
         <p:spPr>
           <a:xfrm>
-            <a:off x="7247478" y="4635923"/>
-            <a:ext cx="1798984" cy="523220"/>
-          </a:xfrm>
-          <a:prstGeom prst="rect">
+            <a:off x="3186257" y="4555789"/>
+            <a:ext cx="2464904" cy="770224"/>
+          </a:xfrm>
+          <a:prstGeom prst="flowChartDecision">
             <a:avLst/>
           </a:prstGeom>
           <a:solidFill>
@@ -5323,17 +5235,38 @@
                   <a:schemeClr val="tx1"/>
                 </a:solidFill>
               </a:rPr>
-              <a:t>モード選択ページ</a:t>
-            </a:r>
-          </a:p>
-        </p:txBody>
-      </p:sp>
-      <p:sp>
-        <p:nvSpPr>
-          <p:cNvPr id="45" name="フローチャート: 端子 44">
-            <a:extLst>
-              <a:ext uri="{FF2B5EF4-FFF2-40B4-BE49-F238E27FC236}">
-                <a16:creationId xmlns:a16="http://schemas.microsoft.com/office/drawing/2014/main" id="{52917BD1-1AD4-5D36-6C21-87CEA9CA21D9}"/>
+              <a:t>予約者ログインを</a:t>
+            </a:r>
+            <a:endParaRPr kumimoji="1" lang="en-US" altLang="ja-JP" sz="900" dirty="0">
+              <a:solidFill>
+                <a:schemeClr val="tx1"/>
+              </a:solidFill>
+            </a:endParaRPr>
+          </a:p>
+          <a:p>
+            <a:pPr algn="ctr"/>
+            <a:r>
+              <a:rPr lang="ja-JP" altLang="en-US" sz="900" dirty="0">
+                <a:solidFill>
+                  <a:schemeClr val="tx1"/>
+                </a:solidFill>
+              </a:rPr>
+              <a:t>実行するか？</a:t>
+            </a:r>
+            <a:endParaRPr kumimoji="1" lang="ja-JP" altLang="en-US" sz="900" dirty="0">
+              <a:solidFill>
+                <a:schemeClr val="tx1"/>
+              </a:solidFill>
+            </a:endParaRPr>
+          </a:p>
+        </p:txBody>
+      </p:sp>
+      <p:sp>
+        <p:nvSpPr>
+          <p:cNvPr id="92" name="正方形/長方形 91">
+            <a:extLst>
+              <a:ext uri="{FF2B5EF4-FFF2-40B4-BE49-F238E27FC236}">
+                <a16:creationId xmlns:a16="http://schemas.microsoft.com/office/drawing/2014/main" id="{55534EDE-08C2-9FFA-2ECD-75A9AA5DE2ED}"/>
               </a:ext>
             </a:extLst>
           </p:cNvPr>
@@ -5342,14 +5275,14 @@
         </p:nvSpPr>
         <p:spPr>
           <a:xfrm>
-            <a:off x="9046462" y="5502434"/>
+            <a:off x="6705338" y="4671211"/>
             <a:ext cx="1798984" cy="523220"/>
           </a:xfrm>
-          <a:prstGeom prst="flowChartTerminator">
+          <a:prstGeom prst="rect">
             <a:avLst/>
           </a:prstGeom>
           <a:solidFill>
-            <a:schemeClr val="accent6">
+            <a:schemeClr val="accent1">
               <a:lumMod val="20000"/>
               <a:lumOff val="80000"/>
             </a:schemeClr>
@@ -5382,292 +5315,48 @@
                   <a:schemeClr val="tx1"/>
                 </a:solidFill>
               </a:rPr>
-              <a:t>公演参加状況確認フローへ</a:t>
+              <a:t>ログインページ</a:t>
+            </a:r>
+            <a:br>
+              <a:rPr kumimoji="1" lang="en-US" altLang="ja-JP" sz="900" dirty="0">
+                <a:solidFill>
+                  <a:schemeClr val="tx1"/>
+                </a:solidFill>
+              </a:rPr>
+            </a:br>
+            <a:r>
+              <a:rPr kumimoji="1" lang="ja-JP" altLang="en-US" sz="900" dirty="0">
+                <a:solidFill>
+                  <a:schemeClr val="tx1"/>
+                </a:solidFill>
+              </a:rPr>
+              <a:t>（予約者）</a:t>
             </a:r>
           </a:p>
         </p:txBody>
       </p:sp>
       <p:cxnSp>
         <p:nvCxnSpPr>
-          <p:cNvPr id="46" name="直線矢印コネクタ 45">
-            <a:extLst>
-              <a:ext uri="{FF2B5EF4-FFF2-40B4-BE49-F238E27FC236}">
-                <a16:creationId xmlns:a16="http://schemas.microsoft.com/office/drawing/2014/main" id="{AED93185-6162-367F-E515-1BA9B18657D8}"/>
+          <p:cNvPr id="93" name="直線矢印コネクタ 92">
+            <a:extLst>
+              <a:ext uri="{FF2B5EF4-FFF2-40B4-BE49-F238E27FC236}">
+                <a16:creationId xmlns:a16="http://schemas.microsoft.com/office/drawing/2014/main" id="{8FA9991F-E547-530E-4C1A-22FEA3726D0B}"/>
               </a:ext>
             </a:extLst>
           </p:cNvPr>
           <p:cNvCxnSpPr>
             <a:cxnSpLocks/>
-            <a:stCxn id="38" idx="3"/>
-            <a:endCxn id="44" idx="1"/>
+            <a:stCxn id="85" idx="3"/>
+            <a:endCxn id="92" idx="1"/>
           </p:cNvCxnSpPr>
           <p:nvPr/>
         </p:nvCxnSpPr>
         <p:spPr>
-          <a:xfrm>
-            <a:off x="6209202" y="4893128"/>
-            <a:ext cx="1038276" cy="4405"/>
+          <a:xfrm flipV="1">
+            <a:off x="5651161" y="4932821"/>
+            <a:ext cx="1054177" cy="8080"/>
           </a:xfrm>
           <a:prstGeom prst="straightConnector1">
-            <a:avLst/>
-          </a:prstGeom>
-          <a:ln w="28575">
-            <a:tailEnd type="triangle"/>
-          </a:ln>
-        </p:spPr>
-        <p:style>
-          <a:lnRef idx="1">
-            <a:schemeClr val="accent1"/>
-          </a:lnRef>
-          <a:fillRef idx="0">
-            <a:schemeClr val="accent1"/>
-          </a:fillRef>
-          <a:effectRef idx="0">
-            <a:schemeClr val="accent1"/>
-          </a:effectRef>
-          <a:fontRef idx="minor">
-            <a:schemeClr val="tx1"/>
-          </a:fontRef>
-        </p:style>
-      </p:cxnSp>
-      <p:sp>
-        <p:nvSpPr>
-          <p:cNvPr id="50" name="テキスト ボックス 49">
-            <a:extLst>
-              <a:ext uri="{FF2B5EF4-FFF2-40B4-BE49-F238E27FC236}">
-                <a16:creationId xmlns:a16="http://schemas.microsoft.com/office/drawing/2014/main" id="{F510573A-0638-401B-F9BC-AC5791533494}"/>
-              </a:ext>
-            </a:extLst>
-          </p:cNvPr>
-          <p:cNvSpPr txBox="1"/>
-          <p:nvPr/>
-        </p:nvSpPr>
-        <p:spPr>
-          <a:xfrm>
-            <a:off x="6291077" y="4602554"/>
-            <a:ext cx="874526" cy="230832"/>
-          </a:xfrm>
-          <a:prstGeom prst="rect">
-            <a:avLst/>
-          </a:prstGeom>
-          <a:solidFill>
-            <a:schemeClr val="accent4">
-              <a:lumMod val="20000"/>
-              <a:lumOff val="80000"/>
-            </a:schemeClr>
-          </a:solidFill>
-        </p:spPr>
-        <p:txBody>
-          <a:bodyPr wrap="square" rtlCol="0">
-            <a:spAutoFit/>
-          </a:bodyPr>
-          <a:lstStyle/>
-          <a:p>
-            <a:pPr algn="ctr"/>
-            <a:r>
-              <a:rPr kumimoji="1" lang="ja-JP" altLang="en-US" sz="900" dirty="0"/>
-              <a:t>両方登録済み</a:t>
-            </a:r>
-          </a:p>
-        </p:txBody>
-      </p:sp>
-      <p:cxnSp>
-        <p:nvCxnSpPr>
-          <p:cNvPr id="52" name="コネクタ: カギ線 51">
-            <a:extLst>
-              <a:ext uri="{FF2B5EF4-FFF2-40B4-BE49-F238E27FC236}">
-                <a16:creationId xmlns:a16="http://schemas.microsoft.com/office/drawing/2014/main" id="{04A53F1C-0131-482D-1279-C6E06958A041}"/>
-              </a:ext>
-            </a:extLst>
-          </p:cNvPr>
-          <p:cNvCxnSpPr>
-            <a:stCxn id="38" idx="3"/>
-            <a:endCxn id="43" idx="1"/>
-          </p:cNvCxnSpPr>
-          <p:nvPr/>
-        </p:nvCxnSpPr>
-        <p:spPr>
-          <a:xfrm flipV="1">
-            <a:off x="6209202" y="3941510"/>
-            <a:ext cx="2837260" cy="951618"/>
-          </a:xfrm>
-          <a:prstGeom prst="bentConnector3">
-            <a:avLst>
-              <a:gd name="adj1" fmla="val 315"/>
-            </a:avLst>
-          </a:prstGeom>
-          <a:ln w="28575">
-            <a:tailEnd type="triangle"/>
-          </a:ln>
-        </p:spPr>
-        <p:style>
-          <a:lnRef idx="1">
-            <a:schemeClr val="accent1"/>
-          </a:lnRef>
-          <a:fillRef idx="0">
-            <a:schemeClr val="accent1"/>
-          </a:fillRef>
-          <a:effectRef idx="0">
-            <a:schemeClr val="accent1"/>
-          </a:effectRef>
-          <a:fontRef idx="minor">
-            <a:schemeClr val="tx1"/>
-          </a:fontRef>
-        </p:style>
-      </p:cxnSp>
-      <p:sp>
-        <p:nvSpPr>
-          <p:cNvPr id="54" name="テキスト ボックス 53">
-            <a:extLst>
-              <a:ext uri="{FF2B5EF4-FFF2-40B4-BE49-F238E27FC236}">
-                <a16:creationId xmlns:a16="http://schemas.microsoft.com/office/drawing/2014/main" id="{8A2254EA-62E2-0973-C1D3-6D693943E586}"/>
-              </a:ext>
-            </a:extLst>
-          </p:cNvPr>
-          <p:cNvSpPr txBox="1"/>
-          <p:nvPr/>
-        </p:nvSpPr>
-        <p:spPr>
-          <a:xfrm>
-            <a:off x="7190569" y="3689879"/>
-            <a:ext cx="874526" cy="230832"/>
-          </a:xfrm>
-          <a:prstGeom prst="rect">
-            <a:avLst/>
-          </a:prstGeom>
-          <a:solidFill>
-            <a:schemeClr val="accent4">
-              <a:lumMod val="20000"/>
-              <a:lumOff val="80000"/>
-            </a:schemeClr>
-          </a:solidFill>
-        </p:spPr>
-        <p:txBody>
-          <a:bodyPr wrap="square" rtlCol="0">
-            <a:spAutoFit/>
-          </a:bodyPr>
-          <a:lstStyle/>
-          <a:p>
-            <a:pPr algn="ctr"/>
-            <a:r>
-              <a:rPr kumimoji="1" lang="ja-JP" altLang="en-US" sz="900" dirty="0"/>
-              <a:t>予約者のみ</a:t>
-            </a:r>
-          </a:p>
-        </p:txBody>
-      </p:sp>
-      <p:cxnSp>
-        <p:nvCxnSpPr>
-          <p:cNvPr id="55" name="コネクタ: カギ線 54">
-            <a:extLst>
-              <a:ext uri="{FF2B5EF4-FFF2-40B4-BE49-F238E27FC236}">
-                <a16:creationId xmlns:a16="http://schemas.microsoft.com/office/drawing/2014/main" id="{3E6F2C65-9D33-857A-86E6-4A8CE43B6770}"/>
-              </a:ext>
-            </a:extLst>
-          </p:cNvPr>
-          <p:cNvCxnSpPr>
-            <a:cxnSpLocks/>
-            <a:stCxn id="38" idx="3"/>
-            <a:endCxn id="45" idx="1"/>
-          </p:cNvCxnSpPr>
-          <p:nvPr/>
-        </p:nvCxnSpPr>
-        <p:spPr>
-          <a:xfrm>
-            <a:off x="6209202" y="4893128"/>
-            <a:ext cx="2837260" cy="870916"/>
-          </a:xfrm>
-          <a:prstGeom prst="bentConnector3">
-            <a:avLst>
-              <a:gd name="adj1" fmla="val 286"/>
-            </a:avLst>
-          </a:prstGeom>
-          <a:ln w="28575">
-            <a:tailEnd type="triangle"/>
-          </a:ln>
-        </p:spPr>
-        <p:style>
-          <a:lnRef idx="1">
-            <a:schemeClr val="accent1"/>
-          </a:lnRef>
-          <a:fillRef idx="0">
-            <a:schemeClr val="accent1"/>
-          </a:fillRef>
-          <a:effectRef idx="0">
-            <a:schemeClr val="accent1"/>
-          </a:effectRef>
-          <a:fontRef idx="minor">
-            <a:schemeClr val="tx1"/>
-          </a:fontRef>
-        </p:style>
-      </p:cxnSp>
-      <p:sp>
-        <p:nvSpPr>
-          <p:cNvPr id="60" name="テキスト ボックス 59">
-            <a:extLst>
-              <a:ext uri="{FF2B5EF4-FFF2-40B4-BE49-F238E27FC236}">
-                <a16:creationId xmlns:a16="http://schemas.microsoft.com/office/drawing/2014/main" id="{2C792B41-6102-55CC-E67F-3DEB6F26265E}"/>
-              </a:ext>
-            </a:extLst>
-          </p:cNvPr>
-          <p:cNvSpPr txBox="1"/>
-          <p:nvPr/>
-        </p:nvSpPr>
-        <p:spPr>
-          <a:xfrm>
-            <a:off x="7190569" y="5795325"/>
-            <a:ext cx="874526" cy="230832"/>
-          </a:xfrm>
-          <a:prstGeom prst="rect">
-            <a:avLst/>
-          </a:prstGeom>
-          <a:solidFill>
-            <a:schemeClr val="accent4">
-              <a:lumMod val="20000"/>
-              <a:lumOff val="80000"/>
-            </a:schemeClr>
-          </a:solidFill>
-        </p:spPr>
-        <p:txBody>
-          <a:bodyPr wrap="square" rtlCol="0">
-            <a:spAutoFit/>
-          </a:bodyPr>
-          <a:lstStyle/>
-          <a:p>
-            <a:pPr algn="ctr"/>
-            <a:r>
-              <a:rPr lang="ja-JP" altLang="en-US" sz="900" dirty="0"/>
-              <a:t>管理者</a:t>
-            </a:r>
-            <a:r>
-              <a:rPr kumimoji="1" lang="ja-JP" altLang="en-US" sz="900" dirty="0"/>
-              <a:t>のみ</a:t>
-            </a:r>
-          </a:p>
-        </p:txBody>
-      </p:sp>
-      <p:cxnSp>
-        <p:nvCxnSpPr>
-          <p:cNvPr id="61" name="コネクタ: カギ線 60">
-            <a:extLst>
-              <a:ext uri="{FF2B5EF4-FFF2-40B4-BE49-F238E27FC236}">
-                <a16:creationId xmlns:a16="http://schemas.microsoft.com/office/drawing/2014/main" id="{72E31723-D736-D429-5CE6-C2CF311FD22A}"/>
-              </a:ext>
-            </a:extLst>
-          </p:cNvPr>
-          <p:cNvCxnSpPr>
-            <a:cxnSpLocks/>
-            <a:stCxn id="44" idx="3"/>
-            <a:endCxn id="43" idx="2"/>
-          </p:cNvCxnSpPr>
-          <p:nvPr/>
-        </p:nvCxnSpPr>
-        <p:spPr>
-          <a:xfrm flipV="1">
-            <a:off x="9046462" y="4203120"/>
-            <a:ext cx="899492" cy="694413"/>
-          </a:xfrm>
-          <a:prstGeom prst="bentConnector2">
             <a:avLst/>
           </a:prstGeom>
           <a:ln w="28575">
@@ -5691,26 +5380,26 @@
       </p:cxnSp>
       <p:cxnSp>
         <p:nvCxnSpPr>
-          <p:cNvPr id="64" name="コネクタ: カギ線 63">
-            <a:extLst>
-              <a:ext uri="{FF2B5EF4-FFF2-40B4-BE49-F238E27FC236}">
-                <a16:creationId xmlns:a16="http://schemas.microsoft.com/office/drawing/2014/main" id="{F7A1D7C3-0BFF-1122-3145-7E8CEE6AF687}"/>
+          <p:cNvPr id="98" name="直線矢印コネクタ 97">
+            <a:extLst>
+              <a:ext uri="{FF2B5EF4-FFF2-40B4-BE49-F238E27FC236}">
+                <a16:creationId xmlns:a16="http://schemas.microsoft.com/office/drawing/2014/main" id="{590B7474-7A4D-B05D-8178-C3020EE9829D}"/>
               </a:ext>
             </a:extLst>
           </p:cNvPr>
           <p:cNvCxnSpPr>
             <a:cxnSpLocks/>
-            <a:stCxn id="44" idx="3"/>
-            <a:endCxn id="45" idx="0"/>
+            <a:stCxn id="92" idx="3"/>
+            <a:endCxn id="103" idx="1"/>
           </p:cNvCxnSpPr>
           <p:nvPr/>
         </p:nvCxnSpPr>
         <p:spPr>
           <a:xfrm>
-            <a:off x="9046462" y="4897533"/>
-            <a:ext cx="899492" cy="604901"/>
-          </a:xfrm>
-          <a:prstGeom prst="bentConnector2">
+            <a:off x="8504322" y="4932821"/>
+            <a:ext cx="1054176" cy="14289"/>
+          </a:xfrm>
+          <a:prstGeom prst="straightConnector1">
             <a:avLst/>
           </a:prstGeom>
           <a:ln w="28575">
@@ -5732,6 +5421,766 @@
           </a:fontRef>
         </p:style>
       </p:cxnSp>
+      <p:sp>
+        <p:nvSpPr>
+          <p:cNvPr id="102" name="テキスト ボックス 101">
+            <a:extLst>
+              <a:ext uri="{FF2B5EF4-FFF2-40B4-BE49-F238E27FC236}">
+                <a16:creationId xmlns:a16="http://schemas.microsoft.com/office/drawing/2014/main" id="{D9AA40A6-C9DB-8C1A-8EA5-559305116927}"/>
+              </a:ext>
+            </a:extLst>
+          </p:cNvPr>
+          <p:cNvSpPr txBox="1"/>
+          <p:nvPr/>
+        </p:nvSpPr>
+        <p:spPr>
+          <a:xfrm>
+            <a:off x="8594147" y="4648030"/>
+            <a:ext cx="874526" cy="230832"/>
+          </a:xfrm>
+          <a:prstGeom prst="rect">
+            <a:avLst/>
+          </a:prstGeom>
+          <a:solidFill>
+            <a:schemeClr val="accent4">
+              <a:lumMod val="20000"/>
+              <a:lumOff val="80000"/>
+            </a:schemeClr>
+          </a:solidFill>
+        </p:spPr>
+        <p:txBody>
+          <a:bodyPr wrap="square" rtlCol="0">
+            <a:spAutoFit/>
+          </a:bodyPr>
+          <a:lstStyle/>
+          <a:p>
+            <a:pPr algn="ctr"/>
+            <a:r>
+              <a:rPr kumimoji="1" lang="ja-JP" altLang="en-US" sz="900" dirty="0"/>
+              <a:t>ログイン成功</a:t>
+            </a:r>
+          </a:p>
+        </p:txBody>
+      </p:sp>
+      <p:sp>
+        <p:nvSpPr>
+          <p:cNvPr id="103" name="正方形/長方形 102">
+            <a:extLst>
+              <a:ext uri="{FF2B5EF4-FFF2-40B4-BE49-F238E27FC236}">
+                <a16:creationId xmlns:a16="http://schemas.microsoft.com/office/drawing/2014/main" id="{8EA2A1E2-7129-8D03-2A6F-9F4025EB7CFE}"/>
+              </a:ext>
+            </a:extLst>
+          </p:cNvPr>
+          <p:cNvSpPr/>
+          <p:nvPr/>
+        </p:nvSpPr>
+        <p:spPr>
+          <a:xfrm>
+            <a:off x="9558498" y="4685500"/>
+            <a:ext cx="1798984" cy="523220"/>
+          </a:xfrm>
+          <a:prstGeom prst="rect">
+            <a:avLst/>
+          </a:prstGeom>
+          <a:solidFill>
+            <a:schemeClr val="accent1">
+              <a:lumMod val="20000"/>
+              <a:lumOff val="80000"/>
+            </a:schemeClr>
+          </a:solidFill>
+        </p:spPr>
+        <p:style>
+          <a:lnRef idx="2">
+            <a:schemeClr val="accent1">
+              <a:shade val="15000"/>
+            </a:schemeClr>
+          </a:lnRef>
+          <a:fillRef idx="1">
+            <a:schemeClr val="accent1"/>
+          </a:fillRef>
+          <a:effectRef idx="0">
+            <a:schemeClr val="accent1"/>
+          </a:effectRef>
+          <a:fontRef idx="minor">
+            <a:schemeClr val="lt1"/>
+          </a:fontRef>
+        </p:style>
+        <p:txBody>
+          <a:bodyPr rtlCol="0" anchor="ctr"/>
+          <a:lstStyle/>
+          <a:p>
+            <a:pPr algn="ctr"/>
+            <a:r>
+              <a:rPr lang="ja-JP" altLang="en-US" sz="900" dirty="0">
+                <a:solidFill>
+                  <a:schemeClr val="tx1"/>
+                </a:solidFill>
+              </a:rPr>
+              <a:t>各種メニューページ</a:t>
+            </a:r>
+            <a:endParaRPr lang="en-US" altLang="ja-JP" sz="900" dirty="0">
+              <a:solidFill>
+                <a:schemeClr val="tx1"/>
+              </a:solidFill>
+            </a:endParaRPr>
+          </a:p>
+          <a:p>
+            <a:pPr algn="ctr"/>
+            <a:r>
+              <a:rPr lang="ja-JP" altLang="en-US" sz="900" dirty="0">
+                <a:solidFill>
+                  <a:schemeClr val="tx1"/>
+                </a:solidFill>
+              </a:rPr>
+              <a:t>（予約者）</a:t>
+            </a:r>
+            <a:endParaRPr kumimoji="1" lang="en-US" altLang="ja-JP" sz="900" dirty="0">
+              <a:solidFill>
+                <a:schemeClr val="tx1"/>
+              </a:solidFill>
+            </a:endParaRPr>
+          </a:p>
+        </p:txBody>
+      </p:sp>
+      <p:sp>
+        <p:nvSpPr>
+          <p:cNvPr id="109" name="テキスト ボックス 108">
+            <a:extLst>
+              <a:ext uri="{FF2B5EF4-FFF2-40B4-BE49-F238E27FC236}">
+                <a16:creationId xmlns:a16="http://schemas.microsoft.com/office/drawing/2014/main" id="{5625FBE9-3B78-7FE2-41E4-B55F8E5BB025}"/>
+              </a:ext>
+            </a:extLst>
+          </p:cNvPr>
+          <p:cNvSpPr txBox="1"/>
+          <p:nvPr/>
+        </p:nvSpPr>
+        <p:spPr>
+          <a:xfrm>
+            <a:off x="5684618" y="4011323"/>
+            <a:ext cx="874526" cy="230832"/>
+          </a:xfrm>
+          <a:prstGeom prst="rect">
+            <a:avLst/>
+          </a:prstGeom>
+          <a:solidFill>
+            <a:schemeClr val="accent4">
+              <a:lumMod val="20000"/>
+              <a:lumOff val="80000"/>
+            </a:schemeClr>
+          </a:solidFill>
+        </p:spPr>
+        <p:txBody>
+          <a:bodyPr wrap="square" rtlCol="0">
+            <a:spAutoFit/>
+          </a:bodyPr>
+          <a:lstStyle/>
+          <a:p>
+            <a:pPr algn="ctr"/>
+            <a:r>
+              <a:rPr kumimoji="1" lang="ja-JP" altLang="en-US" sz="900" dirty="0"/>
+              <a:t>ログイン失敗</a:t>
+            </a:r>
+          </a:p>
+        </p:txBody>
+      </p:sp>
+      <p:cxnSp>
+        <p:nvCxnSpPr>
+          <p:cNvPr id="110" name="直線矢印コネクタ 109">
+            <a:extLst>
+              <a:ext uri="{FF2B5EF4-FFF2-40B4-BE49-F238E27FC236}">
+                <a16:creationId xmlns:a16="http://schemas.microsoft.com/office/drawing/2014/main" id="{B88EDBC0-7BA8-8693-BEA3-43BE8DB73140}"/>
+              </a:ext>
+            </a:extLst>
+          </p:cNvPr>
+          <p:cNvCxnSpPr>
+            <a:cxnSpLocks/>
+            <a:stCxn id="103" idx="2"/>
+            <a:endCxn id="114" idx="0"/>
+          </p:cNvCxnSpPr>
+          <p:nvPr/>
+        </p:nvCxnSpPr>
+        <p:spPr>
+          <a:xfrm>
+            <a:off x="10457990" y="5208720"/>
+            <a:ext cx="0" cy="614449"/>
+          </a:xfrm>
+          <a:prstGeom prst="straightConnector1">
+            <a:avLst/>
+          </a:prstGeom>
+          <a:ln w="28575">
+            <a:tailEnd type="triangle"/>
+          </a:ln>
+        </p:spPr>
+        <p:style>
+          <a:lnRef idx="1">
+            <a:schemeClr val="accent1"/>
+          </a:lnRef>
+          <a:fillRef idx="0">
+            <a:schemeClr val="accent1"/>
+          </a:fillRef>
+          <a:effectRef idx="0">
+            <a:schemeClr val="accent1"/>
+          </a:effectRef>
+          <a:fontRef idx="minor">
+            <a:schemeClr val="tx1"/>
+          </a:fontRef>
+        </p:style>
+      </p:cxnSp>
+      <p:sp>
+        <p:nvSpPr>
+          <p:cNvPr id="114" name="正方形/長方形 113">
+            <a:extLst>
+              <a:ext uri="{FF2B5EF4-FFF2-40B4-BE49-F238E27FC236}">
+                <a16:creationId xmlns:a16="http://schemas.microsoft.com/office/drawing/2014/main" id="{B774EC33-EA5F-B844-A0F8-423F7679E46F}"/>
+              </a:ext>
+            </a:extLst>
+          </p:cNvPr>
+          <p:cNvSpPr/>
+          <p:nvPr/>
+        </p:nvSpPr>
+        <p:spPr>
+          <a:xfrm>
+            <a:off x="9558498" y="5823169"/>
+            <a:ext cx="1798984" cy="523220"/>
+          </a:xfrm>
+          <a:prstGeom prst="rect">
+            <a:avLst/>
+          </a:prstGeom>
+          <a:solidFill>
+            <a:schemeClr val="accent6">
+              <a:lumMod val="20000"/>
+              <a:lumOff val="80000"/>
+            </a:schemeClr>
+          </a:solidFill>
+        </p:spPr>
+        <p:style>
+          <a:lnRef idx="2">
+            <a:schemeClr val="accent1">
+              <a:shade val="15000"/>
+            </a:schemeClr>
+          </a:lnRef>
+          <a:fillRef idx="1">
+            <a:schemeClr val="accent1"/>
+          </a:fillRef>
+          <a:effectRef idx="0">
+            <a:schemeClr val="accent1"/>
+          </a:effectRef>
+          <a:fontRef idx="minor">
+            <a:schemeClr val="lt1"/>
+          </a:fontRef>
+        </p:style>
+        <p:txBody>
+          <a:bodyPr rtlCol="0" anchor="ctr"/>
+          <a:lstStyle/>
+          <a:p>
+            <a:pPr algn="ctr"/>
+            <a:r>
+              <a:rPr kumimoji="1" lang="ja-JP" altLang="en-US" sz="900" dirty="0">
+                <a:solidFill>
+                  <a:schemeClr val="tx1"/>
+                </a:solidFill>
+              </a:rPr>
+              <a:t>各種メニューページ</a:t>
+            </a:r>
+            <a:endParaRPr kumimoji="1" lang="en-US" altLang="ja-JP" sz="900" dirty="0">
+              <a:solidFill>
+                <a:schemeClr val="tx1"/>
+              </a:solidFill>
+            </a:endParaRPr>
+          </a:p>
+          <a:p>
+            <a:pPr algn="ctr"/>
+            <a:r>
+              <a:rPr lang="ja-JP" altLang="en-US" sz="900" dirty="0">
+                <a:solidFill>
+                  <a:schemeClr val="tx1"/>
+                </a:solidFill>
+              </a:rPr>
+              <a:t>（管理者）</a:t>
+            </a:r>
+            <a:endParaRPr kumimoji="1" lang="ja-JP" altLang="en-US" sz="900" dirty="0">
+              <a:solidFill>
+                <a:schemeClr val="tx1"/>
+              </a:solidFill>
+            </a:endParaRPr>
+          </a:p>
+        </p:txBody>
+      </p:sp>
+      <p:sp>
+        <p:nvSpPr>
+          <p:cNvPr id="122" name="テキスト ボックス 121">
+            <a:extLst>
+              <a:ext uri="{FF2B5EF4-FFF2-40B4-BE49-F238E27FC236}">
+                <a16:creationId xmlns:a16="http://schemas.microsoft.com/office/drawing/2014/main" id="{056F0EA6-0666-B265-424E-6F5065B5EFB3}"/>
+              </a:ext>
+            </a:extLst>
+          </p:cNvPr>
+          <p:cNvSpPr txBox="1"/>
+          <p:nvPr/>
+        </p:nvSpPr>
+        <p:spPr>
+          <a:xfrm>
+            <a:off x="8972739" y="5400528"/>
+            <a:ext cx="1447376" cy="230832"/>
+          </a:xfrm>
+          <a:prstGeom prst="rect">
+            <a:avLst/>
+          </a:prstGeom>
+          <a:solidFill>
+            <a:schemeClr val="accent4">
+              <a:lumMod val="20000"/>
+              <a:lumOff val="80000"/>
+            </a:schemeClr>
+          </a:solidFill>
+        </p:spPr>
+        <p:txBody>
+          <a:bodyPr wrap="square" rtlCol="0">
+            <a:spAutoFit/>
+          </a:bodyPr>
+          <a:lstStyle/>
+          <a:p>
+            <a:pPr algn="ctr"/>
+            <a:r>
+              <a:rPr kumimoji="1" lang="ja-JP" altLang="en-US" sz="900" dirty="0"/>
+              <a:t>管理者アカウントへ切替</a:t>
+            </a:r>
+          </a:p>
+        </p:txBody>
+      </p:sp>
+      <p:cxnSp>
+        <p:nvCxnSpPr>
+          <p:cNvPr id="124" name="コネクタ: 曲線 123">
+            <a:extLst>
+              <a:ext uri="{FF2B5EF4-FFF2-40B4-BE49-F238E27FC236}">
+                <a16:creationId xmlns:a16="http://schemas.microsoft.com/office/drawing/2014/main" id="{1E79892A-4172-598E-3CD3-493D73B6F578}"/>
+              </a:ext>
+            </a:extLst>
+          </p:cNvPr>
+          <p:cNvCxnSpPr>
+            <a:cxnSpLocks/>
+            <a:stCxn id="103" idx="0"/>
+            <a:endCxn id="65" idx="1"/>
+          </p:cNvCxnSpPr>
+          <p:nvPr/>
+        </p:nvCxnSpPr>
+        <p:spPr>
+          <a:xfrm rot="16200000" flipV="1">
+            <a:off x="9375198" y="3602708"/>
+            <a:ext cx="1266093" cy="899492"/>
+          </a:xfrm>
+          <a:prstGeom prst="curvedConnector4">
+            <a:avLst>
+              <a:gd name="adj1" fmla="val 39669"/>
+              <a:gd name="adj2" fmla="val 125414"/>
+            </a:avLst>
+          </a:prstGeom>
+          <a:ln w="28575">
+            <a:tailEnd type="triangle"/>
+          </a:ln>
+        </p:spPr>
+        <p:style>
+          <a:lnRef idx="1">
+            <a:schemeClr val="accent1"/>
+          </a:lnRef>
+          <a:fillRef idx="0">
+            <a:schemeClr val="accent1"/>
+          </a:fillRef>
+          <a:effectRef idx="0">
+            <a:schemeClr val="accent1"/>
+          </a:effectRef>
+          <a:fontRef idx="minor">
+            <a:schemeClr val="tx1"/>
+          </a:fontRef>
+        </p:style>
+      </p:cxnSp>
+      <p:sp>
+        <p:nvSpPr>
+          <p:cNvPr id="127" name="テキスト ボックス 126">
+            <a:extLst>
+              <a:ext uri="{FF2B5EF4-FFF2-40B4-BE49-F238E27FC236}">
+                <a16:creationId xmlns:a16="http://schemas.microsoft.com/office/drawing/2014/main" id="{956A0C26-8989-0BCA-C039-492C60E3698F}"/>
+              </a:ext>
+            </a:extLst>
+          </p:cNvPr>
+          <p:cNvSpPr txBox="1"/>
+          <p:nvPr/>
+        </p:nvSpPr>
+        <p:spPr>
+          <a:xfrm>
+            <a:off x="8330453" y="3906712"/>
+            <a:ext cx="959942" cy="230832"/>
+          </a:xfrm>
+          <a:prstGeom prst="rect">
+            <a:avLst/>
+          </a:prstGeom>
+          <a:solidFill>
+            <a:schemeClr val="accent4">
+              <a:lumMod val="20000"/>
+              <a:lumOff val="80000"/>
+            </a:schemeClr>
+          </a:solidFill>
+        </p:spPr>
+        <p:txBody>
+          <a:bodyPr wrap="square" rtlCol="0">
+            <a:spAutoFit/>
+          </a:bodyPr>
+          <a:lstStyle/>
+          <a:p>
+            <a:pPr algn="ctr"/>
+            <a:r>
+              <a:rPr kumimoji="1" lang="ja-JP" altLang="en-US" sz="900" dirty="0"/>
+              <a:t>ログイン実行</a:t>
+            </a:r>
+          </a:p>
+        </p:txBody>
+      </p:sp>
+      <p:sp>
+        <p:nvSpPr>
+          <p:cNvPr id="128" name="吹き出し: 線 127">
+            <a:extLst>
+              <a:ext uri="{FF2B5EF4-FFF2-40B4-BE49-F238E27FC236}">
+                <a16:creationId xmlns:a16="http://schemas.microsoft.com/office/drawing/2014/main" id="{47037F5C-8FED-06E3-05C1-1B5E9A4A2D46}"/>
+              </a:ext>
+            </a:extLst>
+          </p:cNvPr>
+          <p:cNvSpPr/>
+          <p:nvPr/>
+        </p:nvSpPr>
+        <p:spPr>
+          <a:xfrm>
+            <a:off x="6381449" y="5870809"/>
+            <a:ext cx="1636242" cy="523220"/>
+          </a:xfrm>
+          <a:prstGeom prst="borderCallout1">
+            <a:avLst>
+              <a:gd name="adj1" fmla="val 9998"/>
+              <a:gd name="adj2" fmla="val 110892"/>
+              <a:gd name="adj3" fmla="val -49924"/>
+              <a:gd name="adj4" fmla="val 161269"/>
+            </a:avLst>
+          </a:prstGeom>
+          <a:solidFill>
+            <a:srgbClr val="FFFF00"/>
+          </a:solidFill>
+          <a:ln w="19050">
+            <a:solidFill>
+              <a:srgbClr val="C00000"/>
+            </a:solidFill>
+          </a:ln>
+        </p:spPr>
+        <p:style>
+          <a:lnRef idx="2">
+            <a:schemeClr val="accent1">
+              <a:shade val="15000"/>
+            </a:schemeClr>
+          </a:lnRef>
+          <a:fillRef idx="1">
+            <a:schemeClr val="accent1"/>
+          </a:fillRef>
+          <a:effectRef idx="0">
+            <a:schemeClr val="accent1"/>
+          </a:effectRef>
+          <a:fontRef idx="minor">
+            <a:schemeClr val="lt1"/>
+          </a:fontRef>
+        </p:style>
+        <p:txBody>
+          <a:bodyPr rtlCol="0" anchor="ctr"/>
+          <a:lstStyle/>
+          <a:p>
+            <a:r>
+              <a:rPr kumimoji="1" lang="en-US" altLang="ja-JP" sz="900" dirty="0">
+                <a:solidFill>
+                  <a:schemeClr val="tx1"/>
+                </a:solidFill>
+              </a:rPr>
+              <a:t>【</a:t>
+            </a:r>
+            <a:r>
+              <a:rPr kumimoji="1" lang="ja-JP" altLang="en-US" sz="900" dirty="0">
+                <a:solidFill>
+                  <a:schemeClr val="tx1"/>
+                </a:solidFill>
+              </a:rPr>
+              <a:t>条件</a:t>
+            </a:r>
+            <a:r>
+              <a:rPr kumimoji="1" lang="en-US" altLang="ja-JP" sz="900" dirty="0">
+                <a:solidFill>
+                  <a:schemeClr val="tx1"/>
+                </a:solidFill>
+              </a:rPr>
+              <a:t>】</a:t>
+            </a:r>
+          </a:p>
+          <a:p>
+            <a:r>
+              <a:rPr kumimoji="1" lang="ja-JP" altLang="en-US" sz="900" dirty="0">
+                <a:solidFill>
+                  <a:schemeClr val="tx1"/>
+                </a:solidFill>
+              </a:rPr>
+              <a:t>モードが </a:t>
+            </a:r>
+            <a:r>
+              <a:rPr kumimoji="1" lang="en-US" altLang="ja-JP" sz="900" dirty="0" err="1">
+                <a:solidFill>
+                  <a:schemeClr val="tx1"/>
+                </a:solidFill>
+              </a:rPr>
+              <a:t>doubleUser</a:t>
+            </a:r>
+            <a:r>
+              <a:rPr kumimoji="1" lang="en-US" altLang="ja-JP" sz="900" dirty="0">
+                <a:solidFill>
+                  <a:schemeClr val="tx1"/>
+                </a:solidFill>
+              </a:rPr>
+              <a:t> </a:t>
+            </a:r>
+            <a:r>
+              <a:rPr kumimoji="1" lang="ja-JP" altLang="en-US" sz="900" dirty="0">
+                <a:solidFill>
+                  <a:schemeClr val="tx1"/>
+                </a:solidFill>
+              </a:rPr>
+              <a:t>で</a:t>
+            </a:r>
+            <a:endParaRPr kumimoji="1" lang="en-US" altLang="ja-JP" sz="900" dirty="0">
+              <a:solidFill>
+                <a:schemeClr val="tx1"/>
+              </a:solidFill>
+            </a:endParaRPr>
+          </a:p>
+          <a:p>
+            <a:r>
+              <a:rPr kumimoji="1" lang="ja-JP" altLang="en-US" sz="900" dirty="0">
+                <a:solidFill>
+                  <a:schemeClr val="tx1"/>
+                </a:solidFill>
+              </a:rPr>
+              <a:t>あること</a:t>
+            </a:r>
+          </a:p>
+        </p:txBody>
+      </p:sp>
+      <p:sp>
+        <p:nvSpPr>
+          <p:cNvPr id="129" name="吹き出し: 線 128">
+            <a:extLst>
+              <a:ext uri="{FF2B5EF4-FFF2-40B4-BE49-F238E27FC236}">
+                <a16:creationId xmlns:a16="http://schemas.microsoft.com/office/drawing/2014/main" id="{8FDF50B8-4A3B-99C8-A006-348B0B90A88D}"/>
+              </a:ext>
+            </a:extLst>
+          </p:cNvPr>
+          <p:cNvSpPr/>
+          <p:nvPr/>
+        </p:nvSpPr>
+        <p:spPr>
+          <a:xfrm>
+            <a:off x="6096000" y="2163482"/>
+            <a:ext cx="1636242" cy="523220"/>
+          </a:xfrm>
+          <a:prstGeom prst="borderCallout1">
+            <a:avLst>
+              <a:gd name="adj1" fmla="val 9998"/>
+              <a:gd name="adj2" fmla="val 110892"/>
+              <a:gd name="adj3" fmla="val 327602"/>
+              <a:gd name="adj4" fmla="val 187136"/>
+            </a:avLst>
+          </a:prstGeom>
+          <a:solidFill>
+            <a:srgbClr val="FFFF00"/>
+          </a:solidFill>
+          <a:ln w="19050">
+            <a:solidFill>
+              <a:srgbClr val="C00000"/>
+            </a:solidFill>
+          </a:ln>
+        </p:spPr>
+        <p:style>
+          <a:lnRef idx="2">
+            <a:schemeClr val="accent1">
+              <a:shade val="15000"/>
+            </a:schemeClr>
+          </a:lnRef>
+          <a:fillRef idx="1">
+            <a:schemeClr val="accent1"/>
+          </a:fillRef>
+          <a:effectRef idx="0">
+            <a:schemeClr val="accent1"/>
+          </a:effectRef>
+          <a:fontRef idx="minor">
+            <a:schemeClr val="lt1"/>
+          </a:fontRef>
+        </p:style>
+        <p:txBody>
+          <a:bodyPr rtlCol="0" anchor="ctr"/>
+          <a:lstStyle/>
+          <a:p>
+            <a:r>
+              <a:rPr kumimoji="1" lang="en-US" altLang="ja-JP" sz="900" dirty="0">
+                <a:solidFill>
+                  <a:schemeClr val="tx1"/>
+                </a:solidFill>
+              </a:rPr>
+              <a:t>【</a:t>
+            </a:r>
+            <a:r>
+              <a:rPr kumimoji="1" lang="ja-JP" altLang="en-US" sz="900" dirty="0">
+                <a:solidFill>
+                  <a:schemeClr val="tx1"/>
+                </a:solidFill>
+              </a:rPr>
+              <a:t>条件</a:t>
+            </a:r>
+            <a:r>
+              <a:rPr kumimoji="1" lang="en-US" altLang="ja-JP" sz="900" dirty="0">
+                <a:solidFill>
+                  <a:schemeClr val="tx1"/>
+                </a:solidFill>
+              </a:rPr>
+              <a:t>】</a:t>
+            </a:r>
+          </a:p>
+          <a:p>
+            <a:r>
+              <a:rPr kumimoji="1" lang="ja-JP" altLang="en-US" sz="900" dirty="0">
+                <a:solidFill>
+                  <a:schemeClr val="tx1"/>
+                </a:solidFill>
+              </a:rPr>
+              <a:t>モードが </a:t>
+            </a:r>
+            <a:r>
+              <a:rPr lang="en-US" altLang="ja-JP" sz="900" dirty="0" err="1">
+                <a:solidFill>
+                  <a:schemeClr val="tx1"/>
+                </a:solidFill>
+              </a:rPr>
+              <a:t>sysUser</a:t>
+            </a:r>
+            <a:r>
+              <a:rPr kumimoji="1" lang="en-US" altLang="ja-JP" sz="900" dirty="0">
+                <a:solidFill>
+                  <a:schemeClr val="tx1"/>
+                </a:solidFill>
+              </a:rPr>
+              <a:t> </a:t>
+            </a:r>
+            <a:r>
+              <a:rPr kumimoji="1" lang="ja-JP" altLang="en-US" sz="900" dirty="0">
+                <a:solidFill>
+                  <a:schemeClr val="tx1"/>
+                </a:solidFill>
+              </a:rPr>
+              <a:t>で</a:t>
+            </a:r>
+            <a:endParaRPr kumimoji="1" lang="en-US" altLang="ja-JP" sz="900" dirty="0">
+              <a:solidFill>
+                <a:schemeClr val="tx1"/>
+              </a:solidFill>
+            </a:endParaRPr>
+          </a:p>
+          <a:p>
+            <a:r>
+              <a:rPr kumimoji="1" lang="ja-JP" altLang="en-US" sz="900" dirty="0">
+                <a:solidFill>
+                  <a:schemeClr val="tx1"/>
+                </a:solidFill>
+              </a:rPr>
+              <a:t>ある場合</a:t>
+            </a:r>
+          </a:p>
+        </p:txBody>
+      </p:sp>
+      <p:cxnSp>
+        <p:nvCxnSpPr>
+          <p:cNvPr id="130" name="コネクタ: 曲線 129">
+            <a:extLst>
+              <a:ext uri="{FF2B5EF4-FFF2-40B4-BE49-F238E27FC236}">
+                <a16:creationId xmlns:a16="http://schemas.microsoft.com/office/drawing/2014/main" id="{F7361E4B-04EB-0D85-74CE-551D39D8C7FF}"/>
+              </a:ext>
+            </a:extLst>
+          </p:cNvPr>
+          <p:cNvCxnSpPr>
+            <a:cxnSpLocks/>
+            <a:stCxn id="92" idx="2"/>
+            <a:endCxn id="18" idx="1"/>
+          </p:cNvCxnSpPr>
+          <p:nvPr/>
+        </p:nvCxnSpPr>
+        <p:spPr>
+          <a:xfrm rot="5400000" flipH="1">
+            <a:off x="4010617" y="1600219"/>
+            <a:ext cx="3094321" cy="4094104"/>
+          </a:xfrm>
+          <a:prstGeom prst="curvedConnector4">
+            <a:avLst>
+              <a:gd name="adj1" fmla="val -19384"/>
+              <a:gd name="adj2" fmla="val 123717"/>
+            </a:avLst>
+          </a:prstGeom>
+          <a:ln w="28575">
+            <a:tailEnd type="triangle"/>
+          </a:ln>
+        </p:spPr>
+        <p:style>
+          <a:lnRef idx="1">
+            <a:schemeClr val="accent1"/>
+          </a:lnRef>
+          <a:fillRef idx="0">
+            <a:schemeClr val="accent1"/>
+          </a:fillRef>
+          <a:effectRef idx="0">
+            <a:schemeClr val="accent1"/>
+          </a:effectRef>
+          <a:fontRef idx="minor">
+            <a:schemeClr val="tx1"/>
+          </a:fontRef>
+        </p:style>
+      </p:cxnSp>
+      <p:sp>
+        <p:nvSpPr>
+          <p:cNvPr id="141" name="テキスト ボックス 140">
+            <a:extLst>
+              <a:ext uri="{FF2B5EF4-FFF2-40B4-BE49-F238E27FC236}">
+                <a16:creationId xmlns:a16="http://schemas.microsoft.com/office/drawing/2014/main" id="{8644F9BA-BC2E-935C-B592-E97443C31E6F}"/>
+              </a:ext>
+            </a:extLst>
+          </p:cNvPr>
+          <p:cNvSpPr txBox="1"/>
+          <p:nvPr/>
+        </p:nvSpPr>
+        <p:spPr>
+          <a:xfrm>
+            <a:off x="1586108" y="3805318"/>
+            <a:ext cx="874526" cy="230832"/>
+          </a:xfrm>
+          <a:prstGeom prst="rect">
+            <a:avLst/>
+          </a:prstGeom>
+          <a:solidFill>
+            <a:schemeClr val="accent4">
+              <a:lumMod val="20000"/>
+              <a:lumOff val="80000"/>
+            </a:schemeClr>
+          </a:solidFill>
+        </p:spPr>
+        <p:txBody>
+          <a:bodyPr wrap="square" rtlCol="0">
+            <a:spAutoFit/>
+          </a:bodyPr>
+          <a:lstStyle/>
+          <a:p>
+            <a:pPr algn="ctr"/>
+            <a:r>
+              <a:rPr kumimoji="1" lang="ja-JP" altLang="en-US" sz="900" dirty="0"/>
+              <a:t>戻る</a:t>
+            </a:r>
+          </a:p>
+        </p:txBody>
+      </p:sp>
     </p:spTree>
     <p:extLst>
       <p:ext uri="{BB962C8B-B14F-4D97-AF65-F5344CB8AC3E}">
@@ -5746,6 +6195,1865 @@
 </file>
 
 <file path=ppt/slides/slide4.xml><?xml version="1.0" encoding="utf-8"?>
+<p:sld xmlns:a="http://schemas.openxmlformats.org/drawingml/2006/main" xmlns:r="http://schemas.openxmlformats.org/officeDocument/2006/relationships" xmlns:p="http://schemas.openxmlformats.org/presentationml/2006/main">
+  <p:cSld>
+    <p:spTree>
+      <p:nvGrpSpPr>
+        <p:cNvPr id="1" name="">
+          <a:extLst>
+            <a:ext uri="{FF2B5EF4-FFF2-40B4-BE49-F238E27FC236}">
+              <a16:creationId xmlns:a16="http://schemas.microsoft.com/office/drawing/2014/main" id="{7C2672AA-CD5F-0422-944B-8D9B37C5DFFA}"/>
+            </a:ext>
+          </a:extLst>
+        </p:cNvPr>
+        <p:cNvGrpSpPr/>
+        <p:nvPr/>
+      </p:nvGrpSpPr>
+      <p:grpSpPr>
+        <a:xfrm>
+          <a:off x="0" y="0"/>
+          <a:ext cx="0" cy="0"/>
+          <a:chOff x="0" y="0"/>
+          <a:chExt cx="0" cy="0"/>
+        </a:xfrm>
+      </p:grpSpPr>
+      <p:sp>
+        <p:nvSpPr>
+          <p:cNvPr id="3" name="字幕 2">
+            <a:extLst>
+              <a:ext uri="{FF2B5EF4-FFF2-40B4-BE49-F238E27FC236}">
+                <a16:creationId xmlns:a16="http://schemas.microsoft.com/office/drawing/2014/main" id="{7F010E23-51D6-C1FC-728E-1D376C279F50}"/>
+              </a:ext>
+            </a:extLst>
+          </p:cNvPr>
+          <p:cNvSpPr>
+            <a:spLocks noGrp="1"/>
+          </p:cNvSpPr>
+          <p:nvPr>
+            <p:ph type="subTitle" idx="1"/>
+          </p:nvPr>
+        </p:nvSpPr>
+        <p:spPr>
+          <a:xfrm>
+            <a:off x="0" y="0"/>
+            <a:ext cx="2001068" cy="318986"/>
+          </a:xfrm>
+        </p:spPr>
+        <p:txBody>
+          <a:bodyPr>
+            <a:normAutofit/>
+          </a:bodyPr>
+          <a:lstStyle/>
+          <a:p>
+            <a:pPr algn="l"/>
+            <a:r>
+              <a:rPr lang="ja-JP" altLang="en-US" sz="1400" dirty="0">
+                <a:latin typeface="HGS明朝E" panose="02020900000000000000" pitchFamily="18" charset="-128"/>
+                <a:ea typeface="HGS明朝E" panose="02020900000000000000" pitchFamily="18" charset="-128"/>
+              </a:rPr>
+              <a:t>チケット予約システム</a:t>
+            </a:r>
+            <a:endParaRPr kumimoji="1" lang="ja-JP" altLang="en-US" sz="1400" dirty="0">
+              <a:latin typeface="HGS明朝E" panose="02020900000000000000" pitchFamily="18" charset="-128"/>
+              <a:ea typeface="HGS明朝E" panose="02020900000000000000" pitchFamily="18" charset="-128"/>
+            </a:endParaRPr>
+          </a:p>
+        </p:txBody>
+      </p:sp>
+      <p:pic>
+        <p:nvPicPr>
+          <p:cNvPr id="4" name="図 3" descr="黒い背景に白い文字がある&#10;&#10;低い精度で自動的に生成された説明">
+            <a:extLst>
+              <a:ext uri="{FF2B5EF4-FFF2-40B4-BE49-F238E27FC236}">
+                <a16:creationId xmlns:a16="http://schemas.microsoft.com/office/drawing/2014/main" id="{1D7553C7-1C37-8A93-D41D-FE779B8DCBA4}"/>
+              </a:ext>
+            </a:extLst>
+          </p:cNvPr>
+          <p:cNvPicPr>
+            <a:picLocks noChangeAspect="1"/>
+          </p:cNvPicPr>
+          <p:nvPr/>
+        </p:nvPicPr>
+        <p:blipFill>
+          <a:blip r:embed="rId2">
+            <a:extLst>
+              <a:ext uri="{28A0092B-C50C-407E-A947-70E740481C1C}">
+                <a14:useLocalDpi xmlns:a14="http://schemas.microsoft.com/office/drawing/2010/main" val="0"/>
+              </a:ext>
+            </a:extLst>
+          </a:blip>
+          <a:stretch>
+            <a:fillRect/>
+          </a:stretch>
+        </p:blipFill>
+        <p:spPr>
+          <a:xfrm>
+            <a:off x="9982230" y="121271"/>
+            <a:ext cx="2001068" cy="636703"/>
+          </a:xfrm>
+          <a:prstGeom prst="rect">
+            <a:avLst/>
+          </a:prstGeom>
+        </p:spPr>
+      </p:pic>
+      <p:cxnSp>
+        <p:nvCxnSpPr>
+          <p:cNvPr id="9" name="直線コネクタ 8">
+            <a:extLst>
+              <a:ext uri="{FF2B5EF4-FFF2-40B4-BE49-F238E27FC236}">
+                <a16:creationId xmlns:a16="http://schemas.microsoft.com/office/drawing/2014/main" id="{FC51F973-DE5E-9CCF-9370-F6D30857AB7D}"/>
+              </a:ext>
+            </a:extLst>
+          </p:cNvPr>
+          <p:cNvCxnSpPr>
+            <a:cxnSpLocks/>
+          </p:cNvCxnSpPr>
+          <p:nvPr/>
+        </p:nvCxnSpPr>
+        <p:spPr>
+          <a:xfrm>
+            <a:off x="0" y="757974"/>
+            <a:ext cx="9513651" cy="0"/>
+          </a:xfrm>
+          <a:prstGeom prst="line">
+            <a:avLst/>
+          </a:prstGeom>
+          <a:ln>
+            <a:solidFill>
+              <a:schemeClr val="accent1">
+                <a:lumMod val="50000"/>
+              </a:schemeClr>
+            </a:solidFill>
+          </a:ln>
+        </p:spPr>
+        <p:style>
+          <a:lnRef idx="2">
+            <a:schemeClr val="accent1"/>
+          </a:lnRef>
+          <a:fillRef idx="0">
+            <a:schemeClr val="accent1"/>
+          </a:fillRef>
+          <a:effectRef idx="1">
+            <a:schemeClr val="accent1"/>
+          </a:effectRef>
+          <a:fontRef idx="minor">
+            <a:schemeClr val="tx1"/>
+          </a:fontRef>
+        </p:style>
+      </p:cxnSp>
+      <p:sp>
+        <p:nvSpPr>
+          <p:cNvPr id="15" name="テキスト ボックス 14">
+            <a:extLst>
+              <a:ext uri="{FF2B5EF4-FFF2-40B4-BE49-F238E27FC236}">
+                <a16:creationId xmlns:a16="http://schemas.microsoft.com/office/drawing/2014/main" id="{EE63E43A-80D8-7A97-FE63-DD338F023E5D}"/>
+              </a:ext>
+            </a:extLst>
+          </p:cNvPr>
+          <p:cNvSpPr txBox="1"/>
+          <p:nvPr/>
+        </p:nvSpPr>
+        <p:spPr>
+          <a:xfrm>
+            <a:off x="1050587" y="233464"/>
+            <a:ext cx="8463063" cy="523220"/>
+          </a:xfrm>
+          <a:prstGeom prst="rect">
+            <a:avLst/>
+          </a:prstGeom>
+          <a:noFill/>
+        </p:spPr>
+        <p:txBody>
+          <a:bodyPr wrap="square" rtlCol="0">
+            <a:spAutoFit/>
+          </a:bodyPr>
+          <a:lstStyle/>
+          <a:p>
+            <a:r>
+              <a:rPr kumimoji="1" lang="en-US" altLang="ja-JP" sz="2800" dirty="0">
+                <a:latin typeface="HGS明朝E" panose="02020900000000000000" pitchFamily="18" charset="-128"/>
+                <a:ea typeface="HGS明朝E" panose="02020900000000000000" pitchFamily="18" charset="-128"/>
+              </a:rPr>
+              <a:t>Chapter 1 : </a:t>
+            </a:r>
+            <a:r>
+              <a:rPr kumimoji="1" lang="ja-JP" altLang="en-US" sz="2800" dirty="0">
+                <a:latin typeface="HGS明朝E" panose="02020900000000000000" pitchFamily="18" charset="-128"/>
+                <a:ea typeface="HGS明朝E" panose="02020900000000000000" pitchFamily="18" charset="-128"/>
+              </a:rPr>
+              <a:t>フロー概要（セッションチェック）</a:t>
+            </a:r>
+          </a:p>
+        </p:txBody>
+      </p:sp>
+      <p:sp>
+        <p:nvSpPr>
+          <p:cNvPr id="16" name="正方形/長方形 15">
+            <a:extLst>
+              <a:ext uri="{FF2B5EF4-FFF2-40B4-BE49-F238E27FC236}">
+                <a16:creationId xmlns:a16="http://schemas.microsoft.com/office/drawing/2014/main" id="{482C9F87-4181-D2EE-8DBB-7EEDD1075042}"/>
+              </a:ext>
+            </a:extLst>
+          </p:cNvPr>
+          <p:cNvSpPr/>
+          <p:nvPr/>
+        </p:nvSpPr>
+        <p:spPr>
+          <a:xfrm>
+            <a:off x="126460" y="904672"/>
+            <a:ext cx="11955293" cy="5832053"/>
+          </a:xfrm>
+          <a:prstGeom prst="rect">
+            <a:avLst/>
+          </a:prstGeom>
+          <a:solidFill>
+            <a:schemeClr val="bg1">
+              <a:lumMod val="95000"/>
+            </a:schemeClr>
+          </a:solidFill>
+          <a:ln>
+            <a:solidFill>
+              <a:schemeClr val="accent1">
+                <a:lumMod val="50000"/>
+              </a:schemeClr>
+            </a:solidFill>
+          </a:ln>
+        </p:spPr>
+        <p:style>
+          <a:lnRef idx="2">
+            <a:schemeClr val="accent1">
+              <a:shade val="15000"/>
+            </a:schemeClr>
+          </a:lnRef>
+          <a:fillRef idx="1">
+            <a:schemeClr val="accent1"/>
+          </a:fillRef>
+          <a:effectRef idx="0">
+            <a:schemeClr val="accent1"/>
+          </a:effectRef>
+          <a:fontRef idx="minor">
+            <a:schemeClr val="lt1"/>
+          </a:fontRef>
+        </p:style>
+        <p:txBody>
+          <a:bodyPr rtlCol="0" anchor="ctr"/>
+          <a:lstStyle/>
+          <a:p>
+            <a:pPr algn="ctr"/>
+            <a:endParaRPr kumimoji="1" lang="ja-JP" altLang="en-US"/>
+          </a:p>
+        </p:txBody>
+      </p:sp>
+      <p:sp>
+        <p:nvSpPr>
+          <p:cNvPr id="5" name="正方形/長方形 4">
+            <a:extLst>
+              <a:ext uri="{FF2B5EF4-FFF2-40B4-BE49-F238E27FC236}">
+                <a16:creationId xmlns:a16="http://schemas.microsoft.com/office/drawing/2014/main" id="{1ED67CE1-7C75-5ED7-7DC3-2F1338D44402}"/>
+              </a:ext>
+            </a:extLst>
+          </p:cNvPr>
+          <p:cNvSpPr/>
+          <p:nvPr/>
+        </p:nvSpPr>
+        <p:spPr>
+          <a:xfrm>
+            <a:off x="431828" y="4900559"/>
+            <a:ext cx="2444486" cy="1689907"/>
+          </a:xfrm>
+          <a:prstGeom prst="rect">
+            <a:avLst/>
+          </a:prstGeom>
+          <a:solidFill>
+            <a:srgbClr val="FFFF00"/>
+          </a:solidFill>
+          <a:ln w="28575">
+            <a:solidFill>
+              <a:schemeClr val="accent2">
+                <a:lumMod val="75000"/>
+              </a:schemeClr>
+            </a:solidFill>
+          </a:ln>
+        </p:spPr>
+        <p:style>
+          <a:lnRef idx="2">
+            <a:schemeClr val="accent1">
+              <a:shade val="15000"/>
+            </a:schemeClr>
+          </a:lnRef>
+          <a:fillRef idx="1">
+            <a:schemeClr val="accent1"/>
+          </a:fillRef>
+          <a:effectRef idx="0">
+            <a:schemeClr val="accent1"/>
+          </a:effectRef>
+          <a:fontRef idx="minor">
+            <a:schemeClr val="lt1"/>
+          </a:fontRef>
+        </p:style>
+        <p:txBody>
+          <a:bodyPr rtlCol="0" anchor="t"/>
+          <a:lstStyle/>
+          <a:p>
+            <a:r>
+              <a:rPr lang="ja-JP" altLang="en-US" sz="1100" dirty="0">
+                <a:solidFill>
+                  <a:schemeClr val="tx1"/>
+                </a:solidFill>
+              </a:rPr>
+              <a:t>セッション変数</a:t>
+            </a:r>
+            <a:endParaRPr lang="en-US" altLang="ja-JP" sz="1100" dirty="0">
+              <a:solidFill>
+                <a:schemeClr val="tx1"/>
+              </a:solidFill>
+            </a:endParaRPr>
+          </a:p>
+          <a:p>
+            <a:pPr marL="171450" indent="-171450">
+              <a:buFontTx/>
+              <a:buChar char="-"/>
+            </a:pPr>
+            <a:r>
+              <a:rPr lang="en-US" altLang="ja-JP" sz="1100" dirty="0" err="1">
+                <a:solidFill>
+                  <a:schemeClr val="tx1"/>
+                </a:solidFill>
+              </a:rPr>
+              <a:t>userSession</a:t>
+            </a:r>
+            <a:endParaRPr lang="en-US" altLang="ja-JP" sz="1100" dirty="0">
+              <a:solidFill>
+                <a:schemeClr val="tx1"/>
+              </a:solidFill>
+            </a:endParaRPr>
+          </a:p>
+          <a:p>
+            <a:pPr marL="171450" indent="-171450">
+              <a:buFontTx/>
+              <a:buChar char="-"/>
+            </a:pPr>
+            <a:r>
+              <a:rPr lang="en-US" altLang="ja-JP" sz="1100" dirty="0" err="1">
+                <a:solidFill>
+                  <a:schemeClr val="tx1"/>
+                </a:solidFill>
+              </a:rPr>
+              <a:t>defStSession</a:t>
+            </a:r>
+            <a:endParaRPr lang="en-US" altLang="ja-JP" sz="1100" dirty="0">
+              <a:solidFill>
+                <a:schemeClr val="tx1"/>
+              </a:solidFill>
+            </a:endParaRPr>
+          </a:p>
+          <a:p>
+            <a:pPr marL="171450" indent="-171450">
+              <a:buFontTx/>
+              <a:buChar char="-"/>
+            </a:pPr>
+            <a:endParaRPr lang="en-US" altLang="ja-JP" sz="1100" dirty="0">
+              <a:solidFill>
+                <a:schemeClr val="tx1"/>
+              </a:solidFill>
+            </a:endParaRPr>
+          </a:p>
+          <a:p>
+            <a:r>
+              <a:rPr lang="ja-JP" altLang="en-US" sz="1100" dirty="0">
+                <a:solidFill>
+                  <a:schemeClr val="tx1"/>
+                </a:solidFill>
+              </a:rPr>
+              <a:t>モード</a:t>
+            </a:r>
+            <a:endParaRPr lang="en-US" altLang="ja-JP" sz="1100" dirty="0">
+              <a:solidFill>
+                <a:schemeClr val="tx1"/>
+              </a:solidFill>
+            </a:endParaRPr>
+          </a:p>
+          <a:p>
+            <a:pPr marL="171450" indent="-171450">
+              <a:buFontTx/>
+              <a:buChar char="-"/>
+            </a:pPr>
+            <a:r>
+              <a:rPr lang="en-US" altLang="ja-JP" sz="1100" dirty="0" err="1">
+                <a:solidFill>
+                  <a:schemeClr val="tx1"/>
+                </a:solidFill>
+              </a:rPr>
+              <a:t>sysUser</a:t>
+            </a:r>
+            <a:r>
+              <a:rPr lang="ja-JP" altLang="en-US" sz="1100" dirty="0">
+                <a:solidFill>
+                  <a:schemeClr val="tx1"/>
+                </a:solidFill>
+              </a:rPr>
+              <a:t>（管理者）</a:t>
+            </a:r>
+            <a:endParaRPr lang="en-US" altLang="ja-JP" sz="1100" dirty="0">
+              <a:solidFill>
+                <a:schemeClr val="tx1"/>
+              </a:solidFill>
+            </a:endParaRPr>
+          </a:p>
+          <a:p>
+            <a:pPr marL="171450" indent="-171450">
+              <a:buFontTx/>
+              <a:buChar char="-"/>
+            </a:pPr>
+            <a:r>
+              <a:rPr lang="en-US" altLang="ja-JP" sz="1100" dirty="0" err="1">
+                <a:solidFill>
+                  <a:schemeClr val="tx1"/>
+                </a:solidFill>
+              </a:rPr>
+              <a:t>custUser</a:t>
+            </a:r>
+            <a:r>
+              <a:rPr lang="ja-JP" altLang="en-US" sz="1100" dirty="0">
+                <a:solidFill>
+                  <a:schemeClr val="tx1"/>
+                </a:solidFill>
+              </a:rPr>
+              <a:t>（予約者）</a:t>
+            </a:r>
+            <a:endParaRPr lang="en-US" altLang="ja-JP" sz="1100" dirty="0">
+              <a:solidFill>
+                <a:schemeClr val="tx1"/>
+              </a:solidFill>
+            </a:endParaRPr>
+          </a:p>
+          <a:p>
+            <a:pPr marL="171450" indent="-171450">
+              <a:buFontTx/>
+              <a:buChar char="-"/>
+            </a:pPr>
+            <a:r>
+              <a:rPr lang="en-US" altLang="ja-JP" sz="1100" dirty="0" err="1">
+                <a:solidFill>
+                  <a:schemeClr val="tx1"/>
+                </a:solidFill>
+              </a:rPr>
+              <a:t>doubleUser</a:t>
+            </a:r>
+            <a:r>
+              <a:rPr lang="ja-JP" altLang="en-US" sz="1100" dirty="0">
+                <a:solidFill>
+                  <a:schemeClr val="tx1"/>
+                </a:solidFill>
+              </a:rPr>
+              <a:t>（管理者・予約者）</a:t>
+            </a:r>
+            <a:endParaRPr lang="en-US" altLang="ja-JP" sz="1100" dirty="0">
+              <a:solidFill>
+                <a:schemeClr val="tx1"/>
+              </a:solidFill>
+            </a:endParaRPr>
+          </a:p>
+          <a:p>
+            <a:endParaRPr kumimoji="1" lang="ja-JP" altLang="en-US" sz="1100" dirty="0">
+              <a:solidFill>
+                <a:schemeClr val="tx1"/>
+              </a:solidFill>
+            </a:endParaRPr>
+          </a:p>
+        </p:txBody>
+      </p:sp>
+      <p:sp>
+        <p:nvSpPr>
+          <p:cNvPr id="2" name="正方形/長方形 1">
+            <a:extLst>
+              <a:ext uri="{FF2B5EF4-FFF2-40B4-BE49-F238E27FC236}">
+                <a16:creationId xmlns:a16="http://schemas.microsoft.com/office/drawing/2014/main" id="{6ADF1AEC-36C4-6220-57C4-600F69767D36}"/>
+              </a:ext>
+            </a:extLst>
+          </p:cNvPr>
+          <p:cNvSpPr/>
+          <p:nvPr/>
+        </p:nvSpPr>
+        <p:spPr>
+          <a:xfrm>
+            <a:off x="1050587" y="1838500"/>
+            <a:ext cx="1798984" cy="523220"/>
+          </a:xfrm>
+          <a:prstGeom prst="rect">
+            <a:avLst/>
+          </a:prstGeom>
+          <a:solidFill>
+            <a:schemeClr val="accent1">
+              <a:lumMod val="20000"/>
+              <a:lumOff val="80000"/>
+            </a:schemeClr>
+          </a:solidFill>
+        </p:spPr>
+        <p:style>
+          <a:lnRef idx="2">
+            <a:schemeClr val="accent1">
+              <a:shade val="15000"/>
+            </a:schemeClr>
+          </a:lnRef>
+          <a:fillRef idx="1">
+            <a:schemeClr val="accent1"/>
+          </a:fillRef>
+          <a:effectRef idx="0">
+            <a:schemeClr val="accent1"/>
+          </a:effectRef>
+          <a:fontRef idx="minor">
+            <a:schemeClr val="lt1"/>
+          </a:fontRef>
+        </p:style>
+        <p:txBody>
+          <a:bodyPr rtlCol="0" anchor="ctr"/>
+          <a:lstStyle/>
+          <a:p>
+            <a:pPr algn="ctr"/>
+            <a:r>
+              <a:rPr kumimoji="1" lang="ja-JP" altLang="en-US" sz="900" dirty="0">
+                <a:solidFill>
+                  <a:schemeClr val="tx1"/>
+                </a:solidFill>
+              </a:rPr>
+              <a:t>システム</a:t>
+            </a:r>
+            <a:r>
+              <a:rPr kumimoji="1" lang="en-US" altLang="ja-JP" sz="900" dirty="0">
+                <a:solidFill>
+                  <a:schemeClr val="tx1"/>
+                </a:solidFill>
+              </a:rPr>
+              <a:t>URL</a:t>
+            </a:r>
+            <a:r>
+              <a:rPr kumimoji="1" lang="ja-JP" altLang="en-US" sz="900" dirty="0">
+                <a:solidFill>
+                  <a:schemeClr val="tx1"/>
+                </a:solidFill>
+              </a:rPr>
+              <a:t>にアクセス</a:t>
+            </a:r>
+          </a:p>
+        </p:txBody>
+      </p:sp>
+      <p:sp>
+        <p:nvSpPr>
+          <p:cNvPr id="7" name="フローチャート: 判断 6">
+            <a:extLst>
+              <a:ext uri="{FF2B5EF4-FFF2-40B4-BE49-F238E27FC236}">
+                <a16:creationId xmlns:a16="http://schemas.microsoft.com/office/drawing/2014/main" id="{574076E3-426F-06C5-294C-C534AE64A27B}"/>
+              </a:ext>
+            </a:extLst>
+          </p:cNvPr>
+          <p:cNvSpPr/>
+          <p:nvPr/>
+        </p:nvSpPr>
+        <p:spPr>
+          <a:xfrm>
+            <a:off x="3744298" y="1714998"/>
+            <a:ext cx="2464904" cy="770224"/>
+          </a:xfrm>
+          <a:prstGeom prst="flowChartDecision">
+            <a:avLst/>
+          </a:prstGeom>
+          <a:solidFill>
+            <a:schemeClr val="accent1">
+              <a:lumMod val="20000"/>
+              <a:lumOff val="80000"/>
+            </a:schemeClr>
+          </a:solidFill>
+        </p:spPr>
+        <p:style>
+          <a:lnRef idx="2">
+            <a:schemeClr val="accent1">
+              <a:shade val="15000"/>
+            </a:schemeClr>
+          </a:lnRef>
+          <a:fillRef idx="1">
+            <a:schemeClr val="accent1"/>
+          </a:fillRef>
+          <a:effectRef idx="0">
+            <a:schemeClr val="accent1"/>
+          </a:effectRef>
+          <a:fontRef idx="minor">
+            <a:schemeClr val="lt1"/>
+          </a:fontRef>
+        </p:style>
+        <p:txBody>
+          <a:bodyPr rtlCol="0" anchor="ctr"/>
+          <a:lstStyle/>
+          <a:p>
+            <a:pPr algn="ctr"/>
+            <a:r>
+              <a:rPr kumimoji="1" lang="ja-JP" altLang="en-US" sz="900" dirty="0">
+                <a:solidFill>
+                  <a:schemeClr val="tx1"/>
+                </a:solidFill>
+              </a:rPr>
+              <a:t>セッションにログイン情報はあるか？</a:t>
+            </a:r>
+          </a:p>
+        </p:txBody>
+      </p:sp>
+      <p:cxnSp>
+        <p:nvCxnSpPr>
+          <p:cNvPr id="10" name="直線矢印コネクタ 9">
+            <a:extLst>
+              <a:ext uri="{FF2B5EF4-FFF2-40B4-BE49-F238E27FC236}">
+                <a16:creationId xmlns:a16="http://schemas.microsoft.com/office/drawing/2014/main" id="{15F6FB7B-CBA4-EDC6-F19A-CCAE20295FD1}"/>
+              </a:ext>
+            </a:extLst>
+          </p:cNvPr>
+          <p:cNvCxnSpPr>
+            <a:stCxn id="2" idx="3"/>
+            <a:endCxn id="7" idx="1"/>
+          </p:cNvCxnSpPr>
+          <p:nvPr/>
+        </p:nvCxnSpPr>
+        <p:spPr>
+          <a:xfrm>
+            <a:off x="2849571" y="2100110"/>
+            <a:ext cx="894727" cy="0"/>
+          </a:xfrm>
+          <a:prstGeom prst="straightConnector1">
+            <a:avLst/>
+          </a:prstGeom>
+          <a:ln w="28575">
+            <a:tailEnd type="triangle"/>
+          </a:ln>
+        </p:spPr>
+        <p:style>
+          <a:lnRef idx="1">
+            <a:schemeClr val="accent1"/>
+          </a:lnRef>
+          <a:fillRef idx="0">
+            <a:schemeClr val="accent1"/>
+          </a:fillRef>
+          <a:effectRef idx="0">
+            <a:schemeClr val="accent1"/>
+          </a:effectRef>
+          <a:fontRef idx="minor">
+            <a:schemeClr val="tx1"/>
+          </a:fontRef>
+        </p:style>
+      </p:cxnSp>
+      <p:sp>
+        <p:nvSpPr>
+          <p:cNvPr id="12" name="正方形/長方形 11">
+            <a:extLst>
+              <a:ext uri="{FF2B5EF4-FFF2-40B4-BE49-F238E27FC236}">
+                <a16:creationId xmlns:a16="http://schemas.microsoft.com/office/drawing/2014/main" id="{97BAFBAF-EB80-BE36-3F46-DCA6D2AA2231}"/>
+              </a:ext>
+            </a:extLst>
+          </p:cNvPr>
+          <p:cNvSpPr/>
+          <p:nvPr/>
+        </p:nvSpPr>
+        <p:spPr>
+          <a:xfrm>
+            <a:off x="7247478" y="1843913"/>
+            <a:ext cx="1798984" cy="523220"/>
+          </a:xfrm>
+          <a:prstGeom prst="rect">
+            <a:avLst/>
+          </a:prstGeom>
+          <a:solidFill>
+            <a:schemeClr val="accent6">
+              <a:lumMod val="20000"/>
+              <a:lumOff val="80000"/>
+            </a:schemeClr>
+          </a:solidFill>
+        </p:spPr>
+        <p:style>
+          <a:lnRef idx="2">
+            <a:schemeClr val="accent1">
+              <a:shade val="15000"/>
+            </a:schemeClr>
+          </a:lnRef>
+          <a:fillRef idx="1">
+            <a:schemeClr val="accent1"/>
+          </a:fillRef>
+          <a:effectRef idx="0">
+            <a:schemeClr val="accent1"/>
+          </a:effectRef>
+          <a:fontRef idx="minor">
+            <a:schemeClr val="lt1"/>
+          </a:fontRef>
+        </p:style>
+        <p:txBody>
+          <a:bodyPr rtlCol="0" anchor="ctr"/>
+          <a:lstStyle/>
+          <a:p>
+            <a:pPr algn="ctr"/>
+            <a:r>
+              <a:rPr kumimoji="1" lang="ja-JP" altLang="en-US" sz="900" dirty="0">
+                <a:solidFill>
+                  <a:schemeClr val="tx1"/>
+                </a:solidFill>
+              </a:rPr>
+              <a:t>各種ページ</a:t>
+            </a:r>
+            <a:endParaRPr kumimoji="1" lang="en-US" altLang="ja-JP" sz="900" dirty="0">
+              <a:solidFill>
+                <a:schemeClr val="tx1"/>
+              </a:solidFill>
+            </a:endParaRPr>
+          </a:p>
+          <a:p>
+            <a:pPr algn="ctr"/>
+            <a:r>
+              <a:rPr lang="ja-JP" altLang="en-US" sz="900" dirty="0">
+                <a:solidFill>
+                  <a:schemeClr val="tx1"/>
+                </a:solidFill>
+              </a:rPr>
+              <a:t>（予約者、管理者）</a:t>
+            </a:r>
+            <a:endParaRPr kumimoji="1" lang="en-US" altLang="ja-JP" sz="900" dirty="0">
+              <a:solidFill>
+                <a:schemeClr val="tx1"/>
+              </a:solidFill>
+            </a:endParaRPr>
+          </a:p>
+        </p:txBody>
+      </p:sp>
+      <p:cxnSp>
+        <p:nvCxnSpPr>
+          <p:cNvPr id="13" name="直線矢印コネクタ 12">
+            <a:extLst>
+              <a:ext uri="{FF2B5EF4-FFF2-40B4-BE49-F238E27FC236}">
+                <a16:creationId xmlns:a16="http://schemas.microsoft.com/office/drawing/2014/main" id="{1A328D42-B5AE-30AD-A5D4-54A8D90F1EF1}"/>
+              </a:ext>
+            </a:extLst>
+          </p:cNvPr>
+          <p:cNvCxnSpPr>
+            <a:cxnSpLocks/>
+            <a:stCxn id="7" idx="3"/>
+            <a:endCxn id="12" idx="1"/>
+          </p:cNvCxnSpPr>
+          <p:nvPr/>
+        </p:nvCxnSpPr>
+        <p:spPr>
+          <a:xfrm>
+            <a:off x="6209202" y="2100110"/>
+            <a:ext cx="1038276" cy="5413"/>
+          </a:xfrm>
+          <a:prstGeom prst="straightConnector1">
+            <a:avLst/>
+          </a:prstGeom>
+          <a:ln w="28575">
+            <a:tailEnd type="triangle"/>
+          </a:ln>
+        </p:spPr>
+        <p:style>
+          <a:lnRef idx="1">
+            <a:schemeClr val="accent1"/>
+          </a:lnRef>
+          <a:fillRef idx="0">
+            <a:schemeClr val="accent1"/>
+          </a:fillRef>
+          <a:effectRef idx="0">
+            <a:schemeClr val="accent1"/>
+          </a:effectRef>
+          <a:fontRef idx="minor">
+            <a:schemeClr val="tx1"/>
+          </a:fontRef>
+        </p:style>
+      </p:cxnSp>
+      <p:sp>
+        <p:nvSpPr>
+          <p:cNvPr id="18" name="正方形/長方形 17">
+            <a:extLst>
+              <a:ext uri="{FF2B5EF4-FFF2-40B4-BE49-F238E27FC236}">
+                <a16:creationId xmlns:a16="http://schemas.microsoft.com/office/drawing/2014/main" id="{F47FF583-3E2E-8A80-5EF7-1F0DC3C0A459}"/>
+              </a:ext>
+            </a:extLst>
+          </p:cNvPr>
+          <p:cNvSpPr/>
+          <p:nvPr/>
+        </p:nvSpPr>
+        <p:spPr>
+          <a:xfrm>
+            <a:off x="4077258" y="3235010"/>
+            <a:ext cx="1798984" cy="523220"/>
+          </a:xfrm>
+          <a:prstGeom prst="rect">
+            <a:avLst/>
+          </a:prstGeom>
+          <a:solidFill>
+            <a:schemeClr val="accent1">
+              <a:lumMod val="20000"/>
+              <a:lumOff val="80000"/>
+            </a:schemeClr>
+          </a:solidFill>
+        </p:spPr>
+        <p:style>
+          <a:lnRef idx="2">
+            <a:schemeClr val="accent1">
+              <a:shade val="15000"/>
+            </a:schemeClr>
+          </a:lnRef>
+          <a:fillRef idx="1">
+            <a:schemeClr val="accent1"/>
+          </a:fillRef>
+          <a:effectRef idx="0">
+            <a:schemeClr val="accent1"/>
+          </a:effectRef>
+          <a:fontRef idx="minor">
+            <a:schemeClr val="lt1"/>
+          </a:fontRef>
+        </p:style>
+        <p:txBody>
+          <a:bodyPr rtlCol="0" anchor="ctr"/>
+          <a:lstStyle/>
+          <a:p>
+            <a:pPr algn="ctr"/>
+            <a:r>
+              <a:rPr kumimoji="1" lang="ja-JP" altLang="en-US" sz="900" dirty="0">
+                <a:solidFill>
+                  <a:schemeClr val="tx1"/>
+                </a:solidFill>
+              </a:rPr>
+              <a:t>ログインページ</a:t>
+            </a:r>
+          </a:p>
+        </p:txBody>
+      </p:sp>
+      <p:cxnSp>
+        <p:nvCxnSpPr>
+          <p:cNvPr id="19" name="直線矢印コネクタ 18">
+            <a:extLst>
+              <a:ext uri="{FF2B5EF4-FFF2-40B4-BE49-F238E27FC236}">
+                <a16:creationId xmlns:a16="http://schemas.microsoft.com/office/drawing/2014/main" id="{DD72B9C2-9EB5-94E5-7E4D-E2563FC57631}"/>
+              </a:ext>
+            </a:extLst>
+          </p:cNvPr>
+          <p:cNvCxnSpPr>
+            <a:cxnSpLocks/>
+            <a:stCxn id="7" idx="2"/>
+            <a:endCxn id="18" idx="0"/>
+          </p:cNvCxnSpPr>
+          <p:nvPr/>
+        </p:nvCxnSpPr>
+        <p:spPr>
+          <a:xfrm>
+            <a:off x="4976750" y="2485222"/>
+            <a:ext cx="0" cy="749788"/>
+          </a:xfrm>
+          <a:prstGeom prst="straightConnector1">
+            <a:avLst/>
+          </a:prstGeom>
+          <a:ln w="28575">
+            <a:tailEnd type="triangle"/>
+          </a:ln>
+        </p:spPr>
+        <p:style>
+          <a:lnRef idx="1">
+            <a:schemeClr val="accent1"/>
+          </a:lnRef>
+          <a:fillRef idx="0">
+            <a:schemeClr val="accent1"/>
+          </a:fillRef>
+          <a:effectRef idx="0">
+            <a:schemeClr val="accent1"/>
+          </a:effectRef>
+          <a:fontRef idx="minor">
+            <a:schemeClr val="tx1"/>
+          </a:fontRef>
+        </p:style>
+      </p:cxnSp>
+      <p:cxnSp>
+        <p:nvCxnSpPr>
+          <p:cNvPr id="34" name="コネクタ: 曲線 33">
+            <a:extLst>
+              <a:ext uri="{FF2B5EF4-FFF2-40B4-BE49-F238E27FC236}">
+                <a16:creationId xmlns:a16="http://schemas.microsoft.com/office/drawing/2014/main" id="{D2A0EB2A-9FFB-27D1-EDAC-5148218017DE}"/>
+              </a:ext>
+            </a:extLst>
+          </p:cNvPr>
+          <p:cNvCxnSpPr>
+            <a:stCxn id="18" idx="1"/>
+            <a:endCxn id="7" idx="1"/>
+          </p:cNvCxnSpPr>
+          <p:nvPr/>
+        </p:nvCxnSpPr>
+        <p:spPr>
+          <a:xfrm rot="10800000">
+            <a:off x="3744298" y="2100110"/>
+            <a:ext cx="332960" cy="1396510"/>
+          </a:xfrm>
+          <a:prstGeom prst="curvedConnector3">
+            <a:avLst>
+              <a:gd name="adj1" fmla="val 168657"/>
+            </a:avLst>
+          </a:prstGeom>
+          <a:ln w="28575">
+            <a:tailEnd type="triangle"/>
+          </a:ln>
+        </p:spPr>
+        <p:style>
+          <a:lnRef idx="1">
+            <a:schemeClr val="accent1"/>
+          </a:lnRef>
+          <a:fillRef idx="0">
+            <a:schemeClr val="accent1"/>
+          </a:fillRef>
+          <a:effectRef idx="0">
+            <a:schemeClr val="accent1"/>
+          </a:effectRef>
+          <a:fontRef idx="minor">
+            <a:schemeClr val="tx1"/>
+          </a:fontRef>
+        </p:style>
+      </p:cxnSp>
+      <p:sp>
+        <p:nvSpPr>
+          <p:cNvPr id="35" name="テキスト ボックス 34">
+            <a:extLst>
+              <a:ext uri="{FF2B5EF4-FFF2-40B4-BE49-F238E27FC236}">
+                <a16:creationId xmlns:a16="http://schemas.microsoft.com/office/drawing/2014/main" id="{383AB9DF-30E4-31A5-43F7-E322AD859741}"/>
+              </a:ext>
+            </a:extLst>
+          </p:cNvPr>
+          <p:cNvSpPr txBox="1"/>
+          <p:nvPr/>
+        </p:nvSpPr>
+        <p:spPr>
+          <a:xfrm>
+            <a:off x="4362688" y="2686949"/>
+            <a:ext cx="536713" cy="230832"/>
+          </a:xfrm>
+          <a:prstGeom prst="rect">
+            <a:avLst/>
+          </a:prstGeom>
+          <a:solidFill>
+            <a:schemeClr val="accent4">
+              <a:lumMod val="20000"/>
+              <a:lumOff val="80000"/>
+            </a:schemeClr>
+          </a:solidFill>
+        </p:spPr>
+        <p:txBody>
+          <a:bodyPr wrap="square" rtlCol="0">
+            <a:spAutoFit/>
+          </a:bodyPr>
+          <a:lstStyle/>
+          <a:p>
+            <a:pPr algn="ctr"/>
+            <a:r>
+              <a:rPr kumimoji="1" lang="ja-JP" altLang="en-US" sz="900" dirty="0"/>
+              <a:t>ない</a:t>
+            </a:r>
+          </a:p>
+        </p:txBody>
+      </p:sp>
+      <p:sp>
+        <p:nvSpPr>
+          <p:cNvPr id="36" name="テキスト ボックス 35">
+            <a:extLst>
+              <a:ext uri="{FF2B5EF4-FFF2-40B4-BE49-F238E27FC236}">
+                <a16:creationId xmlns:a16="http://schemas.microsoft.com/office/drawing/2014/main" id="{DB373871-D2B2-90DD-C351-202ACE773E79}"/>
+              </a:ext>
+            </a:extLst>
+          </p:cNvPr>
+          <p:cNvSpPr txBox="1"/>
+          <p:nvPr/>
+        </p:nvSpPr>
+        <p:spPr>
+          <a:xfrm>
+            <a:off x="6436982" y="1838500"/>
+            <a:ext cx="536713" cy="230832"/>
+          </a:xfrm>
+          <a:prstGeom prst="rect">
+            <a:avLst/>
+          </a:prstGeom>
+          <a:solidFill>
+            <a:schemeClr val="accent4">
+              <a:lumMod val="20000"/>
+              <a:lumOff val="80000"/>
+            </a:schemeClr>
+          </a:solidFill>
+        </p:spPr>
+        <p:txBody>
+          <a:bodyPr wrap="square" rtlCol="0">
+            <a:spAutoFit/>
+          </a:bodyPr>
+          <a:lstStyle/>
+          <a:p>
+            <a:pPr algn="ctr"/>
+            <a:r>
+              <a:rPr kumimoji="1" lang="ja-JP" altLang="en-US" sz="900" dirty="0"/>
+              <a:t>ある</a:t>
+            </a:r>
+          </a:p>
+        </p:txBody>
+      </p:sp>
+      <p:sp>
+        <p:nvSpPr>
+          <p:cNvPr id="37" name="テキスト ボックス 36">
+            <a:extLst>
+              <a:ext uri="{FF2B5EF4-FFF2-40B4-BE49-F238E27FC236}">
+                <a16:creationId xmlns:a16="http://schemas.microsoft.com/office/drawing/2014/main" id="{48ABAA54-5A2B-1F6E-C04B-1C9234F7449A}"/>
+              </a:ext>
+            </a:extLst>
+          </p:cNvPr>
+          <p:cNvSpPr txBox="1"/>
+          <p:nvPr/>
+        </p:nvSpPr>
+        <p:spPr>
+          <a:xfrm>
+            <a:off x="2600347" y="2942588"/>
+            <a:ext cx="894726" cy="230832"/>
+          </a:xfrm>
+          <a:prstGeom prst="rect">
+            <a:avLst/>
+          </a:prstGeom>
+          <a:solidFill>
+            <a:schemeClr val="accent4">
+              <a:lumMod val="20000"/>
+              <a:lumOff val="80000"/>
+            </a:schemeClr>
+          </a:solidFill>
+        </p:spPr>
+        <p:txBody>
+          <a:bodyPr wrap="square" rtlCol="0">
+            <a:spAutoFit/>
+          </a:bodyPr>
+          <a:lstStyle/>
+          <a:p>
+            <a:pPr algn="ctr"/>
+            <a:r>
+              <a:rPr kumimoji="1" lang="ja-JP" altLang="en-US" sz="900" dirty="0"/>
+              <a:t>ログイン失敗</a:t>
+            </a:r>
+          </a:p>
+        </p:txBody>
+      </p:sp>
+      <p:sp>
+        <p:nvSpPr>
+          <p:cNvPr id="38" name="フローチャート: 判断 37">
+            <a:extLst>
+              <a:ext uri="{FF2B5EF4-FFF2-40B4-BE49-F238E27FC236}">
+                <a16:creationId xmlns:a16="http://schemas.microsoft.com/office/drawing/2014/main" id="{C5681D35-7CBB-0A94-8A8D-130A3FCD16BA}"/>
+              </a:ext>
+            </a:extLst>
+          </p:cNvPr>
+          <p:cNvSpPr/>
+          <p:nvPr/>
+        </p:nvSpPr>
+        <p:spPr>
+          <a:xfrm>
+            <a:off x="3744298" y="4508016"/>
+            <a:ext cx="2464904" cy="770224"/>
+          </a:xfrm>
+          <a:prstGeom prst="flowChartDecision">
+            <a:avLst/>
+          </a:prstGeom>
+          <a:solidFill>
+            <a:schemeClr val="accent1">
+              <a:lumMod val="20000"/>
+              <a:lumOff val="80000"/>
+            </a:schemeClr>
+          </a:solidFill>
+        </p:spPr>
+        <p:style>
+          <a:lnRef idx="2">
+            <a:schemeClr val="accent1">
+              <a:shade val="15000"/>
+            </a:schemeClr>
+          </a:lnRef>
+          <a:fillRef idx="1">
+            <a:schemeClr val="accent1"/>
+          </a:fillRef>
+          <a:effectRef idx="0">
+            <a:schemeClr val="accent1"/>
+          </a:effectRef>
+          <a:fontRef idx="minor">
+            <a:schemeClr val="lt1"/>
+          </a:fontRef>
+        </p:style>
+        <p:txBody>
+          <a:bodyPr rtlCol="0" anchor="ctr"/>
+          <a:lstStyle/>
+          <a:p>
+            <a:pPr algn="ctr"/>
+            <a:r>
+              <a:rPr lang="ja-JP" altLang="en-US" sz="900" dirty="0">
+                <a:solidFill>
+                  <a:schemeClr val="tx1"/>
+                </a:solidFill>
+              </a:rPr>
+              <a:t>ユーザー登録情報に応じて処理が分岐</a:t>
+            </a:r>
+            <a:endParaRPr kumimoji="1" lang="ja-JP" altLang="en-US" sz="900" dirty="0">
+              <a:solidFill>
+                <a:schemeClr val="tx1"/>
+              </a:solidFill>
+            </a:endParaRPr>
+          </a:p>
+        </p:txBody>
+      </p:sp>
+      <p:cxnSp>
+        <p:nvCxnSpPr>
+          <p:cNvPr id="39" name="直線矢印コネクタ 38">
+            <a:extLst>
+              <a:ext uri="{FF2B5EF4-FFF2-40B4-BE49-F238E27FC236}">
+                <a16:creationId xmlns:a16="http://schemas.microsoft.com/office/drawing/2014/main" id="{8975A67B-6C92-01D2-A4EE-94882D78E066}"/>
+              </a:ext>
+            </a:extLst>
+          </p:cNvPr>
+          <p:cNvCxnSpPr>
+            <a:cxnSpLocks/>
+            <a:stCxn id="18" idx="2"/>
+            <a:endCxn id="38" idx="0"/>
+          </p:cNvCxnSpPr>
+          <p:nvPr/>
+        </p:nvCxnSpPr>
+        <p:spPr>
+          <a:xfrm>
+            <a:off x="4976750" y="3758230"/>
+            <a:ext cx="0" cy="749786"/>
+          </a:xfrm>
+          <a:prstGeom prst="straightConnector1">
+            <a:avLst/>
+          </a:prstGeom>
+          <a:ln w="28575">
+            <a:tailEnd type="triangle"/>
+          </a:ln>
+        </p:spPr>
+        <p:style>
+          <a:lnRef idx="1">
+            <a:schemeClr val="accent1"/>
+          </a:lnRef>
+          <a:fillRef idx="0">
+            <a:schemeClr val="accent1"/>
+          </a:fillRef>
+          <a:effectRef idx="0">
+            <a:schemeClr val="accent1"/>
+          </a:effectRef>
+          <a:fontRef idx="minor">
+            <a:schemeClr val="tx1"/>
+          </a:fontRef>
+        </p:style>
+      </p:cxnSp>
+      <p:sp>
+        <p:nvSpPr>
+          <p:cNvPr id="42" name="テキスト ボックス 41">
+            <a:extLst>
+              <a:ext uri="{FF2B5EF4-FFF2-40B4-BE49-F238E27FC236}">
+                <a16:creationId xmlns:a16="http://schemas.microsoft.com/office/drawing/2014/main" id="{A8937C3E-3159-1E98-0770-3A74CAE7D00C}"/>
+              </a:ext>
+            </a:extLst>
+          </p:cNvPr>
+          <p:cNvSpPr txBox="1"/>
+          <p:nvPr/>
+        </p:nvSpPr>
+        <p:spPr>
+          <a:xfrm>
+            <a:off x="4003463" y="4074878"/>
+            <a:ext cx="874526" cy="230832"/>
+          </a:xfrm>
+          <a:prstGeom prst="rect">
+            <a:avLst/>
+          </a:prstGeom>
+          <a:solidFill>
+            <a:schemeClr val="accent4">
+              <a:lumMod val="20000"/>
+              <a:lumOff val="80000"/>
+            </a:schemeClr>
+          </a:solidFill>
+        </p:spPr>
+        <p:txBody>
+          <a:bodyPr wrap="square" rtlCol="0">
+            <a:spAutoFit/>
+          </a:bodyPr>
+          <a:lstStyle/>
+          <a:p>
+            <a:pPr algn="ctr"/>
+            <a:r>
+              <a:rPr kumimoji="1" lang="ja-JP" altLang="en-US" sz="900" dirty="0"/>
+              <a:t>ログイン成功</a:t>
+            </a:r>
+          </a:p>
+        </p:txBody>
+      </p:sp>
+      <p:sp>
+        <p:nvSpPr>
+          <p:cNvPr id="43" name="正方形/長方形 42">
+            <a:extLst>
+              <a:ext uri="{FF2B5EF4-FFF2-40B4-BE49-F238E27FC236}">
+                <a16:creationId xmlns:a16="http://schemas.microsoft.com/office/drawing/2014/main" id="{3BD370C0-C1EC-A073-A0D6-5DBC6A1C499A}"/>
+              </a:ext>
+            </a:extLst>
+          </p:cNvPr>
+          <p:cNvSpPr/>
+          <p:nvPr/>
+        </p:nvSpPr>
+        <p:spPr>
+          <a:xfrm>
+            <a:off x="9760500" y="3679900"/>
+            <a:ext cx="1798984" cy="523220"/>
+          </a:xfrm>
+          <a:prstGeom prst="rect">
+            <a:avLst/>
+          </a:prstGeom>
+          <a:solidFill>
+            <a:schemeClr val="accent6">
+              <a:lumMod val="20000"/>
+              <a:lumOff val="80000"/>
+            </a:schemeClr>
+          </a:solidFill>
+        </p:spPr>
+        <p:style>
+          <a:lnRef idx="2">
+            <a:schemeClr val="accent1">
+              <a:shade val="15000"/>
+            </a:schemeClr>
+          </a:lnRef>
+          <a:fillRef idx="1">
+            <a:schemeClr val="accent1"/>
+          </a:fillRef>
+          <a:effectRef idx="0">
+            <a:schemeClr val="accent1"/>
+          </a:effectRef>
+          <a:fontRef idx="minor">
+            <a:schemeClr val="lt1"/>
+          </a:fontRef>
+        </p:style>
+        <p:txBody>
+          <a:bodyPr rtlCol="0" anchor="ctr"/>
+          <a:lstStyle/>
+          <a:p>
+            <a:pPr algn="ctr"/>
+            <a:r>
+              <a:rPr lang="ja-JP" altLang="en-US" sz="900" dirty="0">
+                <a:solidFill>
+                  <a:schemeClr val="tx1"/>
+                </a:solidFill>
+              </a:rPr>
+              <a:t>各種メニューページ</a:t>
+            </a:r>
+            <a:endParaRPr lang="en-US" altLang="ja-JP" sz="900" dirty="0">
+              <a:solidFill>
+                <a:schemeClr val="tx1"/>
+              </a:solidFill>
+            </a:endParaRPr>
+          </a:p>
+          <a:p>
+            <a:pPr algn="ctr"/>
+            <a:r>
+              <a:rPr lang="ja-JP" altLang="en-US" sz="900" dirty="0">
+                <a:solidFill>
+                  <a:schemeClr val="tx1"/>
+                </a:solidFill>
+              </a:rPr>
+              <a:t>（予約者）</a:t>
+            </a:r>
+            <a:endParaRPr kumimoji="1" lang="en-US" altLang="ja-JP" sz="900" dirty="0">
+              <a:solidFill>
+                <a:schemeClr val="tx1"/>
+              </a:solidFill>
+            </a:endParaRPr>
+          </a:p>
+        </p:txBody>
+      </p:sp>
+      <p:sp>
+        <p:nvSpPr>
+          <p:cNvPr id="45" name="フローチャート: 端子 44">
+            <a:extLst>
+              <a:ext uri="{FF2B5EF4-FFF2-40B4-BE49-F238E27FC236}">
+                <a16:creationId xmlns:a16="http://schemas.microsoft.com/office/drawing/2014/main" id="{E5E3B025-EED6-0687-D71E-7554E76E73C8}"/>
+              </a:ext>
+            </a:extLst>
+          </p:cNvPr>
+          <p:cNvSpPr/>
+          <p:nvPr/>
+        </p:nvSpPr>
+        <p:spPr>
+          <a:xfrm>
+            <a:off x="9760500" y="5502434"/>
+            <a:ext cx="1798984" cy="523220"/>
+          </a:xfrm>
+          <a:prstGeom prst="flowChartTerminator">
+            <a:avLst/>
+          </a:prstGeom>
+          <a:solidFill>
+            <a:schemeClr val="accent6">
+              <a:lumMod val="20000"/>
+              <a:lumOff val="80000"/>
+            </a:schemeClr>
+          </a:solidFill>
+        </p:spPr>
+        <p:style>
+          <a:lnRef idx="2">
+            <a:schemeClr val="accent1">
+              <a:shade val="15000"/>
+            </a:schemeClr>
+          </a:lnRef>
+          <a:fillRef idx="1">
+            <a:schemeClr val="accent1"/>
+          </a:fillRef>
+          <a:effectRef idx="0">
+            <a:schemeClr val="accent1"/>
+          </a:effectRef>
+          <a:fontRef idx="minor">
+            <a:schemeClr val="lt1"/>
+          </a:fontRef>
+        </p:style>
+        <p:txBody>
+          <a:bodyPr rtlCol="0" anchor="ctr"/>
+          <a:lstStyle/>
+          <a:p>
+            <a:pPr algn="ctr"/>
+            <a:r>
+              <a:rPr kumimoji="1" lang="ja-JP" altLang="en-US" sz="900" dirty="0">
+                <a:solidFill>
+                  <a:schemeClr val="tx1"/>
+                </a:solidFill>
+              </a:rPr>
+              <a:t>公演参加状況確認フローへ</a:t>
+            </a:r>
+            <a:br>
+              <a:rPr kumimoji="1" lang="en-US" altLang="ja-JP" sz="900" dirty="0">
+                <a:solidFill>
+                  <a:schemeClr val="tx1"/>
+                </a:solidFill>
+              </a:rPr>
+            </a:br>
+            <a:r>
+              <a:rPr kumimoji="1" lang="ja-JP" altLang="en-US" sz="900" dirty="0">
+                <a:solidFill>
+                  <a:schemeClr val="tx1"/>
+                </a:solidFill>
+              </a:rPr>
+              <a:t>（管理者）</a:t>
+            </a:r>
+          </a:p>
+        </p:txBody>
+      </p:sp>
+      <p:cxnSp>
+        <p:nvCxnSpPr>
+          <p:cNvPr id="46" name="直線矢印コネクタ 45">
+            <a:extLst>
+              <a:ext uri="{FF2B5EF4-FFF2-40B4-BE49-F238E27FC236}">
+                <a16:creationId xmlns:a16="http://schemas.microsoft.com/office/drawing/2014/main" id="{92873DC5-CCB6-D3E1-6E9A-69B2D74AFC1C}"/>
+              </a:ext>
+            </a:extLst>
+          </p:cNvPr>
+          <p:cNvCxnSpPr>
+            <a:cxnSpLocks/>
+            <a:stCxn id="38" idx="3"/>
+            <a:endCxn id="6" idx="1"/>
+          </p:cNvCxnSpPr>
+          <p:nvPr/>
+        </p:nvCxnSpPr>
+        <p:spPr>
+          <a:xfrm>
+            <a:off x="6209202" y="4893128"/>
+            <a:ext cx="822102" cy="0"/>
+          </a:xfrm>
+          <a:prstGeom prst="straightConnector1">
+            <a:avLst/>
+          </a:prstGeom>
+          <a:ln w="28575">
+            <a:tailEnd type="triangle"/>
+          </a:ln>
+        </p:spPr>
+        <p:style>
+          <a:lnRef idx="1">
+            <a:schemeClr val="accent1"/>
+          </a:lnRef>
+          <a:fillRef idx="0">
+            <a:schemeClr val="accent1"/>
+          </a:fillRef>
+          <a:effectRef idx="0">
+            <a:schemeClr val="accent1"/>
+          </a:effectRef>
+          <a:fontRef idx="minor">
+            <a:schemeClr val="tx1"/>
+          </a:fontRef>
+        </p:style>
+      </p:cxnSp>
+      <p:cxnSp>
+        <p:nvCxnSpPr>
+          <p:cNvPr id="52" name="コネクタ: カギ線 51">
+            <a:extLst>
+              <a:ext uri="{FF2B5EF4-FFF2-40B4-BE49-F238E27FC236}">
+                <a16:creationId xmlns:a16="http://schemas.microsoft.com/office/drawing/2014/main" id="{E93423FC-7A8E-3B2A-B375-D0FF208F4B7A}"/>
+              </a:ext>
+            </a:extLst>
+          </p:cNvPr>
+          <p:cNvCxnSpPr>
+            <a:stCxn id="38" idx="3"/>
+            <a:endCxn id="43" idx="1"/>
+          </p:cNvCxnSpPr>
+          <p:nvPr/>
+        </p:nvCxnSpPr>
+        <p:spPr>
+          <a:xfrm flipV="1">
+            <a:off x="6209202" y="3941510"/>
+            <a:ext cx="3551298" cy="951618"/>
+          </a:xfrm>
+          <a:prstGeom prst="bentConnector3">
+            <a:avLst>
+              <a:gd name="adj1" fmla="val 10931"/>
+            </a:avLst>
+          </a:prstGeom>
+          <a:ln w="28575">
+            <a:tailEnd type="triangle"/>
+          </a:ln>
+        </p:spPr>
+        <p:style>
+          <a:lnRef idx="1">
+            <a:schemeClr val="accent1"/>
+          </a:lnRef>
+          <a:fillRef idx="0">
+            <a:schemeClr val="accent1"/>
+          </a:fillRef>
+          <a:effectRef idx="0">
+            <a:schemeClr val="accent1"/>
+          </a:effectRef>
+          <a:fontRef idx="minor">
+            <a:schemeClr val="tx1"/>
+          </a:fontRef>
+        </p:style>
+      </p:cxnSp>
+      <p:sp>
+        <p:nvSpPr>
+          <p:cNvPr id="54" name="テキスト ボックス 53">
+            <a:extLst>
+              <a:ext uri="{FF2B5EF4-FFF2-40B4-BE49-F238E27FC236}">
+                <a16:creationId xmlns:a16="http://schemas.microsoft.com/office/drawing/2014/main" id="{823E57F3-F95D-045E-AB4C-B1D00C970714}"/>
+              </a:ext>
+            </a:extLst>
+          </p:cNvPr>
+          <p:cNvSpPr txBox="1"/>
+          <p:nvPr/>
+        </p:nvSpPr>
+        <p:spPr>
+          <a:xfrm>
+            <a:off x="7760444" y="3689879"/>
+            <a:ext cx="874526" cy="230832"/>
+          </a:xfrm>
+          <a:prstGeom prst="rect">
+            <a:avLst/>
+          </a:prstGeom>
+          <a:solidFill>
+            <a:schemeClr val="accent4">
+              <a:lumMod val="20000"/>
+              <a:lumOff val="80000"/>
+            </a:schemeClr>
+          </a:solidFill>
+        </p:spPr>
+        <p:txBody>
+          <a:bodyPr wrap="square" rtlCol="0">
+            <a:spAutoFit/>
+          </a:bodyPr>
+          <a:lstStyle/>
+          <a:p>
+            <a:pPr algn="ctr"/>
+            <a:r>
+              <a:rPr kumimoji="1" lang="ja-JP" altLang="en-US" sz="900" dirty="0"/>
+              <a:t>予約者のみ</a:t>
+            </a:r>
+          </a:p>
+        </p:txBody>
+      </p:sp>
+      <p:cxnSp>
+        <p:nvCxnSpPr>
+          <p:cNvPr id="55" name="コネクタ: カギ線 54">
+            <a:extLst>
+              <a:ext uri="{FF2B5EF4-FFF2-40B4-BE49-F238E27FC236}">
+                <a16:creationId xmlns:a16="http://schemas.microsoft.com/office/drawing/2014/main" id="{5D4D7B6A-88CD-74C0-84F8-78AEB4B5E8D5}"/>
+              </a:ext>
+            </a:extLst>
+          </p:cNvPr>
+          <p:cNvCxnSpPr>
+            <a:cxnSpLocks/>
+            <a:stCxn id="38" idx="3"/>
+            <a:endCxn id="45" idx="1"/>
+          </p:cNvCxnSpPr>
+          <p:nvPr/>
+        </p:nvCxnSpPr>
+        <p:spPr>
+          <a:xfrm>
+            <a:off x="6209202" y="4893128"/>
+            <a:ext cx="3551298" cy="870916"/>
+          </a:xfrm>
+          <a:prstGeom prst="bentConnector3">
+            <a:avLst>
+              <a:gd name="adj1" fmla="val 10930"/>
+            </a:avLst>
+          </a:prstGeom>
+          <a:ln w="28575">
+            <a:tailEnd type="triangle"/>
+          </a:ln>
+        </p:spPr>
+        <p:style>
+          <a:lnRef idx="1">
+            <a:schemeClr val="accent1"/>
+          </a:lnRef>
+          <a:fillRef idx="0">
+            <a:schemeClr val="accent1"/>
+          </a:fillRef>
+          <a:effectRef idx="0">
+            <a:schemeClr val="accent1"/>
+          </a:effectRef>
+          <a:fontRef idx="minor">
+            <a:schemeClr val="tx1"/>
+          </a:fontRef>
+        </p:style>
+      </p:cxnSp>
+      <p:sp>
+        <p:nvSpPr>
+          <p:cNvPr id="60" name="テキスト ボックス 59">
+            <a:extLst>
+              <a:ext uri="{FF2B5EF4-FFF2-40B4-BE49-F238E27FC236}">
+                <a16:creationId xmlns:a16="http://schemas.microsoft.com/office/drawing/2014/main" id="{AB214016-4100-8E5A-4FB6-57B14600F993}"/>
+              </a:ext>
+            </a:extLst>
+          </p:cNvPr>
+          <p:cNvSpPr txBox="1"/>
+          <p:nvPr/>
+        </p:nvSpPr>
+        <p:spPr>
+          <a:xfrm>
+            <a:off x="7760444" y="5795325"/>
+            <a:ext cx="874526" cy="230832"/>
+          </a:xfrm>
+          <a:prstGeom prst="rect">
+            <a:avLst/>
+          </a:prstGeom>
+          <a:solidFill>
+            <a:schemeClr val="accent4">
+              <a:lumMod val="20000"/>
+              <a:lumOff val="80000"/>
+            </a:schemeClr>
+          </a:solidFill>
+        </p:spPr>
+        <p:txBody>
+          <a:bodyPr wrap="square" rtlCol="0">
+            <a:spAutoFit/>
+          </a:bodyPr>
+          <a:lstStyle/>
+          <a:p>
+            <a:pPr algn="ctr"/>
+            <a:r>
+              <a:rPr lang="ja-JP" altLang="en-US" sz="900" dirty="0"/>
+              <a:t>管理者</a:t>
+            </a:r>
+            <a:r>
+              <a:rPr kumimoji="1" lang="ja-JP" altLang="en-US" sz="900" dirty="0"/>
+              <a:t>のみ</a:t>
+            </a:r>
+          </a:p>
+        </p:txBody>
+      </p:sp>
+      <p:cxnSp>
+        <p:nvCxnSpPr>
+          <p:cNvPr id="61" name="コネクタ: カギ線 60">
+            <a:extLst>
+              <a:ext uri="{FF2B5EF4-FFF2-40B4-BE49-F238E27FC236}">
+                <a16:creationId xmlns:a16="http://schemas.microsoft.com/office/drawing/2014/main" id="{45EC074F-B9B1-0850-2E8D-D0752835E93B}"/>
+              </a:ext>
+            </a:extLst>
+          </p:cNvPr>
+          <p:cNvCxnSpPr>
+            <a:cxnSpLocks/>
+            <a:stCxn id="6" idx="3"/>
+            <a:endCxn id="43" idx="2"/>
+          </p:cNvCxnSpPr>
+          <p:nvPr/>
+        </p:nvCxnSpPr>
+        <p:spPr>
+          <a:xfrm flipV="1">
+            <a:off x="9496208" y="4203120"/>
+            <a:ext cx="1163784" cy="690008"/>
+          </a:xfrm>
+          <a:prstGeom prst="bentConnector2">
+            <a:avLst/>
+          </a:prstGeom>
+          <a:ln w="28575">
+            <a:tailEnd type="triangle"/>
+          </a:ln>
+        </p:spPr>
+        <p:style>
+          <a:lnRef idx="1">
+            <a:schemeClr val="accent1"/>
+          </a:lnRef>
+          <a:fillRef idx="0">
+            <a:schemeClr val="accent1"/>
+          </a:fillRef>
+          <a:effectRef idx="0">
+            <a:schemeClr val="accent1"/>
+          </a:effectRef>
+          <a:fontRef idx="minor">
+            <a:schemeClr val="tx1"/>
+          </a:fontRef>
+        </p:style>
+      </p:cxnSp>
+      <p:cxnSp>
+        <p:nvCxnSpPr>
+          <p:cNvPr id="64" name="コネクタ: カギ線 63">
+            <a:extLst>
+              <a:ext uri="{FF2B5EF4-FFF2-40B4-BE49-F238E27FC236}">
+                <a16:creationId xmlns:a16="http://schemas.microsoft.com/office/drawing/2014/main" id="{F72EDB3A-BC33-73A6-C6A4-D77CE8D3EE71}"/>
+              </a:ext>
+            </a:extLst>
+          </p:cNvPr>
+          <p:cNvCxnSpPr>
+            <a:cxnSpLocks/>
+            <a:stCxn id="6" idx="3"/>
+            <a:endCxn id="45" idx="0"/>
+          </p:cNvCxnSpPr>
+          <p:nvPr/>
+        </p:nvCxnSpPr>
+        <p:spPr>
+          <a:xfrm>
+            <a:off x="9496208" y="4893128"/>
+            <a:ext cx="1163784" cy="609306"/>
+          </a:xfrm>
+          <a:prstGeom prst="bentConnector2">
+            <a:avLst/>
+          </a:prstGeom>
+          <a:ln w="28575">
+            <a:tailEnd type="triangle"/>
+          </a:ln>
+        </p:spPr>
+        <p:style>
+          <a:lnRef idx="1">
+            <a:schemeClr val="accent1"/>
+          </a:lnRef>
+          <a:fillRef idx="0">
+            <a:schemeClr val="accent1"/>
+          </a:fillRef>
+          <a:effectRef idx="0">
+            <a:schemeClr val="accent1"/>
+          </a:effectRef>
+          <a:fontRef idx="minor">
+            <a:schemeClr val="tx1"/>
+          </a:fontRef>
+        </p:style>
+      </p:cxnSp>
+      <p:sp>
+        <p:nvSpPr>
+          <p:cNvPr id="6" name="フローチャート: 判断 5">
+            <a:extLst>
+              <a:ext uri="{FF2B5EF4-FFF2-40B4-BE49-F238E27FC236}">
+                <a16:creationId xmlns:a16="http://schemas.microsoft.com/office/drawing/2014/main" id="{C33C41F9-F4E5-6F73-4293-FA1C997A9110}"/>
+              </a:ext>
+            </a:extLst>
+          </p:cNvPr>
+          <p:cNvSpPr/>
+          <p:nvPr/>
+        </p:nvSpPr>
+        <p:spPr>
+          <a:xfrm>
+            <a:off x="7031304" y="4508016"/>
+            <a:ext cx="2464904" cy="770224"/>
+          </a:xfrm>
+          <a:prstGeom prst="flowChartDecision">
+            <a:avLst/>
+          </a:prstGeom>
+          <a:solidFill>
+            <a:schemeClr val="accent1">
+              <a:lumMod val="20000"/>
+              <a:lumOff val="80000"/>
+            </a:schemeClr>
+          </a:solidFill>
+        </p:spPr>
+        <p:style>
+          <a:lnRef idx="2">
+            <a:schemeClr val="accent1">
+              <a:shade val="15000"/>
+            </a:schemeClr>
+          </a:lnRef>
+          <a:fillRef idx="1">
+            <a:schemeClr val="accent1"/>
+          </a:fillRef>
+          <a:effectRef idx="0">
+            <a:schemeClr val="accent1"/>
+          </a:effectRef>
+          <a:fontRef idx="minor">
+            <a:schemeClr val="lt1"/>
+          </a:fontRef>
+        </p:style>
+        <p:txBody>
+          <a:bodyPr rtlCol="0" anchor="ctr"/>
+          <a:lstStyle/>
+          <a:p>
+            <a:pPr algn="ctr"/>
+            <a:r>
+              <a:rPr kumimoji="1" lang="ja-JP" altLang="en-US" sz="900" dirty="0">
+                <a:solidFill>
+                  <a:schemeClr val="tx1"/>
+                </a:solidFill>
+              </a:rPr>
+              <a:t>アクセス先予定は</a:t>
+            </a:r>
+            <a:endParaRPr kumimoji="1" lang="en-US" altLang="ja-JP" sz="900" dirty="0">
+              <a:solidFill>
+                <a:schemeClr val="tx1"/>
+              </a:solidFill>
+            </a:endParaRPr>
+          </a:p>
+          <a:p>
+            <a:pPr algn="ctr"/>
+            <a:r>
+              <a:rPr lang="ja-JP" altLang="en-US" sz="900" dirty="0">
+                <a:solidFill>
+                  <a:schemeClr val="tx1"/>
+                </a:solidFill>
+              </a:rPr>
+              <a:t>どこなのか？</a:t>
+            </a:r>
+            <a:endParaRPr kumimoji="1" lang="ja-JP" altLang="en-US" sz="900" dirty="0">
+              <a:solidFill>
+                <a:schemeClr val="tx1"/>
+              </a:solidFill>
+            </a:endParaRPr>
+          </a:p>
+        </p:txBody>
+      </p:sp>
+      <p:sp>
+        <p:nvSpPr>
+          <p:cNvPr id="29" name="テキスト ボックス 28">
+            <a:extLst>
+              <a:ext uri="{FF2B5EF4-FFF2-40B4-BE49-F238E27FC236}">
+                <a16:creationId xmlns:a16="http://schemas.microsoft.com/office/drawing/2014/main" id="{00CB94AC-F123-B3E3-C48B-7D87DB95B22A}"/>
+              </a:ext>
+            </a:extLst>
+          </p:cNvPr>
+          <p:cNvSpPr txBox="1"/>
+          <p:nvPr/>
+        </p:nvSpPr>
+        <p:spPr>
+          <a:xfrm>
+            <a:off x="9708076" y="4471984"/>
+            <a:ext cx="874526" cy="230832"/>
+          </a:xfrm>
+          <a:prstGeom prst="rect">
+            <a:avLst/>
+          </a:prstGeom>
+          <a:solidFill>
+            <a:schemeClr val="accent4">
+              <a:lumMod val="20000"/>
+              <a:lumOff val="80000"/>
+            </a:schemeClr>
+          </a:solidFill>
+        </p:spPr>
+        <p:txBody>
+          <a:bodyPr wrap="square" rtlCol="0">
+            <a:spAutoFit/>
+          </a:bodyPr>
+          <a:lstStyle/>
+          <a:p>
+            <a:pPr algn="ctr"/>
+            <a:r>
+              <a:rPr kumimoji="1" lang="ja-JP" altLang="en-US" sz="900" dirty="0"/>
+              <a:t>予約者ページ</a:t>
+            </a:r>
+          </a:p>
+        </p:txBody>
+      </p:sp>
+      <p:sp>
+        <p:nvSpPr>
+          <p:cNvPr id="30" name="テキスト ボックス 29">
+            <a:extLst>
+              <a:ext uri="{FF2B5EF4-FFF2-40B4-BE49-F238E27FC236}">
+                <a16:creationId xmlns:a16="http://schemas.microsoft.com/office/drawing/2014/main" id="{CEFEBFA3-8012-F853-353F-286944183475}"/>
+              </a:ext>
+            </a:extLst>
+          </p:cNvPr>
+          <p:cNvSpPr txBox="1"/>
+          <p:nvPr/>
+        </p:nvSpPr>
+        <p:spPr>
+          <a:xfrm>
+            <a:off x="9708076" y="5120887"/>
+            <a:ext cx="874526" cy="230832"/>
+          </a:xfrm>
+          <a:prstGeom prst="rect">
+            <a:avLst/>
+          </a:prstGeom>
+          <a:solidFill>
+            <a:schemeClr val="accent4">
+              <a:lumMod val="20000"/>
+              <a:lumOff val="80000"/>
+            </a:schemeClr>
+          </a:solidFill>
+        </p:spPr>
+        <p:txBody>
+          <a:bodyPr wrap="square" rtlCol="0">
+            <a:spAutoFit/>
+          </a:bodyPr>
+          <a:lstStyle/>
+          <a:p>
+            <a:pPr algn="ctr"/>
+            <a:r>
+              <a:rPr kumimoji="1" lang="ja-JP" altLang="en-US" sz="900" dirty="0"/>
+              <a:t>管理者ページ</a:t>
+            </a:r>
+          </a:p>
+        </p:txBody>
+      </p:sp>
+      <p:sp>
+        <p:nvSpPr>
+          <p:cNvPr id="50" name="テキスト ボックス 49">
+            <a:extLst>
+              <a:ext uri="{FF2B5EF4-FFF2-40B4-BE49-F238E27FC236}">
+                <a16:creationId xmlns:a16="http://schemas.microsoft.com/office/drawing/2014/main" id="{2DD983CE-89DC-5920-95B6-4ADC4C667329}"/>
+              </a:ext>
+            </a:extLst>
+          </p:cNvPr>
+          <p:cNvSpPr txBox="1"/>
+          <p:nvPr/>
+        </p:nvSpPr>
+        <p:spPr>
+          <a:xfrm>
+            <a:off x="6973695" y="4549953"/>
+            <a:ext cx="874526" cy="230832"/>
+          </a:xfrm>
+          <a:prstGeom prst="rect">
+            <a:avLst/>
+          </a:prstGeom>
+          <a:solidFill>
+            <a:schemeClr val="accent4">
+              <a:lumMod val="20000"/>
+              <a:lumOff val="80000"/>
+            </a:schemeClr>
+          </a:solidFill>
+        </p:spPr>
+        <p:txBody>
+          <a:bodyPr wrap="square" rtlCol="0">
+            <a:spAutoFit/>
+          </a:bodyPr>
+          <a:lstStyle/>
+          <a:p>
+            <a:pPr algn="ctr"/>
+            <a:r>
+              <a:rPr kumimoji="1" lang="ja-JP" altLang="en-US" sz="900" dirty="0"/>
+              <a:t>両方登録済み</a:t>
+            </a:r>
+          </a:p>
+        </p:txBody>
+      </p:sp>
+    </p:spTree>
+    <p:extLst>
+      <p:ext uri="{BB962C8B-B14F-4D97-AF65-F5344CB8AC3E}">
+        <p14:creationId xmlns:p14="http://schemas.microsoft.com/office/powerpoint/2010/main" val="3031925797"/>
+      </p:ext>
+    </p:extLst>
+  </p:cSld>
+  <p:clrMapOvr>
+    <a:masterClrMapping/>
+  </p:clrMapOvr>
+</p:sld>
+</file>
+
+<file path=ppt/slides/slide5.xml><?xml version="1.0" encoding="utf-8"?>
 <p:sld xmlns:a="http://schemas.openxmlformats.org/drawingml/2006/main" xmlns:r="http://schemas.openxmlformats.org/officeDocument/2006/relationships" xmlns:p="http://schemas.openxmlformats.org/presentationml/2006/main">
   <p:cSld>
     <p:spTree>
@@ -6182,7 +8490,7 @@
         </p:nvSpPr>
         <p:spPr>
           <a:xfrm>
-            <a:off x="1188144" y="1434221"/>
+            <a:off x="2876270" y="1586299"/>
             <a:ext cx="1798984" cy="523220"/>
           </a:xfrm>
           <a:prstGeom prst="rect">
@@ -6224,15 +8532,73 @@
               </a:rPr>
               <a:t>ログインページ</a:t>
             </a:r>
-          </a:p>
-        </p:txBody>
-      </p:sp>
-      <p:sp>
-        <p:nvSpPr>
-          <p:cNvPr id="38" name="フローチャート: 判断 37">
-            <a:extLst>
-              <a:ext uri="{FF2B5EF4-FFF2-40B4-BE49-F238E27FC236}">
-                <a16:creationId xmlns:a16="http://schemas.microsoft.com/office/drawing/2014/main" id="{000FD64F-5B19-765F-95B4-C76F55F56D98}"/>
+            <a:br>
+              <a:rPr kumimoji="1" lang="en-US" altLang="ja-JP" sz="900" dirty="0">
+                <a:solidFill>
+                  <a:schemeClr val="tx1"/>
+                </a:solidFill>
+              </a:rPr>
+            </a:br>
+            <a:r>
+              <a:rPr kumimoji="1" lang="ja-JP" altLang="en-US" sz="900" dirty="0">
+                <a:solidFill>
+                  <a:schemeClr val="tx1"/>
+                </a:solidFill>
+              </a:rPr>
+              <a:t>（管理者）</a:t>
+            </a:r>
+          </a:p>
+        </p:txBody>
+      </p:sp>
+      <p:cxnSp>
+        <p:nvCxnSpPr>
+          <p:cNvPr id="39" name="直線矢印コネクタ 38">
+            <a:extLst>
+              <a:ext uri="{FF2B5EF4-FFF2-40B4-BE49-F238E27FC236}">
+                <a16:creationId xmlns:a16="http://schemas.microsoft.com/office/drawing/2014/main" id="{D367148D-1C7E-1E23-A2C5-F500D7E4A50C}"/>
+              </a:ext>
+            </a:extLst>
+          </p:cNvPr>
+          <p:cNvCxnSpPr>
+            <a:cxnSpLocks/>
+            <a:stCxn id="18" idx="2"/>
+            <a:endCxn id="17" idx="0"/>
+          </p:cNvCxnSpPr>
+          <p:nvPr/>
+        </p:nvCxnSpPr>
+        <p:spPr>
+          <a:xfrm>
+            <a:off x="3775762" y="2109519"/>
+            <a:ext cx="1420746" cy="516955"/>
+          </a:xfrm>
+          <a:prstGeom prst="straightConnector1">
+            <a:avLst/>
+          </a:prstGeom>
+          <a:ln w="28575">
+            <a:tailEnd type="triangle"/>
+          </a:ln>
+        </p:spPr>
+        <p:style>
+          <a:lnRef idx="1">
+            <a:schemeClr val="accent1"/>
+          </a:lnRef>
+          <a:fillRef idx="0">
+            <a:schemeClr val="accent1"/>
+          </a:fillRef>
+          <a:effectRef idx="0">
+            <a:schemeClr val="accent1"/>
+          </a:effectRef>
+          <a:fontRef idx="minor">
+            <a:schemeClr val="tx1"/>
+          </a:fontRef>
+        </p:style>
+      </p:cxnSp>
+      <p:sp>
+        <p:nvSpPr>
+          <p:cNvPr id="17" name="フローチャート: 判断 16">
+            <a:extLst>
+              <a:ext uri="{FF2B5EF4-FFF2-40B4-BE49-F238E27FC236}">
+                <a16:creationId xmlns:a16="http://schemas.microsoft.com/office/drawing/2014/main" id="{530B9AA6-A1FB-6CE1-EBC3-9B2D12F63A76}"/>
               </a:ext>
             </a:extLst>
           </p:cNvPr>
@@ -6241,7 +8607,7 @@
         </p:nvSpPr>
         <p:spPr>
           <a:xfrm>
-            <a:off x="855184" y="2707227"/>
+            <a:off x="3964056" y="2626474"/>
             <a:ext cx="2464904" cy="770224"/>
           </a:xfrm>
           <a:prstGeom prst="flowChartDecision">
@@ -6281,7 +8647,7 @@
                   <a:schemeClr val="tx1"/>
                 </a:solidFill>
               </a:rPr>
-              <a:t>①ユーザー登録情報</a:t>
+              <a:t>参加している公演はあるか？</a:t>
             </a:r>
             <a:endParaRPr kumimoji="1" lang="ja-JP" altLang="en-US" sz="900" dirty="0">
               <a:solidFill>
@@ -6291,112 +8657,28 @@
           </a:p>
         </p:txBody>
       </p:sp>
-      <p:cxnSp>
-        <p:nvCxnSpPr>
-          <p:cNvPr id="39" name="直線矢印コネクタ 38">
-            <a:extLst>
-              <a:ext uri="{FF2B5EF4-FFF2-40B4-BE49-F238E27FC236}">
-                <a16:creationId xmlns:a16="http://schemas.microsoft.com/office/drawing/2014/main" id="{D367148D-1C7E-1E23-A2C5-F500D7E4A50C}"/>
-              </a:ext>
-            </a:extLst>
-          </p:cNvPr>
-          <p:cNvCxnSpPr>
-            <a:cxnSpLocks/>
-            <a:stCxn id="18" idx="2"/>
-            <a:endCxn id="38" idx="0"/>
-          </p:cNvCxnSpPr>
+      <p:sp>
+        <p:nvSpPr>
+          <p:cNvPr id="28" name="正方形/長方形 27">
+            <a:extLst>
+              <a:ext uri="{FF2B5EF4-FFF2-40B4-BE49-F238E27FC236}">
+                <a16:creationId xmlns:a16="http://schemas.microsoft.com/office/drawing/2014/main" id="{DB00525E-686E-7859-6F29-A0803F902C13}"/>
+              </a:ext>
+            </a:extLst>
+          </p:cNvPr>
+          <p:cNvSpPr/>
           <p:nvPr/>
-        </p:nvCxnSpPr>
-        <p:spPr>
-          <a:xfrm>
-            <a:off x="2087636" y="1957441"/>
-            <a:ext cx="0" cy="749786"/>
-          </a:xfrm>
-          <a:prstGeom prst="straightConnector1">
-            <a:avLst/>
-          </a:prstGeom>
-          <a:ln w="28575">
-            <a:tailEnd type="triangle"/>
-          </a:ln>
-        </p:spPr>
-        <p:style>
-          <a:lnRef idx="1">
-            <a:schemeClr val="accent1"/>
-          </a:lnRef>
-          <a:fillRef idx="0">
-            <a:schemeClr val="accent1"/>
-          </a:fillRef>
-          <a:effectRef idx="0">
-            <a:schemeClr val="accent1"/>
-          </a:effectRef>
-          <a:fontRef idx="minor">
-            <a:schemeClr val="tx1"/>
-          </a:fontRef>
-        </p:style>
-      </p:cxnSp>
-      <p:sp>
-        <p:nvSpPr>
-          <p:cNvPr id="42" name="テキスト ボックス 41">
-            <a:extLst>
-              <a:ext uri="{FF2B5EF4-FFF2-40B4-BE49-F238E27FC236}">
-                <a16:creationId xmlns:a16="http://schemas.microsoft.com/office/drawing/2014/main" id="{DFF73CB9-CAA9-AF07-9A52-81ACAEA080D9}"/>
-              </a:ext>
-            </a:extLst>
-          </p:cNvPr>
-          <p:cNvSpPr txBox="1"/>
-          <p:nvPr/>
-        </p:nvSpPr>
-        <p:spPr>
-          <a:xfrm>
-            <a:off x="1114349" y="2274089"/>
-            <a:ext cx="874526" cy="230832"/>
+        </p:nvSpPr>
+        <p:spPr>
+          <a:xfrm>
+            <a:off x="9026841" y="2749979"/>
+            <a:ext cx="1798984" cy="523220"/>
           </a:xfrm>
           <a:prstGeom prst="rect">
             <a:avLst/>
           </a:prstGeom>
           <a:solidFill>
-            <a:schemeClr val="accent4">
-              <a:lumMod val="20000"/>
-              <a:lumOff val="80000"/>
-            </a:schemeClr>
-          </a:solidFill>
-        </p:spPr>
-        <p:txBody>
-          <a:bodyPr wrap="square" rtlCol="0">
-            <a:spAutoFit/>
-          </a:bodyPr>
-          <a:lstStyle/>
-          <a:p>
-            <a:pPr algn="ctr"/>
-            <a:r>
-              <a:rPr kumimoji="1" lang="ja-JP" altLang="en-US" sz="900" dirty="0"/>
-              <a:t>ログイン成功</a:t>
-            </a:r>
-          </a:p>
-        </p:txBody>
-      </p:sp>
-      <p:sp>
-        <p:nvSpPr>
-          <p:cNvPr id="44" name="正方形/長方形 43">
-            <a:extLst>
-              <a:ext uri="{FF2B5EF4-FFF2-40B4-BE49-F238E27FC236}">
-                <a16:creationId xmlns:a16="http://schemas.microsoft.com/office/drawing/2014/main" id="{0CB47AD1-58BA-EF55-7B48-FAD42FB17741}"/>
-              </a:ext>
-            </a:extLst>
-          </p:cNvPr>
-          <p:cNvSpPr/>
-          <p:nvPr/>
-        </p:nvSpPr>
-        <p:spPr>
-          <a:xfrm>
-            <a:off x="4358364" y="2835134"/>
-            <a:ext cx="1798984" cy="523220"/>
-          </a:xfrm>
-          <a:prstGeom prst="rect">
-            <a:avLst/>
-          </a:prstGeom>
-          <a:solidFill>
-            <a:schemeClr val="accent1">
+            <a:schemeClr val="accent6">
               <a:lumMod val="20000"/>
               <a:lumOff val="80000"/>
             </a:schemeClr>
@@ -6429,31 +8711,52 @@
                   <a:schemeClr val="tx1"/>
                 </a:solidFill>
               </a:rPr>
-              <a:t>モード選択ページ</a:t>
-            </a:r>
+              <a:t>各種メニューページ</a:t>
+            </a:r>
+            <a:endParaRPr kumimoji="1" lang="en-US" altLang="ja-JP" sz="900" dirty="0">
+              <a:solidFill>
+                <a:schemeClr val="tx1"/>
+              </a:solidFill>
+            </a:endParaRPr>
+          </a:p>
+          <a:p>
+            <a:pPr algn="ctr"/>
+            <a:r>
+              <a:rPr lang="ja-JP" altLang="en-US" sz="900" dirty="0">
+                <a:solidFill>
+                  <a:schemeClr val="tx1"/>
+                </a:solidFill>
+              </a:rPr>
+              <a:t>（管理者）</a:t>
+            </a:r>
+            <a:endParaRPr kumimoji="1" lang="ja-JP" altLang="en-US" sz="900" dirty="0">
+              <a:solidFill>
+                <a:schemeClr val="tx1"/>
+              </a:solidFill>
+            </a:endParaRPr>
           </a:p>
         </p:txBody>
       </p:sp>
       <p:cxnSp>
         <p:nvCxnSpPr>
-          <p:cNvPr id="46" name="直線矢印コネクタ 45">
-            <a:extLst>
-              <a:ext uri="{FF2B5EF4-FFF2-40B4-BE49-F238E27FC236}">
-                <a16:creationId xmlns:a16="http://schemas.microsoft.com/office/drawing/2014/main" id="{A11D8E31-756A-17F6-6C94-8B7584984B52}"/>
+          <p:cNvPr id="29" name="直線矢印コネクタ 28">
+            <a:extLst>
+              <a:ext uri="{FF2B5EF4-FFF2-40B4-BE49-F238E27FC236}">
+                <a16:creationId xmlns:a16="http://schemas.microsoft.com/office/drawing/2014/main" id="{DA81334F-5778-49DB-B710-0EF4A697E99A}"/>
               </a:ext>
             </a:extLst>
           </p:cNvPr>
           <p:cNvCxnSpPr>
             <a:cxnSpLocks/>
-            <a:stCxn id="38" idx="3"/>
-            <a:endCxn id="44" idx="1"/>
+            <a:stCxn id="17" idx="3"/>
+            <a:endCxn id="28" idx="1"/>
           </p:cNvCxnSpPr>
           <p:nvPr/>
         </p:nvCxnSpPr>
         <p:spPr>
           <a:xfrm>
-            <a:off x="3320088" y="3092339"/>
-            <a:ext cx="1038276" cy="4405"/>
+            <a:off x="6428960" y="3011586"/>
+            <a:ext cx="2597881" cy="3"/>
           </a:xfrm>
           <a:prstGeom prst="straightConnector1">
             <a:avLst/>
@@ -6479,184 +8782,10 @@
       </p:cxnSp>
       <p:sp>
         <p:nvSpPr>
-          <p:cNvPr id="50" name="テキスト ボックス 49">
-            <a:extLst>
-              <a:ext uri="{FF2B5EF4-FFF2-40B4-BE49-F238E27FC236}">
-                <a16:creationId xmlns:a16="http://schemas.microsoft.com/office/drawing/2014/main" id="{B0C74E5A-A6AA-EDE1-90CF-27A054A7ABAB}"/>
-              </a:ext>
-            </a:extLst>
-          </p:cNvPr>
-          <p:cNvSpPr txBox="1"/>
-          <p:nvPr/>
-        </p:nvSpPr>
-        <p:spPr>
-          <a:xfrm>
-            <a:off x="3401963" y="2801765"/>
-            <a:ext cx="874526" cy="230832"/>
-          </a:xfrm>
-          <a:prstGeom prst="rect">
-            <a:avLst/>
-          </a:prstGeom>
-          <a:solidFill>
-            <a:schemeClr val="accent4">
-              <a:lumMod val="20000"/>
-              <a:lumOff val="80000"/>
-            </a:schemeClr>
-          </a:solidFill>
-        </p:spPr>
-        <p:txBody>
-          <a:bodyPr wrap="square" rtlCol="0">
-            <a:spAutoFit/>
-          </a:bodyPr>
-          <a:lstStyle/>
-          <a:p>
-            <a:pPr algn="ctr"/>
-            <a:r>
-              <a:rPr kumimoji="1" lang="ja-JP" altLang="en-US" sz="900" dirty="0"/>
-              <a:t>両方登録済み</a:t>
-            </a:r>
-          </a:p>
-        </p:txBody>
-      </p:sp>
-      <p:cxnSp>
-        <p:nvCxnSpPr>
-          <p:cNvPr id="55" name="コネクタ: カギ線 54">
-            <a:extLst>
-              <a:ext uri="{FF2B5EF4-FFF2-40B4-BE49-F238E27FC236}">
-                <a16:creationId xmlns:a16="http://schemas.microsoft.com/office/drawing/2014/main" id="{86F818AB-7EF1-911B-AE2D-91F98DB2769C}"/>
-              </a:ext>
-            </a:extLst>
-          </p:cNvPr>
-          <p:cNvCxnSpPr>
-            <a:cxnSpLocks/>
-            <a:stCxn id="38" idx="3"/>
-            <a:endCxn id="17" idx="1"/>
-          </p:cNvCxnSpPr>
-          <p:nvPr/>
-        </p:nvCxnSpPr>
-        <p:spPr>
-          <a:xfrm>
-            <a:off x="3320088" y="3092339"/>
-            <a:ext cx="2504300" cy="866368"/>
-          </a:xfrm>
-          <a:prstGeom prst="bentConnector3">
-            <a:avLst>
-              <a:gd name="adj1" fmla="val -497"/>
-            </a:avLst>
-          </a:prstGeom>
-          <a:ln w="28575">
-            <a:tailEnd type="triangle"/>
-          </a:ln>
-        </p:spPr>
-        <p:style>
-          <a:lnRef idx="1">
-            <a:schemeClr val="accent1"/>
-          </a:lnRef>
-          <a:fillRef idx="0">
-            <a:schemeClr val="accent1"/>
-          </a:fillRef>
-          <a:effectRef idx="0">
-            <a:schemeClr val="accent1"/>
-          </a:effectRef>
-          <a:fontRef idx="minor">
-            <a:schemeClr val="tx1"/>
-          </a:fontRef>
-        </p:style>
-      </p:cxnSp>
-      <p:sp>
-        <p:nvSpPr>
-          <p:cNvPr id="60" name="テキスト ボックス 59">
-            <a:extLst>
-              <a:ext uri="{FF2B5EF4-FFF2-40B4-BE49-F238E27FC236}">
-                <a16:creationId xmlns:a16="http://schemas.microsoft.com/office/drawing/2014/main" id="{B61EB367-83E0-D815-A279-E1BA7BC47258}"/>
-              </a:ext>
-            </a:extLst>
-          </p:cNvPr>
-          <p:cNvSpPr txBox="1"/>
-          <p:nvPr/>
-        </p:nvSpPr>
-        <p:spPr>
-          <a:xfrm>
-            <a:off x="4301455" y="3994536"/>
-            <a:ext cx="874526" cy="230832"/>
-          </a:xfrm>
-          <a:prstGeom prst="rect">
-            <a:avLst/>
-          </a:prstGeom>
-          <a:solidFill>
-            <a:schemeClr val="accent4">
-              <a:lumMod val="20000"/>
-              <a:lumOff val="80000"/>
-            </a:schemeClr>
-          </a:solidFill>
-        </p:spPr>
-        <p:txBody>
-          <a:bodyPr wrap="square" rtlCol="0">
-            <a:spAutoFit/>
-          </a:bodyPr>
-          <a:lstStyle/>
-          <a:p>
-            <a:pPr algn="ctr"/>
-            <a:r>
-              <a:rPr lang="ja-JP" altLang="en-US" sz="900" dirty="0"/>
-              <a:t>管理者</a:t>
-            </a:r>
-            <a:r>
-              <a:rPr kumimoji="1" lang="ja-JP" altLang="en-US" sz="900" dirty="0"/>
-              <a:t>のみ</a:t>
-            </a:r>
-          </a:p>
-        </p:txBody>
-      </p:sp>
-      <p:cxnSp>
-        <p:nvCxnSpPr>
-          <p:cNvPr id="64" name="コネクタ: カギ線 63">
-            <a:extLst>
-              <a:ext uri="{FF2B5EF4-FFF2-40B4-BE49-F238E27FC236}">
-                <a16:creationId xmlns:a16="http://schemas.microsoft.com/office/drawing/2014/main" id="{769287F6-2DA5-A497-60DE-FD1E4B710C98}"/>
-              </a:ext>
-            </a:extLst>
-          </p:cNvPr>
-          <p:cNvCxnSpPr>
-            <a:cxnSpLocks/>
-            <a:stCxn id="44" idx="3"/>
-            <a:endCxn id="17" idx="0"/>
-          </p:cNvCxnSpPr>
-          <p:nvPr/>
-        </p:nvCxnSpPr>
-        <p:spPr>
-          <a:xfrm>
-            <a:off x="6157348" y="3096744"/>
-            <a:ext cx="899492" cy="476851"/>
-          </a:xfrm>
-          <a:prstGeom prst="bentConnector2">
-            <a:avLst/>
-          </a:prstGeom>
-          <a:ln w="28575">
-            <a:tailEnd type="triangle"/>
-          </a:ln>
-        </p:spPr>
-        <p:style>
-          <a:lnRef idx="1">
-            <a:schemeClr val="accent1"/>
-          </a:lnRef>
-          <a:fillRef idx="0">
-            <a:schemeClr val="accent1"/>
-          </a:fillRef>
-          <a:effectRef idx="0">
-            <a:schemeClr val="accent1"/>
-          </a:effectRef>
-          <a:fontRef idx="minor">
-            <a:schemeClr val="tx1"/>
-          </a:fontRef>
-        </p:style>
-      </p:cxnSp>
-      <p:sp>
-        <p:nvSpPr>
-          <p:cNvPr id="17" name="フローチャート: 判断 16">
-            <a:extLst>
-              <a:ext uri="{FF2B5EF4-FFF2-40B4-BE49-F238E27FC236}">
-                <a16:creationId xmlns:a16="http://schemas.microsoft.com/office/drawing/2014/main" id="{530B9AA6-A1FB-6CE1-EBC3-9B2D12F63A76}"/>
+          <p:cNvPr id="33" name="正方形/長方形 32">
+            <a:extLst>
+              <a:ext uri="{FF2B5EF4-FFF2-40B4-BE49-F238E27FC236}">
+                <a16:creationId xmlns:a16="http://schemas.microsoft.com/office/drawing/2014/main" id="{0403F59F-27CC-5E76-6E69-21818DCB30F8}"/>
               </a:ext>
             </a:extLst>
           </p:cNvPr>
@@ -6665,10 +8794,10 @@
         </p:nvSpPr>
         <p:spPr>
           <a:xfrm>
-            <a:off x="5824388" y="3573595"/>
-            <a:ext cx="2464904" cy="770224"/>
-          </a:xfrm>
-          <a:prstGeom prst="flowChartDecision">
+            <a:off x="4297016" y="4229351"/>
+            <a:ext cx="1798984" cy="523220"/>
+          </a:xfrm>
+          <a:prstGeom prst="rect">
             <a:avLst/>
           </a:prstGeom>
           <a:solidFill>
@@ -6700,27 +8829,367 @@
           <a:p>
             <a:pPr algn="ctr"/>
             <a:r>
-              <a:rPr lang="ja-JP" altLang="en-US" sz="900" dirty="0">
+              <a:rPr kumimoji="1" lang="ja-JP" altLang="en-US" sz="900" dirty="0">
                 <a:solidFill>
                   <a:schemeClr val="tx1"/>
                 </a:solidFill>
               </a:rPr>
-              <a:t>②参加している公演はあるか？</a:t>
-            </a:r>
-            <a:endParaRPr kumimoji="1" lang="ja-JP" altLang="en-US" sz="900" dirty="0">
-              <a:solidFill>
-                <a:schemeClr val="tx1"/>
-              </a:solidFill>
-            </a:endParaRPr>
-          </a:p>
-        </p:txBody>
-      </p:sp>
-      <p:sp>
-        <p:nvSpPr>
-          <p:cNvPr id="28" name="正方形/長方形 27">
-            <a:extLst>
-              <a:ext uri="{FF2B5EF4-FFF2-40B4-BE49-F238E27FC236}">
-                <a16:creationId xmlns:a16="http://schemas.microsoft.com/office/drawing/2014/main" id="{DB00525E-686E-7859-6F29-A0803F902C13}"/>
+              <a:t>公演ログインページ</a:t>
+            </a:r>
+          </a:p>
+        </p:txBody>
+      </p:sp>
+      <p:cxnSp>
+        <p:nvCxnSpPr>
+          <p:cNvPr id="40" name="直線矢印コネクタ 39">
+            <a:extLst>
+              <a:ext uri="{FF2B5EF4-FFF2-40B4-BE49-F238E27FC236}">
+                <a16:creationId xmlns:a16="http://schemas.microsoft.com/office/drawing/2014/main" id="{E3F034EA-71DB-A600-3DBA-E392EE3CDB59}"/>
+              </a:ext>
+            </a:extLst>
+          </p:cNvPr>
+          <p:cNvCxnSpPr>
+            <a:cxnSpLocks/>
+            <a:stCxn id="17" idx="2"/>
+            <a:endCxn id="33" idx="0"/>
+          </p:cNvCxnSpPr>
+          <p:nvPr/>
+        </p:nvCxnSpPr>
+        <p:spPr>
+          <a:xfrm>
+            <a:off x="5196508" y="3396698"/>
+            <a:ext cx="0" cy="832653"/>
+          </a:xfrm>
+          <a:prstGeom prst="straightConnector1">
+            <a:avLst/>
+          </a:prstGeom>
+          <a:ln w="28575">
+            <a:tailEnd type="triangle"/>
+          </a:ln>
+        </p:spPr>
+        <p:style>
+          <a:lnRef idx="1">
+            <a:schemeClr val="accent1"/>
+          </a:lnRef>
+          <a:fillRef idx="0">
+            <a:schemeClr val="accent1"/>
+          </a:fillRef>
+          <a:effectRef idx="0">
+            <a:schemeClr val="accent1"/>
+          </a:effectRef>
+          <a:fontRef idx="minor">
+            <a:schemeClr val="tx1"/>
+          </a:fontRef>
+        </p:style>
+      </p:cxnSp>
+      <p:sp>
+        <p:nvSpPr>
+          <p:cNvPr id="48" name="テキスト ボックス 47">
+            <a:extLst>
+              <a:ext uri="{FF2B5EF4-FFF2-40B4-BE49-F238E27FC236}">
+                <a16:creationId xmlns:a16="http://schemas.microsoft.com/office/drawing/2014/main" id="{82C42B66-B852-BD19-651D-CB90092947B9}"/>
+              </a:ext>
+            </a:extLst>
+          </p:cNvPr>
+          <p:cNvSpPr txBox="1"/>
+          <p:nvPr/>
+        </p:nvSpPr>
+        <p:spPr>
+          <a:xfrm>
+            <a:off x="7290637" y="2735020"/>
+            <a:ext cx="874526" cy="230832"/>
+          </a:xfrm>
+          <a:prstGeom prst="rect">
+            <a:avLst/>
+          </a:prstGeom>
+          <a:solidFill>
+            <a:schemeClr val="accent4">
+              <a:lumMod val="20000"/>
+              <a:lumOff val="80000"/>
+            </a:schemeClr>
+          </a:solidFill>
+        </p:spPr>
+        <p:txBody>
+          <a:bodyPr wrap="square" rtlCol="0">
+            <a:spAutoFit/>
+          </a:bodyPr>
+          <a:lstStyle/>
+          <a:p>
+            <a:pPr algn="ctr"/>
+            <a:r>
+              <a:rPr lang="ja-JP" altLang="en-US" sz="900" dirty="0"/>
+              <a:t>ある</a:t>
+            </a:r>
+            <a:endParaRPr kumimoji="1" lang="ja-JP" altLang="en-US" sz="900" dirty="0"/>
+          </a:p>
+        </p:txBody>
+      </p:sp>
+      <p:sp>
+        <p:nvSpPr>
+          <p:cNvPr id="51" name="テキスト ボックス 50">
+            <a:extLst>
+              <a:ext uri="{FF2B5EF4-FFF2-40B4-BE49-F238E27FC236}">
+                <a16:creationId xmlns:a16="http://schemas.microsoft.com/office/drawing/2014/main" id="{08E434F9-48E7-38BC-E1DF-B47FC551E9AB}"/>
+              </a:ext>
+            </a:extLst>
+          </p:cNvPr>
+          <p:cNvSpPr txBox="1"/>
+          <p:nvPr/>
+        </p:nvSpPr>
+        <p:spPr>
+          <a:xfrm>
+            <a:off x="4270577" y="3659025"/>
+            <a:ext cx="874526" cy="230832"/>
+          </a:xfrm>
+          <a:prstGeom prst="rect">
+            <a:avLst/>
+          </a:prstGeom>
+          <a:solidFill>
+            <a:schemeClr val="accent4">
+              <a:lumMod val="20000"/>
+              <a:lumOff val="80000"/>
+            </a:schemeClr>
+          </a:solidFill>
+        </p:spPr>
+        <p:txBody>
+          <a:bodyPr wrap="square" rtlCol="0">
+            <a:spAutoFit/>
+          </a:bodyPr>
+          <a:lstStyle/>
+          <a:p>
+            <a:pPr algn="ctr"/>
+            <a:r>
+              <a:rPr lang="ja-JP" altLang="en-US" sz="900" dirty="0"/>
+              <a:t>ない</a:t>
+            </a:r>
+            <a:endParaRPr kumimoji="1" lang="ja-JP" altLang="en-US" sz="900" dirty="0"/>
+          </a:p>
+        </p:txBody>
+      </p:sp>
+      <p:cxnSp>
+        <p:nvCxnSpPr>
+          <p:cNvPr id="53" name="コネクタ: 曲線 52">
+            <a:extLst>
+              <a:ext uri="{FF2B5EF4-FFF2-40B4-BE49-F238E27FC236}">
+                <a16:creationId xmlns:a16="http://schemas.microsoft.com/office/drawing/2014/main" id="{11F8576D-2C50-AF35-9B62-6B298B39C2EE}"/>
+              </a:ext>
+            </a:extLst>
+          </p:cNvPr>
+          <p:cNvCxnSpPr>
+            <a:cxnSpLocks/>
+            <a:stCxn id="33" idx="1"/>
+            <a:endCxn id="17" idx="1"/>
+          </p:cNvCxnSpPr>
+          <p:nvPr/>
+        </p:nvCxnSpPr>
+        <p:spPr>
+          <a:xfrm rot="10800000">
+            <a:off x="3964056" y="3011587"/>
+            <a:ext cx="332960" cy="1479375"/>
+          </a:xfrm>
+          <a:prstGeom prst="curvedConnector3">
+            <a:avLst>
+              <a:gd name="adj1" fmla="val 168657"/>
+            </a:avLst>
+          </a:prstGeom>
+          <a:ln w="28575">
+            <a:tailEnd type="triangle"/>
+          </a:ln>
+        </p:spPr>
+        <p:style>
+          <a:lnRef idx="1">
+            <a:schemeClr val="accent1"/>
+          </a:lnRef>
+          <a:fillRef idx="0">
+            <a:schemeClr val="accent1"/>
+          </a:fillRef>
+          <a:effectRef idx="0">
+            <a:schemeClr val="accent1"/>
+          </a:effectRef>
+          <a:fontRef idx="minor">
+            <a:schemeClr val="tx1"/>
+          </a:fontRef>
+        </p:style>
+      </p:cxnSp>
+      <p:sp>
+        <p:nvSpPr>
+          <p:cNvPr id="56" name="テキスト ボックス 55">
+            <a:extLst>
+              <a:ext uri="{FF2B5EF4-FFF2-40B4-BE49-F238E27FC236}">
+                <a16:creationId xmlns:a16="http://schemas.microsoft.com/office/drawing/2014/main" id="{E41F4A2B-8ADE-16B4-E38E-FB925CDC6D56}"/>
+              </a:ext>
+            </a:extLst>
+          </p:cNvPr>
+          <p:cNvSpPr txBox="1"/>
+          <p:nvPr/>
+        </p:nvSpPr>
+        <p:spPr>
+          <a:xfrm>
+            <a:off x="2775228" y="3635858"/>
+            <a:ext cx="894726" cy="230832"/>
+          </a:xfrm>
+          <a:prstGeom prst="rect">
+            <a:avLst/>
+          </a:prstGeom>
+          <a:solidFill>
+            <a:schemeClr val="accent4">
+              <a:lumMod val="20000"/>
+              <a:lumOff val="80000"/>
+            </a:schemeClr>
+          </a:solidFill>
+        </p:spPr>
+        <p:txBody>
+          <a:bodyPr wrap="square" rtlCol="0">
+            <a:spAutoFit/>
+          </a:bodyPr>
+          <a:lstStyle/>
+          <a:p>
+            <a:pPr algn="ctr"/>
+            <a:r>
+              <a:rPr kumimoji="1" lang="ja-JP" altLang="en-US" sz="900" dirty="0"/>
+              <a:t>ログイン失敗</a:t>
+            </a:r>
+          </a:p>
+        </p:txBody>
+      </p:sp>
+      <p:cxnSp>
+        <p:nvCxnSpPr>
+          <p:cNvPr id="59" name="コネクタ: 曲線 58">
+            <a:extLst>
+              <a:ext uri="{FF2B5EF4-FFF2-40B4-BE49-F238E27FC236}">
+                <a16:creationId xmlns:a16="http://schemas.microsoft.com/office/drawing/2014/main" id="{646B25C9-69E3-7071-A7EF-9D3C74E18497}"/>
+              </a:ext>
+            </a:extLst>
+          </p:cNvPr>
+          <p:cNvCxnSpPr>
+            <a:cxnSpLocks/>
+            <a:stCxn id="33" idx="3"/>
+            <a:endCxn id="28" idx="1"/>
+          </p:cNvCxnSpPr>
+          <p:nvPr/>
+        </p:nvCxnSpPr>
+        <p:spPr>
+          <a:xfrm flipV="1">
+            <a:off x="6096000" y="3011589"/>
+            <a:ext cx="2930841" cy="1479372"/>
+          </a:xfrm>
+          <a:prstGeom prst="curvedConnector3">
+            <a:avLst>
+              <a:gd name="adj1" fmla="val 50000"/>
+            </a:avLst>
+          </a:prstGeom>
+          <a:ln w="28575">
+            <a:tailEnd type="triangle"/>
+          </a:ln>
+        </p:spPr>
+        <p:style>
+          <a:lnRef idx="1">
+            <a:schemeClr val="accent1"/>
+          </a:lnRef>
+          <a:fillRef idx="0">
+            <a:schemeClr val="accent1"/>
+          </a:fillRef>
+          <a:effectRef idx="0">
+            <a:schemeClr val="accent1"/>
+          </a:effectRef>
+          <a:fontRef idx="minor">
+            <a:schemeClr val="tx1"/>
+          </a:fontRef>
+        </p:style>
+      </p:cxnSp>
+      <p:sp>
+        <p:nvSpPr>
+          <p:cNvPr id="65" name="テキスト ボックス 64">
+            <a:extLst>
+              <a:ext uri="{FF2B5EF4-FFF2-40B4-BE49-F238E27FC236}">
+                <a16:creationId xmlns:a16="http://schemas.microsoft.com/office/drawing/2014/main" id="{87BD93C5-533B-8380-5116-ED18A15ED7C4}"/>
+              </a:ext>
+            </a:extLst>
+          </p:cNvPr>
+          <p:cNvSpPr txBox="1"/>
+          <p:nvPr/>
+        </p:nvSpPr>
+        <p:spPr>
+          <a:xfrm>
+            <a:off x="6553576" y="3751274"/>
+            <a:ext cx="894726" cy="230832"/>
+          </a:xfrm>
+          <a:prstGeom prst="rect">
+            <a:avLst/>
+          </a:prstGeom>
+          <a:solidFill>
+            <a:schemeClr val="accent4">
+              <a:lumMod val="20000"/>
+              <a:lumOff val="80000"/>
+            </a:schemeClr>
+          </a:solidFill>
+        </p:spPr>
+        <p:txBody>
+          <a:bodyPr wrap="square" rtlCol="0">
+            <a:spAutoFit/>
+          </a:bodyPr>
+          <a:lstStyle/>
+          <a:p>
+            <a:pPr algn="ctr"/>
+            <a:r>
+              <a:rPr kumimoji="1" lang="ja-JP" altLang="en-US" sz="900" dirty="0"/>
+              <a:t>ログイン成功</a:t>
+            </a:r>
+          </a:p>
+        </p:txBody>
+      </p:sp>
+      <p:sp>
+        <p:nvSpPr>
+          <p:cNvPr id="2" name="テキスト ボックス 1">
+            <a:extLst>
+              <a:ext uri="{FF2B5EF4-FFF2-40B4-BE49-F238E27FC236}">
+                <a16:creationId xmlns:a16="http://schemas.microsoft.com/office/drawing/2014/main" id="{F14BBACB-06E1-261E-B120-E2C6B4F4471E}"/>
+              </a:ext>
+            </a:extLst>
+          </p:cNvPr>
+          <p:cNvSpPr txBox="1"/>
+          <p:nvPr/>
+        </p:nvSpPr>
+        <p:spPr>
+          <a:xfrm>
+            <a:off x="10083272" y="1075375"/>
+            <a:ext cx="1798984" cy="230832"/>
+          </a:xfrm>
+          <a:prstGeom prst="rect">
+            <a:avLst/>
+          </a:prstGeom>
+          <a:solidFill>
+            <a:schemeClr val="accent4">
+              <a:lumMod val="20000"/>
+              <a:lumOff val="80000"/>
+            </a:schemeClr>
+          </a:solidFill>
+        </p:spPr>
+        <p:txBody>
+          <a:bodyPr wrap="square" rtlCol="0">
+            <a:spAutoFit/>
+          </a:bodyPr>
+          <a:lstStyle/>
+          <a:p>
+            <a:pPr algn="ctr"/>
+            <a:r>
+              <a:rPr lang="en-US" altLang="ja-JP" sz="900" dirty="0"/>
+              <a:t>※</a:t>
+            </a:r>
+            <a:r>
+              <a:rPr lang="ja-JP" altLang="en-US" sz="900" dirty="0"/>
+              <a:t>管理者ログイン時のフロー</a:t>
+            </a:r>
+            <a:endParaRPr kumimoji="1" lang="ja-JP" altLang="en-US" sz="900" dirty="0"/>
+          </a:p>
+        </p:txBody>
+      </p:sp>
+      <p:sp>
+        <p:nvSpPr>
+          <p:cNvPr id="7" name="正方形/長方形 6">
+            <a:extLst>
+              <a:ext uri="{FF2B5EF4-FFF2-40B4-BE49-F238E27FC236}">
+                <a16:creationId xmlns:a16="http://schemas.microsoft.com/office/drawing/2014/main" id="{2B6F3CCB-08D7-2D21-58D7-82FD82A4F907}"/>
               </a:ext>
             </a:extLst>
           </p:cNvPr>
@@ -6729,14 +9198,14 @@
         </p:nvSpPr>
         <p:spPr>
           <a:xfrm>
-            <a:off x="9286030" y="3702148"/>
+            <a:off x="5650370" y="1583895"/>
             <a:ext cx="1798984" cy="523220"/>
           </a:xfrm>
           <a:prstGeom prst="rect">
             <a:avLst/>
           </a:prstGeom>
           <a:solidFill>
-            <a:schemeClr val="accent6">
+            <a:schemeClr val="accent1">
               <a:lumMod val="20000"/>
               <a:lumOff val="80000"/>
             </a:schemeClr>
@@ -6769,31 +9238,52 @@
                   <a:schemeClr val="tx1"/>
                 </a:solidFill>
               </a:rPr>
-              <a:t>各種メニューページ</a:t>
-            </a:r>
+              <a:t>ログインページ</a:t>
+            </a:r>
+            <a:endParaRPr kumimoji="1" lang="en-US" altLang="ja-JP" sz="900" dirty="0">
+              <a:solidFill>
+                <a:schemeClr val="tx1"/>
+              </a:solidFill>
+            </a:endParaRPr>
+          </a:p>
+          <a:p>
+            <a:pPr algn="ctr"/>
+            <a:r>
+              <a:rPr lang="ja-JP" altLang="en-US" sz="900" dirty="0">
+                <a:solidFill>
+                  <a:schemeClr val="tx1"/>
+                </a:solidFill>
+              </a:rPr>
+              <a:t>（セッション）</a:t>
+            </a:r>
+            <a:endParaRPr kumimoji="1" lang="ja-JP" altLang="en-US" sz="900" dirty="0">
+              <a:solidFill>
+                <a:schemeClr val="tx1"/>
+              </a:solidFill>
+            </a:endParaRPr>
           </a:p>
         </p:txBody>
       </p:sp>
       <p:cxnSp>
         <p:nvCxnSpPr>
-          <p:cNvPr id="29" name="直線矢印コネクタ 28">
-            <a:extLst>
-              <a:ext uri="{FF2B5EF4-FFF2-40B4-BE49-F238E27FC236}">
-                <a16:creationId xmlns:a16="http://schemas.microsoft.com/office/drawing/2014/main" id="{DA81334F-5778-49DB-B710-0EF4A697E99A}"/>
+          <p:cNvPr id="8" name="直線矢印コネクタ 7">
+            <a:extLst>
+              <a:ext uri="{FF2B5EF4-FFF2-40B4-BE49-F238E27FC236}">
+                <a16:creationId xmlns:a16="http://schemas.microsoft.com/office/drawing/2014/main" id="{2946BF86-432E-D7FB-44E2-21BE9E9C9B0C}"/>
               </a:ext>
             </a:extLst>
           </p:cNvPr>
           <p:cNvCxnSpPr>
             <a:cxnSpLocks/>
-            <a:stCxn id="17" idx="3"/>
-            <a:endCxn id="28" idx="1"/>
+            <a:stCxn id="7" idx="2"/>
+            <a:endCxn id="17" idx="0"/>
           </p:cNvCxnSpPr>
           <p:nvPr/>
         </p:nvCxnSpPr>
         <p:spPr>
-          <a:xfrm>
-            <a:off x="8289292" y="3958707"/>
-            <a:ext cx="996738" cy="5051"/>
+          <a:xfrm flipH="1">
+            <a:off x="5196508" y="2107115"/>
+            <a:ext cx="1353354" cy="519359"/>
           </a:xfrm>
           <a:prstGeom prst="straightConnector1">
             <a:avLst/>
@@ -6819,86 +9309,71 @@
       </p:cxnSp>
       <p:sp>
         <p:nvSpPr>
-          <p:cNvPr id="33" name="正方形/長方形 32">
-            <a:extLst>
-              <a:ext uri="{FF2B5EF4-FFF2-40B4-BE49-F238E27FC236}">
-                <a16:creationId xmlns:a16="http://schemas.microsoft.com/office/drawing/2014/main" id="{0403F59F-27CC-5E76-6E69-21818DCB30F8}"/>
-              </a:ext>
-            </a:extLst>
-          </p:cNvPr>
-          <p:cNvSpPr/>
+          <p:cNvPr id="42" name="テキスト ボックス 41">
+            <a:extLst>
+              <a:ext uri="{FF2B5EF4-FFF2-40B4-BE49-F238E27FC236}">
+                <a16:creationId xmlns:a16="http://schemas.microsoft.com/office/drawing/2014/main" id="{DFF73CB9-CAA9-AF07-9A52-81ACAEA080D9}"/>
+              </a:ext>
+            </a:extLst>
+          </p:cNvPr>
+          <p:cNvSpPr txBox="1"/>
           <p:nvPr/>
         </p:nvSpPr>
         <p:spPr>
           <a:xfrm>
-            <a:off x="6157348" y="5009479"/>
-            <a:ext cx="1798984" cy="523220"/>
+            <a:off x="4754142" y="2249448"/>
+            <a:ext cx="874526" cy="230832"/>
           </a:xfrm>
           <a:prstGeom prst="rect">
             <a:avLst/>
           </a:prstGeom>
           <a:solidFill>
-            <a:schemeClr val="accent1">
+            <a:schemeClr val="accent4">
               <a:lumMod val="20000"/>
               <a:lumOff val="80000"/>
             </a:schemeClr>
           </a:solidFill>
         </p:spPr>
-        <p:style>
-          <a:lnRef idx="2">
-            <a:schemeClr val="accent1">
-              <a:shade val="15000"/>
-            </a:schemeClr>
-          </a:lnRef>
-          <a:fillRef idx="1">
-            <a:schemeClr val="accent1"/>
-          </a:fillRef>
-          <a:effectRef idx="0">
-            <a:schemeClr val="accent1"/>
-          </a:effectRef>
-          <a:fontRef idx="minor">
-            <a:schemeClr val="lt1"/>
-          </a:fontRef>
-        </p:style>
-        <p:txBody>
-          <a:bodyPr rtlCol="0" anchor="ctr"/>
+        <p:txBody>
+          <a:bodyPr wrap="square" rtlCol="0">
+            <a:spAutoFit/>
+          </a:bodyPr>
           <a:lstStyle/>
           <a:p>
             <a:pPr algn="ctr"/>
             <a:r>
-              <a:rPr kumimoji="1" lang="ja-JP" altLang="en-US" sz="900" dirty="0">
-                <a:solidFill>
-                  <a:schemeClr val="tx1"/>
-                </a:solidFill>
-              </a:rPr>
-              <a:t>公演ログインページ</a:t>
+              <a:rPr kumimoji="1" lang="ja-JP" altLang="en-US" sz="900" dirty="0"/>
+              <a:t>ログイン成功</a:t>
             </a:r>
           </a:p>
         </p:txBody>
       </p:sp>
       <p:cxnSp>
         <p:nvCxnSpPr>
-          <p:cNvPr id="40" name="直線矢印コネクタ 39">
-            <a:extLst>
-              <a:ext uri="{FF2B5EF4-FFF2-40B4-BE49-F238E27FC236}">
-                <a16:creationId xmlns:a16="http://schemas.microsoft.com/office/drawing/2014/main" id="{E3F034EA-71DB-A600-3DBA-E392EE3CDB59}"/>
+          <p:cNvPr id="45" name="コネクタ: 曲線 44">
+            <a:extLst>
+              <a:ext uri="{FF2B5EF4-FFF2-40B4-BE49-F238E27FC236}">
+                <a16:creationId xmlns:a16="http://schemas.microsoft.com/office/drawing/2014/main" id="{844577EA-0B8C-7940-BBDA-4F71AA55857F}"/>
               </a:ext>
             </a:extLst>
           </p:cNvPr>
           <p:cNvCxnSpPr>
             <a:cxnSpLocks/>
-            <a:stCxn id="17" idx="2"/>
-            <a:endCxn id="33" idx="0"/>
+            <a:stCxn id="33" idx="2"/>
+            <a:endCxn id="18" idx="1"/>
           </p:cNvCxnSpPr>
           <p:nvPr/>
         </p:nvCxnSpPr>
         <p:spPr>
-          <a:xfrm>
-            <a:off x="7056840" y="4343819"/>
-            <a:ext cx="0" cy="665660"/>
-          </a:xfrm>
-          <a:prstGeom prst="straightConnector1">
-            <a:avLst/>
+          <a:xfrm rot="5400000" flipH="1">
+            <a:off x="2584058" y="2140121"/>
+            <a:ext cx="2904662" cy="2320238"/>
+          </a:xfrm>
+          <a:prstGeom prst="curvedConnector4">
+            <a:avLst>
+              <a:gd name="adj1" fmla="val -7870"/>
+              <a:gd name="adj2" fmla="val 109852"/>
+            </a:avLst>
           </a:prstGeom>
           <a:ln w="28575">
             <a:tailEnd type="triangle"/>
@@ -6921,10 +9396,10 @@
       </p:cxnSp>
       <p:sp>
         <p:nvSpPr>
-          <p:cNvPr id="48" name="テキスト ボックス 47">
-            <a:extLst>
-              <a:ext uri="{FF2B5EF4-FFF2-40B4-BE49-F238E27FC236}">
-                <a16:creationId xmlns:a16="http://schemas.microsoft.com/office/drawing/2014/main" id="{82C42B66-B852-BD19-651D-CB90092947B9}"/>
+          <p:cNvPr id="52" name="テキスト ボックス 51">
+            <a:extLst>
+              <a:ext uri="{FF2B5EF4-FFF2-40B4-BE49-F238E27FC236}">
+                <a16:creationId xmlns:a16="http://schemas.microsoft.com/office/drawing/2014/main" id="{7BD7B8D7-342A-BC5E-7F53-2A47474EA5CC}"/>
               </a:ext>
             </a:extLst>
           </p:cNvPr>
@@ -6933,8 +9408,8 @@
         </p:nvSpPr>
         <p:spPr>
           <a:xfrm>
-            <a:off x="8289291" y="3653881"/>
-            <a:ext cx="874526" cy="230832"/>
+            <a:off x="1681432" y="3428193"/>
+            <a:ext cx="894726" cy="230832"/>
           </a:xfrm>
           <a:prstGeom prst="rect">
             <a:avLst/>
@@ -6954,93 +9429,166 @@
           <a:p>
             <a:pPr algn="ctr"/>
             <a:r>
-              <a:rPr lang="ja-JP" altLang="en-US" sz="900" dirty="0"/>
-              <a:t>ある</a:t>
-            </a:r>
-            <a:endParaRPr kumimoji="1" lang="ja-JP" altLang="en-US" sz="900" dirty="0"/>
-          </a:p>
-        </p:txBody>
-      </p:sp>
-      <p:sp>
-        <p:nvSpPr>
-          <p:cNvPr id="51" name="テキスト ボックス 50">
-            <a:extLst>
-              <a:ext uri="{FF2B5EF4-FFF2-40B4-BE49-F238E27FC236}">
-                <a16:creationId xmlns:a16="http://schemas.microsoft.com/office/drawing/2014/main" id="{08E434F9-48E7-38BC-E1DF-B47FC551E9AB}"/>
-              </a:ext>
-            </a:extLst>
-          </p:cNvPr>
-          <p:cNvSpPr txBox="1"/>
+              <a:rPr kumimoji="1" lang="ja-JP" altLang="en-US" sz="900" dirty="0"/>
+              <a:t>ログアウト</a:t>
+            </a:r>
+            <a:endParaRPr kumimoji="1" lang="en-US" altLang="ja-JP" sz="900" dirty="0"/>
+          </a:p>
+        </p:txBody>
+      </p:sp>
+    </p:spTree>
+    <p:extLst>
+      <p:ext uri="{BB962C8B-B14F-4D97-AF65-F5344CB8AC3E}">
+        <p14:creationId xmlns:p14="http://schemas.microsoft.com/office/powerpoint/2010/main" val="4029591087"/>
+      </p:ext>
+    </p:extLst>
+  </p:cSld>
+  <p:clrMapOvr>
+    <a:masterClrMapping/>
+  </p:clrMapOvr>
+</p:sld>
+</file>
+
+<file path=ppt/slides/slide6.xml><?xml version="1.0" encoding="utf-8"?>
+<p:sld xmlns:a="http://schemas.openxmlformats.org/drawingml/2006/main" xmlns:r="http://schemas.openxmlformats.org/officeDocument/2006/relationships" xmlns:p="http://schemas.openxmlformats.org/presentationml/2006/main">
+  <p:cSld>
+    <p:spTree>
+      <p:nvGrpSpPr>
+        <p:cNvPr id="1" name="">
+          <a:extLst>
+            <a:ext uri="{FF2B5EF4-FFF2-40B4-BE49-F238E27FC236}">
+              <a16:creationId xmlns:a16="http://schemas.microsoft.com/office/drawing/2014/main" id="{3A02207E-C61D-B6F1-C712-A990094C975D}"/>
+            </a:ext>
+          </a:extLst>
+        </p:cNvPr>
+        <p:cNvGrpSpPr/>
+        <p:nvPr/>
+      </p:nvGrpSpPr>
+      <p:grpSpPr>
+        <a:xfrm>
+          <a:off x="0" y="0"/>
+          <a:ext cx="0" cy="0"/>
+          <a:chOff x="0" y="0"/>
+          <a:chExt cx="0" cy="0"/>
+        </a:xfrm>
+      </p:grpSpPr>
+      <p:sp>
+        <p:nvSpPr>
+          <p:cNvPr id="3" name="字幕 2">
+            <a:extLst>
+              <a:ext uri="{FF2B5EF4-FFF2-40B4-BE49-F238E27FC236}">
+                <a16:creationId xmlns:a16="http://schemas.microsoft.com/office/drawing/2014/main" id="{48E61C3A-DDBA-7D84-3F45-F40946BC5B6B}"/>
+              </a:ext>
+            </a:extLst>
+          </p:cNvPr>
+          <p:cNvSpPr>
+            <a:spLocks noGrp="1"/>
+          </p:cNvSpPr>
+          <p:nvPr>
+            <p:ph type="subTitle" idx="1"/>
+          </p:nvPr>
+        </p:nvSpPr>
+        <p:spPr>
+          <a:xfrm>
+            <a:off x="0" y="0"/>
+            <a:ext cx="2001068" cy="318986"/>
+          </a:xfrm>
+        </p:spPr>
+        <p:txBody>
+          <a:bodyPr>
+            <a:normAutofit/>
+          </a:bodyPr>
+          <a:lstStyle/>
+          <a:p>
+            <a:pPr algn="l"/>
+            <a:r>
+              <a:rPr lang="ja-JP" altLang="en-US" sz="1400" dirty="0">
+                <a:latin typeface="HGS明朝E" panose="02020900000000000000" pitchFamily="18" charset="-128"/>
+                <a:ea typeface="HGS明朝E" panose="02020900000000000000" pitchFamily="18" charset="-128"/>
+              </a:rPr>
+              <a:t>チケット予約システム</a:t>
+            </a:r>
+            <a:endParaRPr kumimoji="1" lang="ja-JP" altLang="en-US" sz="1400" dirty="0">
+              <a:latin typeface="HGS明朝E" panose="02020900000000000000" pitchFamily="18" charset="-128"/>
+              <a:ea typeface="HGS明朝E" panose="02020900000000000000" pitchFamily="18" charset="-128"/>
+            </a:endParaRPr>
+          </a:p>
+        </p:txBody>
+      </p:sp>
+      <p:pic>
+        <p:nvPicPr>
+          <p:cNvPr id="4" name="図 3" descr="黒い背景に白い文字がある&#10;&#10;低い精度で自動的に生成された説明">
+            <a:extLst>
+              <a:ext uri="{FF2B5EF4-FFF2-40B4-BE49-F238E27FC236}">
+                <a16:creationId xmlns:a16="http://schemas.microsoft.com/office/drawing/2014/main" id="{7ABF62C9-F343-FB45-3EBC-8147E7ED38C1}"/>
+              </a:ext>
+            </a:extLst>
+          </p:cNvPr>
+          <p:cNvPicPr>
+            <a:picLocks noChangeAspect="1"/>
+          </p:cNvPicPr>
           <p:nvPr/>
-        </p:nvSpPr>
-        <p:spPr>
-          <a:xfrm>
-            <a:off x="6096000" y="4439391"/>
-            <a:ext cx="874526" cy="230832"/>
+        </p:nvPicPr>
+        <p:blipFill>
+          <a:blip r:embed="rId2">
+            <a:extLst>
+              <a:ext uri="{28A0092B-C50C-407E-A947-70E740481C1C}">
+                <a14:useLocalDpi xmlns:a14="http://schemas.microsoft.com/office/drawing/2010/main" val="0"/>
+              </a:ext>
+            </a:extLst>
+          </a:blip>
+          <a:stretch>
+            <a:fillRect/>
+          </a:stretch>
+        </p:blipFill>
+        <p:spPr>
+          <a:xfrm>
+            <a:off x="9982230" y="121271"/>
+            <a:ext cx="2001068" cy="636703"/>
           </a:xfrm>
           <a:prstGeom prst="rect">
             <a:avLst/>
           </a:prstGeom>
-          <a:solidFill>
-            <a:schemeClr val="accent4">
-              <a:lumMod val="20000"/>
-              <a:lumOff val="80000"/>
-            </a:schemeClr>
-          </a:solidFill>
-        </p:spPr>
-        <p:txBody>
-          <a:bodyPr wrap="square" rtlCol="0">
-            <a:spAutoFit/>
-          </a:bodyPr>
-          <a:lstStyle/>
-          <a:p>
-            <a:pPr algn="ctr"/>
-            <a:r>
-              <a:rPr lang="ja-JP" altLang="en-US" sz="900" dirty="0"/>
-              <a:t>ない</a:t>
-            </a:r>
-            <a:endParaRPr kumimoji="1" lang="ja-JP" altLang="en-US" sz="900" dirty="0"/>
-          </a:p>
-        </p:txBody>
-      </p:sp>
+        </p:spPr>
+      </p:pic>
       <p:cxnSp>
         <p:nvCxnSpPr>
-          <p:cNvPr id="53" name="コネクタ: 曲線 52">
-            <a:extLst>
-              <a:ext uri="{FF2B5EF4-FFF2-40B4-BE49-F238E27FC236}">
-                <a16:creationId xmlns:a16="http://schemas.microsoft.com/office/drawing/2014/main" id="{11F8576D-2C50-AF35-9B62-6B298B39C2EE}"/>
+          <p:cNvPr id="9" name="直線コネクタ 8">
+            <a:extLst>
+              <a:ext uri="{FF2B5EF4-FFF2-40B4-BE49-F238E27FC236}">
+                <a16:creationId xmlns:a16="http://schemas.microsoft.com/office/drawing/2014/main" id="{53DF6E74-0319-4784-D7A9-C4552EB04377}"/>
               </a:ext>
             </a:extLst>
           </p:cNvPr>
           <p:cNvCxnSpPr>
             <a:cxnSpLocks/>
-            <a:stCxn id="33" idx="1"/>
-            <a:endCxn id="17" idx="1"/>
           </p:cNvCxnSpPr>
           <p:nvPr/>
         </p:nvCxnSpPr>
         <p:spPr>
-          <a:xfrm rot="10800000">
-            <a:off x="5824388" y="3958707"/>
-            <a:ext cx="332960" cy="1312382"/>
-          </a:xfrm>
-          <a:prstGeom prst="curvedConnector3">
-            <a:avLst>
-              <a:gd name="adj1" fmla="val 168657"/>
-            </a:avLst>
-          </a:prstGeom>
-          <a:ln w="28575">
-            <a:tailEnd type="triangle"/>
+          <a:xfrm>
+            <a:off x="0" y="757974"/>
+            <a:ext cx="9513651" cy="0"/>
+          </a:xfrm>
+          <a:prstGeom prst="line">
+            <a:avLst/>
+          </a:prstGeom>
+          <a:ln>
+            <a:solidFill>
+              <a:schemeClr val="accent1">
+                <a:lumMod val="50000"/>
+              </a:schemeClr>
+            </a:solidFill>
           </a:ln>
         </p:spPr>
         <p:style>
-          <a:lnRef idx="1">
+          <a:lnRef idx="2">
             <a:schemeClr val="accent1"/>
           </a:lnRef>
           <a:fillRef idx="0">
             <a:schemeClr val="accent1"/>
           </a:fillRef>
-          <a:effectRef idx="0">
+          <a:effectRef idx="1">
             <a:schemeClr val="accent1"/>
           </a:effectRef>
           <a:fontRef idx="minor">
@@ -7050,10 +9598,10 @@
       </p:cxnSp>
       <p:sp>
         <p:nvSpPr>
-          <p:cNvPr id="56" name="テキスト ボックス 55">
-            <a:extLst>
-              <a:ext uri="{FF2B5EF4-FFF2-40B4-BE49-F238E27FC236}">
-                <a16:creationId xmlns:a16="http://schemas.microsoft.com/office/drawing/2014/main" id="{E41F4A2B-8ADE-16B4-E38E-FB925CDC6D56}"/>
+          <p:cNvPr id="15" name="テキスト ボックス 14">
+            <a:extLst>
+              <a:ext uri="{FF2B5EF4-FFF2-40B4-BE49-F238E27FC236}">
+                <a16:creationId xmlns:a16="http://schemas.microsoft.com/office/drawing/2014/main" id="{388F1902-E64A-3EB0-A42E-5830F53B13B3}"/>
               </a:ext>
             </a:extLst>
           </p:cNvPr>
@@ -7062,18 +9610,13 @@
         </p:nvSpPr>
         <p:spPr>
           <a:xfrm>
-            <a:off x="4598365" y="4856228"/>
-            <a:ext cx="894726" cy="230832"/>
+            <a:off x="1050587" y="233464"/>
+            <a:ext cx="8463063" cy="523220"/>
           </a:xfrm>
           <a:prstGeom prst="rect">
             <a:avLst/>
           </a:prstGeom>
-          <a:solidFill>
-            <a:schemeClr val="accent4">
-              <a:lumMod val="20000"/>
-              <a:lumOff val="80000"/>
-            </a:schemeClr>
-          </a:solidFill>
+          <a:noFill/>
         </p:spPr>
         <p:txBody>
           <a:bodyPr wrap="square" rtlCol="0">
@@ -7081,65 +9624,29 @@
           </a:bodyPr>
           <a:lstStyle/>
           <a:p>
-            <a:pPr algn="ctr"/>
-            <a:r>
-              <a:rPr kumimoji="1" lang="ja-JP" altLang="en-US" sz="900" dirty="0"/>
-              <a:t>ログイン失敗</a:t>
-            </a:r>
-          </a:p>
-        </p:txBody>
-      </p:sp>
-      <p:cxnSp>
-        <p:nvCxnSpPr>
-          <p:cNvPr id="59" name="コネクタ: 曲線 58">
-            <a:extLst>
-              <a:ext uri="{FF2B5EF4-FFF2-40B4-BE49-F238E27FC236}">
-                <a16:creationId xmlns:a16="http://schemas.microsoft.com/office/drawing/2014/main" id="{646B25C9-69E3-7071-A7EF-9D3C74E18497}"/>
-              </a:ext>
-            </a:extLst>
-          </p:cNvPr>
-          <p:cNvCxnSpPr>
-            <a:cxnSpLocks/>
-            <a:stCxn id="33" idx="3"/>
-            <a:endCxn id="28" idx="1"/>
-          </p:cNvCxnSpPr>
-          <p:nvPr/>
-        </p:nvCxnSpPr>
-        <p:spPr>
-          <a:xfrm flipV="1">
-            <a:off x="7956332" y="3963758"/>
-            <a:ext cx="1329698" cy="1307331"/>
-          </a:xfrm>
-          <a:prstGeom prst="curvedConnector3">
-            <a:avLst>
-              <a:gd name="adj1" fmla="val 50000"/>
-            </a:avLst>
-          </a:prstGeom>
-          <a:ln w="28575">
-            <a:tailEnd type="triangle"/>
-          </a:ln>
-        </p:spPr>
-        <p:style>
-          <a:lnRef idx="1">
-            <a:schemeClr val="accent1"/>
-          </a:lnRef>
-          <a:fillRef idx="0">
-            <a:schemeClr val="accent1"/>
-          </a:fillRef>
-          <a:effectRef idx="0">
-            <a:schemeClr val="accent1"/>
-          </a:effectRef>
-          <a:fontRef idx="minor">
-            <a:schemeClr val="tx1"/>
-          </a:fontRef>
-        </p:style>
-      </p:cxnSp>
-      <p:sp>
-        <p:nvSpPr>
-          <p:cNvPr id="65" name="テキスト ボックス 64">
-            <a:extLst>
-              <a:ext uri="{FF2B5EF4-FFF2-40B4-BE49-F238E27FC236}">
-                <a16:creationId xmlns:a16="http://schemas.microsoft.com/office/drawing/2014/main" id="{87BD93C5-533B-8380-5116-ED18A15ED7C4}"/>
+            <a:r>
+              <a:rPr kumimoji="1" lang="en-US" altLang="ja-JP" sz="2800" dirty="0">
+                <a:latin typeface="HGS明朝E" panose="02020900000000000000" pitchFamily="18" charset="-128"/>
+                <a:ea typeface="HGS明朝E" panose="02020900000000000000" pitchFamily="18" charset="-128"/>
+              </a:rPr>
+              <a:t>Chapter 2 : </a:t>
+            </a:r>
+            <a:r>
+              <a:rPr kumimoji="1" lang="ja-JP" altLang="en-US" sz="2800" dirty="0">
+                <a:latin typeface="HGS明朝E" panose="02020900000000000000" pitchFamily="18" charset="-128"/>
+                <a:ea typeface="HGS明朝E" panose="02020900000000000000" pitchFamily="18" charset="-128"/>
+              </a:rPr>
+              <a:t>シーケンス図</a:t>
+            </a:r>
+          </a:p>
+        </p:txBody>
+      </p:sp>
+      <p:sp>
+        <p:nvSpPr>
+          <p:cNvPr id="17" name="テキスト ボックス 16">
+            <a:extLst>
+              <a:ext uri="{FF2B5EF4-FFF2-40B4-BE49-F238E27FC236}">
+                <a16:creationId xmlns:a16="http://schemas.microsoft.com/office/drawing/2014/main" id="{00B0A249-7E02-F115-8ED8-604393D804E3}"/>
               </a:ext>
             </a:extLst>
           </p:cNvPr>
@@ -7148,18 +9655,13 @@
         </p:nvSpPr>
         <p:spPr>
           <a:xfrm>
-            <a:off x="8725848" y="4856228"/>
-            <a:ext cx="894726" cy="230832"/>
+            <a:off x="1000534" y="3075057"/>
+            <a:ext cx="10560266" cy="707886"/>
           </a:xfrm>
           <a:prstGeom prst="rect">
             <a:avLst/>
           </a:prstGeom>
-          <a:solidFill>
-            <a:schemeClr val="accent4">
-              <a:lumMod val="20000"/>
-              <a:lumOff val="80000"/>
-            </a:schemeClr>
-          </a:solidFill>
+          <a:noFill/>
         </p:spPr>
         <p:txBody>
           <a:bodyPr wrap="square" rtlCol="0">
@@ -7167,18 +9669,31 @@
           </a:bodyPr>
           <a:lstStyle/>
           <a:p>
-            <a:pPr algn="ctr"/>
-            <a:r>
-              <a:rPr kumimoji="1" lang="ja-JP" altLang="en-US" sz="900" dirty="0"/>
-              <a:t>ログイン成功</a:t>
-            </a:r>
+            <a:r>
+              <a:rPr lang="en-US" altLang="ja-JP" sz="4000" dirty="0">
+                <a:latin typeface="HGS明朝E" panose="02020900000000000000" pitchFamily="18" charset="-128"/>
+                <a:ea typeface="HGS明朝E" panose="02020900000000000000" pitchFamily="18" charset="-128"/>
+              </a:rPr>
+              <a:t>Chapter 2 : </a:t>
+            </a:r>
+            <a:r>
+              <a:rPr kumimoji="1" lang="ja-JP" altLang="en-US" sz="4000" dirty="0">
+                <a:latin typeface="HGS明朝E" panose="02020900000000000000" pitchFamily="18" charset="-128"/>
+                <a:ea typeface="HGS明朝E" panose="02020900000000000000" pitchFamily="18" charset="-128"/>
+              </a:rPr>
+              <a:t>シーケンス図</a:t>
+            </a:r>
+            <a:endParaRPr lang="en-US" altLang="ja-JP" sz="4000" dirty="0">
+              <a:latin typeface="HGS明朝E" panose="02020900000000000000" pitchFamily="18" charset="-128"/>
+              <a:ea typeface="HGS明朝E" panose="02020900000000000000" pitchFamily="18" charset="-128"/>
+            </a:endParaRPr>
           </a:p>
         </p:txBody>
       </p:sp>
     </p:spTree>
     <p:extLst>
       <p:ext uri="{BB962C8B-B14F-4D97-AF65-F5344CB8AC3E}">
-        <p14:creationId xmlns:p14="http://schemas.microsoft.com/office/powerpoint/2010/main" val="4029591087"/>
+        <p14:creationId xmlns:p14="http://schemas.microsoft.com/office/powerpoint/2010/main" val="1870143439"/>
       </p:ext>
     </p:extLst>
   </p:cSld>

--- a/りざっと案件_詳細設計書.pptx
+++ b/りざっと案件_詳細設計書.pptx
@@ -11,6 +11,12 @@
     <p:sldId id="263" r:id="rId5"/>
     <p:sldId id="262" r:id="rId6"/>
     <p:sldId id="264" r:id="rId7"/>
+    <p:sldId id="265" r:id="rId8"/>
+    <p:sldId id="266" r:id="rId9"/>
+    <p:sldId id="267" r:id="rId10"/>
+    <p:sldId id="268" r:id="rId11"/>
+    <p:sldId id="269" r:id="rId12"/>
+    <p:sldId id="270" r:id="rId13"/>
   </p:sldIdLst>
   <p:sldSz cx="12192000" cy="6858000"/>
   <p:notesSz cx="6858000" cy="9144000"/>
@@ -264,7 +270,7 @@
           <a:p>
             <a:fld id="{68C45014-0F33-4EC0-A353-D831A2E212C9}" type="datetimeFigureOut">
               <a:rPr kumimoji="1" lang="ja-JP" altLang="en-US" smtClean="0"/>
-              <a:t>2025/4/4</a:t>
+              <a:t>2025/4/9</a:t>
             </a:fld>
             <a:endParaRPr kumimoji="1" lang="ja-JP" altLang="en-US"/>
           </a:p>
@@ -494,7 +500,7 @@
           <a:p>
             <a:fld id="{68C45014-0F33-4EC0-A353-D831A2E212C9}" type="datetimeFigureOut">
               <a:rPr kumimoji="1" lang="ja-JP" altLang="en-US" smtClean="0"/>
-              <a:t>2025/4/4</a:t>
+              <a:t>2025/4/9</a:t>
             </a:fld>
             <a:endParaRPr kumimoji="1" lang="ja-JP" altLang="en-US"/>
           </a:p>
@@ -734,7 +740,7 @@
           <a:p>
             <a:fld id="{68C45014-0F33-4EC0-A353-D831A2E212C9}" type="datetimeFigureOut">
               <a:rPr kumimoji="1" lang="ja-JP" altLang="en-US" smtClean="0"/>
-              <a:t>2025/4/4</a:t>
+              <a:t>2025/4/9</a:t>
             </a:fld>
             <a:endParaRPr kumimoji="1" lang="ja-JP" altLang="en-US"/>
           </a:p>
@@ -964,7 +970,7 @@
           <a:p>
             <a:fld id="{68C45014-0F33-4EC0-A353-D831A2E212C9}" type="datetimeFigureOut">
               <a:rPr kumimoji="1" lang="ja-JP" altLang="en-US" smtClean="0"/>
-              <a:t>2025/4/4</a:t>
+              <a:t>2025/4/9</a:t>
             </a:fld>
             <a:endParaRPr kumimoji="1" lang="ja-JP" altLang="en-US"/>
           </a:p>
@@ -1239,7 +1245,7 @@
           <a:p>
             <a:fld id="{68C45014-0F33-4EC0-A353-D831A2E212C9}" type="datetimeFigureOut">
               <a:rPr kumimoji="1" lang="ja-JP" altLang="en-US" smtClean="0"/>
-              <a:t>2025/4/4</a:t>
+              <a:t>2025/4/9</a:t>
             </a:fld>
             <a:endParaRPr kumimoji="1" lang="ja-JP" altLang="en-US"/>
           </a:p>
@@ -1568,7 +1574,7 @@
           <a:p>
             <a:fld id="{68C45014-0F33-4EC0-A353-D831A2E212C9}" type="datetimeFigureOut">
               <a:rPr kumimoji="1" lang="ja-JP" altLang="en-US" smtClean="0"/>
-              <a:t>2025/4/4</a:t>
+              <a:t>2025/4/9</a:t>
             </a:fld>
             <a:endParaRPr kumimoji="1" lang="ja-JP" altLang="en-US"/>
           </a:p>
@@ -2044,7 +2050,7 @@
           <a:p>
             <a:fld id="{68C45014-0F33-4EC0-A353-D831A2E212C9}" type="datetimeFigureOut">
               <a:rPr kumimoji="1" lang="ja-JP" altLang="en-US" smtClean="0"/>
-              <a:t>2025/4/4</a:t>
+              <a:t>2025/4/9</a:t>
             </a:fld>
             <a:endParaRPr kumimoji="1" lang="ja-JP" altLang="en-US"/>
           </a:p>
@@ -2185,7 +2191,7 @@
           <a:p>
             <a:fld id="{68C45014-0F33-4EC0-A353-D831A2E212C9}" type="datetimeFigureOut">
               <a:rPr kumimoji="1" lang="ja-JP" altLang="en-US" smtClean="0"/>
-              <a:t>2025/4/4</a:t>
+              <a:t>2025/4/9</a:t>
             </a:fld>
             <a:endParaRPr kumimoji="1" lang="ja-JP" altLang="en-US"/>
           </a:p>
@@ -2298,7 +2304,7 @@
           <a:p>
             <a:fld id="{68C45014-0F33-4EC0-A353-D831A2E212C9}" type="datetimeFigureOut">
               <a:rPr kumimoji="1" lang="ja-JP" altLang="en-US" smtClean="0"/>
-              <a:t>2025/4/4</a:t>
+              <a:t>2025/4/9</a:t>
             </a:fld>
             <a:endParaRPr kumimoji="1" lang="ja-JP" altLang="en-US"/>
           </a:p>
@@ -2641,7 +2647,7 @@
           <a:p>
             <a:fld id="{68C45014-0F33-4EC0-A353-D831A2E212C9}" type="datetimeFigureOut">
               <a:rPr kumimoji="1" lang="ja-JP" altLang="en-US" smtClean="0"/>
-              <a:t>2025/4/4</a:t>
+              <a:t>2025/4/9</a:t>
             </a:fld>
             <a:endParaRPr kumimoji="1" lang="ja-JP" altLang="en-US"/>
           </a:p>
@@ -2929,7 +2935,7 @@
           <a:p>
             <a:fld id="{68C45014-0F33-4EC0-A353-D831A2E212C9}" type="datetimeFigureOut">
               <a:rPr kumimoji="1" lang="ja-JP" altLang="en-US" smtClean="0"/>
-              <a:t>2025/4/4</a:t>
+              <a:t>2025/4/9</a:t>
             </a:fld>
             <a:endParaRPr kumimoji="1" lang="ja-JP" altLang="en-US"/>
           </a:p>
@@ -3202,7 +3208,7 @@
           <a:p>
             <a:fld id="{68C45014-0F33-4EC0-A353-D831A2E212C9}" type="datetimeFigureOut">
               <a:rPr kumimoji="1" lang="ja-JP" altLang="en-US" smtClean="0"/>
-              <a:t>2025/4/4</a:t>
+              <a:t>2025/4/9</a:t>
             </a:fld>
             <a:endParaRPr kumimoji="1" lang="ja-JP" altLang="en-US"/>
           </a:p>
@@ -3789,6 +3795,1554 @@
 </p:sld>
 </file>
 
+<file path=ppt/slides/slide10.xml><?xml version="1.0" encoding="utf-8"?>
+<p:sld xmlns:a="http://schemas.openxmlformats.org/drawingml/2006/main" xmlns:r="http://schemas.openxmlformats.org/officeDocument/2006/relationships" xmlns:p="http://schemas.openxmlformats.org/presentationml/2006/main">
+  <p:cSld>
+    <p:spTree>
+      <p:nvGrpSpPr>
+        <p:cNvPr id="1" name="">
+          <a:extLst>
+            <a:ext uri="{FF2B5EF4-FFF2-40B4-BE49-F238E27FC236}">
+              <a16:creationId xmlns:a16="http://schemas.microsoft.com/office/drawing/2014/main" id="{9236E28A-679C-B82F-FFDA-64BDD8C1F662}"/>
+            </a:ext>
+          </a:extLst>
+        </p:cNvPr>
+        <p:cNvGrpSpPr/>
+        <p:nvPr/>
+      </p:nvGrpSpPr>
+      <p:grpSpPr>
+        <a:xfrm>
+          <a:off x="0" y="0"/>
+          <a:ext cx="0" cy="0"/>
+          <a:chOff x="0" y="0"/>
+          <a:chExt cx="0" cy="0"/>
+        </a:xfrm>
+      </p:grpSpPr>
+      <p:sp>
+        <p:nvSpPr>
+          <p:cNvPr id="3" name="字幕 2">
+            <a:extLst>
+              <a:ext uri="{FF2B5EF4-FFF2-40B4-BE49-F238E27FC236}">
+                <a16:creationId xmlns:a16="http://schemas.microsoft.com/office/drawing/2014/main" id="{01A70CD2-A2DC-BE9E-E188-D4B353157317}"/>
+              </a:ext>
+            </a:extLst>
+          </p:cNvPr>
+          <p:cNvSpPr>
+            <a:spLocks noGrp="1"/>
+          </p:cNvSpPr>
+          <p:nvPr>
+            <p:ph type="subTitle" idx="1"/>
+          </p:nvPr>
+        </p:nvSpPr>
+        <p:spPr>
+          <a:xfrm>
+            <a:off x="0" y="0"/>
+            <a:ext cx="2001068" cy="318986"/>
+          </a:xfrm>
+        </p:spPr>
+        <p:txBody>
+          <a:bodyPr>
+            <a:normAutofit/>
+          </a:bodyPr>
+          <a:lstStyle/>
+          <a:p>
+            <a:pPr algn="l"/>
+            <a:r>
+              <a:rPr lang="ja-JP" altLang="en-US" sz="1400" dirty="0">
+                <a:latin typeface="HGS明朝E" panose="02020900000000000000" pitchFamily="18" charset="-128"/>
+                <a:ea typeface="HGS明朝E" panose="02020900000000000000" pitchFamily="18" charset="-128"/>
+              </a:rPr>
+              <a:t>チケット予約システム</a:t>
+            </a:r>
+            <a:endParaRPr kumimoji="1" lang="ja-JP" altLang="en-US" sz="1400" dirty="0">
+              <a:latin typeface="HGS明朝E" panose="02020900000000000000" pitchFamily="18" charset="-128"/>
+              <a:ea typeface="HGS明朝E" panose="02020900000000000000" pitchFamily="18" charset="-128"/>
+            </a:endParaRPr>
+          </a:p>
+        </p:txBody>
+      </p:sp>
+      <p:pic>
+        <p:nvPicPr>
+          <p:cNvPr id="4" name="図 3" descr="黒い背景に白い文字がある&#10;&#10;低い精度で自動的に生成された説明">
+            <a:extLst>
+              <a:ext uri="{FF2B5EF4-FFF2-40B4-BE49-F238E27FC236}">
+                <a16:creationId xmlns:a16="http://schemas.microsoft.com/office/drawing/2014/main" id="{0C6BCF48-9C45-41B1-A9FE-A5DF138325BD}"/>
+              </a:ext>
+            </a:extLst>
+          </p:cNvPr>
+          <p:cNvPicPr>
+            <a:picLocks noChangeAspect="1"/>
+          </p:cNvPicPr>
+          <p:nvPr/>
+        </p:nvPicPr>
+        <p:blipFill>
+          <a:blip r:embed="rId2">
+            <a:extLst>
+              <a:ext uri="{28A0092B-C50C-407E-A947-70E740481C1C}">
+                <a14:useLocalDpi xmlns:a14="http://schemas.microsoft.com/office/drawing/2010/main" val="0"/>
+              </a:ext>
+            </a:extLst>
+          </a:blip>
+          <a:stretch>
+            <a:fillRect/>
+          </a:stretch>
+        </p:blipFill>
+        <p:spPr>
+          <a:xfrm>
+            <a:off x="9982230" y="121271"/>
+            <a:ext cx="2001068" cy="636703"/>
+          </a:xfrm>
+          <a:prstGeom prst="rect">
+            <a:avLst/>
+          </a:prstGeom>
+        </p:spPr>
+      </p:pic>
+      <p:cxnSp>
+        <p:nvCxnSpPr>
+          <p:cNvPr id="9" name="直線コネクタ 8">
+            <a:extLst>
+              <a:ext uri="{FF2B5EF4-FFF2-40B4-BE49-F238E27FC236}">
+                <a16:creationId xmlns:a16="http://schemas.microsoft.com/office/drawing/2014/main" id="{BDCD8431-BE43-F888-5E61-5D07AF46BB75}"/>
+              </a:ext>
+            </a:extLst>
+          </p:cNvPr>
+          <p:cNvCxnSpPr>
+            <a:cxnSpLocks/>
+          </p:cNvCxnSpPr>
+          <p:nvPr/>
+        </p:nvCxnSpPr>
+        <p:spPr>
+          <a:xfrm>
+            <a:off x="0" y="757974"/>
+            <a:ext cx="9513651" cy="0"/>
+          </a:xfrm>
+          <a:prstGeom prst="line">
+            <a:avLst/>
+          </a:prstGeom>
+          <a:ln>
+            <a:solidFill>
+              <a:schemeClr val="accent1">
+                <a:lumMod val="50000"/>
+              </a:schemeClr>
+            </a:solidFill>
+          </a:ln>
+        </p:spPr>
+        <p:style>
+          <a:lnRef idx="2">
+            <a:schemeClr val="accent1"/>
+          </a:lnRef>
+          <a:fillRef idx="0">
+            <a:schemeClr val="accent1"/>
+          </a:fillRef>
+          <a:effectRef idx="1">
+            <a:schemeClr val="accent1"/>
+          </a:effectRef>
+          <a:fontRef idx="minor">
+            <a:schemeClr val="tx1"/>
+          </a:fontRef>
+        </p:style>
+      </p:cxnSp>
+      <p:pic>
+        <p:nvPicPr>
+          <p:cNvPr id="8" name="図 7">
+            <a:extLst>
+              <a:ext uri="{FF2B5EF4-FFF2-40B4-BE49-F238E27FC236}">
+                <a16:creationId xmlns:a16="http://schemas.microsoft.com/office/drawing/2014/main" id="{DA6C1CA5-A4C6-4A16-B69F-2501FC20F0E4}"/>
+              </a:ext>
+            </a:extLst>
+          </p:cNvPr>
+          <p:cNvPicPr>
+            <a:picLocks noChangeAspect="1"/>
+          </p:cNvPicPr>
+          <p:nvPr/>
+        </p:nvPicPr>
+        <p:blipFill>
+          <a:blip r:embed="rId3">
+            <a:extLst>
+              <a:ext uri="{28A0092B-C50C-407E-A947-70E740481C1C}">
+                <a14:useLocalDpi xmlns:a14="http://schemas.microsoft.com/office/drawing/2010/main" val="0"/>
+              </a:ext>
+            </a:extLst>
+          </a:blip>
+          <a:srcRect/>
+          <a:stretch/>
+        </p:blipFill>
+        <p:spPr>
+          <a:xfrm>
+            <a:off x="182178" y="1125847"/>
+            <a:ext cx="9764089" cy="5732151"/>
+          </a:xfrm>
+          <a:prstGeom prst="rect">
+            <a:avLst/>
+          </a:prstGeom>
+        </p:spPr>
+      </p:pic>
+      <p:sp>
+        <p:nvSpPr>
+          <p:cNvPr id="20" name="テキスト ボックス 19">
+            <a:extLst>
+              <a:ext uri="{FF2B5EF4-FFF2-40B4-BE49-F238E27FC236}">
+                <a16:creationId xmlns:a16="http://schemas.microsoft.com/office/drawing/2014/main" id="{0180752C-EBB3-8959-8DE4-5021749BFFDC}"/>
+              </a:ext>
+            </a:extLst>
+          </p:cNvPr>
+          <p:cNvSpPr txBox="1"/>
+          <p:nvPr/>
+        </p:nvSpPr>
+        <p:spPr>
+          <a:xfrm>
+            <a:off x="208702" y="233464"/>
+            <a:ext cx="8020897" cy="523220"/>
+          </a:xfrm>
+          <a:prstGeom prst="rect">
+            <a:avLst/>
+          </a:prstGeom>
+          <a:noFill/>
+        </p:spPr>
+        <p:txBody>
+          <a:bodyPr wrap="square" rtlCol="0">
+            <a:spAutoFit/>
+          </a:bodyPr>
+          <a:lstStyle/>
+          <a:p>
+            <a:r>
+              <a:rPr kumimoji="1" lang="en-US" altLang="ja-JP" sz="2800" dirty="0">
+                <a:latin typeface="HGS明朝E" panose="02020900000000000000" pitchFamily="18" charset="-128"/>
+                <a:ea typeface="HGS明朝E" panose="02020900000000000000" pitchFamily="18" charset="-128"/>
+              </a:rPr>
+              <a:t>Chapter 2 : </a:t>
+            </a:r>
+            <a:r>
+              <a:rPr kumimoji="1" lang="ja-JP" altLang="en-US" sz="2800" dirty="0">
+                <a:latin typeface="HGS明朝E" panose="02020900000000000000" pitchFamily="18" charset="-128"/>
+                <a:ea typeface="HGS明朝E" panose="02020900000000000000" pitchFamily="18" charset="-128"/>
+              </a:rPr>
+              <a:t>シーケンス図</a:t>
+            </a:r>
+          </a:p>
+        </p:txBody>
+      </p:sp>
+      <p:sp>
+        <p:nvSpPr>
+          <p:cNvPr id="21" name="テキスト ボックス 20">
+            <a:extLst>
+              <a:ext uri="{FF2B5EF4-FFF2-40B4-BE49-F238E27FC236}">
+                <a16:creationId xmlns:a16="http://schemas.microsoft.com/office/drawing/2014/main" id="{6F06B0A0-01CD-5515-017B-6EEEDDD4EBBA}"/>
+              </a:ext>
+            </a:extLst>
+          </p:cNvPr>
+          <p:cNvSpPr txBox="1"/>
+          <p:nvPr/>
+        </p:nvSpPr>
+        <p:spPr>
+          <a:xfrm>
+            <a:off x="307818" y="836008"/>
+            <a:ext cx="5902860" cy="369332"/>
+          </a:xfrm>
+          <a:prstGeom prst="rect">
+            <a:avLst/>
+          </a:prstGeom>
+          <a:noFill/>
+        </p:spPr>
+        <p:txBody>
+          <a:bodyPr wrap="square" rtlCol="0">
+            <a:spAutoFit/>
+          </a:bodyPr>
+          <a:lstStyle/>
+          <a:p>
+            <a:r>
+              <a:rPr lang="ja-JP" altLang="en-US" dirty="0"/>
+              <a:t>ケース</a:t>
+            </a:r>
+            <a:r>
+              <a:rPr lang="en-US" altLang="ja-JP" dirty="0"/>
+              <a:t>4</a:t>
+            </a:r>
+            <a:r>
+              <a:rPr lang="ja-JP" altLang="en-US" dirty="0"/>
+              <a:t>：メール送信リクエスト（</a:t>
+            </a:r>
+            <a:r>
+              <a:rPr lang="en-US" altLang="ja-JP" dirty="0"/>
+              <a:t>Excel Service</a:t>
+            </a:r>
+            <a:r>
+              <a:rPr lang="ja-JP" altLang="en-US" dirty="0"/>
+              <a:t>）</a:t>
+            </a:r>
+            <a:endParaRPr kumimoji="1" lang="ja-JP" altLang="en-US" dirty="0"/>
+          </a:p>
+        </p:txBody>
+      </p:sp>
+    </p:spTree>
+    <p:extLst>
+      <p:ext uri="{BB962C8B-B14F-4D97-AF65-F5344CB8AC3E}">
+        <p14:creationId xmlns:p14="http://schemas.microsoft.com/office/powerpoint/2010/main" val="3698828740"/>
+      </p:ext>
+    </p:extLst>
+  </p:cSld>
+  <p:clrMapOvr>
+    <a:masterClrMapping/>
+  </p:clrMapOvr>
+</p:sld>
+</file>
+
+<file path=ppt/slides/slide11.xml><?xml version="1.0" encoding="utf-8"?>
+<p:sld xmlns:a="http://schemas.openxmlformats.org/drawingml/2006/main" xmlns:r="http://schemas.openxmlformats.org/officeDocument/2006/relationships" xmlns:p="http://schemas.openxmlformats.org/presentationml/2006/main">
+  <p:cSld>
+    <p:spTree>
+      <p:nvGrpSpPr>
+        <p:cNvPr id="1" name="">
+          <a:extLst>
+            <a:ext uri="{FF2B5EF4-FFF2-40B4-BE49-F238E27FC236}">
+              <a16:creationId xmlns:a16="http://schemas.microsoft.com/office/drawing/2014/main" id="{9EC6B1F2-914C-492A-E112-CA326A29521A}"/>
+            </a:ext>
+          </a:extLst>
+        </p:cNvPr>
+        <p:cNvGrpSpPr/>
+        <p:nvPr/>
+      </p:nvGrpSpPr>
+      <p:grpSpPr>
+        <a:xfrm>
+          <a:off x="0" y="0"/>
+          <a:ext cx="0" cy="0"/>
+          <a:chOff x="0" y="0"/>
+          <a:chExt cx="0" cy="0"/>
+        </a:xfrm>
+      </p:grpSpPr>
+      <p:sp>
+        <p:nvSpPr>
+          <p:cNvPr id="3" name="字幕 2">
+            <a:extLst>
+              <a:ext uri="{FF2B5EF4-FFF2-40B4-BE49-F238E27FC236}">
+                <a16:creationId xmlns:a16="http://schemas.microsoft.com/office/drawing/2014/main" id="{73D7D85B-8E27-DC04-662F-11CCA03D33CA}"/>
+              </a:ext>
+            </a:extLst>
+          </p:cNvPr>
+          <p:cNvSpPr>
+            <a:spLocks noGrp="1"/>
+          </p:cNvSpPr>
+          <p:nvPr>
+            <p:ph type="subTitle" idx="1"/>
+          </p:nvPr>
+        </p:nvSpPr>
+        <p:spPr>
+          <a:xfrm>
+            <a:off x="0" y="0"/>
+            <a:ext cx="2001068" cy="318986"/>
+          </a:xfrm>
+        </p:spPr>
+        <p:txBody>
+          <a:bodyPr>
+            <a:normAutofit/>
+          </a:bodyPr>
+          <a:lstStyle/>
+          <a:p>
+            <a:pPr algn="l"/>
+            <a:r>
+              <a:rPr lang="ja-JP" altLang="en-US" sz="1400" dirty="0">
+                <a:latin typeface="HGS明朝E" panose="02020900000000000000" pitchFamily="18" charset="-128"/>
+                <a:ea typeface="HGS明朝E" panose="02020900000000000000" pitchFamily="18" charset="-128"/>
+              </a:rPr>
+              <a:t>チケット予約システム</a:t>
+            </a:r>
+            <a:endParaRPr kumimoji="1" lang="ja-JP" altLang="en-US" sz="1400" dirty="0">
+              <a:latin typeface="HGS明朝E" panose="02020900000000000000" pitchFamily="18" charset="-128"/>
+              <a:ea typeface="HGS明朝E" panose="02020900000000000000" pitchFamily="18" charset="-128"/>
+            </a:endParaRPr>
+          </a:p>
+        </p:txBody>
+      </p:sp>
+      <p:pic>
+        <p:nvPicPr>
+          <p:cNvPr id="4" name="図 3" descr="黒い背景に白い文字がある&#10;&#10;低い精度で自動的に生成された説明">
+            <a:extLst>
+              <a:ext uri="{FF2B5EF4-FFF2-40B4-BE49-F238E27FC236}">
+                <a16:creationId xmlns:a16="http://schemas.microsoft.com/office/drawing/2014/main" id="{EEC69685-E8F1-EC38-573B-DE96BE451059}"/>
+              </a:ext>
+            </a:extLst>
+          </p:cNvPr>
+          <p:cNvPicPr>
+            <a:picLocks noChangeAspect="1"/>
+          </p:cNvPicPr>
+          <p:nvPr/>
+        </p:nvPicPr>
+        <p:blipFill>
+          <a:blip r:embed="rId2">
+            <a:extLst>
+              <a:ext uri="{28A0092B-C50C-407E-A947-70E740481C1C}">
+                <a14:useLocalDpi xmlns:a14="http://schemas.microsoft.com/office/drawing/2010/main" val="0"/>
+              </a:ext>
+            </a:extLst>
+          </a:blip>
+          <a:stretch>
+            <a:fillRect/>
+          </a:stretch>
+        </p:blipFill>
+        <p:spPr>
+          <a:xfrm>
+            <a:off x="9982230" y="121271"/>
+            <a:ext cx="2001068" cy="636703"/>
+          </a:xfrm>
+          <a:prstGeom prst="rect">
+            <a:avLst/>
+          </a:prstGeom>
+        </p:spPr>
+      </p:pic>
+      <p:cxnSp>
+        <p:nvCxnSpPr>
+          <p:cNvPr id="9" name="直線コネクタ 8">
+            <a:extLst>
+              <a:ext uri="{FF2B5EF4-FFF2-40B4-BE49-F238E27FC236}">
+                <a16:creationId xmlns:a16="http://schemas.microsoft.com/office/drawing/2014/main" id="{D70AAA3C-4DE3-3611-9D71-50B08CFA4EB3}"/>
+              </a:ext>
+            </a:extLst>
+          </p:cNvPr>
+          <p:cNvCxnSpPr>
+            <a:cxnSpLocks/>
+          </p:cNvCxnSpPr>
+          <p:nvPr/>
+        </p:nvCxnSpPr>
+        <p:spPr>
+          <a:xfrm>
+            <a:off x="0" y="757974"/>
+            <a:ext cx="9513651" cy="0"/>
+          </a:xfrm>
+          <a:prstGeom prst="line">
+            <a:avLst/>
+          </a:prstGeom>
+          <a:ln>
+            <a:solidFill>
+              <a:schemeClr val="accent1">
+                <a:lumMod val="50000"/>
+              </a:schemeClr>
+            </a:solidFill>
+          </a:ln>
+        </p:spPr>
+        <p:style>
+          <a:lnRef idx="2">
+            <a:schemeClr val="accent1"/>
+          </a:lnRef>
+          <a:fillRef idx="0">
+            <a:schemeClr val="accent1"/>
+          </a:fillRef>
+          <a:effectRef idx="1">
+            <a:schemeClr val="accent1"/>
+          </a:effectRef>
+          <a:fontRef idx="minor">
+            <a:schemeClr val="tx1"/>
+          </a:fontRef>
+        </p:style>
+      </p:cxnSp>
+      <p:sp>
+        <p:nvSpPr>
+          <p:cNvPr id="17" name="テキスト ボックス 16">
+            <a:extLst>
+              <a:ext uri="{FF2B5EF4-FFF2-40B4-BE49-F238E27FC236}">
+                <a16:creationId xmlns:a16="http://schemas.microsoft.com/office/drawing/2014/main" id="{000EFF00-C8B2-5467-CB58-74164BD1A75A}"/>
+              </a:ext>
+            </a:extLst>
+          </p:cNvPr>
+          <p:cNvSpPr txBox="1"/>
+          <p:nvPr/>
+        </p:nvSpPr>
+        <p:spPr>
+          <a:xfrm>
+            <a:off x="1000534" y="3075057"/>
+            <a:ext cx="10560266" cy="707886"/>
+          </a:xfrm>
+          <a:prstGeom prst="rect">
+            <a:avLst/>
+          </a:prstGeom>
+          <a:noFill/>
+        </p:spPr>
+        <p:txBody>
+          <a:bodyPr wrap="square" rtlCol="0">
+            <a:spAutoFit/>
+          </a:bodyPr>
+          <a:lstStyle/>
+          <a:p>
+            <a:r>
+              <a:rPr lang="en-US" altLang="ja-JP" sz="4000" dirty="0">
+                <a:latin typeface="HGS明朝E" panose="02020900000000000000" pitchFamily="18" charset="-128"/>
+                <a:ea typeface="HGS明朝E" panose="02020900000000000000" pitchFamily="18" charset="-128"/>
+              </a:rPr>
+              <a:t>Chapter 3 : </a:t>
+            </a:r>
+            <a:r>
+              <a:rPr kumimoji="1" lang="ja-JP" altLang="en-US" sz="4000" dirty="0">
+                <a:latin typeface="HGS明朝E" panose="02020900000000000000" pitchFamily="18" charset="-128"/>
+                <a:ea typeface="HGS明朝E" panose="02020900000000000000" pitchFamily="18" charset="-128"/>
+              </a:rPr>
+              <a:t>環境構築</a:t>
+            </a:r>
+            <a:endParaRPr lang="en-US" altLang="ja-JP" sz="4000" dirty="0">
+              <a:latin typeface="HGS明朝E" panose="02020900000000000000" pitchFamily="18" charset="-128"/>
+              <a:ea typeface="HGS明朝E" panose="02020900000000000000" pitchFamily="18" charset="-128"/>
+            </a:endParaRPr>
+          </a:p>
+        </p:txBody>
+      </p:sp>
+      <p:sp>
+        <p:nvSpPr>
+          <p:cNvPr id="2" name="テキスト ボックス 1">
+            <a:extLst>
+              <a:ext uri="{FF2B5EF4-FFF2-40B4-BE49-F238E27FC236}">
+                <a16:creationId xmlns:a16="http://schemas.microsoft.com/office/drawing/2014/main" id="{7FECE5C3-50FB-00C1-D477-4F3FD9DFE371}"/>
+              </a:ext>
+            </a:extLst>
+          </p:cNvPr>
+          <p:cNvSpPr txBox="1"/>
+          <p:nvPr/>
+        </p:nvSpPr>
+        <p:spPr>
+          <a:xfrm>
+            <a:off x="208702" y="233464"/>
+            <a:ext cx="8020897" cy="523220"/>
+          </a:xfrm>
+          <a:prstGeom prst="rect">
+            <a:avLst/>
+          </a:prstGeom>
+          <a:noFill/>
+        </p:spPr>
+        <p:txBody>
+          <a:bodyPr wrap="square" rtlCol="0">
+            <a:spAutoFit/>
+          </a:bodyPr>
+          <a:lstStyle/>
+          <a:p>
+            <a:r>
+              <a:rPr kumimoji="1" lang="en-US" altLang="ja-JP" sz="2800" dirty="0">
+                <a:latin typeface="HGS明朝E" panose="02020900000000000000" pitchFamily="18" charset="-128"/>
+                <a:ea typeface="HGS明朝E" panose="02020900000000000000" pitchFamily="18" charset="-128"/>
+              </a:rPr>
+              <a:t>Chapter 3 : </a:t>
+            </a:r>
+            <a:r>
+              <a:rPr lang="ja-JP" altLang="en-US" sz="2800" dirty="0">
+                <a:latin typeface="HGS明朝E" panose="02020900000000000000" pitchFamily="18" charset="-128"/>
+                <a:ea typeface="HGS明朝E" panose="02020900000000000000" pitchFamily="18" charset="-128"/>
+              </a:rPr>
+              <a:t>環境構築</a:t>
+            </a:r>
+            <a:endParaRPr kumimoji="1" lang="ja-JP" altLang="en-US" sz="2800" dirty="0">
+              <a:latin typeface="HGS明朝E" panose="02020900000000000000" pitchFamily="18" charset="-128"/>
+              <a:ea typeface="HGS明朝E" panose="02020900000000000000" pitchFamily="18" charset="-128"/>
+            </a:endParaRPr>
+          </a:p>
+        </p:txBody>
+      </p:sp>
+    </p:spTree>
+    <p:extLst>
+      <p:ext uri="{BB962C8B-B14F-4D97-AF65-F5344CB8AC3E}">
+        <p14:creationId xmlns:p14="http://schemas.microsoft.com/office/powerpoint/2010/main" val="4039301522"/>
+      </p:ext>
+    </p:extLst>
+  </p:cSld>
+  <p:clrMapOvr>
+    <a:masterClrMapping/>
+  </p:clrMapOvr>
+</p:sld>
+</file>
+
+<file path=ppt/slides/slide12.xml><?xml version="1.0" encoding="utf-8"?>
+<p:sld xmlns:a="http://schemas.openxmlformats.org/drawingml/2006/main" xmlns:r="http://schemas.openxmlformats.org/officeDocument/2006/relationships" xmlns:p="http://schemas.openxmlformats.org/presentationml/2006/main">
+  <p:cSld>
+    <p:spTree>
+      <p:nvGrpSpPr>
+        <p:cNvPr id="1" name="">
+          <a:extLst>
+            <a:ext uri="{FF2B5EF4-FFF2-40B4-BE49-F238E27FC236}">
+              <a16:creationId xmlns:a16="http://schemas.microsoft.com/office/drawing/2014/main" id="{1812D4AE-BB09-35DF-E76A-2BC6562B03D9}"/>
+            </a:ext>
+          </a:extLst>
+        </p:cNvPr>
+        <p:cNvGrpSpPr/>
+        <p:nvPr/>
+      </p:nvGrpSpPr>
+      <p:grpSpPr>
+        <a:xfrm>
+          <a:off x="0" y="0"/>
+          <a:ext cx="0" cy="0"/>
+          <a:chOff x="0" y="0"/>
+          <a:chExt cx="0" cy="0"/>
+        </a:xfrm>
+      </p:grpSpPr>
+      <p:sp>
+        <p:nvSpPr>
+          <p:cNvPr id="3" name="字幕 2">
+            <a:extLst>
+              <a:ext uri="{FF2B5EF4-FFF2-40B4-BE49-F238E27FC236}">
+                <a16:creationId xmlns:a16="http://schemas.microsoft.com/office/drawing/2014/main" id="{4F09EA84-B5D8-3D12-F390-AF112A0C8048}"/>
+              </a:ext>
+            </a:extLst>
+          </p:cNvPr>
+          <p:cNvSpPr>
+            <a:spLocks noGrp="1"/>
+          </p:cNvSpPr>
+          <p:nvPr>
+            <p:ph type="subTitle" idx="1"/>
+          </p:nvPr>
+        </p:nvSpPr>
+        <p:spPr>
+          <a:xfrm>
+            <a:off x="0" y="0"/>
+            <a:ext cx="2001068" cy="318986"/>
+          </a:xfrm>
+        </p:spPr>
+        <p:txBody>
+          <a:bodyPr>
+            <a:normAutofit/>
+          </a:bodyPr>
+          <a:lstStyle/>
+          <a:p>
+            <a:pPr algn="l"/>
+            <a:r>
+              <a:rPr lang="ja-JP" altLang="en-US" sz="1400" dirty="0">
+                <a:latin typeface="HGS明朝E" panose="02020900000000000000" pitchFamily="18" charset="-128"/>
+                <a:ea typeface="HGS明朝E" panose="02020900000000000000" pitchFamily="18" charset="-128"/>
+              </a:rPr>
+              <a:t>チケット予約システム</a:t>
+            </a:r>
+            <a:endParaRPr kumimoji="1" lang="ja-JP" altLang="en-US" sz="1400" dirty="0">
+              <a:latin typeface="HGS明朝E" panose="02020900000000000000" pitchFamily="18" charset="-128"/>
+              <a:ea typeface="HGS明朝E" panose="02020900000000000000" pitchFamily="18" charset="-128"/>
+            </a:endParaRPr>
+          </a:p>
+        </p:txBody>
+      </p:sp>
+      <p:pic>
+        <p:nvPicPr>
+          <p:cNvPr id="4" name="図 3" descr="黒い背景に白い文字がある&#10;&#10;低い精度で自動的に生成された説明">
+            <a:extLst>
+              <a:ext uri="{FF2B5EF4-FFF2-40B4-BE49-F238E27FC236}">
+                <a16:creationId xmlns:a16="http://schemas.microsoft.com/office/drawing/2014/main" id="{4E1DC0D9-AED0-0C93-A97E-98C0A2D599CA}"/>
+              </a:ext>
+            </a:extLst>
+          </p:cNvPr>
+          <p:cNvPicPr>
+            <a:picLocks noChangeAspect="1"/>
+          </p:cNvPicPr>
+          <p:nvPr/>
+        </p:nvPicPr>
+        <p:blipFill>
+          <a:blip r:embed="rId2">
+            <a:extLst>
+              <a:ext uri="{28A0092B-C50C-407E-A947-70E740481C1C}">
+                <a14:useLocalDpi xmlns:a14="http://schemas.microsoft.com/office/drawing/2010/main" val="0"/>
+              </a:ext>
+            </a:extLst>
+          </a:blip>
+          <a:stretch>
+            <a:fillRect/>
+          </a:stretch>
+        </p:blipFill>
+        <p:spPr>
+          <a:xfrm>
+            <a:off x="9982230" y="121271"/>
+            <a:ext cx="2001068" cy="636703"/>
+          </a:xfrm>
+          <a:prstGeom prst="rect">
+            <a:avLst/>
+          </a:prstGeom>
+        </p:spPr>
+      </p:pic>
+      <p:cxnSp>
+        <p:nvCxnSpPr>
+          <p:cNvPr id="9" name="直線コネクタ 8">
+            <a:extLst>
+              <a:ext uri="{FF2B5EF4-FFF2-40B4-BE49-F238E27FC236}">
+                <a16:creationId xmlns:a16="http://schemas.microsoft.com/office/drawing/2014/main" id="{65AFADCE-578B-D77C-869C-F2E24404C6FD}"/>
+              </a:ext>
+            </a:extLst>
+          </p:cNvPr>
+          <p:cNvCxnSpPr>
+            <a:cxnSpLocks/>
+          </p:cNvCxnSpPr>
+          <p:nvPr/>
+        </p:nvCxnSpPr>
+        <p:spPr>
+          <a:xfrm>
+            <a:off x="0" y="757974"/>
+            <a:ext cx="9513651" cy="0"/>
+          </a:xfrm>
+          <a:prstGeom prst="line">
+            <a:avLst/>
+          </a:prstGeom>
+          <a:ln>
+            <a:solidFill>
+              <a:schemeClr val="accent1">
+                <a:lumMod val="50000"/>
+              </a:schemeClr>
+            </a:solidFill>
+          </a:ln>
+        </p:spPr>
+        <p:style>
+          <a:lnRef idx="2">
+            <a:schemeClr val="accent1"/>
+          </a:lnRef>
+          <a:fillRef idx="0">
+            <a:schemeClr val="accent1"/>
+          </a:fillRef>
+          <a:effectRef idx="1">
+            <a:schemeClr val="accent1"/>
+          </a:effectRef>
+          <a:fontRef idx="minor">
+            <a:schemeClr val="tx1"/>
+          </a:fontRef>
+        </p:style>
+      </p:cxnSp>
+      <p:sp>
+        <p:nvSpPr>
+          <p:cNvPr id="16" name="正方形/長方形 15">
+            <a:extLst>
+              <a:ext uri="{FF2B5EF4-FFF2-40B4-BE49-F238E27FC236}">
+                <a16:creationId xmlns:a16="http://schemas.microsoft.com/office/drawing/2014/main" id="{FF1BC008-0F07-5A3B-1A5D-A585E86B36B9}"/>
+              </a:ext>
+            </a:extLst>
+          </p:cNvPr>
+          <p:cNvSpPr/>
+          <p:nvPr/>
+        </p:nvSpPr>
+        <p:spPr>
+          <a:xfrm>
+            <a:off x="126460" y="904672"/>
+            <a:ext cx="11955293" cy="5832053"/>
+          </a:xfrm>
+          <a:prstGeom prst="rect">
+            <a:avLst/>
+          </a:prstGeom>
+          <a:solidFill>
+            <a:schemeClr val="accent1">
+              <a:lumMod val="20000"/>
+              <a:lumOff val="80000"/>
+            </a:schemeClr>
+          </a:solidFill>
+          <a:ln>
+            <a:solidFill>
+              <a:schemeClr val="accent1">
+                <a:lumMod val="50000"/>
+              </a:schemeClr>
+            </a:solidFill>
+          </a:ln>
+        </p:spPr>
+        <p:style>
+          <a:lnRef idx="2">
+            <a:schemeClr val="accent1">
+              <a:shade val="15000"/>
+            </a:schemeClr>
+          </a:lnRef>
+          <a:fillRef idx="1">
+            <a:schemeClr val="accent1"/>
+          </a:fillRef>
+          <a:effectRef idx="0">
+            <a:schemeClr val="accent1"/>
+          </a:effectRef>
+          <a:fontRef idx="minor">
+            <a:schemeClr val="lt1"/>
+          </a:fontRef>
+        </p:style>
+        <p:txBody>
+          <a:bodyPr rtlCol="0" anchor="ctr"/>
+          <a:lstStyle/>
+          <a:p>
+            <a:pPr algn="ctr"/>
+            <a:endParaRPr kumimoji="1" lang="ja-JP" altLang="en-US" dirty="0"/>
+          </a:p>
+        </p:txBody>
+      </p:sp>
+      <p:sp>
+        <p:nvSpPr>
+          <p:cNvPr id="7" name="テキスト ボックス 6">
+            <a:extLst>
+              <a:ext uri="{FF2B5EF4-FFF2-40B4-BE49-F238E27FC236}">
+                <a16:creationId xmlns:a16="http://schemas.microsoft.com/office/drawing/2014/main" id="{A6744E51-BB5D-C243-99BA-A7C4E0DD8B17}"/>
+              </a:ext>
+            </a:extLst>
+          </p:cNvPr>
+          <p:cNvSpPr txBox="1"/>
+          <p:nvPr/>
+        </p:nvSpPr>
+        <p:spPr>
+          <a:xfrm>
+            <a:off x="208702" y="233464"/>
+            <a:ext cx="8020897" cy="523220"/>
+          </a:xfrm>
+          <a:prstGeom prst="rect">
+            <a:avLst/>
+          </a:prstGeom>
+          <a:noFill/>
+        </p:spPr>
+        <p:txBody>
+          <a:bodyPr wrap="square" rtlCol="0">
+            <a:spAutoFit/>
+          </a:bodyPr>
+          <a:lstStyle/>
+          <a:p>
+            <a:r>
+              <a:rPr kumimoji="1" lang="en-US" altLang="ja-JP" sz="2800" dirty="0">
+                <a:latin typeface="HGS明朝E" panose="02020900000000000000" pitchFamily="18" charset="-128"/>
+                <a:ea typeface="HGS明朝E" panose="02020900000000000000" pitchFamily="18" charset="-128"/>
+              </a:rPr>
+              <a:t>Chapter 3 : </a:t>
+            </a:r>
+            <a:r>
+              <a:rPr kumimoji="1" lang="ja-JP" altLang="en-US" sz="2800" dirty="0">
+                <a:latin typeface="HGS明朝E" panose="02020900000000000000" pitchFamily="18" charset="-128"/>
+                <a:ea typeface="HGS明朝E" panose="02020900000000000000" pitchFamily="18" charset="-128"/>
+              </a:rPr>
+              <a:t>環境構築</a:t>
+            </a:r>
+          </a:p>
+        </p:txBody>
+      </p:sp>
+      <p:sp>
+        <p:nvSpPr>
+          <p:cNvPr id="8" name="正方形/長方形 7">
+            <a:extLst>
+              <a:ext uri="{FF2B5EF4-FFF2-40B4-BE49-F238E27FC236}">
+                <a16:creationId xmlns:a16="http://schemas.microsoft.com/office/drawing/2014/main" id="{3AC53AAA-8BEE-D507-23CD-2211653F323F}"/>
+              </a:ext>
+            </a:extLst>
+          </p:cNvPr>
+          <p:cNvSpPr/>
+          <p:nvPr/>
+        </p:nvSpPr>
+        <p:spPr>
+          <a:xfrm>
+            <a:off x="208702" y="990148"/>
+            <a:ext cx="11774596" cy="5634366"/>
+          </a:xfrm>
+          <a:prstGeom prst="rect">
+            <a:avLst/>
+          </a:prstGeom>
+          <a:solidFill>
+            <a:schemeClr val="accent5">
+              <a:lumMod val="20000"/>
+              <a:lumOff val="80000"/>
+            </a:schemeClr>
+          </a:solidFill>
+          <a:ln>
+            <a:noFill/>
+          </a:ln>
+        </p:spPr>
+        <p:style>
+          <a:lnRef idx="2">
+            <a:schemeClr val="accent1">
+              <a:shade val="15000"/>
+            </a:schemeClr>
+          </a:lnRef>
+          <a:fillRef idx="1">
+            <a:schemeClr val="accent1"/>
+          </a:fillRef>
+          <a:effectRef idx="0">
+            <a:schemeClr val="accent1"/>
+          </a:effectRef>
+          <a:fontRef idx="minor">
+            <a:schemeClr val="lt1"/>
+          </a:fontRef>
+        </p:style>
+        <p:txBody>
+          <a:bodyPr rtlCol="0" anchor="ctr"/>
+          <a:lstStyle/>
+          <a:p>
+            <a:pPr algn="ctr"/>
+            <a:endParaRPr kumimoji="1" lang="ja-JP" altLang="en-US"/>
+          </a:p>
+        </p:txBody>
+      </p:sp>
+      <p:sp>
+        <p:nvSpPr>
+          <p:cNvPr id="11" name="テキスト ボックス 10">
+            <a:extLst>
+              <a:ext uri="{FF2B5EF4-FFF2-40B4-BE49-F238E27FC236}">
+                <a16:creationId xmlns:a16="http://schemas.microsoft.com/office/drawing/2014/main" id="{EFB7F2CA-C7B5-3FA2-D14E-F96F232A2574}"/>
+              </a:ext>
+            </a:extLst>
+          </p:cNvPr>
+          <p:cNvSpPr txBox="1"/>
+          <p:nvPr/>
+        </p:nvSpPr>
+        <p:spPr>
+          <a:xfrm>
+            <a:off x="235516" y="1011006"/>
+            <a:ext cx="1530035" cy="369332"/>
+          </a:xfrm>
+          <a:prstGeom prst="rect">
+            <a:avLst/>
+          </a:prstGeom>
+          <a:noFill/>
+        </p:spPr>
+        <p:txBody>
+          <a:bodyPr wrap="square" rtlCol="0">
+            <a:spAutoFit/>
+          </a:bodyPr>
+          <a:lstStyle/>
+          <a:p>
+            <a:r>
+              <a:rPr kumimoji="1" lang="en-US" altLang="ja-JP" dirty="0"/>
+              <a:t>Sakura VPS</a:t>
+            </a:r>
+            <a:endParaRPr kumimoji="1" lang="ja-JP" altLang="en-US" dirty="0"/>
+          </a:p>
+        </p:txBody>
+      </p:sp>
+      <p:grpSp>
+        <p:nvGrpSpPr>
+          <p:cNvPr id="17" name="グループ化 16">
+            <a:extLst>
+              <a:ext uri="{FF2B5EF4-FFF2-40B4-BE49-F238E27FC236}">
+                <a16:creationId xmlns:a16="http://schemas.microsoft.com/office/drawing/2014/main" id="{1459CA60-1512-B576-07A3-75248AD8E64D}"/>
+              </a:ext>
+            </a:extLst>
+          </p:cNvPr>
+          <p:cNvGrpSpPr/>
+          <p:nvPr/>
+        </p:nvGrpSpPr>
+        <p:grpSpPr>
+          <a:xfrm>
+            <a:off x="566337" y="1401196"/>
+            <a:ext cx="11059326" cy="5039495"/>
+            <a:chOff x="566337" y="1401196"/>
+            <a:chExt cx="11059326" cy="5039495"/>
+          </a:xfrm>
+        </p:grpSpPr>
+        <p:sp>
+          <p:nvSpPr>
+            <p:cNvPr id="12" name="正方形/長方形 11">
+              <a:extLst>
+                <a:ext uri="{FF2B5EF4-FFF2-40B4-BE49-F238E27FC236}">
+                  <a16:creationId xmlns:a16="http://schemas.microsoft.com/office/drawing/2014/main" id="{A4E416FB-509E-C738-60BA-E2A1F3B31B4C}"/>
+                </a:ext>
+              </a:extLst>
+            </p:cNvPr>
+            <p:cNvSpPr/>
+            <p:nvPr/>
+          </p:nvSpPr>
+          <p:spPr>
+            <a:xfrm>
+              <a:off x="566337" y="1401196"/>
+              <a:ext cx="11059326" cy="5039495"/>
+            </a:xfrm>
+            <a:prstGeom prst="rect">
+              <a:avLst/>
+            </a:prstGeom>
+            <a:solidFill>
+              <a:schemeClr val="accent5">
+                <a:lumMod val="40000"/>
+                <a:lumOff val="60000"/>
+              </a:schemeClr>
+            </a:solidFill>
+            <a:ln>
+              <a:noFill/>
+            </a:ln>
+          </p:spPr>
+          <p:style>
+            <a:lnRef idx="2">
+              <a:schemeClr val="accent1">
+                <a:shade val="15000"/>
+              </a:schemeClr>
+            </a:lnRef>
+            <a:fillRef idx="1">
+              <a:schemeClr val="accent1"/>
+            </a:fillRef>
+            <a:effectRef idx="0">
+              <a:schemeClr val="accent1"/>
+            </a:effectRef>
+            <a:fontRef idx="minor">
+              <a:schemeClr val="lt1"/>
+            </a:fontRef>
+          </p:style>
+          <p:txBody>
+            <a:bodyPr rtlCol="0" anchor="ctr"/>
+            <a:lstStyle/>
+            <a:p>
+              <a:pPr algn="ctr"/>
+              <a:endParaRPr kumimoji="1" lang="ja-JP" altLang="en-US" dirty="0"/>
+            </a:p>
+          </p:txBody>
+        </p:sp>
+        <p:sp>
+          <p:nvSpPr>
+            <p:cNvPr id="14" name="テキスト ボックス 13">
+              <a:extLst>
+                <a:ext uri="{FF2B5EF4-FFF2-40B4-BE49-F238E27FC236}">
+                  <a16:creationId xmlns:a16="http://schemas.microsoft.com/office/drawing/2014/main" id="{9265EBA5-139F-37A1-298D-63F07CC608A8}"/>
+                </a:ext>
+              </a:extLst>
+            </p:cNvPr>
+            <p:cNvSpPr txBox="1"/>
+            <p:nvPr/>
+          </p:nvSpPr>
+          <p:spPr>
+            <a:xfrm>
+              <a:off x="580042" y="1429907"/>
+              <a:ext cx="1185509" cy="369332"/>
+            </a:xfrm>
+            <a:prstGeom prst="rect">
+              <a:avLst/>
+            </a:prstGeom>
+            <a:noFill/>
+          </p:spPr>
+          <p:txBody>
+            <a:bodyPr wrap="square" rtlCol="0">
+              <a:spAutoFit/>
+            </a:bodyPr>
+            <a:lstStyle/>
+            <a:p>
+              <a:r>
+                <a:rPr lang="en-US" altLang="ja-JP" dirty="0"/>
+                <a:t>c</a:t>
+              </a:r>
+              <a:r>
+                <a:rPr kumimoji="1" lang="en-US" altLang="ja-JP" dirty="0"/>
+                <a:t>entos 9</a:t>
+              </a:r>
+              <a:endParaRPr kumimoji="1" lang="ja-JP" altLang="en-US" dirty="0"/>
+            </a:p>
+          </p:txBody>
+        </p:sp>
+      </p:grpSp>
+      <p:grpSp>
+        <p:nvGrpSpPr>
+          <p:cNvPr id="19" name="グループ化 18">
+            <a:extLst>
+              <a:ext uri="{FF2B5EF4-FFF2-40B4-BE49-F238E27FC236}">
+                <a16:creationId xmlns:a16="http://schemas.microsoft.com/office/drawing/2014/main" id="{9F2B4803-09DC-9855-A8AC-2013CDCE54A2}"/>
+              </a:ext>
+            </a:extLst>
+          </p:cNvPr>
+          <p:cNvGrpSpPr/>
+          <p:nvPr/>
+        </p:nvGrpSpPr>
+        <p:grpSpPr>
+          <a:xfrm>
+            <a:off x="840394" y="1884715"/>
+            <a:ext cx="10527423" cy="4364054"/>
+            <a:chOff x="566337" y="1401196"/>
+            <a:chExt cx="11059326" cy="5039495"/>
+          </a:xfrm>
+        </p:grpSpPr>
+        <p:sp>
+          <p:nvSpPr>
+            <p:cNvPr id="20" name="正方形/長方形 19">
+              <a:extLst>
+                <a:ext uri="{FF2B5EF4-FFF2-40B4-BE49-F238E27FC236}">
+                  <a16:creationId xmlns:a16="http://schemas.microsoft.com/office/drawing/2014/main" id="{BDC24C4D-4F11-9B74-5A0F-4ACF79B2A4AD}"/>
+                </a:ext>
+              </a:extLst>
+            </p:cNvPr>
+            <p:cNvSpPr/>
+            <p:nvPr/>
+          </p:nvSpPr>
+          <p:spPr>
+            <a:xfrm>
+              <a:off x="566337" y="1401196"/>
+              <a:ext cx="11059326" cy="5039495"/>
+            </a:xfrm>
+            <a:prstGeom prst="rect">
+              <a:avLst/>
+            </a:prstGeom>
+            <a:solidFill>
+              <a:schemeClr val="accent5">
+                <a:lumMod val="60000"/>
+                <a:lumOff val="40000"/>
+              </a:schemeClr>
+            </a:solidFill>
+            <a:ln>
+              <a:noFill/>
+            </a:ln>
+          </p:spPr>
+          <p:style>
+            <a:lnRef idx="2">
+              <a:schemeClr val="accent1">
+                <a:shade val="15000"/>
+              </a:schemeClr>
+            </a:lnRef>
+            <a:fillRef idx="1">
+              <a:schemeClr val="accent1"/>
+            </a:fillRef>
+            <a:effectRef idx="0">
+              <a:schemeClr val="accent1"/>
+            </a:effectRef>
+            <a:fontRef idx="minor">
+              <a:schemeClr val="lt1"/>
+            </a:fontRef>
+          </p:style>
+          <p:txBody>
+            <a:bodyPr rtlCol="0" anchor="ctr"/>
+            <a:lstStyle/>
+            <a:p>
+              <a:pPr algn="ctr"/>
+              <a:endParaRPr kumimoji="1" lang="ja-JP" altLang="en-US"/>
+            </a:p>
+          </p:txBody>
+        </p:sp>
+        <p:sp>
+          <p:nvSpPr>
+            <p:cNvPr id="21" name="テキスト ボックス 20">
+              <a:extLst>
+                <a:ext uri="{FF2B5EF4-FFF2-40B4-BE49-F238E27FC236}">
+                  <a16:creationId xmlns:a16="http://schemas.microsoft.com/office/drawing/2014/main" id="{A85EA00D-5A80-701A-C167-6FD26B8917CE}"/>
+                </a:ext>
+              </a:extLst>
+            </p:cNvPr>
+            <p:cNvSpPr txBox="1"/>
+            <p:nvPr/>
+          </p:nvSpPr>
+          <p:spPr>
+            <a:xfrm>
+              <a:off x="580042" y="1429907"/>
+              <a:ext cx="6464873" cy="3945077"/>
+            </a:xfrm>
+            <a:prstGeom prst="rect">
+              <a:avLst/>
+            </a:prstGeom>
+            <a:noFill/>
+          </p:spPr>
+          <p:txBody>
+            <a:bodyPr wrap="square" rtlCol="0">
+              <a:spAutoFit/>
+            </a:bodyPr>
+            <a:lstStyle/>
+            <a:p>
+              <a:pPr marL="285750" indent="-285750">
+                <a:buFont typeface="Arial" panose="020B0604020202020204" pitchFamily="34" charset="0"/>
+                <a:buChar char="•"/>
+              </a:pPr>
+              <a:r>
+                <a:rPr lang="en-US" altLang="ja-JP" dirty="0"/>
+                <a:t>Java 21</a:t>
+              </a:r>
+            </a:p>
+            <a:p>
+              <a:pPr marL="285750" indent="-285750">
+                <a:buFont typeface="Arial" panose="020B0604020202020204" pitchFamily="34" charset="0"/>
+                <a:buChar char="•"/>
+              </a:pPr>
+              <a:r>
+                <a:rPr kumimoji="1" lang="en-US" altLang="ja-JP" dirty="0"/>
+                <a:t>Apache (</a:t>
+              </a:r>
+              <a:r>
+                <a:rPr kumimoji="1" lang="ja-JP" altLang="en-US" dirty="0"/>
+                <a:t>最新</a:t>
+              </a:r>
+              <a:r>
+                <a:rPr kumimoji="1" lang="en-US" altLang="ja-JP" dirty="0"/>
+                <a:t>)</a:t>
+              </a:r>
+            </a:p>
+            <a:p>
+              <a:pPr marL="285750" indent="-285750">
+                <a:buFont typeface="Arial" panose="020B0604020202020204" pitchFamily="34" charset="0"/>
+                <a:buChar char="•"/>
+              </a:pPr>
+              <a:r>
+                <a:rPr lang="en-US" altLang="ja-JP" dirty="0" err="1"/>
+                <a:t>mySQL</a:t>
+              </a:r>
+              <a:r>
+                <a:rPr lang="en-US" altLang="ja-JP" dirty="0"/>
+                <a:t> (</a:t>
+              </a:r>
+              <a:r>
+                <a:rPr lang="ja-JP" altLang="en-US" dirty="0"/>
+                <a:t>最新</a:t>
+              </a:r>
+              <a:r>
+                <a:rPr lang="en-US" altLang="ja-JP" dirty="0"/>
+                <a:t>)</a:t>
+              </a:r>
+            </a:p>
+            <a:p>
+              <a:pPr marL="285750" indent="-285750">
+                <a:buFont typeface="Arial" panose="020B0604020202020204" pitchFamily="34" charset="0"/>
+                <a:buChar char="•"/>
+              </a:pPr>
+              <a:endParaRPr kumimoji="1" lang="en-US" altLang="ja-JP" dirty="0"/>
+            </a:p>
+            <a:p>
+              <a:r>
+                <a:rPr lang="ja-JP" altLang="en-US" dirty="0"/>
+                <a:t>フレームワーク</a:t>
+              </a:r>
+              <a:endParaRPr lang="en-US" altLang="ja-JP" dirty="0"/>
+            </a:p>
+            <a:p>
+              <a:pPr marL="285750" indent="-285750">
+                <a:buFont typeface="Arial" panose="020B0604020202020204" pitchFamily="34" charset="0"/>
+                <a:buChar char="•"/>
+              </a:pPr>
+              <a:r>
+                <a:rPr lang="en-US" altLang="ja-JP" dirty="0"/>
+                <a:t>Spring boot (</a:t>
+              </a:r>
+              <a:r>
+                <a:rPr lang="ja-JP" altLang="en-US" dirty="0"/>
+                <a:t>最新</a:t>
+              </a:r>
+              <a:r>
+                <a:rPr lang="en-US" altLang="ja-JP" dirty="0"/>
+                <a:t>)</a:t>
+              </a:r>
+            </a:p>
+            <a:p>
+              <a:pPr marL="285750" indent="-285750">
+                <a:buFont typeface="Arial" panose="020B0604020202020204" pitchFamily="34" charset="0"/>
+                <a:buChar char="•"/>
+              </a:pPr>
+              <a:endParaRPr lang="en-US" altLang="ja-JP" dirty="0"/>
+            </a:p>
+            <a:p>
+              <a:r>
+                <a:rPr lang="ja-JP" altLang="en-US" dirty="0"/>
+                <a:t>言語</a:t>
+              </a:r>
+              <a:endParaRPr lang="en-US" altLang="ja-JP" dirty="0"/>
+            </a:p>
+            <a:p>
+              <a:pPr marL="285750" indent="-285750">
+                <a:buFont typeface="Arial" panose="020B0604020202020204" pitchFamily="34" charset="0"/>
+                <a:buChar char="•"/>
+              </a:pPr>
+              <a:r>
+                <a:rPr lang="en-US" altLang="ja-JP" dirty="0"/>
+                <a:t>Java</a:t>
+              </a:r>
+            </a:p>
+            <a:p>
+              <a:pPr marL="285750" indent="-285750">
+                <a:buFont typeface="Arial" panose="020B0604020202020204" pitchFamily="34" charset="0"/>
+                <a:buChar char="•"/>
+              </a:pPr>
+              <a:r>
+                <a:rPr lang="en-US" altLang="ja-JP" dirty="0"/>
+                <a:t>HTML</a:t>
+              </a:r>
+            </a:p>
+            <a:p>
+              <a:pPr marL="285750" indent="-285750">
+                <a:buFont typeface="Arial" panose="020B0604020202020204" pitchFamily="34" charset="0"/>
+                <a:buChar char="•"/>
+              </a:pPr>
+              <a:r>
+                <a:rPr lang="en-US" altLang="ja-JP" dirty="0"/>
+                <a:t>CSS</a:t>
+              </a:r>
+            </a:p>
+            <a:p>
+              <a:pPr marL="285750" indent="-285750">
+                <a:buFont typeface="Arial" panose="020B0604020202020204" pitchFamily="34" charset="0"/>
+                <a:buChar char="•"/>
+              </a:pPr>
+              <a:r>
+                <a:rPr lang="en-US" altLang="ja-JP" dirty="0"/>
+                <a:t>JavaScript</a:t>
+              </a:r>
+            </a:p>
+          </p:txBody>
+        </p:sp>
+      </p:grpSp>
+      <p:sp>
+        <p:nvSpPr>
+          <p:cNvPr id="26" name="矢印: 上向き折線 25">
+            <a:extLst>
+              <a:ext uri="{FF2B5EF4-FFF2-40B4-BE49-F238E27FC236}">
+                <a16:creationId xmlns:a16="http://schemas.microsoft.com/office/drawing/2014/main" id="{A25871CB-1CC4-50E0-71D0-2F74588F1EF2}"/>
+              </a:ext>
+            </a:extLst>
+          </p:cNvPr>
+          <p:cNvSpPr/>
+          <p:nvPr/>
+        </p:nvSpPr>
+        <p:spPr>
+          <a:xfrm flipV="1">
+            <a:off x="2897108" y="2587607"/>
+            <a:ext cx="6753886" cy="2224184"/>
+          </a:xfrm>
+          <a:prstGeom prst="bentUpArrow">
+            <a:avLst>
+              <a:gd name="adj1" fmla="val 5266"/>
+              <a:gd name="adj2" fmla="val 7350"/>
+              <a:gd name="adj3" fmla="val 10595"/>
+            </a:avLst>
+          </a:prstGeom>
+          <a:solidFill>
+            <a:schemeClr val="accent1"/>
+          </a:solidFill>
+        </p:spPr>
+        <p:style>
+          <a:lnRef idx="2">
+            <a:schemeClr val="accent1">
+              <a:shade val="15000"/>
+            </a:schemeClr>
+          </a:lnRef>
+          <a:fillRef idx="1">
+            <a:schemeClr val="accent1"/>
+          </a:fillRef>
+          <a:effectRef idx="0">
+            <a:schemeClr val="accent1"/>
+          </a:effectRef>
+          <a:fontRef idx="minor">
+            <a:schemeClr val="lt1"/>
+          </a:fontRef>
+        </p:style>
+        <p:txBody>
+          <a:bodyPr rtlCol="0" anchor="ctr"/>
+          <a:lstStyle/>
+          <a:p>
+            <a:pPr algn="ctr"/>
+            <a:endParaRPr kumimoji="1" lang="ja-JP" altLang="en-US"/>
+          </a:p>
+        </p:txBody>
+      </p:sp>
+      <p:sp>
+        <p:nvSpPr>
+          <p:cNvPr id="27" name="四角形: 角を丸くする 26">
+            <a:extLst>
+              <a:ext uri="{FF2B5EF4-FFF2-40B4-BE49-F238E27FC236}">
+                <a16:creationId xmlns:a16="http://schemas.microsoft.com/office/drawing/2014/main" id="{E06825B4-ED11-9E11-F04F-007681A10F48}"/>
+              </a:ext>
+            </a:extLst>
+          </p:cNvPr>
+          <p:cNvSpPr/>
+          <p:nvPr/>
+        </p:nvSpPr>
+        <p:spPr>
+          <a:xfrm>
+            <a:off x="8192325" y="4811792"/>
+            <a:ext cx="2590352" cy="958776"/>
+          </a:xfrm>
+          <a:prstGeom prst="roundRect">
+            <a:avLst/>
+          </a:prstGeom>
+          <a:solidFill>
+            <a:schemeClr val="accent1"/>
+          </a:solidFill>
+        </p:spPr>
+        <p:style>
+          <a:lnRef idx="2">
+            <a:schemeClr val="accent1">
+              <a:shade val="15000"/>
+            </a:schemeClr>
+          </a:lnRef>
+          <a:fillRef idx="1">
+            <a:schemeClr val="accent1"/>
+          </a:fillRef>
+          <a:effectRef idx="0">
+            <a:schemeClr val="accent1"/>
+          </a:effectRef>
+          <a:fontRef idx="minor">
+            <a:schemeClr val="lt1"/>
+          </a:fontRef>
+        </p:style>
+        <p:txBody>
+          <a:bodyPr rtlCol="0" anchor="ctr"/>
+          <a:lstStyle/>
+          <a:p>
+            <a:pPr algn="ctr"/>
+            <a:r>
+              <a:rPr lang="ja-JP" altLang="en-US" dirty="0">
+                <a:solidFill>
+                  <a:schemeClr val="bg1">
+                    <a:lumMod val="85000"/>
+                  </a:schemeClr>
+                </a:solidFill>
+              </a:rPr>
+              <a:t>データベース構成</a:t>
+            </a:r>
+            <a:endParaRPr lang="en-US" altLang="ja-JP" dirty="0">
+              <a:solidFill>
+                <a:schemeClr val="bg1">
+                  <a:lumMod val="85000"/>
+                </a:schemeClr>
+              </a:solidFill>
+            </a:endParaRPr>
+          </a:p>
+          <a:p>
+            <a:pPr algn="ctr"/>
+            <a:r>
+              <a:rPr lang="ja-JP" altLang="en-US" dirty="0">
+                <a:solidFill>
+                  <a:schemeClr val="bg1">
+                    <a:lumMod val="85000"/>
+                  </a:schemeClr>
+                </a:solidFill>
+              </a:rPr>
+              <a:t>後述</a:t>
+            </a:r>
+            <a:endParaRPr kumimoji="1" lang="ja-JP" altLang="en-US" dirty="0">
+              <a:solidFill>
+                <a:schemeClr val="bg1">
+                  <a:lumMod val="85000"/>
+                </a:schemeClr>
+              </a:solidFill>
+            </a:endParaRPr>
+          </a:p>
+        </p:txBody>
+      </p:sp>
+      <p:sp>
+        <p:nvSpPr>
+          <p:cNvPr id="28" name="四角形: 角を丸くする 27">
+            <a:extLst>
+              <a:ext uri="{FF2B5EF4-FFF2-40B4-BE49-F238E27FC236}">
+                <a16:creationId xmlns:a16="http://schemas.microsoft.com/office/drawing/2014/main" id="{D1AA4D86-21EA-5962-1C30-943449E1F810}"/>
+              </a:ext>
+            </a:extLst>
+          </p:cNvPr>
+          <p:cNvSpPr/>
+          <p:nvPr/>
+        </p:nvSpPr>
+        <p:spPr>
+          <a:xfrm>
+            <a:off x="3221184" y="4810606"/>
+            <a:ext cx="2590352" cy="958776"/>
+          </a:xfrm>
+          <a:prstGeom prst="roundRect">
+            <a:avLst/>
+          </a:prstGeom>
+          <a:solidFill>
+            <a:schemeClr val="accent1"/>
+          </a:solidFill>
+        </p:spPr>
+        <p:style>
+          <a:lnRef idx="2">
+            <a:schemeClr val="accent1">
+              <a:shade val="15000"/>
+            </a:schemeClr>
+          </a:lnRef>
+          <a:fillRef idx="1">
+            <a:schemeClr val="accent1"/>
+          </a:fillRef>
+          <a:effectRef idx="0">
+            <a:schemeClr val="accent1"/>
+          </a:effectRef>
+          <a:fontRef idx="minor">
+            <a:schemeClr val="lt1"/>
+          </a:fontRef>
+        </p:style>
+        <p:txBody>
+          <a:bodyPr rtlCol="0" anchor="ctr"/>
+          <a:lstStyle/>
+          <a:p>
+            <a:pPr algn="ctr"/>
+            <a:r>
+              <a:rPr lang="ja-JP" altLang="en-US" dirty="0">
+                <a:solidFill>
+                  <a:schemeClr val="bg1">
+                    <a:lumMod val="85000"/>
+                  </a:schemeClr>
+                </a:solidFill>
+              </a:rPr>
+              <a:t>クラス・</a:t>
+            </a:r>
+            <a:r>
+              <a:rPr kumimoji="1" lang="ja-JP" altLang="en-US" dirty="0">
+                <a:solidFill>
+                  <a:schemeClr val="bg1">
+                    <a:lumMod val="85000"/>
+                  </a:schemeClr>
+                </a:solidFill>
+              </a:rPr>
+              <a:t>環境構成</a:t>
+            </a:r>
+            <a:endParaRPr kumimoji="1" lang="en-US" altLang="ja-JP" dirty="0">
+              <a:solidFill>
+                <a:schemeClr val="bg1">
+                  <a:lumMod val="85000"/>
+                </a:schemeClr>
+              </a:solidFill>
+            </a:endParaRPr>
+          </a:p>
+          <a:p>
+            <a:pPr algn="ctr"/>
+            <a:r>
+              <a:rPr kumimoji="1" lang="ja-JP" altLang="en-US" dirty="0">
+                <a:solidFill>
+                  <a:schemeClr val="bg1">
+                    <a:lumMod val="85000"/>
+                  </a:schemeClr>
+                </a:solidFill>
+              </a:rPr>
+              <a:t>後述</a:t>
+            </a:r>
+            <a:endParaRPr kumimoji="1" lang="en-US" altLang="ja-JP" dirty="0">
+              <a:solidFill>
+                <a:schemeClr val="bg1">
+                  <a:lumMod val="85000"/>
+                </a:schemeClr>
+              </a:solidFill>
+            </a:endParaRPr>
+          </a:p>
+        </p:txBody>
+      </p:sp>
+      <p:sp>
+        <p:nvSpPr>
+          <p:cNvPr id="29" name="矢印: 上向き折線 28">
+            <a:extLst>
+              <a:ext uri="{FF2B5EF4-FFF2-40B4-BE49-F238E27FC236}">
+                <a16:creationId xmlns:a16="http://schemas.microsoft.com/office/drawing/2014/main" id="{292E838C-F362-3CBD-8B63-DFA7E190544E}"/>
+              </a:ext>
+            </a:extLst>
+          </p:cNvPr>
+          <p:cNvSpPr/>
+          <p:nvPr/>
+        </p:nvSpPr>
+        <p:spPr>
+          <a:xfrm flipV="1">
+            <a:off x="3387012" y="3429000"/>
+            <a:ext cx="1242036" cy="1367854"/>
+          </a:xfrm>
+          <a:prstGeom prst="bentUpArrow">
+            <a:avLst>
+              <a:gd name="adj1" fmla="val 9773"/>
+              <a:gd name="adj2" fmla="val 7350"/>
+              <a:gd name="adj3" fmla="val 10595"/>
+            </a:avLst>
+          </a:prstGeom>
+          <a:solidFill>
+            <a:schemeClr val="accent1"/>
+          </a:solidFill>
+        </p:spPr>
+        <p:style>
+          <a:lnRef idx="2">
+            <a:schemeClr val="accent1">
+              <a:shade val="15000"/>
+            </a:schemeClr>
+          </a:lnRef>
+          <a:fillRef idx="1">
+            <a:schemeClr val="accent1"/>
+          </a:fillRef>
+          <a:effectRef idx="0">
+            <a:schemeClr val="accent1"/>
+          </a:effectRef>
+          <a:fontRef idx="minor">
+            <a:schemeClr val="lt1"/>
+          </a:fontRef>
+        </p:style>
+        <p:txBody>
+          <a:bodyPr rtlCol="0" anchor="ctr"/>
+          <a:lstStyle/>
+          <a:p>
+            <a:pPr algn="ctr"/>
+            <a:endParaRPr kumimoji="1" lang="ja-JP" altLang="en-US"/>
+          </a:p>
+        </p:txBody>
+      </p:sp>
+    </p:spTree>
+    <p:extLst>
+      <p:ext uri="{BB962C8B-B14F-4D97-AF65-F5344CB8AC3E}">
+        <p14:creationId xmlns:p14="http://schemas.microsoft.com/office/powerpoint/2010/main" val="1856891483"/>
+      </p:ext>
+    </p:extLst>
+  </p:cSld>
+  <p:clrMapOvr>
+    <a:masterClrMapping/>
+  </p:clrMapOvr>
+</p:sld>
+</file>
+
 <file path=ppt/slides/slide2.xml><?xml version="1.0" encoding="utf-8"?>
 <p:sld xmlns:a="http://schemas.openxmlformats.org/drawingml/2006/main" xmlns:r="http://schemas.openxmlformats.org/officeDocument/2006/relationships" xmlns:p="http://schemas.openxmlformats.org/presentationml/2006/main">
   <p:cSld>
@@ -3950,7 +5504,7 @@
         </p:nvSpPr>
         <p:spPr>
           <a:xfrm>
-            <a:off x="1050587" y="233464"/>
+            <a:off x="208702" y="233464"/>
             <a:ext cx="8463063" cy="523220"/>
           </a:xfrm>
           <a:prstGeom prst="rect">
@@ -4192,65 +5746,6 @@
       </p:cxnSp>
       <p:sp>
         <p:nvSpPr>
-          <p:cNvPr id="15" name="テキスト ボックス 14">
-            <a:extLst>
-              <a:ext uri="{FF2B5EF4-FFF2-40B4-BE49-F238E27FC236}">
-                <a16:creationId xmlns:a16="http://schemas.microsoft.com/office/drawing/2014/main" id="{4130D39D-6AB3-011F-C2F2-994D65D7B71F}"/>
-              </a:ext>
-            </a:extLst>
-          </p:cNvPr>
-          <p:cNvSpPr txBox="1"/>
-          <p:nvPr/>
-        </p:nvSpPr>
-        <p:spPr>
-          <a:xfrm>
-            <a:off x="1050587" y="233464"/>
-            <a:ext cx="8463063" cy="523220"/>
-          </a:xfrm>
-          <a:prstGeom prst="rect">
-            <a:avLst/>
-          </a:prstGeom>
-          <a:noFill/>
-        </p:spPr>
-        <p:txBody>
-          <a:bodyPr wrap="square" rtlCol="0">
-            <a:spAutoFit/>
-          </a:bodyPr>
-          <a:lstStyle/>
-          <a:p>
-            <a:r>
-              <a:rPr kumimoji="1" lang="en-US" altLang="ja-JP" sz="2800" dirty="0">
-                <a:latin typeface="HGS明朝E" panose="02020900000000000000" pitchFamily="18" charset="-128"/>
-                <a:ea typeface="HGS明朝E" panose="02020900000000000000" pitchFamily="18" charset="-128"/>
-              </a:rPr>
-              <a:t>Chapter 1 : </a:t>
-            </a:r>
-            <a:r>
-              <a:rPr kumimoji="1" lang="ja-JP" altLang="en-US" sz="2800" dirty="0">
-                <a:latin typeface="HGS明朝E" panose="02020900000000000000" pitchFamily="18" charset="-128"/>
-                <a:ea typeface="HGS明朝E" panose="02020900000000000000" pitchFamily="18" charset="-128"/>
-              </a:rPr>
-              <a:t>フロー概要（</a:t>
-            </a:r>
-            <a:r>
-              <a:rPr lang="ja-JP" altLang="en-US" sz="2800" dirty="0">
-                <a:latin typeface="HGS明朝E" panose="02020900000000000000" pitchFamily="18" charset="-128"/>
-                <a:ea typeface="HGS明朝E" panose="02020900000000000000" pitchFamily="18" charset="-128"/>
-              </a:rPr>
-              <a:t>ファーストアクセス</a:t>
-            </a:r>
-            <a:r>
-              <a:rPr kumimoji="1" lang="ja-JP" altLang="en-US" sz="2800" dirty="0">
-                <a:latin typeface="HGS明朝E" panose="02020900000000000000" pitchFamily="18" charset="-128"/>
-                <a:ea typeface="HGS明朝E" panose="02020900000000000000" pitchFamily="18" charset="-128"/>
-              </a:rPr>
-              <a:t>）</a:t>
-            </a:r>
-          </a:p>
-        </p:txBody>
-      </p:sp>
-      <p:sp>
-        <p:nvSpPr>
           <p:cNvPr id="16" name="正方形/長方形 15">
             <a:extLst>
               <a:ext uri="{FF2B5EF4-FFF2-40B4-BE49-F238E27FC236}">
@@ -6177,6 +7672,189 @@
             <a:r>
               <a:rPr kumimoji="1" lang="ja-JP" altLang="en-US" sz="900" dirty="0"/>
               <a:t>戻る</a:t>
+            </a:r>
+          </a:p>
+        </p:txBody>
+      </p:sp>
+      <p:sp>
+        <p:nvSpPr>
+          <p:cNvPr id="6" name="吹き出し: 線 5">
+            <a:extLst>
+              <a:ext uri="{FF2B5EF4-FFF2-40B4-BE49-F238E27FC236}">
+                <a16:creationId xmlns:a16="http://schemas.microsoft.com/office/drawing/2014/main" id="{3D646AAF-B77F-B4E0-7D38-2C167C9C0C7E}"/>
+              </a:ext>
+            </a:extLst>
+          </p:cNvPr>
+          <p:cNvSpPr/>
+          <p:nvPr/>
+        </p:nvSpPr>
+        <p:spPr>
+          <a:xfrm>
+            <a:off x="569660" y="2857825"/>
+            <a:ext cx="1636242" cy="523220"/>
+          </a:xfrm>
+          <a:prstGeom prst="borderCallout1">
+            <a:avLst>
+              <a:gd name="adj1" fmla="val 9998"/>
+              <a:gd name="adj2" fmla="val 110892"/>
+              <a:gd name="adj3" fmla="val 74973"/>
+              <a:gd name="adj4" fmla="val 186030"/>
+            </a:avLst>
+          </a:prstGeom>
+          <a:solidFill>
+            <a:srgbClr val="FFFF00"/>
+          </a:solidFill>
+          <a:ln w="19050">
+            <a:solidFill>
+              <a:srgbClr val="C00000"/>
+            </a:solidFill>
+          </a:ln>
+        </p:spPr>
+        <p:style>
+          <a:lnRef idx="2">
+            <a:schemeClr val="accent1">
+              <a:shade val="15000"/>
+            </a:schemeClr>
+          </a:lnRef>
+          <a:fillRef idx="1">
+            <a:schemeClr val="accent1"/>
+          </a:fillRef>
+          <a:effectRef idx="0">
+            <a:schemeClr val="accent1"/>
+          </a:effectRef>
+          <a:fontRef idx="minor">
+            <a:schemeClr val="lt1"/>
+          </a:fontRef>
+        </p:style>
+        <p:txBody>
+          <a:bodyPr rtlCol="0" anchor="ctr"/>
+          <a:lstStyle/>
+          <a:p>
+            <a:r>
+              <a:rPr lang="ja-JP" altLang="en-US" sz="900" dirty="0">
+                <a:solidFill>
+                  <a:schemeClr val="tx1"/>
+                </a:solidFill>
+              </a:rPr>
+              <a:t>システム初期稼働段階では</a:t>
+            </a:r>
+            <a:endParaRPr lang="en-US" altLang="ja-JP" sz="900" dirty="0">
+              <a:solidFill>
+                <a:schemeClr val="tx1"/>
+              </a:solidFill>
+            </a:endParaRPr>
+          </a:p>
+          <a:p>
+            <a:r>
+              <a:rPr kumimoji="1" lang="ja-JP" altLang="en-US" sz="900" dirty="0">
+                <a:solidFill>
+                  <a:schemeClr val="tx1"/>
+                </a:solidFill>
+              </a:rPr>
+              <a:t>スキップ</a:t>
+            </a:r>
+            <a:endParaRPr kumimoji="1" lang="en-US" altLang="ja-JP" sz="900" dirty="0">
+              <a:solidFill>
+                <a:schemeClr val="tx1"/>
+              </a:solidFill>
+            </a:endParaRPr>
+          </a:p>
+          <a:p>
+            <a:r>
+              <a:rPr lang="en-US" altLang="ja-JP" sz="900" dirty="0">
+                <a:solidFill>
+                  <a:schemeClr val="tx1"/>
+                </a:solidFill>
+              </a:rPr>
+              <a:t>※</a:t>
+            </a:r>
+            <a:r>
+              <a:rPr lang="ja-JP" altLang="en-US" sz="900" dirty="0">
+                <a:solidFill>
+                  <a:schemeClr val="tx1"/>
+                </a:solidFill>
+              </a:rPr>
+              <a:t>管理者</a:t>
+            </a:r>
+            <a:r>
+              <a:rPr lang="en-US" altLang="ja-JP" sz="900" dirty="0">
+                <a:solidFill>
+                  <a:schemeClr val="tx1"/>
+                </a:solidFill>
+              </a:rPr>
+              <a:t>URL</a:t>
+            </a:r>
+            <a:r>
+              <a:rPr lang="ja-JP" altLang="en-US" sz="900" dirty="0">
+                <a:solidFill>
+                  <a:schemeClr val="tx1"/>
+                </a:solidFill>
+              </a:rPr>
+              <a:t>は紹介のみ</a:t>
+            </a:r>
+            <a:endParaRPr kumimoji="1" lang="ja-JP" altLang="en-US" sz="900" dirty="0">
+              <a:solidFill>
+                <a:schemeClr val="tx1"/>
+              </a:solidFill>
+            </a:endParaRPr>
+          </a:p>
+        </p:txBody>
+      </p:sp>
+      <p:sp>
+        <p:nvSpPr>
+          <p:cNvPr id="7" name="テキスト ボックス 6">
+            <a:extLst>
+              <a:ext uri="{FF2B5EF4-FFF2-40B4-BE49-F238E27FC236}">
+                <a16:creationId xmlns:a16="http://schemas.microsoft.com/office/drawing/2014/main" id="{F0502CA9-D056-1EF9-EDF8-CDDD6117B9EE}"/>
+              </a:ext>
+            </a:extLst>
+          </p:cNvPr>
+          <p:cNvSpPr txBox="1"/>
+          <p:nvPr/>
+        </p:nvSpPr>
+        <p:spPr>
+          <a:xfrm>
+            <a:off x="208702" y="233464"/>
+            <a:ext cx="8020897" cy="523220"/>
+          </a:xfrm>
+          <a:prstGeom prst="rect">
+            <a:avLst/>
+          </a:prstGeom>
+          <a:noFill/>
+        </p:spPr>
+        <p:txBody>
+          <a:bodyPr wrap="square" rtlCol="0">
+            <a:spAutoFit/>
+          </a:bodyPr>
+          <a:lstStyle/>
+          <a:p>
+            <a:r>
+              <a:rPr kumimoji="1" lang="en-US" altLang="ja-JP" sz="2800" dirty="0">
+                <a:latin typeface="HGS明朝E" panose="02020900000000000000" pitchFamily="18" charset="-128"/>
+                <a:ea typeface="HGS明朝E" panose="02020900000000000000" pitchFamily="18" charset="-128"/>
+              </a:rPr>
+              <a:t>Chapter 1 : </a:t>
+            </a:r>
+            <a:r>
+              <a:rPr kumimoji="1" lang="ja-JP" altLang="en-US" sz="2800" dirty="0">
+                <a:latin typeface="HGS明朝E" panose="02020900000000000000" pitchFamily="18" charset="-128"/>
+                <a:ea typeface="HGS明朝E" panose="02020900000000000000" pitchFamily="18" charset="-128"/>
+              </a:rPr>
+              <a:t>フロー概要（</a:t>
+            </a:r>
+            <a:r>
+              <a:rPr lang="ja-JP" altLang="en-US" sz="2800" dirty="0">
+                <a:latin typeface="HGS明朝E" panose="02020900000000000000" pitchFamily="18" charset="-128"/>
+                <a:ea typeface="HGS明朝E" panose="02020900000000000000" pitchFamily="18" charset="-128"/>
+              </a:rPr>
+              <a:t>ファーストアクセス</a:t>
+            </a:r>
+            <a:r>
+              <a:rPr kumimoji="1" lang="ja-JP" altLang="en-US" sz="2800" dirty="0">
+                <a:latin typeface="HGS明朝E" panose="02020900000000000000" pitchFamily="18" charset="-128"/>
+                <a:ea typeface="HGS明朝E" panose="02020900000000000000" pitchFamily="18" charset="-128"/>
+              </a:rPr>
+              <a:t>）</a:t>
             </a:r>
           </a:p>
         </p:txBody>
@@ -6343,51 +8021,6 @@
       </p:cxnSp>
       <p:sp>
         <p:nvSpPr>
-          <p:cNvPr id="15" name="テキスト ボックス 14">
-            <a:extLst>
-              <a:ext uri="{FF2B5EF4-FFF2-40B4-BE49-F238E27FC236}">
-                <a16:creationId xmlns:a16="http://schemas.microsoft.com/office/drawing/2014/main" id="{EE63E43A-80D8-7A97-FE63-DD338F023E5D}"/>
-              </a:ext>
-            </a:extLst>
-          </p:cNvPr>
-          <p:cNvSpPr txBox="1"/>
-          <p:nvPr/>
-        </p:nvSpPr>
-        <p:spPr>
-          <a:xfrm>
-            <a:off x="1050587" y="233464"/>
-            <a:ext cx="8463063" cy="523220"/>
-          </a:xfrm>
-          <a:prstGeom prst="rect">
-            <a:avLst/>
-          </a:prstGeom>
-          <a:noFill/>
-        </p:spPr>
-        <p:txBody>
-          <a:bodyPr wrap="square" rtlCol="0">
-            <a:spAutoFit/>
-          </a:bodyPr>
-          <a:lstStyle/>
-          <a:p>
-            <a:r>
-              <a:rPr kumimoji="1" lang="en-US" altLang="ja-JP" sz="2800" dirty="0">
-                <a:latin typeface="HGS明朝E" panose="02020900000000000000" pitchFamily="18" charset="-128"/>
-                <a:ea typeface="HGS明朝E" panose="02020900000000000000" pitchFamily="18" charset="-128"/>
-              </a:rPr>
-              <a:t>Chapter 1 : </a:t>
-            </a:r>
-            <a:r>
-              <a:rPr kumimoji="1" lang="ja-JP" altLang="en-US" sz="2800" dirty="0">
-                <a:latin typeface="HGS明朝E" panose="02020900000000000000" pitchFamily="18" charset="-128"/>
-                <a:ea typeface="HGS明朝E" panose="02020900000000000000" pitchFamily="18" charset="-128"/>
-              </a:rPr>
-              <a:t>フロー概要（セッションチェック）</a:t>
-            </a:r>
-          </a:p>
-        </p:txBody>
-      </p:sp>
-      <p:sp>
-        <p:nvSpPr>
           <p:cNvPr id="16" name="正方形/長方形 15">
             <a:extLst>
               <a:ext uri="{FF2B5EF4-FFF2-40B4-BE49-F238E27FC236}">
@@ -8036,6 +9669,51 @@
             <a:r>
               <a:rPr kumimoji="1" lang="ja-JP" altLang="en-US" sz="900" dirty="0"/>
               <a:t>両方登録済み</a:t>
+            </a:r>
+          </a:p>
+        </p:txBody>
+      </p:sp>
+      <p:sp>
+        <p:nvSpPr>
+          <p:cNvPr id="8" name="テキスト ボックス 7">
+            <a:extLst>
+              <a:ext uri="{FF2B5EF4-FFF2-40B4-BE49-F238E27FC236}">
+                <a16:creationId xmlns:a16="http://schemas.microsoft.com/office/drawing/2014/main" id="{F7EAEE10-A81A-DEDA-6DEE-BD6DB0F5F64E}"/>
+              </a:ext>
+            </a:extLst>
+          </p:cNvPr>
+          <p:cNvSpPr txBox="1"/>
+          <p:nvPr/>
+        </p:nvSpPr>
+        <p:spPr>
+          <a:xfrm>
+            <a:off x="208702" y="233464"/>
+            <a:ext cx="8020897" cy="523220"/>
+          </a:xfrm>
+          <a:prstGeom prst="rect">
+            <a:avLst/>
+          </a:prstGeom>
+          <a:noFill/>
+        </p:spPr>
+        <p:txBody>
+          <a:bodyPr wrap="square" rtlCol="0">
+            <a:spAutoFit/>
+          </a:bodyPr>
+          <a:lstStyle/>
+          <a:p>
+            <a:r>
+              <a:rPr kumimoji="1" lang="en-US" altLang="ja-JP" sz="2800" dirty="0">
+                <a:latin typeface="HGS明朝E" panose="02020900000000000000" pitchFamily="18" charset="-128"/>
+                <a:ea typeface="HGS明朝E" panose="02020900000000000000" pitchFamily="18" charset="-128"/>
+              </a:rPr>
+              <a:t>Chapter 1 : </a:t>
+            </a:r>
+            <a:r>
+              <a:rPr kumimoji="1" lang="ja-JP" altLang="en-US" sz="2800" dirty="0">
+                <a:latin typeface="HGS明朝E" panose="02020900000000000000" pitchFamily="18" charset="-128"/>
+                <a:ea typeface="HGS明朝E" panose="02020900000000000000" pitchFamily="18" charset="-128"/>
+              </a:rPr>
+              <a:t>フロー概要（セッションチェック）</a:t>
             </a:r>
           </a:p>
         </p:txBody>
@@ -8202,51 +9880,6 @@
       </p:cxnSp>
       <p:sp>
         <p:nvSpPr>
-          <p:cNvPr id="15" name="テキスト ボックス 14">
-            <a:extLst>
-              <a:ext uri="{FF2B5EF4-FFF2-40B4-BE49-F238E27FC236}">
-                <a16:creationId xmlns:a16="http://schemas.microsoft.com/office/drawing/2014/main" id="{678267DC-4534-4A0F-0B85-AD0A349FB992}"/>
-              </a:ext>
-            </a:extLst>
-          </p:cNvPr>
-          <p:cNvSpPr txBox="1"/>
-          <p:nvPr/>
-        </p:nvSpPr>
-        <p:spPr>
-          <a:xfrm>
-            <a:off x="1050587" y="233464"/>
-            <a:ext cx="8463063" cy="523220"/>
-          </a:xfrm>
-          <a:prstGeom prst="rect">
-            <a:avLst/>
-          </a:prstGeom>
-          <a:noFill/>
-        </p:spPr>
-        <p:txBody>
-          <a:bodyPr wrap="square" rtlCol="0">
-            <a:spAutoFit/>
-          </a:bodyPr>
-          <a:lstStyle/>
-          <a:p>
-            <a:r>
-              <a:rPr kumimoji="1" lang="en-US" altLang="ja-JP" sz="2800" dirty="0">
-                <a:latin typeface="HGS明朝E" panose="02020900000000000000" pitchFamily="18" charset="-128"/>
-                <a:ea typeface="HGS明朝E" panose="02020900000000000000" pitchFamily="18" charset="-128"/>
-              </a:rPr>
-              <a:t>Chapter 1 : </a:t>
-            </a:r>
-            <a:r>
-              <a:rPr kumimoji="1" lang="ja-JP" altLang="en-US" sz="2800" dirty="0">
-                <a:latin typeface="HGS明朝E" panose="02020900000000000000" pitchFamily="18" charset="-128"/>
-                <a:ea typeface="HGS明朝E" panose="02020900000000000000" pitchFamily="18" charset="-128"/>
-              </a:rPr>
-              <a:t>フロー概要（公演参加状況確認）</a:t>
-            </a:r>
-          </a:p>
-        </p:txBody>
-      </p:sp>
-      <p:sp>
-        <p:nvSpPr>
           <p:cNvPr id="16" name="正方形/長方形 15">
             <a:extLst>
               <a:ext uri="{FF2B5EF4-FFF2-40B4-BE49-F238E27FC236}">
@@ -9433,6 +11066,51 @@
               <a:t>ログアウト</a:t>
             </a:r>
             <a:endParaRPr kumimoji="1" lang="en-US" altLang="ja-JP" sz="900" dirty="0"/>
+          </a:p>
+        </p:txBody>
+      </p:sp>
+      <p:sp>
+        <p:nvSpPr>
+          <p:cNvPr id="6" name="テキスト ボックス 5">
+            <a:extLst>
+              <a:ext uri="{FF2B5EF4-FFF2-40B4-BE49-F238E27FC236}">
+                <a16:creationId xmlns:a16="http://schemas.microsoft.com/office/drawing/2014/main" id="{A86C8484-5200-6EDA-C330-0654BA92A3FD}"/>
+              </a:ext>
+            </a:extLst>
+          </p:cNvPr>
+          <p:cNvSpPr txBox="1"/>
+          <p:nvPr/>
+        </p:nvSpPr>
+        <p:spPr>
+          <a:xfrm>
+            <a:off x="208702" y="233464"/>
+            <a:ext cx="8020897" cy="523220"/>
+          </a:xfrm>
+          <a:prstGeom prst="rect">
+            <a:avLst/>
+          </a:prstGeom>
+          <a:noFill/>
+        </p:spPr>
+        <p:txBody>
+          <a:bodyPr wrap="square" rtlCol="0">
+            <a:spAutoFit/>
+          </a:bodyPr>
+          <a:lstStyle/>
+          <a:p>
+            <a:r>
+              <a:rPr kumimoji="1" lang="en-US" altLang="ja-JP" sz="2800" dirty="0">
+                <a:latin typeface="HGS明朝E" panose="02020900000000000000" pitchFamily="18" charset="-128"/>
+                <a:ea typeface="HGS明朝E" panose="02020900000000000000" pitchFamily="18" charset="-128"/>
+              </a:rPr>
+              <a:t>Chapter 1 : </a:t>
+            </a:r>
+            <a:r>
+              <a:rPr kumimoji="1" lang="ja-JP" altLang="en-US" sz="2800" dirty="0">
+                <a:latin typeface="HGS明朝E" panose="02020900000000000000" pitchFamily="18" charset="-128"/>
+                <a:ea typeface="HGS明朝E" panose="02020900000000000000" pitchFamily="18" charset="-128"/>
+              </a:rPr>
+              <a:t>フロー概要（公演参加状況確認）</a:t>
+            </a:r>
           </a:p>
         </p:txBody>
       </p:sp>
@@ -9598,51 +11276,6 @@
       </p:cxnSp>
       <p:sp>
         <p:nvSpPr>
-          <p:cNvPr id="15" name="テキスト ボックス 14">
-            <a:extLst>
-              <a:ext uri="{FF2B5EF4-FFF2-40B4-BE49-F238E27FC236}">
-                <a16:creationId xmlns:a16="http://schemas.microsoft.com/office/drawing/2014/main" id="{388F1902-E64A-3EB0-A42E-5830F53B13B3}"/>
-              </a:ext>
-            </a:extLst>
-          </p:cNvPr>
-          <p:cNvSpPr txBox="1"/>
-          <p:nvPr/>
-        </p:nvSpPr>
-        <p:spPr>
-          <a:xfrm>
-            <a:off x="1050587" y="233464"/>
-            <a:ext cx="8463063" cy="523220"/>
-          </a:xfrm>
-          <a:prstGeom prst="rect">
-            <a:avLst/>
-          </a:prstGeom>
-          <a:noFill/>
-        </p:spPr>
-        <p:txBody>
-          <a:bodyPr wrap="square" rtlCol="0">
-            <a:spAutoFit/>
-          </a:bodyPr>
-          <a:lstStyle/>
-          <a:p>
-            <a:r>
-              <a:rPr kumimoji="1" lang="en-US" altLang="ja-JP" sz="2800" dirty="0">
-                <a:latin typeface="HGS明朝E" panose="02020900000000000000" pitchFamily="18" charset="-128"/>
-                <a:ea typeface="HGS明朝E" panose="02020900000000000000" pitchFamily="18" charset="-128"/>
-              </a:rPr>
-              <a:t>Chapter 2 : </a:t>
-            </a:r>
-            <a:r>
-              <a:rPr kumimoji="1" lang="ja-JP" altLang="en-US" sz="2800" dirty="0">
-                <a:latin typeface="HGS明朝E" panose="02020900000000000000" pitchFamily="18" charset="-128"/>
-                <a:ea typeface="HGS明朝E" panose="02020900000000000000" pitchFamily="18" charset="-128"/>
-              </a:rPr>
-              <a:t>シーケンス図</a:t>
-            </a:r>
-          </a:p>
-        </p:txBody>
-      </p:sp>
-      <p:sp>
-        <p:nvSpPr>
           <p:cNvPr id="17" name="テキスト ボックス 16">
             <a:extLst>
               <a:ext uri="{FF2B5EF4-FFF2-40B4-BE49-F238E27FC236}">
@@ -9690,10 +11323,916 @@
           </a:p>
         </p:txBody>
       </p:sp>
+      <p:sp>
+        <p:nvSpPr>
+          <p:cNvPr id="2" name="テキスト ボックス 1">
+            <a:extLst>
+              <a:ext uri="{FF2B5EF4-FFF2-40B4-BE49-F238E27FC236}">
+                <a16:creationId xmlns:a16="http://schemas.microsoft.com/office/drawing/2014/main" id="{1BAC5AC1-BD89-F137-C57F-56CE4874D8AE}"/>
+              </a:ext>
+            </a:extLst>
+          </p:cNvPr>
+          <p:cNvSpPr txBox="1"/>
+          <p:nvPr/>
+        </p:nvSpPr>
+        <p:spPr>
+          <a:xfrm>
+            <a:off x="208702" y="233464"/>
+            <a:ext cx="8020897" cy="523220"/>
+          </a:xfrm>
+          <a:prstGeom prst="rect">
+            <a:avLst/>
+          </a:prstGeom>
+          <a:noFill/>
+        </p:spPr>
+        <p:txBody>
+          <a:bodyPr wrap="square" rtlCol="0">
+            <a:spAutoFit/>
+          </a:bodyPr>
+          <a:lstStyle/>
+          <a:p>
+            <a:r>
+              <a:rPr kumimoji="1" lang="en-US" altLang="ja-JP" sz="2800" dirty="0">
+                <a:latin typeface="HGS明朝E" panose="02020900000000000000" pitchFamily="18" charset="-128"/>
+                <a:ea typeface="HGS明朝E" panose="02020900000000000000" pitchFamily="18" charset="-128"/>
+              </a:rPr>
+              <a:t>Chapter 2 : </a:t>
+            </a:r>
+            <a:r>
+              <a:rPr kumimoji="1" lang="ja-JP" altLang="en-US" sz="2800" dirty="0">
+                <a:latin typeface="HGS明朝E" panose="02020900000000000000" pitchFamily="18" charset="-128"/>
+                <a:ea typeface="HGS明朝E" panose="02020900000000000000" pitchFamily="18" charset="-128"/>
+              </a:rPr>
+              <a:t>シーケンス図</a:t>
+            </a:r>
+          </a:p>
+        </p:txBody>
+      </p:sp>
     </p:spTree>
     <p:extLst>
       <p:ext uri="{BB962C8B-B14F-4D97-AF65-F5344CB8AC3E}">
         <p14:creationId xmlns:p14="http://schemas.microsoft.com/office/powerpoint/2010/main" val="1870143439"/>
+      </p:ext>
+    </p:extLst>
+  </p:cSld>
+  <p:clrMapOvr>
+    <a:masterClrMapping/>
+  </p:clrMapOvr>
+</p:sld>
+</file>
+
+<file path=ppt/slides/slide7.xml><?xml version="1.0" encoding="utf-8"?>
+<p:sld xmlns:a="http://schemas.openxmlformats.org/drawingml/2006/main" xmlns:r="http://schemas.openxmlformats.org/officeDocument/2006/relationships" xmlns:p="http://schemas.openxmlformats.org/presentationml/2006/main">
+  <p:cSld>
+    <p:spTree>
+      <p:nvGrpSpPr>
+        <p:cNvPr id="1" name="">
+          <a:extLst>
+            <a:ext uri="{FF2B5EF4-FFF2-40B4-BE49-F238E27FC236}">
+              <a16:creationId xmlns:a16="http://schemas.microsoft.com/office/drawing/2014/main" id="{B00938B5-178C-F7FD-7D7A-1C33C381B8F9}"/>
+            </a:ext>
+          </a:extLst>
+        </p:cNvPr>
+        <p:cNvGrpSpPr/>
+        <p:nvPr/>
+      </p:nvGrpSpPr>
+      <p:grpSpPr>
+        <a:xfrm>
+          <a:off x="0" y="0"/>
+          <a:ext cx="0" cy="0"/>
+          <a:chOff x="0" y="0"/>
+          <a:chExt cx="0" cy="0"/>
+        </a:xfrm>
+      </p:grpSpPr>
+      <p:sp>
+        <p:nvSpPr>
+          <p:cNvPr id="3" name="字幕 2">
+            <a:extLst>
+              <a:ext uri="{FF2B5EF4-FFF2-40B4-BE49-F238E27FC236}">
+                <a16:creationId xmlns:a16="http://schemas.microsoft.com/office/drawing/2014/main" id="{527DCE35-E953-B48E-BA21-9883B4E10411}"/>
+              </a:ext>
+            </a:extLst>
+          </p:cNvPr>
+          <p:cNvSpPr>
+            <a:spLocks noGrp="1"/>
+          </p:cNvSpPr>
+          <p:nvPr>
+            <p:ph type="subTitle" idx="1"/>
+          </p:nvPr>
+        </p:nvSpPr>
+        <p:spPr>
+          <a:xfrm>
+            <a:off x="0" y="0"/>
+            <a:ext cx="2001068" cy="318986"/>
+          </a:xfrm>
+        </p:spPr>
+        <p:txBody>
+          <a:bodyPr>
+            <a:normAutofit/>
+          </a:bodyPr>
+          <a:lstStyle/>
+          <a:p>
+            <a:pPr algn="l"/>
+            <a:r>
+              <a:rPr lang="ja-JP" altLang="en-US" sz="1400" dirty="0">
+                <a:latin typeface="HGS明朝E" panose="02020900000000000000" pitchFamily="18" charset="-128"/>
+                <a:ea typeface="HGS明朝E" panose="02020900000000000000" pitchFamily="18" charset="-128"/>
+              </a:rPr>
+              <a:t>チケット予約システム</a:t>
+            </a:r>
+            <a:endParaRPr kumimoji="1" lang="ja-JP" altLang="en-US" sz="1400" dirty="0">
+              <a:latin typeface="HGS明朝E" panose="02020900000000000000" pitchFamily="18" charset="-128"/>
+              <a:ea typeface="HGS明朝E" panose="02020900000000000000" pitchFamily="18" charset="-128"/>
+            </a:endParaRPr>
+          </a:p>
+        </p:txBody>
+      </p:sp>
+      <p:pic>
+        <p:nvPicPr>
+          <p:cNvPr id="4" name="図 3" descr="黒い背景に白い文字がある&#10;&#10;低い精度で自動的に生成された説明">
+            <a:extLst>
+              <a:ext uri="{FF2B5EF4-FFF2-40B4-BE49-F238E27FC236}">
+                <a16:creationId xmlns:a16="http://schemas.microsoft.com/office/drawing/2014/main" id="{0167421E-3594-7537-4DF5-D2D2BE3D207E}"/>
+              </a:ext>
+            </a:extLst>
+          </p:cNvPr>
+          <p:cNvPicPr>
+            <a:picLocks noChangeAspect="1"/>
+          </p:cNvPicPr>
+          <p:nvPr/>
+        </p:nvPicPr>
+        <p:blipFill>
+          <a:blip r:embed="rId2">
+            <a:extLst>
+              <a:ext uri="{28A0092B-C50C-407E-A947-70E740481C1C}">
+                <a14:useLocalDpi xmlns:a14="http://schemas.microsoft.com/office/drawing/2010/main" val="0"/>
+              </a:ext>
+            </a:extLst>
+          </a:blip>
+          <a:stretch>
+            <a:fillRect/>
+          </a:stretch>
+        </p:blipFill>
+        <p:spPr>
+          <a:xfrm>
+            <a:off x="9982230" y="121271"/>
+            <a:ext cx="2001068" cy="636703"/>
+          </a:xfrm>
+          <a:prstGeom prst="rect">
+            <a:avLst/>
+          </a:prstGeom>
+        </p:spPr>
+      </p:pic>
+      <p:cxnSp>
+        <p:nvCxnSpPr>
+          <p:cNvPr id="9" name="直線コネクタ 8">
+            <a:extLst>
+              <a:ext uri="{FF2B5EF4-FFF2-40B4-BE49-F238E27FC236}">
+                <a16:creationId xmlns:a16="http://schemas.microsoft.com/office/drawing/2014/main" id="{836E243D-CF95-637B-4BB4-493A6D74B94D}"/>
+              </a:ext>
+            </a:extLst>
+          </p:cNvPr>
+          <p:cNvCxnSpPr>
+            <a:cxnSpLocks/>
+          </p:cNvCxnSpPr>
+          <p:nvPr/>
+        </p:nvCxnSpPr>
+        <p:spPr>
+          <a:xfrm>
+            <a:off x="0" y="757974"/>
+            <a:ext cx="9513651" cy="0"/>
+          </a:xfrm>
+          <a:prstGeom prst="line">
+            <a:avLst/>
+          </a:prstGeom>
+          <a:ln>
+            <a:solidFill>
+              <a:schemeClr val="accent1">
+                <a:lumMod val="50000"/>
+              </a:schemeClr>
+            </a:solidFill>
+          </a:ln>
+        </p:spPr>
+        <p:style>
+          <a:lnRef idx="2">
+            <a:schemeClr val="accent1"/>
+          </a:lnRef>
+          <a:fillRef idx="0">
+            <a:schemeClr val="accent1"/>
+          </a:fillRef>
+          <a:effectRef idx="1">
+            <a:schemeClr val="accent1"/>
+          </a:effectRef>
+          <a:fontRef idx="minor">
+            <a:schemeClr val="tx1"/>
+          </a:fontRef>
+        </p:style>
+      </p:cxnSp>
+      <p:pic>
+        <p:nvPicPr>
+          <p:cNvPr id="8" name="図 7" descr="ダイアグラム, タイムライン&#10;&#10;AI によって生成されたコンテンツは間違っている可能性があります。">
+            <a:extLst>
+              <a:ext uri="{FF2B5EF4-FFF2-40B4-BE49-F238E27FC236}">
+                <a16:creationId xmlns:a16="http://schemas.microsoft.com/office/drawing/2014/main" id="{BD8F1FFF-D3BD-948B-AC72-CE7C64F3CCB8}"/>
+              </a:ext>
+            </a:extLst>
+          </p:cNvPr>
+          <p:cNvPicPr>
+            <a:picLocks noChangeAspect="1"/>
+          </p:cNvPicPr>
+          <p:nvPr/>
+        </p:nvPicPr>
+        <p:blipFill>
+          <a:blip r:embed="rId3">
+            <a:extLst>
+              <a:ext uri="{28A0092B-C50C-407E-A947-70E740481C1C}">
+                <a14:useLocalDpi xmlns:a14="http://schemas.microsoft.com/office/drawing/2010/main" val="0"/>
+              </a:ext>
+            </a:extLst>
+          </a:blip>
+          <a:stretch>
+            <a:fillRect/>
+          </a:stretch>
+        </p:blipFill>
+        <p:spPr>
+          <a:xfrm>
+            <a:off x="182177" y="1125847"/>
+            <a:ext cx="9764091" cy="5732153"/>
+          </a:xfrm>
+          <a:prstGeom prst="rect">
+            <a:avLst/>
+          </a:prstGeom>
+        </p:spPr>
+      </p:pic>
+      <p:sp>
+        <p:nvSpPr>
+          <p:cNvPr id="20" name="テキスト ボックス 19">
+            <a:extLst>
+              <a:ext uri="{FF2B5EF4-FFF2-40B4-BE49-F238E27FC236}">
+                <a16:creationId xmlns:a16="http://schemas.microsoft.com/office/drawing/2014/main" id="{EEFD96B2-1E2C-C9EA-A32D-39FEC023F6E3}"/>
+              </a:ext>
+            </a:extLst>
+          </p:cNvPr>
+          <p:cNvSpPr txBox="1"/>
+          <p:nvPr/>
+        </p:nvSpPr>
+        <p:spPr>
+          <a:xfrm>
+            <a:off x="208702" y="233464"/>
+            <a:ext cx="8020897" cy="523220"/>
+          </a:xfrm>
+          <a:prstGeom prst="rect">
+            <a:avLst/>
+          </a:prstGeom>
+          <a:noFill/>
+        </p:spPr>
+        <p:txBody>
+          <a:bodyPr wrap="square" rtlCol="0">
+            <a:spAutoFit/>
+          </a:bodyPr>
+          <a:lstStyle/>
+          <a:p>
+            <a:r>
+              <a:rPr kumimoji="1" lang="en-US" altLang="ja-JP" sz="2800" dirty="0">
+                <a:latin typeface="HGS明朝E" panose="02020900000000000000" pitchFamily="18" charset="-128"/>
+                <a:ea typeface="HGS明朝E" panose="02020900000000000000" pitchFamily="18" charset="-128"/>
+              </a:rPr>
+              <a:t>Chapter 2 : </a:t>
+            </a:r>
+            <a:r>
+              <a:rPr kumimoji="1" lang="ja-JP" altLang="en-US" sz="2800" dirty="0">
+                <a:latin typeface="HGS明朝E" panose="02020900000000000000" pitchFamily="18" charset="-128"/>
+                <a:ea typeface="HGS明朝E" panose="02020900000000000000" pitchFamily="18" charset="-128"/>
+              </a:rPr>
+              <a:t>シーケンス図</a:t>
+            </a:r>
+          </a:p>
+        </p:txBody>
+      </p:sp>
+      <p:sp>
+        <p:nvSpPr>
+          <p:cNvPr id="21" name="テキスト ボックス 20">
+            <a:extLst>
+              <a:ext uri="{FF2B5EF4-FFF2-40B4-BE49-F238E27FC236}">
+                <a16:creationId xmlns:a16="http://schemas.microsoft.com/office/drawing/2014/main" id="{DEF4D34E-1A80-0C9E-A128-EC46CD9B2AC9}"/>
+              </a:ext>
+            </a:extLst>
+          </p:cNvPr>
+          <p:cNvSpPr txBox="1"/>
+          <p:nvPr/>
+        </p:nvSpPr>
+        <p:spPr>
+          <a:xfrm>
+            <a:off x="307817" y="836008"/>
+            <a:ext cx="3521799" cy="369332"/>
+          </a:xfrm>
+          <a:prstGeom prst="rect">
+            <a:avLst/>
+          </a:prstGeom>
+          <a:noFill/>
+        </p:spPr>
+        <p:txBody>
+          <a:bodyPr wrap="square" rtlCol="0">
+            <a:spAutoFit/>
+          </a:bodyPr>
+          <a:lstStyle/>
+          <a:p>
+            <a:r>
+              <a:rPr lang="ja-JP" altLang="en-US" dirty="0"/>
+              <a:t>ケース</a:t>
+            </a:r>
+            <a:r>
+              <a:rPr lang="en-US" altLang="ja-JP" dirty="0"/>
+              <a:t>1</a:t>
+            </a:r>
+            <a:r>
+              <a:rPr lang="ja-JP" altLang="en-US" dirty="0"/>
+              <a:t>：画面遷移リクエスト</a:t>
+            </a:r>
+            <a:endParaRPr kumimoji="1" lang="ja-JP" altLang="en-US" dirty="0"/>
+          </a:p>
+        </p:txBody>
+      </p:sp>
+    </p:spTree>
+    <p:extLst>
+      <p:ext uri="{BB962C8B-B14F-4D97-AF65-F5344CB8AC3E}">
+        <p14:creationId xmlns:p14="http://schemas.microsoft.com/office/powerpoint/2010/main" val="2807316147"/>
+      </p:ext>
+    </p:extLst>
+  </p:cSld>
+  <p:clrMapOvr>
+    <a:masterClrMapping/>
+  </p:clrMapOvr>
+</p:sld>
+</file>
+
+<file path=ppt/slides/slide8.xml><?xml version="1.0" encoding="utf-8"?>
+<p:sld xmlns:a="http://schemas.openxmlformats.org/drawingml/2006/main" xmlns:r="http://schemas.openxmlformats.org/officeDocument/2006/relationships" xmlns:p="http://schemas.openxmlformats.org/presentationml/2006/main">
+  <p:cSld>
+    <p:spTree>
+      <p:nvGrpSpPr>
+        <p:cNvPr id="1" name="">
+          <a:extLst>
+            <a:ext uri="{FF2B5EF4-FFF2-40B4-BE49-F238E27FC236}">
+              <a16:creationId xmlns:a16="http://schemas.microsoft.com/office/drawing/2014/main" id="{76466013-EEFB-A6AF-0197-15CBEAD4EE8B}"/>
+            </a:ext>
+          </a:extLst>
+        </p:cNvPr>
+        <p:cNvGrpSpPr/>
+        <p:nvPr/>
+      </p:nvGrpSpPr>
+      <p:grpSpPr>
+        <a:xfrm>
+          <a:off x="0" y="0"/>
+          <a:ext cx="0" cy="0"/>
+          <a:chOff x="0" y="0"/>
+          <a:chExt cx="0" cy="0"/>
+        </a:xfrm>
+      </p:grpSpPr>
+      <p:sp>
+        <p:nvSpPr>
+          <p:cNvPr id="3" name="字幕 2">
+            <a:extLst>
+              <a:ext uri="{FF2B5EF4-FFF2-40B4-BE49-F238E27FC236}">
+                <a16:creationId xmlns:a16="http://schemas.microsoft.com/office/drawing/2014/main" id="{8A91DF96-2F47-8222-FD14-8A20BC2224F7}"/>
+              </a:ext>
+            </a:extLst>
+          </p:cNvPr>
+          <p:cNvSpPr>
+            <a:spLocks noGrp="1"/>
+          </p:cNvSpPr>
+          <p:nvPr>
+            <p:ph type="subTitle" idx="1"/>
+          </p:nvPr>
+        </p:nvSpPr>
+        <p:spPr>
+          <a:xfrm>
+            <a:off x="0" y="0"/>
+            <a:ext cx="2001068" cy="318986"/>
+          </a:xfrm>
+        </p:spPr>
+        <p:txBody>
+          <a:bodyPr>
+            <a:normAutofit/>
+          </a:bodyPr>
+          <a:lstStyle/>
+          <a:p>
+            <a:pPr algn="l"/>
+            <a:r>
+              <a:rPr lang="ja-JP" altLang="en-US" sz="1400" dirty="0">
+                <a:latin typeface="HGS明朝E" panose="02020900000000000000" pitchFamily="18" charset="-128"/>
+                <a:ea typeface="HGS明朝E" panose="02020900000000000000" pitchFamily="18" charset="-128"/>
+              </a:rPr>
+              <a:t>チケット予約システム</a:t>
+            </a:r>
+            <a:endParaRPr kumimoji="1" lang="ja-JP" altLang="en-US" sz="1400" dirty="0">
+              <a:latin typeface="HGS明朝E" panose="02020900000000000000" pitchFamily="18" charset="-128"/>
+              <a:ea typeface="HGS明朝E" panose="02020900000000000000" pitchFamily="18" charset="-128"/>
+            </a:endParaRPr>
+          </a:p>
+        </p:txBody>
+      </p:sp>
+      <p:pic>
+        <p:nvPicPr>
+          <p:cNvPr id="4" name="図 3" descr="黒い背景に白い文字がある&#10;&#10;低い精度で自動的に生成された説明">
+            <a:extLst>
+              <a:ext uri="{FF2B5EF4-FFF2-40B4-BE49-F238E27FC236}">
+                <a16:creationId xmlns:a16="http://schemas.microsoft.com/office/drawing/2014/main" id="{60EA53D7-6FC7-D82B-6F13-6C642DC66272}"/>
+              </a:ext>
+            </a:extLst>
+          </p:cNvPr>
+          <p:cNvPicPr>
+            <a:picLocks noChangeAspect="1"/>
+          </p:cNvPicPr>
+          <p:nvPr/>
+        </p:nvPicPr>
+        <p:blipFill>
+          <a:blip r:embed="rId2">
+            <a:extLst>
+              <a:ext uri="{28A0092B-C50C-407E-A947-70E740481C1C}">
+                <a14:useLocalDpi xmlns:a14="http://schemas.microsoft.com/office/drawing/2010/main" val="0"/>
+              </a:ext>
+            </a:extLst>
+          </a:blip>
+          <a:stretch>
+            <a:fillRect/>
+          </a:stretch>
+        </p:blipFill>
+        <p:spPr>
+          <a:xfrm>
+            <a:off x="9982230" y="121271"/>
+            <a:ext cx="2001068" cy="636703"/>
+          </a:xfrm>
+          <a:prstGeom prst="rect">
+            <a:avLst/>
+          </a:prstGeom>
+        </p:spPr>
+      </p:pic>
+      <p:cxnSp>
+        <p:nvCxnSpPr>
+          <p:cNvPr id="9" name="直線コネクタ 8">
+            <a:extLst>
+              <a:ext uri="{FF2B5EF4-FFF2-40B4-BE49-F238E27FC236}">
+                <a16:creationId xmlns:a16="http://schemas.microsoft.com/office/drawing/2014/main" id="{5EFD5D89-A31F-7933-D520-549662B0EDDD}"/>
+              </a:ext>
+            </a:extLst>
+          </p:cNvPr>
+          <p:cNvCxnSpPr>
+            <a:cxnSpLocks/>
+          </p:cNvCxnSpPr>
+          <p:nvPr/>
+        </p:nvCxnSpPr>
+        <p:spPr>
+          <a:xfrm>
+            <a:off x="0" y="757974"/>
+            <a:ext cx="9513651" cy="0"/>
+          </a:xfrm>
+          <a:prstGeom prst="line">
+            <a:avLst/>
+          </a:prstGeom>
+          <a:ln>
+            <a:solidFill>
+              <a:schemeClr val="accent1">
+                <a:lumMod val="50000"/>
+              </a:schemeClr>
+            </a:solidFill>
+          </a:ln>
+        </p:spPr>
+        <p:style>
+          <a:lnRef idx="2">
+            <a:schemeClr val="accent1"/>
+          </a:lnRef>
+          <a:fillRef idx="0">
+            <a:schemeClr val="accent1"/>
+          </a:fillRef>
+          <a:effectRef idx="1">
+            <a:schemeClr val="accent1"/>
+          </a:effectRef>
+          <a:fontRef idx="minor">
+            <a:schemeClr val="tx1"/>
+          </a:fontRef>
+        </p:style>
+      </p:cxnSp>
+      <p:pic>
+        <p:nvPicPr>
+          <p:cNvPr id="8" name="図 7">
+            <a:extLst>
+              <a:ext uri="{FF2B5EF4-FFF2-40B4-BE49-F238E27FC236}">
+                <a16:creationId xmlns:a16="http://schemas.microsoft.com/office/drawing/2014/main" id="{8FFA3C32-A8E0-ECC4-24C3-A444615271D8}"/>
+              </a:ext>
+            </a:extLst>
+          </p:cNvPr>
+          <p:cNvPicPr>
+            <a:picLocks noChangeAspect="1"/>
+          </p:cNvPicPr>
+          <p:nvPr/>
+        </p:nvPicPr>
+        <p:blipFill>
+          <a:blip r:embed="rId3">
+            <a:extLst>
+              <a:ext uri="{28A0092B-C50C-407E-A947-70E740481C1C}">
+                <a14:useLocalDpi xmlns:a14="http://schemas.microsoft.com/office/drawing/2010/main" val="0"/>
+              </a:ext>
+            </a:extLst>
+          </a:blip>
+          <a:srcRect/>
+          <a:stretch/>
+        </p:blipFill>
+        <p:spPr>
+          <a:xfrm>
+            <a:off x="182177" y="1125847"/>
+            <a:ext cx="9764091" cy="5732152"/>
+          </a:xfrm>
+          <a:prstGeom prst="rect">
+            <a:avLst/>
+          </a:prstGeom>
+        </p:spPr>
+      </p:pic>
+      <p:sp>
+        <p:nvSpPr>
+          <p:cNvPr id="20" name="テキスト ボックス 19">
+            <a:extLst>
+              <a:ext uri="{FF2B5EF4-FFF2-40B4-BE49-F238E27FC236}">
+                <a16:creationId xmlns:a16="http://schemas.microsoft.com/office/drawing/2014/main" id="{B638F1A7-C3E8-6EC1-134F-AE7FB9BCC4A0}"/>
+              </a:ext>
+            </a:extLst>
+          </p:cNvPr>
+          <p:cNvSpPr txBox="1"/>
+          <p:nvPr/>
+        </p:nvSpPr>
+        <p:spPr>
+          <a:xfrm>
+            <a:off x="208702" y="233464"/>
+            <a:ext cx="8020897" cy="523220"/>
+          </a:xfrm>
+          <a:prstGeom prst="rect">
+            <a:avLst/>
+          </a:prstGeom>
+          <a:noFill/>
+        </p:spPr>
+        <p:txBody>
+          <a:bodyPr wrap="square" rtlCol="0">
+            <a:spAutoFit/>
+          </a:bodyPr>
+          <a:lstStyle/>
+          <a:p>
+            <a:r>
+              <a:rPr kumimoji="1" lang="en-US" altLang="ja-JP" sz="2800" dirty="0">
+                <a:latin typeface="HGS明朝E" panose="02020900000000000000" pitchFamily="18" charset="-128"/>
+                <a:ea typeface="HGS明朝E" panose="02020900000000000000" pitchFamily="18" charset="-128"/>
+              </a:rPr>
+              <a:t>Chapter 2 : </a:t>
+            </a:r>
+            <a:r>
+              <a:rPr kumimoji="1" lang="ja-JP" altLang="en-US" sz="2800" dirty="0">
+                <a:latin typeface="HGS明朝E" panose="02020900000000000000" pitchFamily="18" charset="-128"/>
+                <a:ea typeface="HGS明朝E" panose="02020900000000000000" pitchFamily="18" charset="-128"/>
+              </a:rPr>
+              <a:t>シーケンス図</a:t>
+            </a:r>
+          </a:p>
+        </p:txBody>
+      </p:sp>
+      <p:sp>
+        <p:nvSpPr>
+          <p:cNvPr id="21" name="テキスト ボックス 20">
+            <a:extLst>
+              <a:ext uri="{FF2B5EF4-FFF2-40B4-BE49-F238E27FC236}">
+                <a16:creationId xmlns:a16="http://schemas.microsoft.com/office/drawing/2014/main" id="{6D1FFDC0-019F-0879-6F6F-D4B8E771D61F}"/>
+              </a:ext>
+            </a:extLst>
+          </p:cNvPr>
+          <p:cNvSpPr txBox="1"/>
+          <p:nvPr/>
+        </p:nvSpPr>
+        <p:spPr>
+          <a:xfrm>
+            <a:off x="307817" y="836008"/>
+            <a:ext cx="4363771" cy="369332"/>
+          </a:xfrm>
+          <a:prstGeom prst="rect">
+            <a:avLst/>
+          </a:prstGeom>
+          <a:noFill/>
+        </p:spPr>
+        <p:txBody>
+          <a:bodyPr wrap="square" rtlCol="0">
+            <a:spAutoFit/>
+          </a:bodyPr>
+          <a:lstStyle/>
+          <a:p>
+            <a:r>
+              <a:rPr lang="ja-JP" altLang="en-US" dirty="0"/>
+              <a:t>ケース</a:t>
+            </a:r>
+            <a:r>
+              <a:rPr lang="en-US" altLang="ja-JP" dirty="0"/>
+              <a:t>2</a:t>
+            </a:r>
+            <a:r>
+              <a:rPr lang="ja-JP" altLang="en-US" dirty="0"/>
+              <a:t>：データ登録・更新リクエスト</a:t>
+            </a:r>
+            <a:endParaRPr kumimoji="1" lang="ja-JP" altLang="en-US" dirty="0"/>
+          </a:p>
+        </p:txBody>
+      </p:sp>
+    </p:spTree>
+    <p:extLst>
+      <p:ext uri="{BB962C8B-B14F-4D97-AF65-F5344CB8AC3E}">
+        <p14:creationId xmlns:p14="http://schemas.microsoft.com/office/powerpoint/2010/main" val="2573897776"/>
+      </p:ext>
+    </p:extLst>
+  </p:cSld>
+  <p:clrMapOvr>
+    <a:masterClrMapping/>
+  </p:clrMapOvr>
+</p:sld>
+</file>
+
+<file path=ppt/slides/slide9.xml><?xml version="1.0" encoding="utf-8"?>
+<p:sld xmlns:a="http://schemas.openxmlformats.org/drawingml/2006/main" xmlns:r="http://schemas.openxmlformats.org/officeDocument/2006/relationships" xmlns:p="http://schemas.openxmlformats.org/presentationml/2006/main">
+  <p:cSld>
+    <p:spTree>
+      <p:nvGrpSpPr>
+        <p:cNvPr id="1" name="">
+          <a:extLst>
+            <a:ext uri="{FF2B5EF4-FFF2-40B4-BE49-F238E27FC236}">
+              <a16:creationId xmlns:a16="http://schemas.microsoft.com/office/drawing/2014/main" id="{0F23933B-C7EC-E36C-0296-372CC5F6AA22}"/>
+            </a:ext>
+          </a:extLst>
+        </p:cNvPr>
+        <p:cNvGrpSpPr/>
+        <p:nvPr/>
+      </p:nvGrpSpPr>
+      <p:grpSpPr>
+        <a:xfrm>
+          <a:off x="0" y="0"/>
+          <a:ext cx="0" cy="0"/>
+          <a:chOff x="0" y="0"/>
+          <a:chExt cx="0" cy="0"/>
+        </a:xfrm>
+      </p:grpSpPr>
+      <p:sp>
+        <p:nvSpPr>
+          <p:cNvPr id="3" name="字幕 2">
+            <a:extLst>
+              <a:ext uri="{FF2B5EF4-FFF2-40B4-BE49-F238E27FC236}">
+                <a16:creationId xmlns:a16="http://schemas.microsoft.com/office/drawing/2014/main" id="{065A9F6D-4E90-3E16-43EB-0A66D48D9E98}"/>
+              </a:ext>
+            </a:extLst>
+          </p:cNvPr>
+          <p:cNvSpPr>
+            <a:spLocks noGrp="1"/>
+          </p:cNvSpPr>
+          <p:nvPr>
+            <p:ph type="subTitle" idx="1"/>
+          </p:nvPr>
+        </p:nvSpPr>
+        <p:spPr>
+          <a:xfrm>
+            <a:off x="0" y="0"/>
+            <a:ext cx="2001068" cy="318986"/>
+          </a:xfrm>
+        </p:spPr>
+        <p:txBody>
+          <a:bodyPr>
+            <a:normAutofit/>
+          </a:bodyPr>
+          <a:lstStyle/>
+          <a:p>
+            <a:pPr algn="l"/>
+            <a:r>
+              <a:rPr lang="ja-JP" altLang="en-US" sz="1400" dirty="0">
+                <a:latin typeface="HGS明朝E" panose="02020900000000000000" pitchFamily="18" charset="-128"/>
+                <a:ea typeface="HGS明朝E" panose="02020900000000000000" pitchFamily="18" charset="-128"/>
+              </a:rPr>
+              <a:t>チケット予約システム</a:t>
+            </a:r>
+            <a:endParaRPr kumimoji="1" lang="ja-JP" altLang="en-US" sz="1400" dirty="0">
+              <a:latin typeface="HGS明朝E" panose="02020900000000000000" pitchFamily="18" charset="-128"/>
+              <a:ea typeface="HGS明朝E" panose="02020900000000000000" pitchFamily="18" charset="-128"/>
+            </a:endParaRPr>
+          </a:p>
+        </p:txBody>
+      </p:sp>
+      <p:pic>
+        <p:nvPicPr>
+          <p:cNvPr id="4" name="図 3" descr="黒い背景に白い文字がある&#10;&#10;低い精度で自動的に生成された説明">
+            <a:extLst>
+              <a:ext uri="{FF2B5EF4-FFF2-40B4-BE49-F238E27FC236}">
+                <a16:creationId xmlns:a16="http://schemas.microsoft.com/office/drawing/2014/main" id="{4E5F057F-7192-C82A-D54B-C493B33F660B}"/>
+              </a:ext>
+            </a:extLst>
+          </p:cNvPr>
+          <p:cNvPicPr>
+            <a:picLocks noChangeAspect="1"/>
+          </p:cNvPicPr>
+          <p:nvPr/>
+        </p:nvPicPr>
+        <p:blipFill>
+          <a:blip r:embed="rId2">
+            <a:extLst>
+              <a:ext uri="{28A0092B-C50C-407E-A947-70E740481C1C}">
+                <a14:useLocalDpi xmlns:a14="http://schemas.microsoft.com/office/drawing/2010/main" val="0"/>
+              </a:ext>
+            </a:extLst>
+          </a:blip>
+          <a:stretch>
+            <a:fillRect/>
+          </a:stretch>
+        </p:blipFill>
+        <p:spPr>
+          <a:xfrm>
+            <a:off x="9982230" y="121271"/>
+            <a:ext cx="2001068" cy="636703"/>
+          </a:xfrm>
+          <a:prstGeom prst="rect">
+            <a:avLst/>
+          </a:prstGeom>
+        </p:spPr>
+      </p:pic>
+      <p:cxnSp>
+        <p:nvCxnSpPr>
+          <p:cNvPr id="9" name="直線コネクタ 8">
+            <a:extLst>
+              <a:ext uri="{FF2B5EF4-FFF2-40B4-BE49-F238E27FC236}">
+                <a16:creationId xmlns:a16="http://schemas.microsoft.com/office/drawing/2014/main" id="{3A29614C-D865-07E3-FF4A-6FC1490AA4A8}"/>
+              </a:ext>
+            </a:extLst>
+          </p:cNvPr>
+          <p:cNvCxnSpPr>
+            <a:cxnSpLocks/>
+          </p:cNvCxnSpPr>
+          <p:nvPr/>
+        </p:nvCxnSpPr>
+        <p:spPr>
+          <a:xfrm>
+            <a:off x="0" y="757974"/>
+            <a:ext cx="9513651" cy="0"/>
+          </a:xfrm>
+          <a:prstGeom prst="line">
+            <a:avLst/>
+          </a:prstGeom>
+          <a:ln>
+            <a:solidFill>
+              <a:schemeClr val="accent1">
+                <a:lumMod val="50000"/>
+              </a:schemeClr>
+            </a:solidFill>
+          </a:ln>
+        </p:spPr>
+        <p:style>
+          <a:lnRef idx="2">
+            <a:schemeClr val="accent1"/>
+          </a:lnRef>
+          <a:fillRef idx="0">
+            <a:schemeClr val="accent1"/>
+          </a:fillRef>
+          <a:effectRef idx="1">
+            <a:schemeClr val="accent1"/>
+          </a:effectRef>
+          <a:fontRef idx="minor">
+            <a:schemeClr val="tx1"/>
+          </a:fontRef>
+        </p:style>
+      </p:cxnSp>
+      <p:pic>
+        <p:nvPicPr>
+          <p:cNvPr id="8" name="図 7">
+            <a:extLst>
+              <a:ext uri="{FF2B5EF4-FFF2-40B4-BE49-F238E27FC236}">
+                <a16:creationId xmlns:a16="http://schemas.microsoft.com/office/drawing/2014/main" id="{8CA9F5A5-E46C-7024-F83B-BBA6FFE2CE04}"/>
+              </a:ext>
+            </a:extLst>
+          </p:cNvPr>
+          <p:cNvPicPr>
+            <a:picLocks noChangeAspect="1"/>
+          </p:cNvPicPr>
+          <p:nvPr/>
+        </p:nvPicPr>
+        <p:blipFill>
+          <a:blip r:embed="rId3">
+            <a:extLst>
+              <a:ext uri="{28A0092B-C50C-407E-A947-70E740481C1C}">
+                <a14:useLocalDpi xmlns:a14="http://schemas.microsoft.com/office/drawing/2010/main" val="0"/>
+              </a:ext>
+            </a:extLst>
+          </a:blip>
+          <a:srcRect/>
+          <a:stretch/>
+        </p:blipFill>
+        <p:spPr>
+          <a:xfrm>
+            <a:off x="182178" y="1125847"/>
+            <a:ext cx="9764089" cy="5732152"/>
+          </a:xfrm>
+          <a:prstGeom prst="rect">
+            <a:avLst/>
+          </a:prstGeom>
+        </p:spPr>
+      </p:pic>
+      <p:sp>
+        <p:nvSpPr>
+          <p:cNvPr id="20" name="テキスト ボックス 19">
+            <a:extLst>
+              <a:ext uri="{FF2B5EF4-FFF2-40B4-BE49-F238E27FC236}">
+                <a16:creationId xmlns:a16="http://schemas.microsoft.com/office/drawing/2014/main" id="{41476778-F33F-CEA1-8BD9-75B02383EE58}"/>
+              </a:ext>
+            </a:extLst>
+          </p:cNvPr>
+          <p:cNvSpPr txBox="1"/>
+          <p:nvPr/>
+        </p:nvSpPr>
+        <p:spPr>
+          <a:xfrm>
+            <a:off x="208702" y="233464"/>
+            <a:ext cx="8020897" cy="523220"/>
+          </a:xfrm>
+          <a:prstGeom prst="rect">
+            <a:avLst/>
+          </a:prstGeom>
+          <a:noFill/>
+        </p:spPr>
+        <p:txBody>
+          <a:bodyPr wrap="square" rtlCol="0">
+            <a:spAutoFit/>
+          </a:bodyPr>
+          <a:lstStyle/>
+          <a:p>
+            <a:r>
+              <a:rPr kumimoji="1" lang="en-US" altLang="ja-JP" sz="2800" dirty="0">
+                <a:latin typeface="HGS明朝E" panose="02020900000000000000" pitchFamily="18" charset="-128"/>
+                <a:ea typeface="HGS明朝E" panose="02020900000000000000" pitchFamily="18" charset="-128"/>
+              </a:rPr>
+              <a:t>Chapter 2 : </a:t>
+            </a:r>
+            <a:r>
+              <a:rPr kumimoji="1" lang="ja-JP" altLang="en-US" sz="2800" dirty="0">
+                <a:latin typeface="HGS明朝E" panose="02020900000000000000" pitchFamily="18" charset="-128"/>
+                <a:ea typeface="HGS明朝E" panose="02020900000000000000" pitchFamily="18" charset="-128"/>
+              </a:rPr>
+              <a:t>シーケンス図</a:t>
+            </a:r>
+          </a:p>
+        </p:txBody>
+      </p:sp>
+      <p:sp>
+        <p:nvSpPr>
+          <p:cNvPr id="21" name="テキスト ボックス 20">
+            <a:extLst>
+              <a:ext uri="{FF2B5EF4-FFF2-40B4-BE49-F238E27FC236}">
+                <a16:creationId xmlns:a16="http://schemas.microsoft.com/office/drawing/2014/main" id="{B217D239-A3AD-DA62-C6F7-EFF93321D504}"/>
+              </a:ext>
+            </a:extLst>
+          </p:cNvPr>
+          <p:cNvSpPr txBox="1"/>
+          <p:nvPr/>
+        </p:nvSpPr>
+        <p:spPr>
+          <a:xfrm>
+            <a:off x="307818" y="836008"/>
+            <a:ext cx="5902860" cy="369332"/>
+          </a:xfrm>
+          <a:prstGeom prst="rect">
+            <a:avLst/>
+          </a:prstGeom>
+          <a:noFill/>
+        </p:spPr>
+        <p:txBody>
+          <a:bodyPr wrap="square" rtlCol="0">
+            <a:spAutoFit/>
+          </a:bodyPr>
+          <a:lstStyle/>
+          <a:p>
+            <a:r>
+              <a:rPr lang="ja-JP" altLang="en-US" dirty="0"/>
+              <a:t>ケース</a:t>
+            </a:r>
+            <a:r>
+              <a:rPr lang="en-US" altLang="ja-JP" dirty="0"/>
+              <a:t>3</a:t>
+            </a:r>
+            <a:r>
+              <a:rPr lang="ja-JP" altLang="en-US" dirty="0"/>
+              <a:t>：メール送信リクエスト（</a:t>
+            </a:r>
+            <a:r>
+              <a:rPr lang="en-US" altLang="ja-JP" dirty="0"/>
+              <a:t>Google Mail</a:t>
+            </a:r>
+            <a:r>
+              <a:rPr lang="ja-JP" altLang="en-US" dirty="0"/>
+              <a:t>）</a:t>
+            </a:r>
+            <a:endParaRPr kumimoji="1" lang="ja-JP" altLang="en-US" dirty="0"/>
+          </a:p>
+        </p:txBody>
+      </p:sp>
+    </p:spTree>
+    <p:extLst>
+      <p:ext uri="{BB962C8B-B14F-4D97-AF65-F5344CB8AC3E}">
+        <p14:creationId xmlns:p14="http://schemas.microsoft.com/office/powerpoint/2010/main" val="3243100998"/>
       </p:ext>
     </p:extLst>
   </p:cSld>

--- a/りざっと案件_詳細設計書.pptx
+++ b/りざっと案件_詳細設計書.pptx
@@ -17,6 +17,7 @@
     <p:sldId id="268" r:id="rId11"/>
     <p:sldId id="269" r:id="rId12"/>
     <p:sldId id="270" r:id="rId13"/>
+    <p:sldId id="271" r:id="rId14"/>
   </p:sldIdLst>
   <p:sldSz cx="12192000" cy="6858000"/>
   <p:notesSz cx="6858000" cy="9144000"/>
@@ -270,7 +271,7 @@
           <a:p>
             <a:fld id="{68C45014-0F33-4EC0-A353-D831A2E212C9}" type="datetimeFigureOut">
               <a:rPr kumimoji="1" lang="ja-JP" altLang="en-US" smtClean="0"/>
-              <a:t>2025/4/9</a:t>
+              <a:t>2025/4/10</a:t>
             </a:fld>
             <a:endParaRPr kumimoji="1" lang="ja-JP" altLang="en-US"/>
           </a:p>
@@ -500,7 +501,7 @@
           <a:p>
             <a:fld id="{68C45014-0F33-4EC0-A353-D831A2E212C9}" type="datetimeFigureOut">
               <a:rPr kumimoji="1" lang="ja-JP" altLang="en-US" smtClean="0"/>
-              <a:t>2025/4/9</a:t>
+              <a:t>2025/4/10</a:t>
             </a:fld>
             <a:endParaRPr kumimoji="1" lang="ja-JP" altLang="en-US"/>
           </a:p>
@@ -740,7 +741,7 @@
           <a:p>
             <a:fld id="{68C45014-0F33-4EC0-A353-D831A2E212C9}" type="datetimeFigureOut">
               <a:rPr kumimoji="1" lang="ja-JP" altLang="en-US" smtClean="0"/>
-              <a:t>2025/4/9</a:t>
+              <a:t>2025/4/10</a:t>
             </a:fld>
             <a:endParaRPr kumimoji="1" lang="ja-JP" altLang="en-US"/>
           </a:p>
@@ -970,7 +971,7 @@
           <a:p>
             <a:fld id="{68C45014-0F33-4EC0-A353-D831A2E212C9}" type="datetimeFigureOut">
               <a:rPr kumimoji="1" lang="ja-JP" altLang="en-US" smtClean="0"/>
-              <a:t>2025/4/9</a:t>
+              <a:t>2025/4/10</a:t>
             </a:fld>
             <a:endParaRPr kumimoji="1" lang="ja-JP" altLang="en-US"/>
           </a:p>
@@ -1245,7 +1246,7 @@
           <a:p>
             <a:fld id="{68C45014-0F33-4EC0-A353-D831A2E212C9}" type="datetimeFigureOut">
               <a:rPr kumimoji="1" lang="ja-JP" altLang="en-US" smtClean="0"/>
-              <a:t>2025/4/9</a:t>
+              <a:t>2025/4/10</a:t>
             </a:fld>
             <a:endParaRPr kumimoji="1" lang="ja-JP" altLang="en-US"/>
           </a:p>
@@ -1574,7 +1575,7 @@
           <a:p>
             <a:fld id="{68C45014-0F33-4EC0-A353-D831A2E212C9}" type="datetimeFigureOut">
               <a:rPr kumimoji="1" lang="ja-JP" altLang="en-US" smtClean="0"/>
-              <a:t>2025/4/9</a:t>
+              <a:t>2025/4/10</a:t>
             </a:fld>
             <a:endParaRPr kumimoji="1" lang="ja-JP" altLang="en-US"/>
           </a:p>
@@ -2050,7 +2051,7 @@
           <a:p>
             <a:fld id="{68C45014-0F33-4EC0-A353-D831A2E212C9}" type="datetimeFigureOut">
               <a:rPr kumimoji="1" lang="ja-JP" altLang="en-US" smtClean="0"/>
-              <a:t>2025/4/9</a:t>
+              <a:t>2025/4/10</a:t>
             </a:fld>
             <a:endParaRPr kumimoji="1" lang="ja-JP" altLang="en-US"/>
           </a:p>
@@ -2191,7 +2192,7 @@
           <a:p>
             <a:fld id="{68C45014-0F33-4EC0-A353-D831A2E212C9}" type="datetimeFigureOut">
               <a:rPr kumimoji="1" lang="ja-JP" altLang="en-US" smtClean="0"/>
-              <a:t>2025/4/9</a:t>
+              <a:t>2025/4/10</a:t>
             </a:fld>
             <a:endParaRPr kumimoji="1" lang="ja-JP" altLang="en-US"/>
           </a:p>
@@ -2304,7 +2305,7 @@
           <a:p>
             <a:fld id="{68C45014-0F33-4EC0-A353-D831A2E212C9}" type="datetimeFigureOut">
               <a:rPr kumimoji="1" lang="ja-JP" altLang="en-US" smtClean="0"/>
-              <a:t>2025/4/9</a:t>
+              <a:t>2025/4/10</a:t>
             </a:fld>
             <a:endParaRPr kumimoji="1" lang="ja-JP" altLang="en-US"/>
           </a:p>
@@ -2647,7 +2648,7 @@
           <a:p>
             <a:fld id="{68C45014-0F33-4EC0-A353-D831A2E212C9}" type="datetimeFigureOut">
               <a:rPr kumimoji="1" lang="ja-JP" altLang="en-US" smtClean="0"/>
-              <a:t>2025/4/9</a:t>
+              <a:t>2025/4/10</a:t>
             </a:fld>
             <a:endParaRPr kumimoji="1" lang="ja-JP" altLang="en-US"/>
           </a:p>
@@ -2935,7 +2936,7 @@
           <a:p>
             <a:fld id="{68C45014-0F33-4EC0-A353-D831A2E212C9}" type="datetimeFigureOut">
               <a:rPr kumimoji="1" lang="ja-JP" altLang="en-US" smtClean="0"/>
-              <a:t>2025/4/9</a:t>
+              <a:t>2025/4/10</a:t>
             </a:fld>
             <a:endParaRPr kumimoji="1" lang="ja-JP" altLang="en-US"/>
           </a:p>
@@ -3208,7 +3209,7 @@
           <a:p>
             <a:fld id="{68C45014-0F33-4EC0-A353-D831A2E212C9}" type="datetimeFigureOut">
               <a:rPr kumimoji="1" lang="ja-JP" altLang="en-US" smtClean="0"/>
-              <a:t>2025/4/9</a:t>
+              <a:t>2025/4/10</a:t>
             </a:fld>
             <a:endParaRPr kumimoji="1" lang="ja-JP" altLang="en-US"/>
           </a:p>
@@ -5343,6 +5344,551 @@
 </p:sld>
 </file>
 
+<file path=ppt/slides/slide13.xml><?xml version="1.0" encoding="utf-8"?>
+<p:sld xmlns:a="http://schemas.openxmlformats.org/drawingml/2006/main" xmlns:r="http://schemas.openxmlformats.org/officeDocument/2006/relationships" xmlns:p="http://schemas.openxmlformats.org/presentationml/2006/main">
+  <p:cSld>
+    <p:spTree>
+      <p:nvGrpSpPr>
+        <p:cNvPr id="1" name="">
+          <a:extLst>
+            <a:ext uri="{FF2B5EF4-FFF2-40B4-BE49-F238E27FC236}">
+              <a16:creationId xmlns:a16="http://schemas.microsoft.com/office/drawing/2014/main" id="{208817AE-9025-C9FB-65BF-979DD3E6BE1E}"/>
+            </a:ext>
+          </a:extLst>
+        </p:cNvPr>
+        <p:cNvGrpSpPr/>
+        <p:nvPr/>
+      </p:nvGrpSpPr>
+      <p:grpSpPr>
+        <a:xfrm>
+          <a:off x="0" y="0"/>
+          <a:ext cx="0" cy="0"/>
+          <a:chOff x="0" y="0"/>
+          <a:chExt cx="0" cy="0"/>
+        </a:xfrm>
+      </p:grpSpPr>
+      <p:sp>
+        <p:nvSpPr>
+          <p:cNvPr id="3" name="字幕 2">
+            <a:extLst>
+              <a:ext uri="{FF2B5EF4-FFF2-40B4-BE49-F238E27FC236}">
+                <a16:creationId xmlns:a16="http://schemas.microsoft.com/office/drawing/2014/main" id="{24BB5568-E83F-E316-5C11-766044F8521D}"/>
+              </a:ext>
+            </a:extLst>
+          </p:cNvPr>
+          <p:cNvSpPr>
+            <a:spLocks noGrp="1"/>
+          </p:cNvSpPr>
+          <p:nvPr>
+            <p:ph type="subTitle" idx="1"/>
+          </p:nvPr>
+        </p:nvSpPr>
+        <p:spPr>
+          <a:xfrm>
+            <a:off x="0" y="0"/>
+            <a:ext cx="2001068" cy="318986"/>
+          </a:xfrm>
+        </p:spPr>
+        <p:txBody>
+          <a:bodyPr>
+            <a:normAutofit/>
+          </a:bodyPr>
+          <a:lstStyle/>
+          <a:p>
+            <a:pPr algn="l"/>
+            <a:r>
+              <a:rPr lang="ja-JP" altLang="en-US" sz="1400" dirty="0">
+                <a:latin typeface="HGS明朝E" panose="02020900000000000000" pitchFamily="18" charset="-128"/>
+                <a:ea typeface="HGS明朝E" panose="02020900000000000000" pitchFamily="18" charset="-128"/>
+              </a:rPr>
+              <a:t>チケット予約システム</a:t>
+            </a:r>
+            <a:endParaRPr kumimoji="1" lang="ja-JP" altLang="en-US" sz="1400" dirty="0">
+              <a:latin typeface="HGS明朝E" panose="02020900000000000000" pitchFamily="18" charset="-128"/>
+              <a:ea typeface="HGS明朝E" panose="02020900000000000000" pitchFamily="18" charset="-128"/>
+            </a:endParaRPr>
+          </a:p>
+        </p:txBody>
+      </p:sp>
+      <p:pic>
+        <p:nvPicPr>
+          <p:cNvPr id="4" name="図 3" descr="黒い背景に白い文字がある&#10;&#10;低い精度で自動的に生成された説明">
+            <a:extLst>
+              <a:ext uri="{FF2B5EF4-FFF2-40B4-BE49-F238E27FC236}">
+                <a16:creationId xmlns:a16="http://schemas.microsoft.com/office/drawing/2014/main" id="{075C4F1F-38BB-96DA-E0DD-84BE1D34FAE9}"/>
+              </a:ext>
+            </a:extLst>
+          </p:cNvPr>
+          <p:cNvPicPr>
+            <a:picLocks noChangeAspect="1"/>
+          </p:cNvPicPr>
+          <p:nvPr/>
+        </p:nvPicPr>
+        <p:blipFill>
+          <a:blip r:embed="rId2">
+            <a:extLst>
+              <a:ext uri="{28A0092B-C50C-407E-A947-70E740481C1C}">
+                <a14:useLocalDpi xmlns:a14="http://schemas.microsoft.com/office/drawing/2010/main" val="0"/>
+              </a:ext>
+            </a:extLst>
+          </a:blip>
+          <a:stretch>
+            <a:fillRect/>
+          </a:stretch>
+        </p:blipFill>
+        <p:spPr>
+          <a:xfrm>
+            <a:off x="9982230" y="121271"/>
+            <a:ext cx="2001068" cy="636703"/>
+          </a:xfrm>
+          <a:prstGeom prst="rect">
+            <a:avLst/>
+          </a:prstGeom>
+        </p:spPr>
+      </p:pic>
+      <p:cxnSp>
+        <p:nvCxnSpPr>
+          <p:cNvPr id="9" name="直線コネクタ 8">
+            <a:extLst>
+              <a:ext uri="{FF2B5EF4-FFF2-40B4-BE49-F238E27FC236}">
+                <a16:creationId xmlns:a16="http://schemas.microsoft.com/office/drawing/2014/main" id="{55FB4FE4-293D-5975-DDD9-B7662347F694}"/>
+              </a:ext>
+            </a:extLst>
+          </p:cNvPr>
+          <p:cNvCxnSpPr>
+            <a:cxnSpLocks/>
+          </p:cNvCxnSpPr>
+          <p:nvPr/>
+        </p:nvCxnSpPr>
+        <p:spPr>
+          <a:xfrm>
+            <a:off x="0" y="757974"/>
+            <a:ext cx="9513651" cy="0"/>
+          </a:xfrm>
+          <a:prstGeom prst="line">
+            <a:avLst/>
+          </a:prstGeom>
+          <a:ln>
+            <a:solidFill>
+              <a:schemeClr val="accent1">
+                <a:lumMod val="50000"/>
+              </a:schemeClr>
+            </a:solidFill>
+          </a:ln>
+        </p:spPr>
+        <p:style>
+          <a:lnRef idx="2">
+            <a:schemeClr val="accent1"/>
+          </a:lnRef>
+          <a:fillRef idx="0">
+            <a:schemeClr val="accent1"/>
+          </a:fillRef>
+          <a:effectRef idx="1">
+            <a:schemeClr val="accent1"/>
+          </a:effectRef>
+          <a:fontRef idx="minor">
+            <a:schemeClr val="tx1"/>
+          </a:fontRef>
+        </p:style>
+      </p:cxnSp>
+      <p:sp>
+        <p:nvSpPr>
+          <p:cNvPr id="16" name="正方形/長方形 15">
+            <a:extLst>
+              <a:ext uri="{FF2B5EF4-FFF2-40B4-BE49-F238E27FC236}">
+                <a16:creationId xmlns:a16="http://schemas.microsoft.com/office/drawing/2014/main" id="{6F501CEB-2353-2F18-4B0D-E62FF8B210BC}"/>
+              </a:ext>
+            </a:extLst>
+          </p:cNvPr>
+          <p:cNvSpPr/>
+          <p:nvPr/>
+        </p:nvSpPr>
+        <p:spPr>
+          <a:xfrm>
+            <a:off x="126460" y="904672"/>
+            <a:ext cx="11955293" cy="5832053"/>
+          </a:xfrm>
+          <a:prstGeom prst="rect">
+            <a:avLst/>
+          </a:prstGeom>
+          <a:solidFill>
+            <a:schemeClr val="bg1">
+              <a:lumMod val="95000"/>
+            </a:schemeClr>
+          </a:solidFill>
+          <a:ln>
+            <a:solidFill>
+              <a:schemeClr val="accent1">
+                <a:lumMod val="50000"/>
+              </a:schemeClr>
+            </a:solidFill>
+          </a:ln>
+        </p:spPr>
+        <p:style>
+          <a:lnRef idx="2">
+            <a:schemeClr val="accent1">
+              <a:shade val="15000"/>
+            </a:schemeClr>
+          </a:lnRef>
+          <a:fillRef idx="1">
+            <a:schemeClr val="accent1"/>
+          </a:fillRef>
+          <a:effectRef idx="0">
+            <a:schemeClr val="accent1"/>
+          </a:effectRef>
+          <a:fontRef idx="minor">
+            <a:schemeClr val="lt1"/>
+          </a:fontRef>
+        </p:style>
+        <p:txBody>
+          <a:bodyPr rtlCol="0" anchor="ctr"/>
+          <a:lstStyle/>
+          <a:p>
+            <a:pPr algn="ctr"/>
+            <a:endParaRPr kumimoji="1" lang="ja-JP" altLang="en-US"/>
+          </a:p>
+        </p:txBody>
+      </p:sp>
+      <p:sp>
+        <p:nvSpPr>
+          <p:cNvPr id="6" name="テキスト ボックス 5">
+            <a:extLst>
+              <a:ext uri="{FF2B5EF4-FFF2-40B4-BE49-F238E27FC236}">
+                <a16:creationId xmlns:a16="http://schemas.microsoft.com/office/drawing/2014/main" id="{0681500A-DA20-90CA-91AF-3ECC2E0943D2}"/>
+              </a:ext>
+            </a:extLst>
+          </p:cNvPr>
+          <p:cNvSpPr txBox="1"/>
+          <p:nvPr/>
+        </p:nvSpPr>
+        <p:spPr>
+          <a:xfrm>
+            <a:off x="208702" y="233464"/>
+            <a:ext cx="8020897" cy="523220"/>
+          </a:xfrm>
+          <a:prstGeom prst="rect">
+            <a:avLst/>
+          </a:prstGeom>
+          <a:noFill/>
+        </p:spPr>
+        <p:txBody>
+          <a:bodyPr wrap="square" rtlCol="0">
+            <a:spAutoFit/>
+          </a:bodyPr>
+          <a:lstStyle/>
+          <a:p>
+            <a:r>
+              <a:rPr kumimoji="1" lang="en-US" altLang="ja-JP" sz="2800" dirty="0">
+                <a:latin typeface="HGS明朝E" panose="02020900000000000000" pitchFamily="18" charset="-128"/>
+                <a:ea typeface="HGS明朝E" panose="02020900000000000000" pitchFamily="18" charset="-128"/>
+              </a:rPr>
+              <a:t>Chapter 3 : </a:t>
+            </a:r>
+            <a:r>
+              <a:rPr kumimoji="1" lang="ja-JP" altLang="en-US" sz="2800" dirty="0">
+                <a:latin typeface="HGS明朝E" panose="02020900000000000000" pitchFamily="18" charset="-128"/>
+                <a:ea typeface="HGS明朝E" panose="02020900000000000000" pitchFamily="18" charset="-128"/>
+              </a:rPr>
+              <a:t>環境構築</a:t>
+            </a:r>
+          </a:p>
+        </p:txBody>
+      </p:sp>
+      <p:sp>
+        <p:nvSpPr>
+          <p:cNvPr id="10" name="テキスト ボックス 9">
+            <a:extLst>
+              <a:ext uri="{FF2B5EF4-FFF2-40B4-BE49-F238E27FC236}">
+                <a16:creationId xmlns:a16="http://schemas.microsoft.com/office/drawing/2014/main" id="{BF4EA789-1E9D-4435-7AA2-7208ED84A0B1}"/>
+              </a:ext>
+            </a:extLst>
+          </p:cNvPr>
+          <p:cNvSpPr txBox="1"/>
+          <p:nvPr/>
+        </p:nvSpPr>
+        <p:spPr>
+          <a:xfrm>
+            <a:off x="208702" y="982894"/>
+            <a:ext cx="11774595" cy="369332"/>
+          </a:xfrm>
+          <a:prstGeom prst="rect">
+            <a:avLst/>
+          </a:prstGeom>
+          <a:noFill/>
+        </p:spPr>
+        <p:txBody>
+          <a:bodyPr wrap="square" rtlCol="0">
+            <a:spAutoFit/>
+          </a:bodyPr>
+          <a:lstStyle/>
+          <a:p>
+            <a:r>
+              <a:rPr kumimoji="1" lang="en-US" altLang="ja-JP" dirty="0"/>
+              <a:t>Spring boot </a:t>
+            </a:r>
+            <a:r>
+              <a:rPr kumimoji="1" lang="ja-JP" altLang="en-US" dirty="0"/>
+              <a:t>クラス一覧</a:t>
+            </a:r>
+          </a:p>
+        </p:txBody>
+      </p:sp>
+      <p:sp>
+        <p:nvSpPr>
+          <p:cNvPr id="11" name="テキスト ボックス 10">
+            <a:extLst>
+              <a:ext uri="{FF2B5EF4-FFF2-40B4-BE49-F238E27FC236}">
+                <a16:creationId xmlns:a16="http://schemas.microsoft.com/office/drawing/2014/main" id="{705FFBB2-7DA4-1131-BDF1-ABC392791539}"/>
+              </a:ext>
+            </a:extLst>
+          </p:cNvPr>
+          <p:cNvSpPr txBox="1"/>
+          <p:nvPr/>
+        </p:nvSpPr>
+        <p:spPr>
+          <a:xfrm>
+            <a:off x="530006" y="1352226"/>
+            <a:ext cx="10915178" cy="369332"/>
+          </a:xfrm>
+          <a:prstGeom prst="rect">
+            <a:avLst/>
+          </a:prstGeom>
+          <a:noFill/>
+        </p:spPr>
+        <p:txBody>
+          <a:bodyPr wrap="square" rtlCol="0">
+            <a:spAutoFit/>
+          </a:bodyPr>
+          <a:lstStyle/>
+          <a:p>
+            <a:r>
+              <a:rPr kumimoji="1" lang="en-US" altLang="ja-JP" dirty="0"/>
+              <a:t>Controller</a:t>
+            </a:r>
+            <a:endParaRPr kumimoji="1" lang="ja-JP" altLang="en-US" dirty="0"/>
+          </a:p>
+        </p:txBody>
+      </p:sp>
+      <p:sp>
+        <p:nvSpPr>
+          <p:cNvPr id="12" name="テキスト ボックス 11">
+            <a:extLst>
+              <a:ext uri="{FF2B5EF4-FFF2-40B4-BE49-F238E27FC236}">
+                <a16:creationId xmlns:a16="http://schemas.microsoft.com/office/drawing/2014/main" id="{86EC10CA-6856-290B-D101-D82B5C4210F7}"/>
+              </a:ext>
+            </a:extLst>
+          </p:cNvPr>
+          <p:cNvSpPr txBox="1"/>
+          <p:nvPr/>
+        </p:nvSpPr>
+        <p:spPr>
+          <a:xfrm>
+            <a:off x="1068119" y="1721558"/>
+            <a:ext cx="10915178" cy="2308324"/>
+          </a:xfrm>
+          <a:prstGeom prst="rect">
+            <a:avLst/>
+          </a:prstGeom>
+          <a:noFill/>
+        </p:spPr>
+        <p:txBody>
+          <a:bodyPr wrap="square" rtlCol="0">
+            <a:spAutoFit/>
+          </a:bodyPr>
+          <a:lstStyle/>
+          <a:p>
+            <a:r>
+              <a:rPr kumimoji="1" lang="en-US" altLang="ja-JP" dirty="0" err="1"/>
+              <a:t>MainController</a:t>
+            </a:r>
+            <a:endParaRPr kumimoji="1" lang="en-US" altLang="ja-JP" dirty="0"/>
+          </a:p>
+          <a:p>
+            <a:pPr marL="285750" indent="-285750">
+              <a:buFont typeface="Arial" panose="020B0604020202020204" pitchFamily="34" charset="0"/>
+              <a:buChar char="•"/>
+            </a:pPr>
+            <a:r>
+              <a:rPr kumimoji="1" lang="en-US" altLang="ja-JP" dirty="0" err="1"/>
+              <a:t>checkSession</a:t>
+            </a:r>
+            <a:r>
+              <a:rPr kumimoji="1" lang="en-US" altLang="ja-JP" dirty="0"/>
+              <a:t>(Model </a:t>
+            </a:r>
+            <a:r>
+              <a:rPr kumimoji="1" lang="en-US" altLang="ja-JP" dirty="0" err="1"/>
+              <a:t>model</a:t>
+            </a:r>
+            <a:r>
+              <a:rPr kumimoji="1" lang="en-US" altLang="ja-JP" dirty="0"/>
+              <a:t>, String </a:t>
+            </a:r>
+            <a:r>
+              <a:rPr kumimoji="1" lang="en-US" altLang="ja-JP" dirty="0" err="1"/>
+              <a:t>pageName</a:t>
+            </a:r>
+            <a:r>
+              <a:rPr kumimoji="1" lang="en-US" altLang="ja-JP" dirty="0"/>
+              <a:t>)</a:t>
+            </a:r>
+          </a:p>
+          <a:p>
+            <a:pPr marL="285750" indent="-285750">
+              <a:buFont typeface="Arial" panose="020B0604020202020204" pitchFamily="34" charset="0"/>
+              <a:buChar char="•"/>
+            </a:pPr>
+            <a:r>
+              <a:rPr kumimoji="1" lang="en-US" altLang="ja-JP" dirty="0" err="1"/>
+              <a:t>checkUserSession</a:t>
+            </a:r>
+            <a:r>
+              <a:rPr kumimoji="1" lang="en-US" altLang="ja-JP" dirty="0"/>
+              <a:t>(Model </a:t>
+            </a:r>
+            <a:r>
+              <a:rPr kumimoji="1" lang="en-US" altLang="ja-JP" dirty="0" err="1"/>
+              <a:t>model</a:t>
+            </a:r>
+            <a:r>
+              <a:rPr kumimoji="1" lang="en-US" altLang="ja-JP" dirty="0"/>
+              <a:t>, String </a:t>
+            </a:r>
+            <a:r>
+              <a:rPr kumimoji="1" lang="en-US" altLang="ja-JP" dirty="0" err="1"/>
+              <a:t>pageName</a:t>
+            </a:r>
+            <a:r>
+              <a:rPr kumimoji="1" lang="en-US" altLang="ja-JP" dirty="0"/>
+              <a:t>)</a:t>
+            </a:r>
+          </a:p>
+          <a:p>
+            <a:pPr marL="285750" indent="-285750">
+              <a:buFont typeface="Arial" panose="020B0604020202020204" pitchFamily="34" charset="0"/>
+              <a:buChar char="•"/>
+            </a:pPr>
+            <a:r>
+              <a:rPr kumimoji="1" lang="en-US" altLang="ja-JP" dirty="0" err="1"/>
+              <a:t>checkDefStSession</a:t>
+            </a:r>
+            <a:r>
+              <a:rPr kumimoji="1" lang="en-US" altLang="ja-JP" dirty="0"/>
+              <a:t>(Model </a:t>
+            </a:r>
+            <a:r>
+              <a:rPr kumimoji="1" lang="en-US" altLang="ja-JP" dirty="0" err="1"/>
+              <a:t>model</a:t>
+            </a:r>
+            <a:r>
+              <a:rPr kumimoji="1" lang="en-US" altLang="ja-JP" dirty="0"/>
+              <a:t>, String </a:t>
+            </a:r>
+            <a:r>
+              <a:rPr kumimoji="1" lang="en-US" altLang="ja-JP" dirty="0" err="1"/>
+              <a:t>pageName</a:t>
+            </a:r>
+            <a:r>
+              <a:rPr kumimoji="1" lang="en-US" altLang="ja-JP" dirty="0"/>
+              <a:t>)</a:t>
+            </a:r>
+          </a:p>
+          <a:p>
+            <a:pPr marL="285750" indent="-285750">
+              <a:buFont typeface="Arial" panose="020B0604020202020204" pitchFamily="34" charset="0"/>
+              <a:buChar char="•"/>
+            </a:pPr>
+            <a:r>
+              <a:rPr kumimoji="1" lang="en-US" altLang="ja-JP" dirty="0" err="1"/>
+              <a:t>setEnvData</a:t>
+            </a:r>
+            <a:r>
+              <a:rPr kumimoji="1" lang="en-US" altLang="ja-JP" dirty="0"/>
+              <a:t>(Model model)</a:t>
+            </a:r>
+          </a:p>
+          <a:p>
+            <a:pPr marL="285750" indent="-285750">
+              <a:buFont typeface="Arial" panose="020B0604020202020204" pitchFamily="34" charset="0"/>
+              <a:buChar char="•"/>
+            </a:pPr>
+            <a:r>
+              <a:rPr kumimoji="1" lang="en-US" altLang="ja-JP" dirty="0" err="1"/>
+              <a:t>goLoginPage</a:t>
+            </a:r>
+            <a:r>
+              <a:rPr kumimoji="1" lang="en-US" altLang="ja-JP" dirty="0"/>
+              <a:t>(Model model)</a:t>
+            </a:r>
+          </a:p>
+          <a:p>
+            <a:pPr marL="285750" indent="-285750">
+              <a:buFont typeface="Arial" panose="020B0604020202020204" pitchFamily="34" charset="0"/>
+              <a:buChar char="•"/>
+            </a:pPr>
+            <a:r>
+              <a:rPr kumimoji="1" lang="en-US" altLang="ja-JP" dirty="0" err="1"/>
+              <a:t>goRootPage</a:t>
+            </a:r>
+            <a:r>
+              <a:rPr kumimoji="1" lang="en-US" altLang="ja-JP" dirty="0"/>
+              <a:t>(Model model)</a:t>
+            </a:r>
+          </a:p>
+          <a:p>
+            <a:pPr marL="285750" indent="-285750">
+              <a:buFont typeface="Arial" panose="020B0604020202020204" pitchFamily="34" charset="0"/>
+              <a:buChar char="•"/>
+            </a:pPr>
+            <a:r>
+              <a:rPr kumimoji="1" lang="en-US" altLang="ja-JP" dirty="0" err="1"/>
+              <a:t>accessRoot</a:t>
+            </a:r>
+            <a:r>
+              <a:rPr kumimoji="1" lang="en-US" altLang="ja-JP" dirty="0"/>
+              <a:t>(Model </a:t>
+            </a:r>
+            <a:r>
+              <a:rPr kumimoji="1" lang="en-US" altLang="ja-JP" dirty="0" err="1"/>
+              <a:t>model</a:t>
+            </a:r>
+            <a:r>
+              <a:rPr kumimoji="1" lang="en-US" altLang="ja-JP" dirty="0"/>
+              <a:t>, String mode, String </a:t>
+            </a:r>
+            <a:r>
+              <a:rPr kumimoji="1" lang="en-US" altLang="ja-JP" dirty="0" err="1"/>
+              <a:t>userId</a:t>
+            </a:r>
+            <a:r>
+              <a:rPr kumimoji="1" lang="en-US" altLang="ja-JP" dirty="0"/>
+              <a:t>, String </a:t>
+            </a:r>
+            <a:r>
+              <a:rPr kumimoji="1" lang="en-US" altLang="ja-JP" dirty="0" err="1"/>
+              <a:t>userPass</a:t>
+            </a:r>
+            <a:r>
+              <a:rPr kumimoji="1" lang="en-US" altLang="ja-JP" dirty="0"/>
+              <a:t>)</a:t>
+            </a:r>
+            <a:endParaRPr kumimoji="1" lang="ja-JP" altLang="en-US" dirty="0"/>
+          </a:p>
+        </p:txBody>
+      </p:sp>
+    </p:spTree>
+    <p:extLst>
+      <p:ext uri="{BB962C8B-B14F-4D97-AF65-F5344CB8AC3E}">
+        <p14:creationId xmlns:p14="http://schemas.microsoft.com/office/powerpoint/2010/main" val="916500716"/>
+      </p:ext>
+    </p:extLst>
+  </p:cSld>
+  <p:clrMapOvr>
+    <a:masterClrMapping/>
+  </p:clrMapOvr>
+</p:sld>
+</file>
+
 <file path=ppt/slides/slide2.xml><?xml version="1.0" encoding="utf-8"?>
 <p:sld xmlns:a="http://schemas.openxmlformats.org/drawingml/2006/main" xmlns:r="http://schemas.openxmlformats.org/officeDocument/2006/relationships" xmlns:p="http://schemas.openxmlformats.org/presentationml/2006/main">
   <p:cSld>

--- a/りざっと案件_詳細設計書.pptx
+++ b/りざっと案件_詳細設計書.pptx
@@ -271,7 +271,7 @@
           <a:p>
             <a:fld id="{68C45014-0F33-4EC0-A353-D831A2E212C9}" type="datetimeFigureOut">
               <a:rPr kumimoji="1" lang="ja-JP" altLang="en-US" smtClean="0"/>
-              <a:t>2025/4/10</a:t>
+              <a:t>2025/5/26</a:t>
             </a:fld>
             <a:endParaRPr kumimoji="1" lang="ja-JP" altLang="en-US"/>
           </a:p>
@@ -501,7 +501,7 @@
           <a:p>
             <a:fld id="{68C45014-0F33-4EC0-A353-D831A2E212C9}" type="datetimeFigureOut">
               <a:rPr kumimoji="1" lang="ja-JP" altLang="en-US" smtClean="0"/>
-              <a:t>2025/4/10</a:t>
+              <a:t>2025/5/26</a:t>
             </a:fld>
             <a:endParaRPr kumimoji="1" lang="ja-JP" altLang="en-US"/>
           </a:p>
@@ -741,7 +741,7 @@
           <a:p>
             <a:fld id="{68C45014-0F33-4EC0-A353-D831A2E212C9}" type="datetimeFigureOut">
               <a:rPr kumimoji="1" lang="ja-JP" altLang="en-US" smtClean="0"/>
-              <a:t>2025/4/10</a:t>
+              <a:t>2025/5/26</a:t>
             </a:fld>
             <a:endParaRPr kumimoji="1" lang="ja-JP" altLang="en-US"/>
           </a:p>
@@ -971,7 +971,7 @@
           <a:p>
             <a:fld id="{68C45014-0F33-4EC0-A353-D831A2E212C9}" type="datetimeFigureOut">
               <a:rPr kumimoji="1" lang="ja-JP" altLang="en-US" smtClean="0"/>
-              <a:t>2025/4/10</a:t>
+              <a:t>2025/5/26</a:t>
             </a:fld>
             <a:endParaRPr kumimoji="1" lang="ja-JP" altLang="en-US"/>
           </a:p>
@@ -1246,7 +1246,7 @@
           <a:p>
             <a:fld id="{68C45014-0F33-4EC0-A353-D831A2E212C9}" type="datetimeFigureOut">
               <a:rPr kumimoji="1" lang="ja-JP" altLang="en-US" smtClean="0"/>
-              <a:t>2025/4/10</a:t>
+              <a:t>2025/5/26</a:t>
             </a:fld>
             <a:endParaRPr kumimoji="1" lang="ja-JP" altLang="en-US"/>
           </a:p>
@@ -1575,7 +1575,7 @@
           <a:p>
             <a:fld id="{68C45014-0F33-4EC0-A353-D831A2E212C9}" type="datetimeFigureOut">
               <a:rPr kumimoji="1" lang="ja-JP" altLang="en-US" smtClean="0"/>
-              <a:t>2025/4/10</a:t>
+              <a:t>2025/5/26</a:t>
             </a:fld>
             <a:endParaRPr kumimoji="1" lang="ja-JP" altLang="en-US"/>
           </a:p>
@@ -2051,7 +2051,7 @@
           <a:p>
             <a:fld id="{68C45014-0F33-4EC0-A353-D831A2E212C9}" type="datetimeFigureOut">
               <a:rPr kumimoji="1" lang="ja-JP" altLang="en-US" smtClean="0"/>
-              <a:t>2025/4/10</a:t>
+              <a:t>2025/5/26</a:t>
             </a:fld>
             <a:endParaRPr kumimoji="1" lang="ja-JP" altLang="en-US"/>
           </a:p>
@@ -2192,7 +2192,7 @@
           <a:p>
             <a:fld id="{68C45014-0F33-4EC0-A353-D831A2E212C9}" type="datetimeFigureOut">
               <a:rPr kumimoji="1" lang="ja-JP" altLang="en-US" smtClean="0"/>
-              <a:t>2025/4/10</a:t>
+              <a:t>2025/5/26</a:t>
             </a:fld>
             <a:endParaRPr kumimoji="1" lang="ja-JP" altLang="en-US"/>
           </a:p>
@@ -2305,7 +2305,7 @@
           <a:p>
             <a:fld id="{68C45014-0F33-4EC0-A353-D831A2E212C9}" type="datetimeFigureOut">
               <a:rPr kumimoji="1" lang="ja-JP" altLang="en-US" smtClean="0"/>
-              <a:t>2025/4/10</a:t>
+              <a:t>2025/5/26</a:t>
             </a:fld>
             <a:endParaRPr kumimoji="1" lang="ja-JP" altLang="en-US"/>
           </a:p>
@@ -2648,7 +2648,7 @@
           <a:p>
             <a:fld id="{68C45014-0F33-4EC0-A353-D831A2E212C9}" type="datetimeFigureOut">
               <a:rPr kumimoji="1" lang="ja-JP" altLang="en-US" smtClean="0"/>
-              <a:t>2025/4/10</a:t>
+              <a:t>2025/5/26</a:t>
             </a:fld>
             <a:endParaRPr kumimoji="1" lang="ja-JP" altLang="en-US"/>
           </a:p>
@@ -2936,7 +2936,7 @@
           <a:p>
             <a:fld id="{68C45014-0F33-4EC0-A353-D831A2E212C9}" type="datetimeFigureOut">
               <a:rPr kumimoji="1" lang="ja-JP" altLang="en-US" smtClean="0"/>
-              <a:t>2025/4/10</a:t>
+              <a:t>2025/5/26</a:t>
             </a:fld>
             <a:endParaRPr kumimoji="1" lang="ja-JP" altLang="en-US"/>
           </a:p>
@@ -3209,7 +3209,7 @@
           <a:p>
             <a:fld id="{68C45014-0F33-4EC0-A353-D831A2E212C9}" type="datetimeFigureOut">
               <a:rPr kumimoji="1" lang="ja-JP" altLang="en-US" smtClean="0"/>
-              <a:t>2025/4/10</a:t>
+              <a:t>2025/5/26</a:t>
             </a:fld>
             <a:endParaRPr kumimoji="1" lang="ja-JP" altLang="en-US"/>
           </a:p>
